--- a/Analyse/Presentatie/Sprint1.pptx
+++ b/Analyse/Presentatie/Sprint1.pptx
@@ -5,7 +5,7 @@
     <p:sldMasterId id="2147483660" r:id="rId1"/>
   </p:sldMasterIdLst>
   <p:notesMasterIdLst>
-    <p:notesMasterId r:id="rId27"/>
+    <p:notesMasterId r:id="rId28"/>
   </p:notesMasterIdLst>
   <p:sldIdLst>
     <p:sldId id="256" r:id="rId2"/>
@@ -31,8 +31,9 @@
     <p:sldId id="281" r:id="rId22"/>
     <p:sldId id="282" r:id="rId23"/>
     <p:sldId id="290" r:id="rId24"/>
-    <p:sldId id="265" r:id="rId25"/>
-    <p:sldId id="266" r:id="rId26"/>
+    <p:sldId id="292" r:id="rId25"/>
+    <p:sldId id="265" r:id="rId26"/>
+    <p:sldId id="266" r:id="rId27"/>
   </p:sldIdLst>
   <p:sldSz cx="9144000" cy="6858000" type="screen4x3"/>
   <p:notesSz cx="6858000" cy="9144000"/>
@@ -2231,13 +2232,7 @@
             <a:rPr lang="nl-NL" sz="1800" dirty="0" smtClean="0">
               <a:latin typeface="+mj-lt"/>
             </a:rPr>
-            <a:t>Veranderlijke intervallen  </a:t>
-          </a:r>
-          <a:r>
-            <a:rPr lang="nl-NL" sz="1800" dirty="0" smtClean="0">
-              <a:latin typeface="+mj-lt"/>
-            </a:rPr>
-            <a:t>= mogelijk</a:t>
+            <a:t>Veranderlijke intervallen  = mogelijk</a:t>
           </a:r>
           <a:endParaRPr lang="nl-NL" sz="1800" dirty="0">
             <a:latin typeface="+mj-lt"/>
@@ -2457,19 +2452,7 @@
             <a:rPr lang="nl-NL" sz="1600" dirty="0" smtClean="0">
               <a:latin typeface="+mj-lt"/>
             </a:rPr>
-            <a:t>Vraagt voor </a:t>
-          </a:r>
-          <a:r>
-            <a:rPr lang="nl-NL" sz="1600" dirty="0" smtClean="0">
-              <a:latin typeface="+mj-lt"/>
-            </a:rPr>
-            <a:t>elk </a:t>
-          </a:r>
-          <a:r>
-            <a:rPr lang="nl-NL" sz="1600" dirty="0" smtClean="0">
-              <a:latin typeface="+mj-lt"/>
-            </a:rPr>
-            <a:t>traject data aan de </a:t>
+            <a:t>Vraagt voor elk traject data aan de </a:t>
           </a:r>
           <a:r>
             <a:rPr lang="nl-NL" sz="1600" dirty="0" err="1" smtClean="0">
@@ -4152,7 +4135,7 @@
       <dgm:spPr/>
     </dgm:pt>
     <dgm:pt modelId="{6867AD70-2794-4058-A007-0587FBFE0C1F}" type="pres">
-      <dgm:prSet presAssocID="{8159326B-7C44-4343-8DC4-78CD3342CF01}" presName="aNode" presStyleLbl="bgShp" presStyleIdx="0" presStyleCnt="4"/>
+      <dgm:prSet presAssocID="{8159326B-7C44-4343-8DC4-78CD3342CF01}" presName="aNode" presStyleLbl="bgShp" presStyleIdx="0" presStyleCnt="4" custLinFactNeighborX="-4052" custLinFactNeighborY="-2558"/>
       <dgm:spPr/>
       <dgm:t>
         <a:bodyPr/>
@@ -4720,13 +4703,7 @@
             <a:rPr lang="nl-NL" sz="1800" kern="1200" dirty="0" smtClean="0">
               <a:latin typeface="+mj-lt"/>
             </a:rPr>
-            <a:t>Veranderlijke intervallen  </a:t>
-          </a:r>
-          <a:r>
-            <a:rPr lang="nl-NL" sz="1800" kern="1200" dirty="0" smtClean="0">
-              <a:latin typeface="+mj-lt"/>
-            </a:rPr>
-            <a:t>= mogelijk</a:t>
+            <a:t>Veranderlijke intervallen  = mogelijk</a:t>
           </a:r>
           <a:endParaRPr lang="nl-NL" sz="1800" kern="1200" dirty="0">
             <a:latin typeface="+mj-lt"/>
@@ -4988,19 +4965,7 @@
             <a:rPr lang="nl-NL" sz="1600" kern="1200" dirty="0" smtClean="0">
               <a:latin typeface="+mj-lt"/>
             </a:rPr>
-            <a:t>Vraagt voor </a:t>
-          </a:r>
-          <a:r>
-            <a:rPr lang="nl-NL" sz="1600" kern="1200" dirty="0" smtClean="0">
-              <a:latin typeface="+mj-lt"/>
-            </a:rPr>
-            <a:t>elk </a:t>
-          </a:r>
-          <a:r>
-            <a:rPr lang="nl-NL" sz="1600" kern="1200" dirty="0" smtClean="0">
-              <a:latin typeface="+mj-lt"/>
-            </a:rPr>
-            <a:t>traject data aan de </a:t>
+            <a:t>Vraagt voor elk traject data aan de </a:t>
           </a:r>
           <a:r>
             <a:rPr lang="nl-NL" sz="1600" kern="1200" dirty="0" err="1" smtClean="0">
@@ -6620,8 +6585,8 @@
       </dsp:nvSpPr>
       <dsp:spPr>
         <a:xfrm>
-          <a:off x="3778" y="0"/>
-          <a:ext cx="3707765" cy="5056336"/>
+          <a:off x="0" y="0"/>
+          <a:ext cx="3662545" cy="4990653"/>
         </a:xfrm>
         <a:prstGeom prst="roundRect">
           <a:avLst>
@@ -6705,8 +6670,8 @@
         </a:p>
       </dsp:txBody>
       <dsp:txXfrm>
-        <a:off x="3778" y="0"/>
-        <a:ext cx="3707765" cy="1516900"/>
+        <a:off x="0" y="0"/>
+        <a:ext cx="3662545" cy="1497195"/>
       </dsp:txXfrm>
     </dsp:sp>
     <dsp:sp modelId="{E49D5C6E-7CA5-44A0-A81F-E35908B0F6FE}">
@@ -6716,8 +6681,8 @@
       </dsp:nvSpPr>
       <dsp:spPr>
         <a:xfrm>
-          <a:off x="374555" y="1516900"/>
-          <a:ext cx="2966212" cy="3286618"/>
+          <a:off x="369987" y="1497195"/>
+          <a:ext cx="2930036" cy="3243924"/>
         </a:xfrm>
         <a:prstGeom prst="roundRect">
           <a:avLst>
@@ -6794,8 +6759,8 @@
         </a:p>
       </dsp:txBody>
       <dsp:txXfrm>
-        <a:off x="461432" y="1603777"/>
-        <a:ext cx="2792458" cy="3112864"/>
+        <a:off x="455805" y="1583013"/>
+        <a:ext cx="2758400" cy="3072288"/>
       </dsp:txXfrm>
     </dsp:sp>
     <dsp:sp modelId="{AF1C964E-4ACC-46DF-8A5F-0BF56A5BB1EB}">
@@ -6805,8 +6770,8 @@
       </dsp:nvSpPr>
       <dsp:spPr>
         <a:xfrm>
-          <a:off x="3989626" y="0"/>
-          <a:ext cx="3707765" cy="5056336"/>
+          <a:off x="3940968" y="0"/>
+          <a:ext cx="3662545" cy="4990653"/>
         </a:xfrm>
         <a:prstGeom prst="roundRect">
           <a:avLst>
@@ -6890,8 +6855,8 @@
         </a:p>
       </dsp:txBody>
       <dsp:txXfrm>
-        <a:off x="3989626" y="0"/>
-        <a:ext cx="3707765" cy="1516900"/>
+        <a:off x="3940968" y="0"/>
+        <a:ext cx="3662545" cy="1497195"/>
       </dsp:txXfrm>
     </dsp:sp>
     <dsp:sp modelId="{6B596E65-42D1-4AF0-8AF9-168D45F63303}">
@@ -6901,8 +6866,8 @@
       </dsp:nvSpPr>
       <dsp:spPr>
         <a:xfrm>
-          <a:off x="4360403" y="1516900"/>
-          <a:ext cx="2966212" cy="3286618"/>
+          <a:off x="4307223" y="1497195"/>
+          <a:ext cx="2930036" cy="3243924"/>
         </a:xfrm>
         <a:prstGeom prst="roundRect">
           <a:avLst>
@@ -6973,8 +6938,8 @@
         </a:p>
       </dsp:txBody>
       <dsp:txXfrm>
-        <a:off x="4447280" y="1603777"/>
-        <a:ext cx="2792458" cy="3112864"/>
+        <a:off x="4393041" y="1583013"/>
+        <a:ext cx="2758400" cy="3072288"/>
       </dsp:txXfrm>
     </dsp:sp>
     <dsp:sp modelId="{42AB661C-ED15-49AE-9200-99B37517FAA7}">
@@ -6984,8 +6949,8 @@
       </dsp:nvSpPr>
       <dsp:spPr>
         <a:xfrm>
-          <a:off x="7975475" y="0"/>
-          <a:ext cx="3707765" cy="5056336"/>
+          <a:off x="7878205" y="0"/>
+          <a:ext cx="3662545" cy="4990653"/>
         </a:xfrm>
         <a:prstGeom prst="roundRect">
           <a:avLst>
@@ -7069,8 +7034,8 @@
         </a:p>
       </dsp:txBody>
       <dsp:txXfrm>
-        <a:off x="7975475" y="0"/>
-        <a:ext cx="3707765" cy="1516900"/>
+        <a:off x="7878205" y="0"/>
+        <a:ext cx="3662545" cy="1497195"/>
       </dsp:txXfrm>
     </dsp:sp>
     <dsp:sp modelId="{86AE874A-27D4-4F28-A38A-54E29BBD68C1}">
@@ -7080,8 +7045,8 @@
       </dsp:nvSpPr>
       <dsp:spPr>
         <a:xfrm>
-          <a:off x="8346251" y="1518382"/>
-          <a:ext cx="2966212" cy="1524554"/>
+          <a:off x="8244460" y="1498658"/>
+          <a:ext cx="2930036" cy="1504750"/>
         </a:xfrm>
         <a:prstGeom prst="roundRect">
           <a:avLst>
@@ -7149,8 +7114,8 @@
         </a:p>
       </dsp:txBody>
       <dsp:txXfrm>
-        <a:off x="8390904" y="1563035"/>
-        <a:ext cx="2876906" cy="1435248"/>
+        <a:off x="8288533" y="1542731"/>
+        <a:ext cx="2841890" cy="1416604"/>
       </dsp:txXfrm>
     </dsp:sp>
     <dsp:sp modelId="{08DE3A77-9538-497B-A3C9-4812928EFD89}">
@@ -7160,8 +7125,8 @@
       </dsp:nvSpPr>
       <dsp:spPr>
         <a:xfrm>
-          <a:off x="8346251" y="3277483"/>
-          <a:ext cx="2966212" cy="1524554"/>
+          <a:off x="8244460" y="3234908"/>
+          <a:ext cx="2930036" cy="1504750"/>
         </a:xfrm>
         <a:prstGeom prst="roundRect">
           <a:avLst>
@@ -7229,8 +7194,8 @@
         </a:p>
       </dsp:txBody>
       <dsp:txXfrm>
-        <a:off x="8390904" y="3322136"/>
-        <a:ext cx="2876906" cy="1435248"/>
+        <a:off x="8288533" y="3278981"/>
+        <a:ext cx="2841890" cy="1416604"/>
       </dsp:txXfrm>
     </dsp:sp>
     <dsp:sp modelId="{8089853B-484A-4D8C-85EA-79DA3106583A}">
@@ -7240,8 +7205,8 @@
       </dsp:nvSpPr>
       <dsp:spPr>
         <a:xfrm>
-          <a:off x="11961323" y="0"/>
-          <a:ext cx="3707765" cy="5056336"/>
+          <a:off x="11815441" y="0"/>
+          <a:ext cx="3662545" cy="4990653"/>
         </a:xfrm>
         <a:prstGeom prst="roundRect">
           <a:avLst>
@@ -7325,8 +7290,8 @@
         </a:p>
       </dsp:txBody>
       <dsp:txXfrm>
-        <a:off x="11961323" y="0"/>
-        <a:ext cx="3707765" cy="1516900"/>
+        <a:off x="11815441" y="0"/>
+        <a:ext cx="3662545" cy="1497195"/>
       </dsp:txXfrm>
     </dsp:sp>
     <dsp:sp modelId="{225F2E50-4592-479E-A5AE-632BABACAE01}">
@@ -7336,8 +7301,8 @@
       </dsp:nvSpPr>
       <dsp:spPr>
         <a:xfrm>
-          <a:off x="12332100" y="1518382"/>
-          <a:ext cx="2966212" cy="1524554"/>
+          <a:off x="12181696" y="1498658"/>
+          <a:ext cx="2930036" cy="1504750"/>
         </a:xfrm>
         <a:prstGeom prst="roundRect">
           <a:avLst>
@@ -7408,8 +7373,8 @@
         </a:p>
       </dsp:txBody>
       <dsp:txXfrm>
-        <a:off x="12376753" y="1563035"/>
-        <a:ext cx="2876906" cy="1435248"/>
+        <a:off x="12225769" y="1542731"/>
+        <a:ext cx="2841890" cy="1416604"/>
       </dsp:txXfrm>
     </dsp:sp>
     <dsp:sp modelId="{954C94EF-64A3-4599-990A-05612BB23733}">
@@ -7419,8 +7384,8 @@
       </dsp:nvSpPr>
       <dsp:spPr>
         <a:xfrm>
-          <a:off x="12332100" y="3277483"/>
-          <a:ext cx="2966212" cy="1524554"/>
+          <a:off x="12181696" y="3234908"/>
+          <a:ext cx="2930036" cy="1504750"/>
         </a:xfrm>
         <a:prstGeom prst="roundRect">
           <a:avLst>
@@ -7497,8 +7462,8 @@
         </a:p>
       </dsp:txBody>
       <dsp:txXfrm>
-        <a:off x="12376753" y="3322136"/>
-        <a:ext cx="2876906" cy="1435248"/>
+        <a:off x="12225769" y="3278981"/>
+        <a:ext cx="2841890" cy="1416604"/>
       </dsp:txXfrm>
     </dsp:sp>
   </dsp:spTree>
@@ -10109,7 +10074,7 @@
           <a:p>
             <a:fld id="{57172956-6238-400D-9974-2016EE53E7AD}" type="datetimeFigureOut">
               <a:rPr lang="en-US" smtClean="0"/>
-              <a:t>3/6/2016</a:t>
+              <a:t>3/7/2016</a:t>
             </a:fld>
             <a:endParaRPr lang="en-US"/>
           </a:p>
@@ -11035,7 +11000,7 @@
           <a:p>
             <a:fld id="{7216033D-A50F-441E-B6E8-E8749D75AA34}" type="datetime1">
               <a:rPr lang="en-US" smtClean="0"/>
-              <a:t>3/6/2016</a:t>
+              <a:t>3/7/2016</a:t>
             </a:fld>
             <a:endParaRPr lang="en-US"/>
           </a:p>
@@ -11225,7 +11190,7 @@
           <a:p>
             <a:fld id="{5A718131-A238-4DF4-8946-89510EBFF6EE}" type="datetime1">
               <a:rPr lang="en-US" smtClean="0"/>
-              <a:t>3/6/2016</a:t>
+              <a:t>3/7/2016</a:t>
             </a:fld>
             <a:endParaRPr lang="en-US"/>
           </a:p>
@@ -11407,7 +11372,7 @@
           <a:p>
             <a:fld id="{408C53EC-3ADA-46A3-84A1-A6E696808619}" type="datetime1">
               <a:rPr lang="en-US" smtClean="0"/>
-              <a:t>3/6/2016</a:t>
+              <a:t>3/7/2016</a:t>
             </a:fld>
             <a:endParaRPr lang="en-US"/>
           </a:p>
@@ -11605,7 +11570,7 @@
           <a:p>
             <a:fld id="{155AD3F8-0CB2-4424-900C-3A9938219B82}" type="datetime1">
               <a:rPr lang="en-US" smtClean="0"/>
-              <a:t>3/6/2016</a:t>
+              <a:t>3/7/2016</a:t>
             </a:fld>
             <a:endParaRPr lang="en-US"/>
           </a:p>
@@ -11665,8 +11630,8 @@
         </p:nvSpPr>
         <p:spPr>
           <a:xfrm>
-            <a:off x="0" y="6381328"/>
-            <a:ext cx="3924300" cy="476250"/>
+            <a:off x="0" y="6453336"/>
+            <a:ext cx="3924300" cy="404242"/>
           </a:xfrm>
         </p:spPr>
         <p:txBody>
@@ -11676,7 +11641,7 @@
           <a:lstStyle>
             <a:lvl1pPr marL="109728" indent="0">
               <a:buNone/>
-              <a:defRPr sz="2000">
+              <a:defRPr sz="1600">
                 <a:solidFill>
                   <a:schemeClr val="bg1">
                     <a:lumMod val="65000"/>
@@ -11888,7 +11853,7 @@
           <a:p>
             <a:fld id="{55CD22CD-2874-4B82-88B6-9E6CE5B09A90}" type="datetime1">
               <a:rPr lang="en-US" smtClean="0"/>
-              <a:t>3/6/2016</a:t>
+              <a:t>3/7/2016</a:t>
             </a:fld>
             <a:endParaRPr lang="en-US"/>
           </a:p>
@@ -12154,7 +12119,7 @@
           <a:p>
             <a:fld id="{C2EBF0EE-308B-4261-8306-2186CC58AD56}" type="datetime1">
               <a:rPr lang="en-US" smtClean="0"/>
-              <a:t>3/6/2016</a:t>
+              <a:t>3/7/2016</a:t>
             </a:fld>
             <a:endParaRPr lang="en-US"/>
           </a:p>
@@ -12281,18 +12246,22 @@
             <a:off x="381000" y="2244970"/>
             <a:ext cx="4041648" cy="457200"/>
           </a:xfrm>
-          <a:solidFill>
+          <a:ln/>
+        </p:spPr>
+        <p:style>
+          <a:lnRef idx="2">
             <a:schemeClr val="accent2">
-              <a:satMod val="150000"/>
-              <a:alpha val="25000"/>
+              <a:shade val="50000"/>
             </a:schemeClr>
-          </a:solidFill>
-          <a:ln w="12700">
-            <a:solidFill>
-              <a:schemeClr val="accent2"/>
-            </a:solidFill>
-          </a:ln>
-        </p:spPr>
+          </a:lnRef>
+          <a:fillRef idx="1">
+            <a:schemeClr val="accent2"/>
+          </a:fillRef>
+          <a:effectRef idx="0">
+            <a:schemeClr val="accent2"/>
+          </a:effectRef>
+          <a:fontRef idx="none"/>
+        </p:style>
         <p:txBody>
           <a:bodyPr anchor="ctr">
             <a:noAutofit/>
@@ -12302,9 +12271,7 @@
               <a:buNone/>
               <a:defRPr sz="1900" b="1">
                 <a:solidFill>
-                  <a:schemeClr val="tx1">
-                    <a:tint val="95000"/>
-                  </a:schemeClr>
+                  <a:schemeClr val="bg1"/>
                 </a:solidFill>
               </a:defRPr>
             </a:lvl1pPr>
@@ -12328,7 +12295,7 @@
           <a:p>
             <a:pPr lvl="0" eaLnBrk="1" latinLnBrk="0" hangingPunct="1"/>
             <a:r>
-              <a:rPr kumimoji="0" lang="nl-NL" smtClean="0"/>
+              <a:rPr kumimoji="0" lang="nl-NL" dirty="0" smtClean="0"/>
               <a:t>Klik om de modelstijlen te bewerken</a:t>
             </a:r>
           </a:p>
@@ -12349,18 +12316,22 @@
             <a:off x="4721225" y="2244970"/>
             <a:ext cx="4041775" cy="457200"/>
           </a:xfrm>
-          <a:solidFill>
+          <a:ln/>
+        </p:spPr>
+        <p:style>
+          <a:lnRef idx="2">
             <a:schemeClr val="accent2">
-              <a:satMod val="150000"/>
-              <a:alpha val="25000"/>
+              <a:shade val="50000"/>
             </a:schemeClr>
-          </a:solidFill>
-          <a:ln w="12700">
-            <a:solidFill>
-              <a:schemeClr val="accent2"/>
-            </a:solidFill>
-          </a:ln>
-        </p:spPr>
+          </a:lnRef>
+          <a:fillRef idx="1">
+            <a:schemeClr val="accent2"/>
+          </a:fillRef>
+          <a:effectRef idx="0">
+            <a:schemeClr val="accent2"/>
+          </a:effectRef>
+          <a:fontRef idx="none"/>
+        </p:style>
         <p:txBody>
           <a:bodyPr anchor="ctr">
             <a:noAutofit/>
@@ -12370,9 +12341,7 @@
               <a:buNone/>
               <a:defRPr sz="1900" b="1">
                 <a:solidFill>
-                  <a:schemeClr val="tx1">
-                    <a:tint val="95000"/>
-                  </a:schemeClr>
+                  <a:schemeClr val="bg1"/>
                 </a:solidFill>
               </a:defRPr>
             </a:lvl1pPr>
@@ -12396,7 +12365,7 @@
           <a:p>
             <a:pPr lvl="0" eaLnBrk="1" latinLnBrk="0" hangingPunct="1"/>
             <a:r>
-              <a:rPr kumimoji="0" lang="nl-NL" smtClean="0"/>
+              <a:rPr kumimoji="0" lang="nl-NL" dirty="0" smtClean="0"/>
               <a:t>Klik om de modelstijlen te bewerken</a:t>
             </a:r>
           </a:p>
@@ -12414,7 +12383,7 @@
         </p:nvSpPr>
         <p:spPr>
           <a:xfrm>
-            <a:off x="381000" y="2708519"/>
+            <a:off x="381000" y="2855168"/>
             <a:ext cx="4041648" cy="3886200"/>
           </a:xfrm>
         </p:spPr>
@@ -12487,7 +12456,7 @@
         </p:nvSpPr>
         <p:spPr>
           <a:xfrm>
-            <a:off x="4718304" y="2708519"/>
+            <a:off x="4718304" y="2855168"/>
             <a:ext cx="4041775" cy="3886200"/>
           </a:xfrm>
         </p:spPr>
@@ -12565,7 +12534,7 @@
           <a:p>
             <a:fld id="{5E56E209-1B83-4994-B637-085281926E54}" type="datetime1">
               <a:rPr lang="en-US" smtClean="0"/>
-              <a:t>3/6/2016</a:t>
+              <a:t>3/7/2016</a:t>
             </a:fld>
             <a:endParaRPr lang="en-US"/>
           </a:p>
@@ -12703,7 +12672,7 @@
           <a:p>
             <a:fld id="{F541C875-329B-4A70-8668-B6469EBE2DD5}" type="datetime1">
               <a:rPr lang="en-US" smtClean="0"/>
-              <a:t>3/6/2016</a:t>
+              <a:t>3/7/2016</a:t>
             </a:fld>
             <a:endParaRPr lang="en-US"/>
           </a:p>
@@ -12810,7 +12779,7 @@
           <a:p>
             <a:fld id="{EBAB312E-881B-4ECD-8FB7-2C1BFD20B6EB}" type="datetime1">
               <a:rPr lang="en-US" smtClean="0"/>
-              <a:t>3/6/2016</a:t>
+              <a:t>3/7/2016</a:t>
             </a:fld>
             <a:endParaRPr lang="en-US"/>
           </a:p>
@@ -13062,7 +13031,7 @@
           <a:p>
             <a:fld id="{7DFECBBB-CCAA-4C33-BD88-5804D3D60320}" type="datetime1">
               <a:rPr lang="en-US" smtClean="0"/>
-              <a:t>3/6/2016</a:t>
+              <a:t>3/7/2016</a:t>
             </a:fld>
             <a:endParaRPr lang="en-US"/>
           </a:p>
@@ -13313,7 +13282,7 @@
           <a:p>
             <a:fld id="{510A15E1-5C83-4B96-B803-688E2B3FA7CC}" type="datetime1">
               <a:rPr lang="en-US" smtClean="0"/>
-              <a:t>3/6/2016</a:t>
+              <a:t>3/7/2016</a:t>
             </a:fld>
             <a:endParaRPr lang="en-US"/>
           </a:p>
@@ -14144,7 +14113,7 @@
           <a:p>
             <a:fld id="{FFAA0A22-F2FE-4DAE-AFFF-153695AE9C8C}" type="datetime1">
               <a:rPr lang="en-US" smtClean="0"/>
-              <a:t>3/6/2016</a:t>
+              <a:t>3/7/2016</a:t>
             </a:fld>
             <a:endParaRPr lang="en-US"/>
           </a:p>
@@ -14582,33 +14551,10 @@
             <p:ph type="ctrTitle"/>
           </p:nvPr>
         </p:nvSpPr>
-        <p:spPr/>
-        <p:txBody>
-          <a:bodyPr/>
-          <a:lstStyle/>
-          <a:p>
-            <a:r>
-              <a:rPr lang="nl-BE" smtClean="0"/>
-              <a:t>Sprint 1</a:t>
-            </a:r>
-            <a:endParaRPr lang="en-US" dirty="0"/>
-          </a:p>
-        </p:txBody>
-      </p:sp>
-      <p:sp>
-        <p:nvSpPr>
-          <p:cNvPr id="3" name="Ondertitel 2"/>
-          <p:cNvSpPr>
-            <a:spLocks noGrp="1"/>
-          </p:cNvSpPr>
-          <p:nvPr>
-            <p:ph type="subTitle" idx="1"/>
-          </p:nvPr>
-        </p:nvSpPr>
         <p:spPr>
           <a:xfrm>
-            <a:off x="457200" y="5060776"/>
-            <a:ext cx="4953000" cy="1752600"/>
+            <a:off x="390769" y="2996952"/>
+            <a:ext cx="8458200" cy="1470025"/>
           </a:xfrm>
         </p:spPr>
         <p:txBody>
@@ -14617,30 +14563,7 @@
           <a:p>
             <a:r>
               <a:rPr lang="nl-BE" dirty="0" smtClean="0"/>
-              <a:t>Mike Brants</a:t>
-            </a:r>
-          </a:p>
-          <a:p>
-            <a:r>
-              <a:rPr lang="nl-BE" dirty="0" smtClean="0"/>
-              <a:t>Tobias Van der Pulst</a:t>
-            </a:r>
-          </a:p>
-          <a:p>
-            <a:r>
-              <a:rPr lang="nl-BE" dirty="0" smtClean="0"/>
-              <a:t>Thomas Vande </a:t>
-            </a:r>
-            <a:r>
-              <a:rPr lang="nl-BE" dirty="0" err="1" smtClean="0"/>
-              <a:t>Weghe</a:t>
-            </a:r>
-            <a:endParaRPr lang="nl-BE" dirty="0" smtClean="0"/>
-          </a:p>
-          <a:p>
-            <a:r>
-              <a:rPr lang="nl-BE" dirty="0" smtClean="0"/>
-              <a:t>Simon Vermeersch</a:t>
+              <a:t>Sprint 1</a:t>
             </a:r>
             <a:endParaRPr lang="en-US" dirty="0"/>
           </a:p>
@@ -14700,6 +14623,218 @@
           </a:prstGeom>
         </p:spPr>
       </p:pic>
+      <p:sp>
+        <p:nvSpPr>
+          <p:cNvPr id="9" name="Ondertitel 2"/>
+          <p:cNvSpPr txBox="1">
+            <a:spLocks/>
+          </p:cNvSpPr>
+          <p:nvPr/>
+        </p:nvSpPr>
+        <p:spPr>
+          <a:xfrm>
+            <a:off x="457200" y="5069455"/>
+            <a:ext cx="4953000" cy="1752600"/>
+          </a:xfrm>
+          <a:prstGeom prst="rect">
+            <a:avLst/>
+          </a:prstGeom>
+        </p:spPr>
+        <p:txBody>
+          <a:bodyPr vert="horz">
+            <a:normAutofit/>
+          </a:bodyPr>
+          <a:lstStyle>
+            <a:lvl1pPr marL="64008" indent="0" algn="l" rtl="0" eaLnBrk="1" latinLnBrk="0" hangingPunct="1">
+              <a:spcBef>
+                <a:spcPts val="300"/>
+              </a:spcBef>
+              <a:buClr>
+                <a:schemeClr val="accent3"/>
+              </a:buClr>
+              <a:buFont typeface="Georgia"/>
+              <a:buNone/>
+              <a:defRPr kumimoji="0" sz="2400" kern="1200">
+                <a:solidFill>
+                  <a:schemeClr val="tx2"/>
+                </a:solidFill>
+                <a:latin typeface="+mj-lt"/>
+                <a:ea typeface="+mn-ea"/>
+                <a:cs typeface="+mn-cs"/>
+              </a:defRPr>
+            </a:lvl1pPr>
+            <a:lvl2pPr marL="457200" indent="0" algn="ctr" rtl="0" eaLnBrk="1" latinLnBrk="0" hangingPunct="1">
+              <a:spcBef>
+                <a:spcPts val="300"/>
+              </a:spcBef>
+              <a:buClr>
+                <a:schemeClr val="accent2"/>
+              </a:buClr>
+              <a:buFont typeface="Georgia"/>
+              <a:buNone/>
+              <a:defRPr kumimoji="0" sz="2600" kern="1200">
+                <a:solidFill>
+                  <a:schemeClr val="accent2"/>
+                </a:solidFill>
+                <a:latin typeface="+mj-lt"/>
+                <a:ea typeface="+mn-ea"/>
+                <a:cs typeface="+mn-cs"/>
+              </a:defRPr>
+            </a:lvl2pPr>
+            <a:lvl3pPr marL="914400" indent="0" algn="ctr" rtl="0" eaLnBrk="1" latinLnBrk="0" hangingPunct="1">
+              <a:spcBef>
+                <a:spcPts val="300"/>
+              </a:spcBef>
+              <a:buClr>
+                <a:schemeClr val="accent1"/>
+              </a:buClr>
+              <a:buFont typeface="Wingdings 2"/>
+              <a:buNone/>
+              <a:defRPr kumimoji="0" sz="2400" kern="1200">
+                <a:solidFill>
+                  <a:schemeClr val="accent1"/>
+                </a:solidFill>
+                <a:latin typeface="+mj-lt"/>
+                <a:ea typeface="+mn-ea"/>
+                <a:cs typeface="+mn-cs"/>
+              </a:defRPr>
+            </a:lvl3pPr>
+            <a:lvl4pPr marL="1371600" indent="0" algn="ctr" rtl="0" eaLnBrk="1" latinLnBrk="0" hangingPunct="1">
+              <a:spcBef>
+                <a:spcPts val="300"/>
+              </a:spcBef>
+              <a:buClr>
+                <a:schemeClr val="accent1"/>
+              </a:buClr>
+              <a:buFont typeface="Wingdings 2"/>
+              <a:buNone/>
+              <a:defRPr kumimoji="0" sz="2200" kern="1200">
+                <a:solidFill>
+                  <a:schemeClr val="accent1"/>
+                </a:solidFill>
+                <a:latin typeface="+mj-lt"/>
+                <a:ea typeface="+mn-ea"/>
+                <a:cs typeface="+mn-cs"/>
+              </a:defRPr>
+            </a:lvl4pPr>
+            <a:lvl5pPr marL="1828800" indent="0" algn="ctr" rtl="0" eaLnBrk="1" latinLnBrk="0" hangingPunct="1">
+              <a:spcBef>
+                <a:spcPts val="300"/>
+              </a:spcBef>
+              <a:buClr>
+                <a:schemeClr val="accent3"/>
+              </a:buClr>
+              <a:buFont typeface="Georgia"/>
+              <a:buNone/>
+              <a:defRPr kumimoji="0" sz="2000" kern="1200">
+                <a:solidFill>
+                  <a:schemeClr val="accent3"/>
+                </a:solidFill>
+                <a:latin typeface="+mj-lt"/>
+                <a:ea typeface="+mn-ea"/>
+                <a:cs typeface="+mn-cs"/>
+              </a:defRPr>
+            </a:lvl5pPr>
+            <a:lvl6pPr marL="2286000" indent="0" algn="ctr" rtl="0" eaLnBrk="1" latinLnBrk="0" hangingPunct="1">
+              <a:spcBef>
+                <a:spcPts val="300"/>
+              </a:spcBef>
+              <a:buClr>
+                <a:schemeClr val="accent3"/>
+              </a:buClr>
+              <a:buFont typeface="Georgia"/>
+              <a:buNone/>
+              <a:defRPr kumimoji="0" sz="1800" kern="1200">
+                <a:solidFill>
+                  <a:schemeClr val="accent3"/>
+                </a:solidFill>
+                <a:latin typeface="+mn-lt"/>
+                <a:ea typeface="+mn-ea"/>
+                <a:cs typeface="+mn-cs"/>
+              </a:defRPr>
+            </a:lvl6pPr>
+            <a:lvl7pPr marL="2743200" indent="0" algn="ctr" rtl="0" eaLnBrk="1" latinLnBrk="0" hangingPunct="1">
+              <a:spcBef>
+                <a:spcPts val="300"/>
+              </a:spcBef>
+              <a:buClr>
+                <a:schemeClr val="accent3"/>
+              </a:buClr>
+              <a:buFont typeface="Georgia"/>
+              <a:buNone/>
+              <a:defRPr kumimoji="0" sz="1600" kern="1200">
+                <a:solidFill>
+                  <a:schemeClr val="accent3"/>
+                </a:solidFill>
+                <a:latin typeface="+mn-lt"/>
+                <a:ea typeface="+mn-ea"/>
+                <a:cs typeface="+mn-cs"/>
+              </a:defRPr>
+            </a:lvl7pPr>
+            <a:lvl8pPr marL="3200400" indent="0" algn="ctr" rtl="0" eaLnBrk="1" latinLnBrk="0" hangingPunct="1">
+              <a:spcBef>
+                <a:spcPts val="300"/>
+              </a:spcBef>
+              <a:buClr>
+                <a:schemeClr val="accent3"/>
+              </a:buClr>
+              <a:buFont typeface="Georgia"/>
+              <a:buNone/>
+              <a:defRPr kumimoji="0" sz="1500" kern="1200">
+                <a:solidFill>
+                  <a:schemeClr val="accent3"/>
+                </a:solidFill>
+                <a:latin typeface="+mn-lt"/>
+                <a:ea typeface="+mn-ea"/>
+                <a:cs typeface="+mn-cs"/>
+              </a:defRPr>
+            </a:lvl8pPr>
+            <a:lvl9pPr marL="3657600" indent="0" algn="ctr" rtl="0" eaLnBrk="1" latinLnBrk="0" hangingPunct="1">
+              <a:spcBef>
+                <a:spcPts val="300"/>
+              </a:spcBef>
+              <a:buClr>
+                <a:schemeClr val="accent3"/>
+              </a:buClr>
+              <a:buFont typeface="Georgia"/>
+              <a:buNone/>
+              <a:defRPr kumimoji="0" sz="1400" kern="1200" baseline="0">
+                <a:solidFill>
+                  <a:schemeClr val="accent3"/>
+                </a:solidFill>
+                <a:latin typeface="+mn-lt"/>
+                <a:ea typeface="+mn-ea"/>
+                <a:cs typeface="+mn-cs"/>
+              </a:defRPr>
+            </a:lvl9pPr>
+          </a:lstStyle>
+          <a:p>
+            <a:r>
+              <a:rPr lang="nl-BE" smtClean="0"/>
+              <a:t>Mike Brants</a:t>
+            </a:r>
+          </a:p>
+          <a:p>
+            <a:r>
+              <a:rPr lang="nl-BE" smtClean="0"/>
+              <a:t>Tobias Van der Pulst</a:t>
+            </a:r>
+          </a:p>
+          <a:p>
+            <a:r>
+              <a:rPr lang="nl-BE" smtClean="0"/>
+              <a:t>Thomas Vande Weghe</a:t>
+            </a:r>
+          </a:p>
+          <a:p>
+            <a:r>
+              <a:rPr lang="nl-BE" smtClean="0"/>
+              <a:t>Simon Vermeersch</a:t>
+            </a:r>
+            <a:endParaRPr lang="en-US" dirty="0"/>
+          </a:p>
+        </p:txBody>
+      </p:sp>
     </p:spTree>
     <p:extLst>
       <p:ext uri="{BB962C8B-B14F-4D97-AF65-F5344CB8AC3E}">
@@ -14761,7 +14896,6 @@
               <a:rPr lang="nl-BE" dirty="0" smtClean="0"/>
               <a:t>Project</a:t>
             </a:r>
-            <a:endParaRPr lang="nl-BE" dirty="0" smtClean="0"/>
           </a:p>
           <a:p>
             <a:pPr lvl="1"/>
@@ -14775,11 +14909,7 @@
             </a:r>
             <a:r>
               <a:rPr lang="nl-BE" dirty="0" smtClean="0"/>
-              <a:t>, </a:t>
-            </a:r>
-            <a:r>
-              <a:rPr lang="nl-BE" dirty="0" smtClean="0"/>
-              <a:t>Business logic, </a:t>
+              <a:t>, Business logic, </a:t>
             </a:r>
             <a:r>
               <a:rPr lang="en-GB" dirty="0" smtClean="0"/>
@@ -15532,36 +15662,6 @@
           </a:p>
         </p:txBody>
       </p:sp>
-      <p:sp>
-        <p:nvSpPr>
-          <p:cNvPr id="8" name="Tijdelijke aanduiding voor tekst 7"/>
-          <p:cNvSpPr>
-            <a:spLocks noGrp="1"/>
-          </p:cNvSpPr>
-          <p:nvPr>
-            <p:ph type="body" sz="quarter" idx="13"/>
-          </p:nvPr>
-        </p:nvSpPr>
-        <p:spPr/>
-        <p:txBody>
-          <a:bodyPr/>
-          <a:lstStyle/>
-          <a:p>
-            <a:r>
-              <a:rPr lang="en-GB" dirty="0"/>
-              <a:t>Mike </a:t>
-            </a:r>
-            <a:r>
-              <a:rPr lang="en-GB" dirty="0" err="1"/>
-              <a:t>Brants</a:t>
-            </a:r>
-            <a:endParaRPr lang="en-GB" dirty="0"/>
-          </a:p>
-          <a:p>
-            <a:endParaRPr lang="en-GB" dirty="0"/>
-          </a:p>
-        </p:txBody>
-      </p:sp>
       <p:graphicFrame>
         <p:nvGraphicFramePr>
           <p:cNvPr id="5" name="Diagram 4"/>
@@ -15620,18 +15720,620 @@
                                     <p:cond delay="0"/>
                                   </p:stCondLst>
                                   <p:childTnLst>
-                                    <p:animMotion origin="layout" path="M 3.88889E-6 1.48148E-6 L -0.68785 -0.00093 " pathEditMode="relative" rAng="0" ptsTypes="AA">
+                                    <p:animMotion origin="layout" path="M 3.88889E-6 1.48148E-6 L -0.34931 -0.00093 " pathEditMode="relative" rAng="0" ptsTypes="AA">
                                       <p:cBhvr>
                                         <p:cTn id="6" dur="2000" fill="hold"/>
                                         <p:tgtEl>
-                                          <p:spTgt spid="5"/>
+                                          <p:spTgt spid="5">
+                                            <p:graphicEl>
+                                              <a:dgm id="{6867AD70-2794-4058-A007-0587FBFE0C1F}"/>
+                                            </p:graphicEl>
+                                          </p:spTgt>
                                         </p:tgtEl>
                                         <p:attrNameLst>
                                           <p:attrName>ppt_x</p:attrName>
                                           <p:attrName>ppt_y</p:attrName>
                                         </p:attrNameLst>
                                       </p:cBhvr>
-                                      <p:rCtr x="-34392" y="-46"/>
+                                      <p:rCtr x="-17465" y="-46"/>
+                                    </p:animMotion>
+                                  </p:childTnLst>
+                                </p:cTn>
+                              </p:par>
+                              <p:par>
+                                <p:cTn id="7" presetID="35" presetClass="path" presetSubtype="0" accel="50000" decel="50000" fill="hold" grpId="0" nodeType="withEffect">
+                                  <p:stCondLst>
+                                    <p:cond delay="0"/>
+                                  </p:stCondLst>
+                                  <p:childTnLst>
+                                    <p:animMotion origin="layout" path="M 3.88889E-6 1.48148E-6 L -0.34931 -0.00093 " pathEditMode="relative" rAng="0" ptsTypes="AA">
+                                      <p:cBhvr>
+                                        <p:cTn id="8" dur="2000" fill="hold"/>
+                                        <p:tgtEl>
+                                          <p:spTgt spid="5">
+                                            <p:graphicEl>
+                                              <a:dgm id="{E49D5C6E-7CA5-44A0-A81F-E35908B0F6FE}"/>
+                                            </p:graphicEl>
+                                          </p:spTgt>
+                                        </p:tgtEl>
+                                        <p:attrNameLst>
+                                          <p:attrName>ppt_x</p:attrName>
+                                          <p:attrName>ppt_y</p:attrName>
+                                        </p:attrNameLst>
+                                      </p:cBhvr>
+                                      <p:rCtr x="-17465" y="-46"/>
+                                    </p:animMotion>
+                                  </p:childTnLst>
+                                </p:cTn>
+                              </p:par>
+                              <p:par>
+                                <p:cTn id="9" presetID="35" presetClass="path" presetSubtype="0" accel="50000" decel="50000" fill="hold" grpId="0" nodeType="withEffect">
+                                  <p:stCondLst>
+                                    <p:cond delay="0"/>
+                                  </p:stCondLst>
+                                  <p:childTnLst>
+                                    <p:animMotion origin="layout" path="M 3.88889E-6 1.48148E-6 L -0.34931 -0.00093 " pathEditMode="relative" rAng="0" ptsTypes="AA">
+                                      <p:cBhvr>
+                                        <p:cTn id="10" dur="2000" fill="hold"/>
+                                        <p:tgtEl>
+                                          <p:spTgt spid="5">
+                                            <p:graphicEl>
+                                              <a:dgm id="{D047C669-4AF5-46F8-8162-39BAE8123EDF}"/>
+                                            </p:graphicEl>
+                                          </p:spTgt>
+                                        </p:tgtEl>
+                                        <p:attrNameLst>
+                                          <p:attrName>ppt_x</p:attrName>
+                                          <p:attrName>ppt_y</p:attrName>
+                                        </p:attrNameLst>
+                                      </p:cBhvr>
+                                      <p:rCtr x="-17465" y="-46"/>
+                                    </p:animMotion>
+                                  </p:childTnLst>
+                                </p:cTn>
+                              </p:par>
+                              <p:par>
+                                <p:cTn id="11" presetID="35" presetClass="path" presetSubtype="0" accel="50000" decel="50000" fill="hold" grpId="0" nodeType="withEffect">
+                                  <p:stCondLst>
+                                    <p:cond delay="0"/>
+                                  </p:stCondLst>
+                                  <p:childTnLst>
+                                    <p:animMotion origin="layout" path="M 3.88889E-6 1.48148E-6 L -0.34931 -0.00093 " pathEditMode="relative" rAng="0" ptsTypes="AA">
+                                      <p:cBhvr>
+                                        <p:cTn id="12" dur="2000" fill="hold"/>
+                                        <p:tgtEl>
+                                          <p:spTgt spid="5">
+                                            <p:graphicEl>
+                                              <a:dgm id="{AF1C964E-4ACC-46DF-8A5F-0BF56A5BB1EB}"/>
+                                            </p:graphicEl>
+                                          </p:spTgt>
+                                        </p:tgtEl>
+                                        <p:attrNameLst>
+                                          <p:attrName>ppt_x</p:attrName>
+                                          <p:attrName>ppt_y</p:attrName>
+                                        </p:attrNameLst>
+                                      </p:cBhvr>
+                                      <p:rCtr x="-17465" y="-46"/>
+                                    </p:animMotion>
+                                  </p:childTnLst>
+                                </p:cTn>
+                              </p:par>
+                              <p:par>
+                                <p:cTn id="13" presetID="35" presetClass="path" presetSubtype="0" accel="50000" decel="50000" fill="hold" grpId="0" nodeType="withEffect">
+                                  <p:stCondLst>
+                                    <p:cond delay="0"/>
+                                  </p:stCondLst>
+                                  <p:childTnLst>
+                                    <p:animMotion origin="layout" path="M 3.88889E-6 1.48148E-6 L -0.34931 -0.00093 " pathEditMode="relative" rAng="0" ptsTypes="AA">
+                                      <p:cBhvr>
+                                        <p:cTn id="14" dur="2000" fill="hold"/>
+                                        <p:tgtEl>
+                                          <p:spTgt spid="5">
+                                            <p:graphicEl>
+                                              <a:dgm id="{6B596E65-42D1-4AF0-8AF9-168D45F63303}"/>
+                                            </p:graphicEl>
+                                          </p:spTgt>
+                                        </p:tgtEl>
+                                        <p:attrNameLst>
+                                          <p:attrName>ppt_x</p:attrName>
+                                          <p:attrName>ppt_y</p:attrName>
+                                        </p:attrNameLst>
+                                      </p:cBhvr>
+                                      <p:rCtr x="-17465" y="-46"/>
+                                    </p:animMotion>
+                                  </p:childTnLst>
+                                </p:cTn>
+                              </p:par>
+                              <p:par>
+                                <p:cTn id="15" presetID="35" presetClass="path" presetSubtype="0" accel="50000" decel="50000" fill="hold" grpId="0" nodeType="withEffect">
+                                  <p:stCondLst>
+                                    <p:cond delay="0"/>
+                                  </p:stCondLst>
+                                  <p:childTnLst>
+                                    <p:animMotion origin="layout" path="M 3.88889E-6 1.48148E-6 L -0.34931 -0.00093 " pathEditMode="relative" rAng="0" ptsTypes="AA">
+                                      <p:cBhvr>
+                                        <p:cTn id="16" dur="2000" fill="hold"/>
+                                        <p:tgtEl>
+                                          <p:spTgt spid="5">
+                                            <p:graphicEl>
+                                              <a:dgm id="{B7137BFD-DDB4-4690-AC9C-DDE283324D97}"/>
+                                            </p:graphicEl>
+                                          </p:spTgt>
+                                        </p:tgtEl>
+                                        <p:attrNameLst>
+                                          <p:attrName>ppt_x</p:attrName>
+                                          <p:attrName>ppt_y</p:attrName>
+                                        </p:attrNameLst>
+                                      </p:cBhvr>
+                                      <p:rCtr x="-17465" y="-46"/>
+                                    </p:animMotion>
+                                  </p:childTnLst>
+                                </p:cTn>
+                              </p:par>
+                              <p:par>
+                                <p:cTn id="17" presetID="35" presetClass="path" presetSubtype="0" accel="50000" decel="50000" fill="hold" grpId="0" nodeType="withEffect">
+                                  <p:stCondLst>
+                                    <p:cond delay="0"/>
+                                  </p:stCondLst>
+                                  <p:childTnLst>
+                                    <p:animMotion origin="layout" path="M 3.88889E-6 1.48148E-6 L -0.34931 -0.00093 " pathEditMode="relative" rAng="0" ptsTypes="AA">
+                                      <p:cBhvr>
+                                        <p:cTn id="18" dur="2000" fill="hold"/>
+                                        <p:tgtEl>
+                                          <p:spTgt spid="5">
+                                            <p:graphicEl>
+                                              <a:dgm id="{4BE6F441-80E9-42E2-8D94-2E7A8D6E36FB}"/>
+                                            </p:graphicEl>
+                                          </p:spTgt>
+                                        </p:tgtEl>
+                                        <p:attrNameLst>
+                                          <p:attrName>ppt_x</p:attrName>
+                                          <p:attrName>ppt_y</p:attrName>
+                                        </p:attrNameLst>
+                                      </p:cBhvr>
+                                      <p:rCtr x="-17465" y="-46"/>
+                                    </p:animMotion>
+                                  </p:childTnLst>
+                                </p:cTn>
+                              </p:par>
+                              <p:par>
+                                <p:cTn id="19" presetID="35" presetClass="path" presetSubtype="0" accel="50000" decel="50000" fill="hold" grpId="0" nodeType="withEffect">
+                                  <p:stCondLst>
+                                    <p:cond delay="0"/>
+                                  </p:stCondLst>
+                                  <p:childTnLst>
+                                    <p:animMotion origin="layout" path="M 3.88889E-6 1.48148E-6 L -0.34931 -0.00093 " pathEditMode="relative" rAng="0" ptsTypes="AA">
+                                      <p:cBhvr>
+                                        <p:cTn id="20" dur="2000" fill="hold"/>
+                                        <p:tgtEl>
+                                          <p:spTgt spid="5">
+                                            <p:graphicEl>
+                                              <a:dgm id="{42AB661C-ED15-49AE-9200-99B37517FAA7}"/>
+                                            </p:graphicEl>
+                                          </p:spTgt>
+                                        </p:tgtEl>
+                                        <p:attrNameLst>
+                                          <p:attrName>ppt_x</p:attrName>
+                                          <p:attrName>ppt_y</p:attrName>
+                                        </p:attrNameLst>
+                                      </p:cBhvr>
+                                      <p:rCtr x="-17465" y="-46"/>
+                                    </p:animMotion>
+                                  </p:childTnLst>
+                                </p:cTn>
+                              </p:par>
+                              <p:par>
+                                <p:cTn id="21" presetID="35" presetClass="path" presetSubtype="0" accel="50000" decel="50000" fill="hold" grpId="0" nodeType="withEffect">
+                                  <p:stCondLst>
+                                    <p:cond delay="0"/>
+                                  </p:stCondLst>
+                                  <p:childTnLst>
+                                    <p:animMotion origin="layout" path="M 3.88889E-6 1.48148E-6 L -0.34931 -0.00093 " pathEditMode="relative" rAng="0" ptsTypes="AA">
+                                      <p:cBhvr>
+                                        <p:cTn id="22" dur="2000" fill="hold"/>
+                                        <p:tgtEl>
+                                          <p:spTgt spid="5">
+                                            <p:graphicEl>
+                                              <a:dgm id="{601034A3-191F-41A6-9A53-DF734548D105}"/>
+                                            </p:graphicEl>
+                                          </p:spTgt>
+                                        </p:tgtEl>
+                                        <p:attrNameLst>
+                                          <p:attrName>ppt_x</p:attrName>
+                                          <p:attrName>ppt_y</p:attrName>
+                                        </p:attrNameLst>
+                                      </p:cBhvr>
+                                      <p:rCtr x="-17465" y="-46"/>
+                                    </p:animMotion>
+                                  </p:childTnLst>
+                                </p:cTn>
+                              </p:par>
+                              <p:par>
+                                <p:cTn id="23" presetID="35" presetClass="path" presetSubtype="0" accel="50000" decel="50000" fill="hold" grpId="0" nodeType="withEffect">
+                                  <p:stCondLst>
+                                    <p:cond delay="0"/>
+                                  </p:stCondLst>
+                                  <p:childTnLst>
+                                    <p:animMotion origin="layout" path="M 3.88889E-6 1.48148E-6 L -0.34931 -0.00093 " pathEditMode="relative" rAng="0" ptsTypes="AA">
+                                      <p:cBhvr>
+                                        <p:cTn id="24" dur="2000" fill="hold"/>
+                                        <p:tgtEl>
+                                          <p:spTgt spid="5">
+                                            <p:graphicEl>
+                                              <a:dgm id="{EE39D523-AC73-4392-AC77-77C7220763B6}"/>
+                                            </p:graphicEl>
+                                          </p:spTgt>
+                                        </p:tgtEl>
+                                        <p:attrNameLst>
+                                          <p:attrName>ppt_x</p:attrName>
+                                          <p:attrName>ppt_y</p:attrName>
+                                        </p:attrNameLst>
+                                      </p:cBhvr>
+                                      <p:rCtr x="-17465" y="-46"/>
+                                    </p:animMotion>
+                                  </p:childTnLst>
+                                </p:cTn>
+                              </p:par>
+                              <p:par>
+                                <p:cTn id="25" presetID="35" presetClass="path" presetSubtype="0" accel="50000" decel="50000" fill="hold" grpId="0" nodeType="withEffect">
+                                  <p:stCondLst>
+                                    <p:cond delay="0"/>
+                                  </p:stCondLst>
+                                  <p:childTnLst>
+                                    <p:animMotion origin="layout" path="M 3.88889E-6 1.48148E-6 L -0.34931 -0.00093 " pathEditMode="relative" rAng="0" ptsTypes="AA">
+                                      <p:cBhvr>
+                                        <p:cTn id="26" dur="2000" fill="hold"/>
+                                        <p:tgtEl>
+                                          <p:spTgt spid="5">
+                                            <p:graphicEl>
+                                              <a:dgm id="{8D39B5C2-A82F-438E-9691-729F26D85642}"/>
+                                            </p:graphicEl>
+                                          </p:spTgt>
+                                        </p:tgtEl>
+                                        <p:attrNameLst>
+                                          <p:attrName>ppt_x</p:attrName>
+                                          <p:attrName>ppt_y</p:attrName>
+                                        </p:attrNameLst>
+                                      </p:cBhvr>
+                                      <p:rCtr x="-17465" y="-46"/>
+                                    </p:animMotion>
+                                  </p:childTnLst>
+                                </p:cTn>
+                              </p:par>
+                              <p:par>
+                                <p:cTn id="27" presetID="35" presetClass="path" presetSubtype="0" accel="50000" decel="50000" fill="hold" grpId="0" nodeType="withEffect">
+                                  <p:stCondLst>
+                                    <p:cond delay="0"/>
+                                  </p:stCondLst>
+                                  <p:childTnLst>
+                                    <p:animMotion origin="layout" path="M 3.88889E-6 1.48148E-6 L -0.34931 -0.00093 " pathEditMode="relative" rAng="0" ptsTypes="AA">
+                                      <p:cBhvr>
+                                        <p:cTn id="28" dur="2000" fill="hold"/>
+                                        <p:tgtEl>
+                                          <p:spTgt spid="5">
+                                            <p:graphicEl>
+                                              <a:dgm id="{DFF2DE64-3912-48E6-96DE-FA8312BB934C}"/>
+                                            </p:graphicEl>
+                                          </p:spTgt>
+                                        </p:tgtEl>
+                                        <p:attrNameLst>
+                                          <p:attrName>ppt_x</p:attrName>
+                                          <p:attrName>ppt_y</p:attrName>
+                                        </p:attrNameLst>
+                                      </p:cBhvr>
+                                      <p:rCtr x="-17465" y="-46"/>
+                                    </p:animMotion>
+                                  </p:childTnLst>
+                                </p:cTn>
+                              </p:par>
+                              <p:par>
+                                <p:cTn id="29" presetID="35" presetClass="path" presetSubtype="0" accel="50000" decel="50000" fill="hold" grpId="0" nodeType="withEffect">
+                                  <p:stCondLst>
+                                    <p:cond delay="0"/>
+                                  </p:stCondLst>
+                                  <p:childTnLst>
+                                    <p:animMotion origin="layout" path="M 3.88889E-6 1.48148E-6 L -0.34931 -0.00093 " pathEditMode="relative" rAng="0" ptsTypes="AA">
+                                      <p:cBhvr>
+                                        <p:cTn id="30" dur="2000" fill="hold"/>
+                                        <p:tgtEl>
+                                          <p:spTgt spid="5">
+                                            <p:graphicEl>
+                                              <a:dgm id="{E6CD3A07-DC14-465C-9A62-15762B2DDB79}"/>
+                                            </p:graphicEl>
+                                          </p:spTgt>
+                                        </p:tgtEl>
+                                        <p:attrNameLst>
+                                          <p:attrName>ppt_x</p:attrName>
+                                          <p:attrName>ppt_y</p:attrName>
+                                        </p:attrNameLst>
+                                      </p:cBhvr>
+                                      <p:rCtr x="-17465" y="-46"/>
+                                    </p:animMotion>
+                                  </p:childTnLst>
+                                </p:cTn>
+                              </p:par>
+                              <p:par>
+                                <p:cTn id="31" presetID="35" presetClass="path" presetSubtype="0" accel="50000" decel="50000" fill="hold" grpId="0" nodeType="withEffect">
+                                  <p:stCondLst>
+                                    <p:cond delay="0"/>
+                                  </p:stCondLst>
+                                  <p:childTnLst>
+                                    <p:animMotion origin="layout" path="M 3.88889E-6 1.48148E-6 L -0.34931 -0.00093 " pathEditMode="relative" rAng="0" ptsTypes="AA">
+                                      <p:cBhvr>
+                                        <p:cTn id="32" dur="2000" fill="hold"/>
+                                        <p:tgtEl>
+                                          <p:spTgt spid="5">
+                                            <p:graphicEl>
+                                              <a:dgm id="{7CAAFA02-0B4B-4EB3-BEDE-AEB070C2F81F}"/>
+                                            </p:graphicEl>
+                                          </p:spTgt>
+                                        </p:tgtEl>
+                                        <p:attrNameLst>
+                                          <p:attrName>ppt_x</p:attrName>
+                                          <p:attrName>ppt_y</p:attrName>
+                                        </p:attrNameLst>
+                                      </p:cBhvr>
+                                      <p:rCtr x="-17465" y="-46"/>
+                                    </p:animMotion>
+                                  </p:childTnLst>
+                                </p:cTn>
+                              </p:par>
+                              <p:par>
+                                <p:cTn id="33" presetID="35" presetClass="path" presetSubtype="0" accel="50000" decel="50000" fill="hold" grpId="0" nodeType="withEffect">
+                                  <p:stCondLst>
+                                    <p:cond delay="0"/>
+                                  </p:stCondLst>
+                                  <p:childTnLst>
+                                    <p:animMotion origin="layout" path="M 3.88889E-6 1.48148E-6 L -0.34931 -0.00093 " pathEditMode="relative" rAng="0" ptsTypes="AA">
+                                      <p:cBhvr>
+                                        <p:cTn id="34" dur="2000" fill="hold"/>
+                                        <p:tgtEl>
+                                          <p:spTgt spid="5">
+                                            <p:graphicEl>
+                                              <a:dgm id="{076125C3-B8CA-4BEA-8672-649EA4C304ED}"/>
+                                            </p:graphicEl>
+                                          </p:spTgt>
+                                        </p:tgtEl>
+                                        <p:attrNameLst>
+                                          <p:attrName>ppt_x</p:attrName>
+                                          <p:attrName>ppt_y</p:attrName>
+                                        </p:attrNameLst>
+                                      </p:cBhvr>
+                                      <p:rCtr x="-17465" y="-46"/>
+                                    </p:animMotion>
+                                  </p:childTnLst>
+                                </p:cTn>
+                              </p:par>
+                              <p:par>
+                                <p:cTn id="35" presetID="35" presetClass="path" presetSubtype="0" accel="50000" decel="50000" fill="hold" grpId="0" nodeType="withEffect">
+                                  <p:stCondLst>
+                                    <p:cond delay="0"/>
+                                  </p:stCondLst>
+                                  <p:childTnLst>
+                                    <p:animMotion origin="layout" path="M 3.88889E-6 1.48148E-6 L -0.34931 -0.00093 " pathEditMode="relative" rAng="0" ptsTypes="AA">
+                                      <p:cBhvr>
+                                        <p:cTn id="36" dur="2000" fill="hold"/>
+                                        <p:tgtEl>
+                                          <p:spTgt spid="5">
+                                            <p:graphicEl>
+                                              <a:dgm id="{B11961AC-77AE-4A85-9FD1-22CD1F3AC7EE}"/>
+                                            </p:graphicEl>
+                                          </p:spTgt>
+                                        </p:tgtEl>
+                                        <p:attrNameLst>
+                                          <p:attrName>ppt_x</p:attrName>
+                                          <p:attrName>ppt_y</p:attrName>
+                                        </p:attrNameLst>
+                                      </p:cBhvr>
+                                      <p:rCtr x="-17465" y="-46"/>
+                                    </p:animMotion>
+                                  </p:childTnLst>
+                                </p:cTn>
+                              </p:par>
+                              <p:par>
+                                <p:cTn id="37" presetID="35" presetClass="path" presetSubtype="0" accel="50000" decel="50000" fill="hold" grpId="0" nodeType="withEffect">
+                                  <p:stCondLst>
+                                    <p:cond delay="0"/>
+                                  </p:stCondLst>
+                                  <p:childTnLst>
+                                    <p:animMotion origin="layout" path="M 3.88889E-6 1.48148E-6 L -0.34931 -0.00093 " pathEditMode="relative" rAng="0" ptsTypes="AA">
+                                      <p:cBhvr>
+                                        <p:cTn id="38" dur="2000" fill="hold"/>
+                                        <p:tgtEl>
+                                          <p:spTgt spid="5">
+                                            <p:graphicEl>
+                                              <a:dgm id="{6EEA1793-B06B-47DC-81F9-AFB8F6F895D9}"/>
+                                            </p:graphicEl>
+                                          </p:spTgt>
+                                        </p:tgtEl>
+                                        <p:attrNameLst>
+                                          <p:attrName>ppt_x</p:attrName>
+                                          <p:attrName>ppt_y</p:attrName>
+                                        </p:attrNameLst>
+                                      </p:cBhvr>
+                                      <p:rCtr x="-17465" y="-46"/>
+                                    </p:animMotion>
+                                  </p:childTnLst>
+                                </p:cTn>
+                              </p:par>
+                              <p:par>
+                                <p:cTn id="39" presetID="35" presetClass="path" presetSubtype="0" accel="50000" decel="50000" fill="hold" grpId="0" nodeType="withEffect">
+                                  <p:stCondLst>
+                                    <p:cond delay="0"/>
+                                  </p:stCondLst>
+                                  <p:childTnLst>
+                                    <p:animMotion origin="layout" path="M 3.88889E-6 1.48148E-6 L -0.34931 -0.00093 " pathEditMode="relative" rAng="0" ptsTypes="AA">
+                                      <p:cBhvr>
+                                        <p:cTn id="40" dur="2000" fill="hold"/>
+                                        <p:tgtEl>
+                                          <p:spTgt spid="5">
+                                            <p:graphicEl>
+                                              <a:dgm id="{347F2C06-6D53-480A-A19C-A66E010B43AA}"/>
+                                            </p:graphicEl>
+                                          </p:spTgt>
+                                        </p:tgtEl>
+                                        <p:attrNameLst>
+                                          <p:attrName>ppt_x</p:attrName>
+                                          <p:attrName>ppt_y</p:attrName>
+                                        </p:attrNameLst>
+                                      </p:cBhvr>
+                                      <p:rCtr x="-17465" y="-46"/>
+                                    </p:animMotion>
+                                  </p:childTnLst>
+                                </p:cTn>
+                              </p:par>
+                              <p:par>
+                                <p:cTn id="41" presetID="35" presetClass="path" presetSubtype="0" accel="50000" decel="50000" fill="hold" grpId="0" nodeType="withEffect">
+                                  <p:stCondLst>
+                                    <p:cond delay="0"/>
+                                  </p:stCondLst>
+                                  <p:childTnLst>
+                                    <p:animMotion origin="layout" path="M 3.88889E-6 1.48148E-6 L -0.34931 -0.00093 " pathEditMode="relative" rAng="0" ptsTypes="AA">
+                                      <p:cBhvr>
+                                        <p:cTn id="42" dur="2000" fill="hold"/>
+                                        <p:tgtEl>
+                                          <p:spTgt spid="5">
+                                            <p:graphicEl>
+                                              <a:dgm id="{0C7B1CE8-5F06-4882-875E-AEE5E1941952}"/>
+                                            </p:graphicEl>
+                                          </p:spTgt>
+                                        </p:tgtEl>
+                                        <p:attrNameLst>
+                                          <p:attrName>ppt_x</p:attrName>
+                                          <p:attrName>ppt_y</p:attrName>
+                                        </p:attrNameLst>
+                                      </p:cBhvr>
+                                      <p:rCtr x="-17465" y="-46"/>
+                                    </p:animMotion>
+                                  </p:childTnLst>
+                                </p:cTn>
+                              </p:par>
+                              <p:par>
+                                <p:cTn id="43" presetID="35" presetClass="path" presetSubtype="0" accel="50000" decel="50000" fill="hold" grpId="0" nodeType="withEffect">
+                                  <p:stCondLst>
+                                    <p:cond delay="0"/>
+                                  </p:stCondLst>
+                                  <p:childTnLst>
+                                    <p:animMotion origin="layout" path="M 3.88889E-6 1.48148E-6 L -0.34931 -0.00093 " pathEditMode="relative" rAng="0" ptsTypes="AA">
+                                      <p:cBhvr>
+                                        <p:cTn id="44" dur="2000" fill="hold"/>
+                                        <p:tgtEl>
+                                          <p:spTgt spid="5">
+                                            <p:graphicEl>
+                                              <a:dgm id="{86AE874A-27D4-4F28-A38A-54E29BBD68C1}"/>
+                                            </p:graphicEl>
+                                          </p:spTgt>
+                                        </p:tgtEl>
+                                        <p:attrNameLst>
+                                          <p:attrName>ppt_x</p:attrName>
+                                          <p:attrName>ppt_y</p:attrName>
+                                        </p:attrNameLst>
+                                      </p:cBhvr>
+                                      <p:rCtr x="-17465" y="-46"/>
+                                    </p:animMotion>
+                                  </p:childTnLst>
+                                </p:cTn>
+                              </p:par>
+                              <p:par>
+                                <p:cTn id="45" presetID="35" presetClass="path" presetSubtype="0" accel="50000" decel="50000" fill="hold" grpId="0" nodeType="withEffect">
+                                  <p:stCondLst>
+                                    <p:cond delay="0"/>
+                                  </p:stCondLst>
+                                  <p:childTnLst>
+                                    <p:animMotion origin="layout" path="M 3.88889E-6 1.48148E-6 L -0.34931 -0.00093 " pathEditMode="relative" rAng="0" ptsTypes="AA">
+                                      <p:cBhvr>
+                                        <p:cTn id="46" dur="2000" fill="hold"/>
+                                        <p:tgtEl>
+                                          <p:spTgt spid="5">
+                                            <p:graphicEl>
+                                              <a:dgm id="{08DE3A77-9538-497B-A3C9-4812928EFD89}"/>
+                                            </p:graphicEl>
+                                          </p:spTgt>
+                                        </p:tgtEl>
+                                        <p:attrNameLst>
+                                          <p:attrName>ppt_x</p:attrName>
+                                          <p:attrName>ppt_y</p:attrName>
+                                        </p:attrNameLst>
+                                      </p:cBhvr>
+                                      <p:rCtr x="-17465" y="-46"/>
+                                    </p:animMotion>
+                                  </p:childTnLst>
+                                </p:cTn>
+                              </p:par>
+                              <p:par>
+                                <p:cTn id="47" presetID="35" presetClass="path" presetSubtype="0" accel="50000" decel="50000" fill="hold" grpId="0" nodeType="withEffect">
+                                  <p:stCondLst>
+                                    <p:cond delay="0"/>
+                                  </p:stCondLst>
+                                  <p:childTnLst>
+                                    <p:animMotion origin="layout" path="M 3.88889E-6 1.48148E-6 L -0.34931 -0.00093 " pathEditMode="relative" rAng="0" ptsTypes="AA">
+                                      <p:cBhvr>
+                                        <p:cTn id="48" dur="2000" fill="hold"/>
+                                        <p:tgtEl>
+                                          <p:spTgt spid="5">
+                                            <p:graphicEl>
+                                              <a:dgm id="{8089853B-484A-4D8C-85EA-79DA3106583A}"/>
+                                            </p:graphicEl>
+                                          </p:spTgt>
+                                        </p:tgtEl>
+                                        <p:attrNameLst>
+                                          <p:attrName>ppt_x</p:attrName>
+                                          <p:attrName>ppt_y</p:attrName>
+                                        </p:attrNameLst>
+                                      </p:cBhvr>
+                                      <p:rCtr x="-17465" y="-46"/>
+                                    </p:animMotion>
+                                  </p:childTnLst>
+                                </p:cTn>
+                              </p:par>
+                              <p:par>
+                                <p:cTn id="49" presetID="35" presetClass="path" presetSubtype="0" accel="50000" decel="50000" fill="hold" grpId="0" nodeType="withEffect">
+                                  <p:stCondLst>
+                                    <p:cond delay="0"/>
+                                  </p:stCondLst>
+                                  <p:childTnLst>
+                                    <p:animMotion origin="layout" path="M 3.88889E-6 1.48148E-6 L -0.34931 -0.00093 " pathEditMode="relative" rAng="0" ptsTypes="AA">
+                                      <p:cBhvr>
+                                        <p:cTn id="50" dur="2000" fill="hold"/>
+                                        <p:tgtEl>
+                                          <p:spTgt spid="5">
+                                            <p:graphicEl>
+                                              <a:dgm id="{225F2E50-4592-479E-A5AE-632BABACAE01}"/>
+                                            </p:graphicEl>
+                                          </p:spTgt>
+                                        </p:tgtEl>
+                                        <p:attrNameLst>
+                                          <p:attrName>ppt_x</p:attrName>
+                                          <p:attrName>ppt_y</p:attrName>
+                                        </p:attrNameLst>
+                                      </p:cBhvr>
+                                      <p:rCtr x="-17465" y="-46"/>
+                                    </p:animMotion>
+                                  </p:childTnLst>
+                                </p:cTn>
+                              </p:par>
+                              <p:par>
+                                <p:cTn id="51" presetID="35" presetClass="path" presetSubtype="0" accel="50000" decel="50000" fill="hold" grpId="0" nodeType="withEffect">
+                                  <p:stCondLst>
+                                    <p:cond delay="0"/>
+                                  </p:stCondLst>
+                                  <p:childTnLst>
+                                    <p:animMotion origin="layout" path="M 3.88889E-6 1.48148E-6 L -0.34931 -0.00093 " pathEditMode="relative" rAng="0" ptsTypes="AA">
+                                      <p:cBhvr>
+                                        <p:cTn id="52" dur="2000" fill="hold"/>
+                                        <p:tgtEl>
+                                          <p:spTgt spid="5">
+                                            <p:graphicEl>
+                                              <a:dgm id="{954C94EF-64A3-4599-990A-05612BB23733}"/>
+                                            </p:graphicEl>
+                                          </p:spTgt>
+                                        </p:tgtEl>
+                                        <p:attrNameLst>
+                                          <p:attrName>ppt_x</p:attrName>
+                                          <p:attrName>ppt_y</p:attrName>
+                                        </p:attrNameLst>
+                                      </p:cBhvr>
+                                      <p:rCtr x="-17465" y="-46"/>
                                     </p:animMotion>
                                   </p:childTnLst>
                                 </p:cTn>
@@ -15643,35 +16345,1921 @@
                     </p:cTn>
                   </p:par>
                   <p:par>
-                    <p:cTn id="7" fill="hold">
+                    <p:cTn id="53" fill="hold">
                       <p:stCondLst>
                         <p:cond delay="indefinite"/>
                       </p:stCondLst>
                       <p:childTnLst>
                         <p:par>
-                          <p:cTn id="8" fill="hold">
+                          <p:cTn id="54" fill="hold">
                             <p:stCondLst>
                               <p:cond delay="0"/>
                             </p:stCondLst>
                             <p:childTnLst>
                               <p:par>
-                                <p:cTn id="9" presetID="35" presetClass="path" presetSubtype="0" accel="50000" decel="50000" fill="hold" grpId="1" nodeType="clickEffect">
+                                <p:cTn id="55" presetID="35" presetClass="path" presetSubtype="0" accel="50000" decel="50000" fill="hold" grpId="1" nodeType="clickEffect">
                                   <p:stCondLst>
                                     <p:cond delay="0"/>
                                   </p:stCondLst>
                                   <p:childTnLst>
-                                    <p:animMotion origin="layout" path="M -0.68785 -0.00093 L -1.30209 -0.00093 " pathEditMode="relative" rAng="0" ptsTypes="AA">
+                                    <p:animMotion origin="layout" path="M -0.34931 -0.00093 L -0.68004 -0.00093 " pathEditMode="relative" rAng="0" ptsTypes="AA">
                                       <p:cBhvr>
-                                        <p:cTn id="10" dur="2000" fill="hold"/>
+                                        <p:cTn id="56" dur="2000" fill="hold"/>
                                         <p:tgtEl>
-                                          <p:spTgt spid="5"/>
+                                          <p:spTgt spid="5">
+                                            <p:graphicEl>
+                                              <a:dgm id="{6867AD70-2794-4058-A007-0587FBFE0C1F}"/>
+                                            </p:graphicEl>
+                                          </p:spTgt>
                                         </p:tgtEl>
                                         <p:attrNameLst>
                                           <p:attrName>ppt_x</p:attrName>
                                           <p:attrName>ppt_y</p:attrName>
                                         </p:attrNameLst>
                                       </p:cBhvr>
-                                      <p:rCtr x="-30712" y="0"/>
+                                      <p:rCtr x="-16545" y="0"/>
+                                    </p:animMotion>
+                                  </p:childTnLst>
+                                </p:cTn>
+                              </p:par>
+                              <p:par>
+                                <p:cTn id="57" presetID="35" presetClass="path" presetSubtype="0" accel="50000" decel="50000" fill="hold" grpId="1" nodeType="withEffect">
+                                  <p:stCondLst>
+                                    <p:cond delay="0"/>
+                                  </p:stCondLst>
+                                  <p:childTnLst>
+                                    <p:animMotion origin="layout" path="M -0.34931 -0.00093 L -0.68004 -0.00093 " pathEditMode="relative" rAng="0" ptsTypes="AA">
+                                      <p:cBhvr>
+                                        <p:cTn id="58" dur="2000" fill="hold"/>
+                                        <p:tgtEl>
+                                          <p:spTgt spid="5">
+                                            <p:graphicEl>
+                                              <a:dgm id="{E49D5C6E-7CA5-44A0-A81F-E35908B0F6FE}"/>
+                                            </p:graphicEl>
+                                          </p:spTgt>
+                                        </p:tgtEl>
+                                        <p:attrNameLst>
+                                          <p:attrName>ppt_x</p:attrName>
+                                          <p:attrName>ppt_y</p:attrName>
+                                        </p:attrNameLst>
+                                      </p:cBhvr>
+                                      <p:rCtr x="-16545" y="0"/>
+                                    </p:animMotion>
+                                  </p:childTnLst>
+                                </p:cTn>
+                              </p:par>
+                              <p:par>
+                                <p:cTn id="59" presetID="35" presetClass="path" presetSubtype="0" accel="50000" decel="50000" fill="hold" grpId="1" nodeType="withEffect">
+                                  <p:stCondLst>
+                                    <p:cond delay="0"/>
+                                  </p:stCondLst>
+                                  <p:childTnLst>
+                                    <p:animMotion origin="layout" path="M -0.34931 -0.00093 L -0.68004 -0.00093 " pathEditMode="relative" rAng="0" ptsTypes="AA">
+                                      <p:cBhvr>
+                                        <p:cTn id="60" dur="2000" fill="hold"/>
+                                        <p:tgtEl>
+                                          <p:spTgt spid="5">
+                                            <p:graphicEl>
+                                              <a:dgm id="{D047C669-4AF5-46F8-8162-39BAE8123EDF}"/>
+                                            </p:graphicEl>
+                                          </p:spTgt>
+                                        </p:tgtEl>
+                                        <p:attrNameLst>
+                                          <p:attrName>ppt_x</p:attrName>
+                                          <p:attrName>ppt_y</p:attrName>
+                                        </p:attrNameLst>
+                                      </p:cBhvr>
+                                      <p:rCtr x="-16545" y="0"/>
+                                    </p:animMotion>
+                                  </p:childTnLst>
+                                </p:cTn>
+                              </p:par>
+                              <p:par>
+                                <p:cTn id="61" presetID="35" presetClass="path" presetSubtype="0" accel="50000" decel="50000" fill="hold" grpId="1" nodeType="withEffect">
+                                  <p:stCondLst>
+                                    <p:cond delay="0"/>
+                                  </p:stCondLst>
+                                  <p:childTnLst>
+                                    <p:animMotion origin="layout" path="M -0.34931 -0.00093 L -0.68004 -0.00093 " pathEditMode="relative" rAng="0" ptsTypes="AA">
+                                      <p:cBhvr>
+                                        <p:cTn id="62" dur="2000" fill="hold"/>
+                                        <p:tgtEl>
+                                          <p:spTgt spid="5">
+                                            <p:graphicEl>
+                                              <a:dgm id="{AF1C964E-4ACC-46DF-8A5F-0BF56A5BB1EB}"/>
+                                            </p:graphicEl>
+                                          </p:spTgt>
+                                        </p:tgtEl>
+                                        <p:attrNameLst>
+                                          <p:attrName>ppt_x</p:attrName>
+                                          <p:attrName>ppt_y</p:attrName>
+                                        </p:attrNameLst>
+                                      </p:cBhvr>
+                                      <p:rCtr x="-16545" y="0"/>
+                                    </p:animMotion>
+                                  </p:childTnLst>
+                                </p:cTn>
+                              </p:par>
+                              <p:par>
+                                <p:cTn id="63" presetID="35" presetClass="path" presetSubtype="0" accel="50000" decel="50000" fill="hold" grpId="1" nodeType="withEffect">
+                                  <p:stCondLst>
+                                    <p:cond delay="0"/>
+                                  </p:stCondLst>
+                                  <p:childTnLst>
+                                    <p:animMotion origin="layout" path="M -0.34931 -0.00093 L -0.68004 -0.00093 " pathEditMode="relative" rAng="0" ptsTypes="AA">
+                                      <p:cBhvr>
+                                        <p:cTn id="64" dur="2000" fill="hold"/>
+                                        <p:tgtEl>
+                                          <p:spTgt spid="5">
+                                            <p:graphicEl>
+                                              <a:dgm id="{6B596E65-42D1-4AF0-8AF9-168D45F63303}"/>
+                                            </p:graphicEl>
+                                          </p:spTgt>
+                                        </p:tgtEl>
+                                        <p:attrNameLst>
+                                          <p:attrName>ppt_x</p:attrName>
+                                          <p:attrName>ppt_y</p:attrName>
+                                        </p:attrNameLst>
+                                      </p:cBhvr>
+                                      <p:rCtr x="-16545" y="0"/>
+                                    </p:animMotion>
+                                  </p:childTnLst>
+                                </p:cTn>
+                              </p:par>
+                              <p:par>
+                                <p:cTn id="65" presetID="35" presetClass="path" presetSubtype="0" accel="50000" decel="50000" fill="hold" grpId="1" nodeType="withEffect">
+                                  <p:stCondLst>
+                                    <p:cond delay="0"/>
+                                  </p:stCondLst>
+                                  <p:childTnLst>
+                                    <p:animMotion origin="layout" path="M -0.34931 -0.00093 L -0.68004 -0.00093 " pathEditMode="relative" rAng="0" ptsTypes="AA">
+                                      <p:cBhvr>
+                                        <p:cTn id="66" dur="2000" fill="hold"/>
+                                        <p:tgtEl>
+                                          <p:spTgt spid="5">
+                                            <p:graphicEl>
+                                              <a:dgm id="{B7137BFD-DDB4-4690-AC9C-DDE283324D97}"/>
+                                            </p:graphicEl>
+                                          </p:spTgt>
+                                        </p:tgtEl>
+                                        <p:attrNameLst>
+                                          <p:attrName>ppt_x</p:attrName>
+                                          <p:attrName>ppt_y</p:attrName>
+                                        </p:attrNameLst>
+                                      </p:cBhvr>
+                                      <p:rCtr x="-16545" y="0"/>
+                                    </p:animMotion>
+                                  </p:childTnLst>
+                                </p:cTn>
+                              </p:par>
+                              <p:par>
+                                <p:cTn id="67" presetID="35" presetClass="path" presetSubtype="0" accel="50000" decel="50000" fill="hold" grpId="1" nodeType="withEffect">
+                                  <p:stCondLst>
+                                    <p:cond delay="0"/>
+                                  </p:stCondLst>
+                                  <p:childTnLst>
+                                    <p:animMotion origin="layout" path="M -0.34931 -0.00093 L -0.68004 -0.00093 " pathEditMode="relative" rAng="0" ptsTypes="AA">
+                                      <p:cBhvr>
+                                        <p:cTn id="68" dur="2000" fill="hold"/>
+                                        <p:tgtEl>
+                                          <p:spTgt spid="5">
+                                            <p:graphicEl>
+                                              <a:dgm id="{4BE6F441-80E9-42E2-8D94-2E7A8D6E36FB}"/>
+                                            </p:graphicEl>
+                                          </p:spTgt>
+                                        </p:tgtEl>
+                                        <p:attrNameLst>
+                                          <p:attrName>ppt_x</p:attrName>
+                                          <p:attrName>ppt_y</p:attrName>
+                                        </p:attrNameLst>
+                                      </p:cBhvr>
+                                      <p:rCtr x="-16545" y="0"/>
+                                    </p:animMotion>
+                                  </p:childTnLst>
+                                </p:cTn>
+                              </p:par>
+                              <p:par>
+                                <p:cTn id="69" presetID="35" presetClass="path" presetSubtype="0" accel="50000" decel="50000" fill="hold" grpId="1" nodeType="withEffect">
+                                  <p:stCondLst>
+                                    <p:cond delay="0"/>
+                                  </p:stCondLst>
+                                  <p:childTnLst>
+                                    <p:animMotion origin="layout" path="M -0.34931 -0.00093 L -0.68004 -0.00093 " pathEditMode="relative" rAng="0" ptsTypes="AA">
+                                      <p:cBhvr>
+                                        <p:cTn id="70" dur="2000" fill="hold"/>
+                                        <p:tgtEl>
+                                          <p:spTgt spid="5">
+                                            <p:graphicEl>
+                                              <a:dgm id="{42AB661C-ED15-49AE-9200-99B37517FAA7}"/>
+                                            </p:graphicEl>
+                                          </p:spTgt>
+                                        </p:tgtEl>
+                                        <p:attrNameLst>
+                                          <p:attrName>ppt_x</p:attrName>
+                                          <p:attrName>ppt_y</p:attrName>
+                                        </p:attrNameLst>
+                                      </p:cBhvr>
+                                      <p:rCtr x="-16545" y="0"/>
+                                    </p:animMotion>
+                                  </p:childTnLst>
+                                </p:cTn>
+                              </p:par>
+                              <p:par>
+                                <p:cTn id="71" presetID="35" presetClass="path" presetSubtype="0" accel="50000" decel="50000" fill="hold" grpId="1" nodeType="withEffect">
+                                  <p:stCondLst>
+                                    <p:cond delay="0"/>
+                                  </p:stCondLst>
+                                  <p:childTnLst>
+                                    <p:animMotion origin="layout" path="M -0.34931 -0.00093 L -0.68004 -0.00093 " pathEditMode="relative" rAng="0" ptsTypes="AA">
+                                      <p:cBhvr>
+                                        <p:cTn id="72" dur="2000" fill="hold"/>
+                                        <p:tgtEl>
+                                          <p:spTgt spid="5">
+                                            <p:graphicEl>
+                                              <a:dgm id="{601034A3-191F-41A6-9A53-DF734548D105}"/>
+                                            </p:graphicEl>
+                                          </p:spTgt>
+                                        </p:tgtEl>
+                                        <p:attrNameLst>
+                                          <p:attrName>ppt_x</p:attrName>
+                                          <p:attrName>ppt_y</p:attrName>
+                                        </p:attrNameLst>
+                                      </p:cBhvr>
+                                      <p:rCtr x="-16545" y="0"/>
+                                    </p:animMotion>
+                                  </p:childTnLst>
+                                </p:cTn>
+                              </p:par>
+                              <p:par>
+                                <p:cTn id="73" presetID="35" presetClass="path" presetSubtype="0" accel="50000" decel="50000" fill="hold" grpId="1" nodeType="withEffect">
+                                  <p:stCondLst>
+                                    <p:cond delay="0"/>
+                                  </p:stCondLst>
+                                  <p:childTnLst>
+                                    <p:animMotion origin="layout" path="M -0.34931 -0.00093 L -0.68004 -0.00093 " pathEditMode="relative" rAng="0" ptsTypes="AA">
+                                      <p:cBhvr>
+                                        <p:cTn id="74" dur="2000" fill="hold"/>
+                                        <p:tgtEl>
+                                          <p:spTgt spid="5">
+                                            <p:graphicEl>
+                                              <a:dgm id="{EE39D523-AC73-4392-AC77-77C7220763B6}"/>
+                                            </p:graphicEl>
+                                          </p:spTgt>
+                                        </p:tgtEl>
+                                        <p:attrNameLst>
+                                          <p:attrName>ppt_x</p:attrName>
+                                          <p:attrName>ppt_y</p:attrName>
+                                        </p:attrNameLst>
+                                      </p:cBhvr>
+                                      <p:rCtr x="-16545" y="0"/>
+                                    </p:animMotion>
+                                  </p:childTnLst>
+                                </p:cTn>
+                              </p:par>
+                              <p:par>
+                                <p:cTn id="75" presetID="35" presetClass="path" presetSubtype="0" accel="50000" decel="50000" fill="hold" grpId="1" nodeType="withEffect">
+                                  <p:stCondLst>
+                                    <p:cond delay="0"/>
+                                  </p:stCondLst>
+                                  <p:childTnLst>
+                                    <p:animMotion origin="layout" path="M -0.34931 -0.00093 L -0.68004 -0.00093 " pathEditMode="relative" rAng="0" ptsTypes="AA">
+                                      <p:cBhvr>
+                                        <p:cTn id="76" dur="2000" fill="hold"/>
+                                        <p:tgtEl>
+                                          <p:spTgt spid="5">
+                                            <p:graphicEl>
+                                              <a:dgm id="{8D39B5C2-A82F-438E-9691-729F26D85642}"/>
+                                            </p:graphicEl>
+                                          </p:spTgt>
+                                        </p:tgtEl>
+                                        <p:attrNameLst>
+                                          <p:attrName>ppt_x</p:attrName>
+                                          <p:attrName>ppt_y</p:attrName>
+                                        </p:attrNameLst>
+                                      </p:cBhvr>
+                                      <p:rCtr x="-16545" y="0"/>
+                                    </p:animMotion>
+                                  </p:childTnLst>
+                                </p:cTn>
+                              </p:par>
+                              <p:par>
+                                <p:cTn id="77" presetID="35" presetClass="path" presetSubtype="0" accel="50000" decel="50000" fill="hold" grpId="1" nodeType="withEffect">
+                                  <p:stCondLst>
+                                    <p:cond delay="0"/>
+                                  </p:stCondLst>
+                                  <p:childTnLst>
+                                    <p:animMotion origin="layout" path="M -0.34931 -0.00093 L -0.68004 -0.00093 " pathEditMode="relative" rAng="0" ptsTypes="AA">
+                                      <p:cBhvr>
+                                        <p:cTn id="78" dur="2000" fill="hold"/>
+                                        <p:tgtEl>
+                                          <p:spTgt spid="5">
+                                            <p:graphicEl>
+                                              <a:dgm id="{DFF2DE64-3912-48E6-96DE-FA8312BB934C}"/>
+                                            </p:graphicEl>
+                                          </p:spTgt>
+                                        </p:tgtEl>
+                                        <p:attrNameLst>
+                                          <p:attrName>ppt_x</p:attrName>
+                                          <p:attrName>ppt_y</p:attrName>
+                                        </p:attrNameLst>
+                                      </p:cBhvr>
+                                      <p:rCtr x="-16545" y="0"/>
+                                    </p:animMotion>
+                                  </p:childTnLst>
+                                </p:cTn>
+                              </p:par>
+                              <p:par>
+                                <p:cTn id="79" presetID="35" presetClass="path" presetSubtype="0" accel="50000" decel="50000" fill="hold" grpId="1" nodeType="withEffect">
+                                  <p:stCondLst>
+                                    <p:cond delay="0"/>
+                                  </p:stCondLst>
+                                  <p:childTnLst>
+                                    <p:animMotion origin="layout" path="M -0.34931 -0.00093 L -0.68004 -0.00093 " pathEditMode="relative" rAng="0" ptsTypes="AA">
+                                      <p:cBhvr>
+                                        <p:cTn id="80" dur="2000" fill="hold"/>
+                                        <p:tgtEl>
+                                          <p:spTgt spid="5">
+                                            <p:graphicEl>
+                                              <a:dgm id="{E6CD3A07-DC14-465C-9A62-15762B2DDB79}"/>
+                                            </p:graphicEl>
+                                          </p:spTgt>
+                                        </p:tgtEl>
+                                        <p:attrNameLst>
+                                          <p:attrName>ppt_x</p:attrName>
+                                          <p:attrName>ppt_y</p:attrName>
+                                        </p:attrNameLst>
+                                      </p:cBhvr>
+                                      <p:rCtr x="-16545" y="0"/>
+                                    </p:animMotion>
+                                  </p:childTnLst>
+                                </p:cTn>
+                              </p:par>
+                              <p:par>
+                                <p:cTn id="81" presetID="35" presetClass="path" presetSubtype="0" accel="50000" decel="50000" fill="hold" grpId="1" nodeType="withEffect">
+                                  <p:stCondLst>
+                                    <p:cond delay="0"/>
+                                  </p:stCondLst>
+                                  <p:childTnLst>
+                                    <p:animMotion origin="layout" path="M -0.34931 -0.00093 L -0.68004 -0.00093 " pathEditMode="relative" rAng="0" ptsTypes="AA">
+                                      <p:cBhvr>
+                                        <p:cTn id="82" dur="2000" fill="hold"/>
+                                        <p:tgtEl>
+                                          <p:spTgt spid="5">
+                                            <p:graphicEl>
+                                              <a:dgm id="{7CAAFA02-0B4B-4EB3-BEDE-AEB070C2F81F}"/>
+                                            </p:graphicEl>
+                                          </p:spTgt>
+                                        </p:tgtEl>
+                                        <p:attrNameLst>
+                                          <p:attrName>ppt_x</p:attrName>
+                                          <p:attrName>ppt_y</p:attrName>
+                                        </p:attrNameLst>
+                                      </p:cBhvr>
+                                      <p:rCtr x="-16545" y="0"/>
+                                    </p:animMotion>
+                                  </p:childTnLst>
+                                </p:cTn>
+                              </p:par>
+                              <p:par>
+                                <p:cTn id="83" presetID="35" presetClass="path" presetSubtype="0" accel="50000" decel="50000" fill="hold" grpId="1" nodeType="withEffect">
+                                  <p:stCondLst>
+                                    <p:cond delay="0"/>
+                                  </p:stCondLst>
+                                  <p:childTnLst>
+                                    <p:animMotion origin="layout" path="M -0.34931 -0.00093 L -0.68004 -0.00093 " pathEditMode="relative" rAng="0" ptsTypes="AA">
+                                      <p:cBhvr>
+                                        <p:cTn id="84" dur="2000" fill="hold"/>
+                                        <p:tgtEl>
+                                          <p:spTgt spid="5">
+                                            <p:graphicEl>
+                                              <a:dgm id="{076125C3-B8CA-4BEA-8672-649EA4C304ED}"/>
+                                            </p:graphicEl>
+                                          </p:spTgt>
+                                        </p:tgtEl>
+                                        <p:attrNameLst>
+                                          <p:attrName>ppt_x</p:attrName>
+                                          <p:attrName>ppt_y</p:attrName>
+                                        </p:attrNameLst>
+                                      </p:cBhvr>
+                                      <p:rCtr x="-16545" y="0"/>
+                                    </p:animMotion>
+                                  </p:childTnLst>
+                                </p:cTn>
+                              </p:par>
+                              <p:par>
+                                <p:cTn id="85" presetID="35" presetClass="path" presetSubtype="0" accel="50000" decel="50000" fill="hold" grpId="1" nodeType="withEffect">
+                                  <p:stCondLst>
+                                    <p:cond delay="0"/>
+                                  </p:stCondLst>
+                                  <p:childTnLst>
+                                    <p:animMotion origin="layout" path="M -0.34931 -0.00093 L -0.68004 -0.00093 " pathEditMode="relative" rAng="0" ptsTypes="AA">
+                                      <p:cBhvr>
+                                        <p:cTn id="86" dur="2000" fill="hold"/>
+                                        <p:tgtEl>
+                                          <p:spTgt spid="5">
+                                            <p:graphicEl>
+                                              <a:dgm id="{B11961AC-77AE-4A85-9FD1-22CD1F3AC7EE}"/>
+                                            </p:graphicEl>
+                                          </p:spTgt>
+                                        </p:tgtEl>
+                                        <p:attrNameLst>
+                                          <p:attrName>ppt_x</p:attrName>
+                                          <p:attrName>ppt_y</p:attrName>
+                                        </p:attrNameLst>
+                                      </p:cBhvr>
+                                      <p:rCtr x="-16545" y="0"/>
+                                    </p:animMotion>
+                                  </p:childTnLst>
+                                </p:cTn>
+                              </p:par>
+                              <p:par>
+                                <p:cTn id="87" presetID="35" presetClass="path" presetSubtype="0" accel="50000" decel="50000" fill="hold" grpId="1" nodeType="withEffect">
+                                  <p:stCondLst>
+                                    <p:cond delay="0"/>
+                                  </p:stCondLst>
+                                  <p:childTnLst>
+                                    <p:animMotion origin="layout" path="M -0.34931 -0.00093 L -0.68004 -0.00093 " pathEditMode="relative" rAng="0" ptsTypes="AA">
+                                      <p:cBhvr>
+                                        <p:cTn id="88" dur="2000" fill="hold"/>
+                                        <p:tgtEl>
+                                          <p:spTgt spid="5">
+                                            <p:graphicEl>
+                                              <a:dgm id="{6EEA1793-B06B-47DC-81F9-AFB8F6F895D9}"/>
+                                            </p:graphicEl>
+                                          </p:spTgt>
+                                        </p:tgtEl>
+                                        <p:attrNameLst>
+                                          <p:attrName>ppt_x</p:attrName>
+                                          <p:attrName>ppt_y</p:attrName>
+                                        </p:attrNameLst>
+                                      </p:cBhvr>
+                                      <p:rCtr x="-16545" y="0"/>
+                                    </p:animMotion>
+                                  </p:childTnLst>
+                                </p:cTn>
+                              </p:par>
+                              <p:par>
+                                <p:cTn id="89" presetID="35" presetClass="path" presetSubtype="0" accel="50000" decel="50000" fill="hold" grpId="1" nodeType="withEffect">
+                                  <p:stCondLst>
+                                    <p:cond delay="0"/>
+                                  </p:stCondLst>
+                                  <p:childTnLst>
+                                    <p:animMotion origin="layout" path="M -0.34931 -0.00093 L -0.68004 -0.00093 " pathEditMode="relative" rAng="0" ptsTypes="AA">
+                                      <p:cBhvr>
+                                        <p:cTn id="90" dur="2000" fill="hold"/>
+                                        <p:tgtEl>
+                                          <p:spTgt spid="5">
+                                            <p:graphicEl>
+                                              <a:dgm id="{347F2C06-6D53-480A-A19C-A66E010B43AA}"/>
+                                            </p:graphicEl>
+                                          </p:spTgt>
+                                        </p:tgtEl>
+                                        <p:attrNameLst>
+                                          <p:attrName>ppt_x</p:attrName>
+                                          <p:attrName>ppt_y</p:attrName>
+                                        </p:attrNameLst>
+                                      </p:cBhvr>
+                                      <p:rCtr x="-16545" y="0"/>
+                                    </p:animMotion>
+                                  </p:childTnLst>
+                                </p:cTn>
+                              </p:par>
+                              <p:par>
+                                <p:cTn id="91" presetID="35" presetClass="path" presetSubtype="0" accel="50000" decel="50000" fill="hold" grpId="1" nodeType="withEffect">
+                                  <p:stCondLst>
+                                    <p:cond delay="0"/>
+                                  </p:stCondLst>
+                                  <p:childTnLst>
+                                    <p:animMotion origin="layout" path="M -0.34931 -0.00093 L -0.68004 -0.00093 " pathEditMode="relative" rAng="0" ptsTypes="AA">
+                                      <p:cBhvr>
+                                        <p:cTn id="92" dur="2000" fill="hold"/>
+                                        <p:tgtEl>
+                                          <p:spTgt spid="5">
+                                            <p:graphicEl>
+                                              <a:dgm id="{0C7B1CE8-5F06-4882-875E-AEE5E1941952}"/>
+                                            </p:graphicEl>
+                                          </p:spTgt>
+                                        </p:tgtEl>
+                                        <p:attrNameLst>
+                                          <p:attrName>ppt_x</p:attrName>
+                                          <p:attrName>ppt_y</p:attrName>
+                                        </p:attrNameLst>
+                                      </p:cBhvr>
+                                      <p:rCtr x="-16545" y="0"/>
+                                    </p:animMotion>
+                                  </p:childTnLst>
+                                </p:cTn>
+                              </p:par>
+                              <p:par>
+                                <p:cTn id="93" presetID="35" presetClass="path" presetSubtype="0" accel="50000" decel="50000" fill="hold" grpId="1" nodeType="withEffect">
+                                  <p:stCondLst>
+                                    <p:cond delay="0"/>
+                                  </p:stCondLst>
+                                  <p:childTnLst>
+                                    <p:animMotion origin="layout" path="M -0.34931 -0.00093 L -0.68004 -0.00093 " pathEditMode="relative" rAng="0" ptsTypes="AA">
+                                      <p:cBhvr>
+                                        <p:cTn id="94" dur="2000" fill="hold"/>
+                                        <p:tgtEl>
+                                          <p:spTgt spid="5">
+                                            <p:graphicEl>
+                                              <a:dgm id="{86AE874A-27D4-4F28-A38A-54E29BBD68C1}"/>
+                                            </p:graphicEl>
+                                          </p:spTgt>
+                                        </p:tgtEl>
+                                        <p:attrNameLst>
+                                          <p:attrName>ppt_x</p:attrName>
+                                          <p:attrName>ppt_y</p:attrName>
+                                        </p:attrNameLst>
+                                      </p:cBhvr>
+                                      <p:rCtr x="-16545" y="0"/>
+                                    </p:animMotion>
+                                  </p:childTnLst>
+                                </p:cTn>
+                              </p:par>
+                              <p:par>
+                                <p:cTn id="95" presetID="35" presetClass="path" presetSubtype="0" accel="50000" decel="50000" fill="hold" grpId="1" nodeType="withEffect">
+                                  <p:stCondLst>
+                                    <p:cond delay="0"/>
+                                  </p:stCondLst>
+                                  <p:childTnLst>
+                                    <p:animMotion origin="layout" path="M -0.34931 -0.00093 L -0.68004 -0.00093 " pathEditMode="relative" rAng="0" ptsTypes="AA">
+                                      <p:cBhvr>
+                                        <p:cTn id="96" dur="2000" fill="hold"/>
+                                        <p:tgtEl>
+                                          <p:spTgt spid="5">
+                                            <p:graphicEl>
+                                              <a:dgm id="{08DE3A77-9538-497B-A3C9-4812928EFD89}"/>
+                                            </p:graphicEl>
+                                          </p:spTgt>
+                                        </p:tgtEl>
+                                        <p:attrNameLst>
+                                          <p:attrName>ppt_x</p:attrName>
+                                          <p:attrName>ppt_y</p:attrName>
+                                        </p:attrNameLst>
+                                      </p:cBhvr>
+                                      <p:rCtr x="-16545" y="0"/>
+                                    </p:animMotion>
+                                  </p:childTnLst>
+                                </p:cTn>
+                              </p:par>
+                              <p:par>
+                                <p:cTn id="97" presetID="35" presetClass="path" presetSubtype="0" accel="50000" decel="50000" fill="hold" grpId="1" nodeType="withEffect">
+                                  <p:stCondLst>
+                                    <p:cond delay="0"/>
+                                  </p:stCondLst>
+                                  <p:childTnLst>
+                                    <p:animMotion origin="layout" path="M -0.34931 -0.00093 L -0.68004 -0.00093 " pathEditMode="relative" rAng="0" ptsTypes="AA">
+                                      <p:cBhvr>
+                                        <p:cTn id="98" dur="2000" fill="hold"/>
+                                        <p:tgtEl>
+                                          <p:spTgt spid="5">
+                                            <p:graphicEl>
+                                              <a:dgm id="{8089853B-484A-4D8C-85EA-79DA3106583A}"/>
+                                            </p:graphicEl>
+                                          </p:spTgt>
+                                        </p:tgtEl>
+                                        <p:attrNameLst>
+                                          <p:attrName>ppt_x</p:attrName>
+                                          <p:attrName>ppt_y</p:attrName>
+                                        </p:attrNameLst>
+                                      </p:cBhvr>
+                                      <p:rCtr x="-16545" y="0"/>
+                                    </p:animMotion>
+                                  </p:childTnLst>
+                                </p:cTn>
+                              </p:par>
+                              <p:par>
+                                <p:cTn id="99" presetID="35" presetClass="path" presetSubtype="0" accel="50000" decel="50000" fill="hold" grpId="1" nodeType="withEffect">
+                                  <p:stCondLst>
+                                    <p:cond delay="0"/>
+                                  </p:stCondLst>
+                                  <p:childTnLst>
+                                    <p:animMotion origin="layout" path="M -0.34931 -0.00093 L -0.68004 -0.00093 " pathEditMode="relative" rAng="0" ptsTypes="AA">
+                                      <p:cBhvr>
+                                        <p:cTn id="100" dur="2000" fill="hold"/>
+                                        <p:tgtEl>
+                                          <p:spTgt spid="5">
+                                            <p:graphicEl>
+                                              <a:dgm id="{225F2E50-4592-479E-A5AE-632BABACAE01}"/>
+                                            </p:graphicEl>
+                                          </p:spTgt>
+                                        </p:tgtEl>
+                                        <p:attrNameLst>
+                                          <p:attrName>ppt_x</p:attrName>
+                                          <p:attrName>ppt_y</p:attrName>
+                                        </p:attrNameLst>
+                                      </p:cBhvr>
+                                      <p:rCtr x="-16545" y="0"/>
+                                    </p:animMotion>
+                                  </p:childTnLst>
+                                </p:cTn>
+                              </p:par>
+                              <p:par>
+                                <p:cTn id="101" presetID="35" presetClass="path" presetSubtype="0" accel="50000" decel="50000" fill="hold" grpId="1" nodeType="withEffect">
+                                  <p:stCondLst>
+                                    <p:cond delay="0"/>
+                                  </p:stCondLst>
+                                  <p:childTnLst>
+                                    <p:animMotion origin="layout" path="M -0.34931 -0.00093 L -0.68004 -0.00093 " pathEditMode="relative" rAng="0" ptsTypes="AA">
+                                      <p:cBhvr>
+                                        <p:cTn id="102" dur="2000" fill="hold"/>
+                                        <p:tgtEl>
+                                          <p:spTgt spid="5">
+                                            <p:graphicEl>
+                                              <a:dgm id="{954C94EF-64A3-4599-990A-05612BB23733}"/>
+                                            </p:graphicEl>
+                                          </p:spTgt>
+                                        </p:tgtEl>
+                                        <p:attrNameLst>
+                                          <p:attrName>ppt_x</p:attrName>
+                                          <p:attrName>ppt_y</p:attrName>
+                                        </p:attrNameLst>
+                                      </p:cBhvr>
+                                      <p:rCtr x="-16545" y="0"/>
+                                    </p:animMotion>
+                                  </p:childTnLst>
+                                </p:cTn>
+                              </p:par>
+                            </p:childTnLst>
+                          </p:cTn>
+                        </p:par>
+                      </p:childTnLst>
+                    </p:cTn>
+                  </p:par>
+                  <p:par>
+                    <p:cTn id="103" fill="hold">
+                      <p:stCondLst>
+                        <p:cond delay="indefinite"/>
+                      </p:stCondLst>
+                      <p:childTnLst>
+                        <p:par>
+                          <p:cTn id="104" fill="hold">
+                            <p:stCondLst>
+                              <p:cond delay="0"/>
+                            </p:stCondLst>
+                            <p:childTnLst>
+                              <p:par>
+                                <p:cTn id="105" presetID="35" presetClass="path" presetSubtype="0" accel="50000" decel="50000" fill="hold" grpId="2" nodeType="clickEffect">
+                                  <p:stCondLst>
+                                    <p:cond delay="0"/>
+                                  </p:stCondLst>
+                                  <p:childTnLst>
+                                    <p:animMotion origin="layout" path="M -0.68004 -0.00093 L -0.97917 -0.00093 " pathEditMode="relative" rAng="0" ptsTypes="AA">
+                                      <p:cBhvr>
+                                        <p:cTn id="106" dur="2000" fill="hold"/>
+                                        <p:tgtEl>
+                                          <p:spTgt spid="5">
+                                            <p:graphicEl>
+                                              <a:dgm id="{6867AD70-2794-4058-A007-0587FBFE0C1F}"/>
+                                            </p:graphicEl>
+                                          </p:spTgt>
+                                        </p:tgtEl>
+                                        <p:attrNameLst>
+                                          <p:attrName>ppt_x</p:attrName>
+                                          <p:attrName>ppt_y</p:attrName>
+                                        </p:attrNameLst>
+                                      </p:cBhvr>
+                                      <p:rCtr x="-14965" y="0"/>
+                                    </p:animMotion>
+                                  </p:childTnLst>
+                                </p:cTn>
+                              </p:par>
+                              <p:par>
+                                <p:cTn id="107" presetID="35" presetClass="path" presetSubtype="0" accel="50000" decel="50000" fill="hold" grpId="2" nodeType="withEffect">
+                                  <p:stCondLst>
+                                    <p:cond delay="0"/>
+                                  </p:stCondLst>
+                                  <p:childTnLst>
+                                    <p:animMotion origin="layout" path="M -0.68004 -0.00093 L -0.97917 -0.00093 " pathEditMode="relative" rAng="0" ptsTypes="AA">
+                                      <p:cBhvr>
+                                        <p:cTn id="108" dur="2000" fill="hold"/>
+                                        <p:tgtEl>
+                                          <p:spTgt spid="5">
+                                            <p:graphicEl>
+                                              <a:dgm id="{E49D5C6E-7CA5-44A0-A81F-E35908B0F6FE}"/>
+                                            </p:graphicEl>
+                                          </p:spTgt>
+                                        </p:tgtEl>
+                                        <p:attrNameLst>
+                                          <p:attrName>ppt_x</p:attrName>
+                                          <p:attrName>ppt_y</p:attrName>
+                                        </p:attrNameLst>
+                                      </p:cBhvr>
+                                      <p:rCtr x="-14965" y="0"/>
+                                    </p:animMotion>
+                                  </p:childTnLst>
+                                </p:cTn>
+                              </p:par>
+                              <p:par>
+                                <p:cTn id="109" presetID="35" presetClass="path" presetSubtype="0" accel="50000" decel="50000" fill="hold" grpId="2" nodeType="withEffect">
+                                  <p:stCondLst>
+                                    <p:cond delay="0"/>
+                                  </p:stCondLst>
+                                  <p:childTnLst>
+                                    <p:animMotion origin="layout" path="M -0.68004 -0.00093 L -0.97917 -0.00093 " pathEditMode="relative" rAng="0" ptsTypes="AA">
+                                      <p:cBhvr>
+                                        <p:cTn id="110" dur="2000" fill="hold"/>
+                                        <p:tgtEl>
+                                          <p:spTgt spid="5">
+                                            <p:graphicEl>
+                                              <a:dgm id="{D047C669-4AF5-46F8-8162-39BAE8123EDF}"/>
+                                            </p:graphicEl>
+                                          </p:spTgt>
+                                        </p:tgtEl>
+                                        <p:attrNameLst>
+                                          <p:attrName>ppt_x</p:attrName>
+                                          <p:attrName>ppt_y</p:attrName>
+                                        </p:attrNameLst>
+                                      </p:cBhvr>
+                                      <p:rCtr x="-14965" y="0"/>
+                                    </p:animMotion>
+                                  </p:childTnLst>
+                                </p:cTn>
+                              </p:par>
+                              <p:par>
+                                <p:cTn id="111" presetID="35" presetClass="path" presetSubtype="0" accel="50000" decel="50000" fill="hold" grpId="2" nodeType="withEffect">
+                                  <p:stCondLst>
+                                    <p:cond delay="0"/>
+                                  </p:stCondLst>
+                                  <p:childTnLst>
+                                    <p:animMotion origin="layout" path="M -0.68004 -0.00093 L -0.97917 -0.00093 " pathEditMode="relative" rAng="0" ptsTypes="AA">
+                                      <p:cBhvr>
+                                        <p:cTn id="112" dur="2000" fill="hold"/>
+                                        <p:tgtEl>
+                                          <p:spTgt spid="5">
+                                            <p:graphicEl>
+                                              <a:dgm id="{AF1C964E-4ACC-46DF-8A5F-0BF56A5BB1EB}"/>
+                                            </p:graphicEl>
+                                          </p:spTgt>
+                                        </p:tgtEl>
+                                        <p:attrNameLst>
+                                          <p:attrName>ppt_x</p:attrName>
+                                          <p:attrName>ppt_y</p:attrName>
+                                        </p:attrNameLst>
+                                      </p:cBhvr>
+                                      <p:rCtr x="-14965" y="0"/>
+                                    </p:animMotion>
+                                  </p:childTnLst>
+                                </p:cTn>
+                              </p:par>
+                              <p:par>
+                                <p:cTn id="113" presetID="35" presetClass="path" presetSubtype="0" accel="50000" decel="50000" fill="hold" grpId="2" nodeType="withEffect">
+                                  <p:stCondLst>
+                                    <p:cond delay="0"/>
+                                  </p:stCondLst>
+                                  <p:childTnLst>
+                                    <p:animMotion origin="layout" path="M -0.68004 -0.00093 L -0.97917 -0.00093 " pathEditMode="relative" rAng="0" ptsTypes="AA">
+                                      <p:cBhvr>
+                                        <p:cTn id="114" dur="2000" fill="hold"/>
+                                        <p:tgtEl>
+                                          <p:spTgt spid="5">
+                                            <p:graphicEl>
+                                              <a:dgm id="{6B596E65-42D1-4AF0-8AF9-168D45F63303}"/>
+                                            </p:graphicEl>
+                                          </p:spTgt>
+                                        </p:tgtEl>
+                                        <p:attrNameLst>
+                                          <p:attrName>ppt_x</p:attrName>
+                                          <p:attrName>ppt_y</p:attrName>
+                                        </p:attrNameLst>
+                                      </p:cBhvr>
+                                      <p:rCtr x="-14965" y="0"/>
+                                    </p:animMotion>
+                                  </p:childTnLst>
+                                </p:cTn>
+                              </p:par>
+                              <p:par>
+                                <p:cTn id="115" presetID="35" presetClass="path" presetSubtype="0" accel="50000" decel="50000" fill="hold" grpId="2" nodeType="withEffect">
+                                  <p:stCondLst>
+                                    <p:cond delay="0"/>
+                                  </p:stCondLst>
+                                  <p:childTnLst>
+                                    <p:animMotion origin="layout" path="M -0.68004 -0.00093 L -0.97917 -0.00093 " pathEditMode="relative" rAng="0" ptsTypes="AA">
+                                      <p:cBhvr>
+                                        <p:cTn id="116" dur="2000" fill="hold"/>
+                                        <p:tgtEl>
+                                          <p:spTgt spid="5">
+                                            <p:graphicEl>
+                                              <a:dgm id="{B7137BFD-DDB4-4690-AC9C-DDE283324D97}"/>
+                                            </p:graphicEl>
+                                          </p:spTgt>
+                                        </p:tgtEl>
+                                        <p:attrNameLst>
+                                          <p:attrName>ppt_x</p:attrName>
+                                          <p:attrName>ppt_y</p:attrName>
+                                        </p:attrNameLst>
+                                      </p:cBhvr>
+                                      <p:rCtr x="-14965" y="0"/>
+                                    </p:animMotion>
+                                  </p:childTnLst>
+                                </p:cTn>
+                              </p:par>
+                              <p:par>
+                                <p:cTn id="117" presetID="35" presetClass="path" presetSubtype="0" accel="50000" decel="50000" fill="hold" grpId="2" nodeType="withEffect">
+                                  <p:stCondLst>
+                                    <p:cond delay="0"/>
+                                  </p:stCondLst>
+                                  <p:childTnLst>
+                                    <p:animMotion origin="layout" path="M -0.68004 -0.00093 L -0.97917 -0.00093 " pathEditMode="relative" rAng="0" ptsTypes="AA">
+                                      <p:cBhvr>
+                                        <p:cTn id="118" dur="2000" fill="hold"/>
+                                        <p:tgtEl>
+                                          <p:spTgt spid="5">
+                                            <p:graphicEl>
+                                              <a:dgm id="{4BE6F441-80E9-42E2-8D94-2E7A8D6E36FB}"/>
+                                            </p:graphicEl>
+                                          </p:spTgt>
+                                        </p:tgtEl>
+                                        <p:attrNameLst>
+                                          <p:attrName>ppt_x</p:attrName>
+                                          <p:attrName>ppt_y</p:attrName>
+                                        </p:attrNameLst>
+                                      </p:cBhvr>
+                                      <p:rCtr x="-14965" y="0"/>
+                                    </p:animMotion>
+                                  </p:childTnLst>
+                                </p:cTn>
+                              </p:par>
+                              <p:par>
+                                <p:cTn id="119" presetID="35" presetClass="path" presetSubtype="0" accel="50000" decel="50000" fill="hold" grpId="2" nodeType="withEffect">
+                                  <p:stCondLst>
+                                    <p:cond delay="0"/>
+                                  </p:stCondLst>
+                                  <p:childTnLst>
+                                    <p:animMotion origin="layout" path="M -0.68004 -0.00093 L -0.97917 -0.00093 " pathEditMode="relative" rAng="0" ptsTypes="AA">
+                                      <p:cBhvr>
+                                        <p:cTn id="120" dur="2000" fill="hold"/>
+                                        <p:tgtEl>
+                                          <p:spTgt spid="5">
+                                            <p:graphicEl>
+                                              <a:dgm id="{42AB661C-ED15-49AE-9200-99B37517FAA7}"/>
+                                            </p:graphicEl>
+                                          </p:spTgt>
+                                        </p:tgtEl>
+                                        <p:attrNameLst>
+                                          <p:attrName>ppt_x</p:attrName>
+                                          <p:attrName>ppt_y</p:attrName>
+                                        </p:attrNameLst>
+                                      </p:cBhvr>
+                                      <p:rCtr x="-14965" y="0"/>
+                                    </p:animMotion>
+                                  </p:childTnLst>
+                                </p:cTn>
+                              </p:par>
+                              <p:par>
+                                <p:cTn id="121" presetID="35" presetClass="path" presetSubtype="0" accel="50000" decel="50000" fill="hold" grpId="2" nodeType="withEffect">
+                                  <p:stCondLst>
+                                    <p:cond delay="0"/>
+                                  </p:stCondLst>
+                                  <p:childTnLst>
+                                    <p:animMotion origin="layout" path="M -0.68004 -0.00093 L -0.97917 -0.00093 " pathEditMode="relative" rAng="0" ptsTypes="AA">
+                                      <p:cBhvr>
+                                        <p:cTn id="122" dur="2000" fill="hold"/>
+                                        <p:tgtEl>
+                                          <p:spTgt spid="5">
+                                            <p:graphicEl>
+                                              <a:dgm id="{601034A3-191F-41A6-9A53-DF734548D105}"/>
+                                            </p:graphicEl>
+                                          </p:spTgt>
+                                        </p:tgtEl>
+                                        <p:attrNameLst>
+                                          <p:attrName>ppt_x</p:attrName>
+                                          <p:attrName>ppt_y</p:attrName>
+                                        </p:attrNameLst>
+                                      </p:cBhvr>
+                                      <p:rCtr x="-14965" y="0"/>
+                                    </p:animMotion>
+                                  </p:childTnLst>
+                                </p:cTn>
+                              </p:par>
+                              <p:par>
+                                <p:cTn id="123" presetID="35" presetClass="path" presetSubtype="0" accel="50000" decel="50000" fill="hold" grpId="2" nodeType="withEffect">
+                                  <p:stCondLst>
+                                    <p:cond delay="0"/>
+                                  </p:stCondLst>
+                                  <p:childTnLst>
+                                    <p:animMotion origin="layout" path="M -0.68004 -0.00093 L -0.97917 -0.00093 " pathEditMode="relative" rAng="0" ptsTypes="AA">
+                                      <p:cBhvr>
+                                        <p:cTn id="124" dur="2000" fill="hold"/>
+                                        <p:tgtEl>
+                                          <p:spTgt spid="5">
+                                            <p:graphicEl>
+                                              <a:dgm id="{EE39D523-AC73-4392-AC77-77C7220763B6}"/>
+                                            </p:graphicEl>
+                                          </p:spTgt>
+                                        </p:tgtEl>
+                                        <p:attrNameLst>
+                                          <p:attrName>ppt_x</p:attrName>
+                                          <p:attrName>ppt_y</p:attrName>
+                                        </p:attrNameLst>
+                                      </p:cBhvr>
+                                      <p:rCtr x="-14965" y="0"/>
+                                    </p:animMotion>
+                                  </p:childTnLst>
+                                </p:cTn>
+                              </p:par>
+                              <p:par>
+                                <p:cTn id="125" presetID="35" presetClass="path" presetSubtype="0" accel="50000" decel="50000" fill="hold" grpId="2" nodeType="withEffect">
+                                  <p:stCondLst>
+                                    <p:cond delay="0"/>
+                                  </p:stCondLst>
+                                  <p:childTnLst>
+                                    <p:animMotion origin="layout" path="M -0.68004 -0.00093 L -0.97917 -0.00093 " pathEditMode="relative" rAng="0" ptsTypes="AA">
+                                      <p:cBhvr>
+                                        <p:cTn id="126" dur="2000" fill="hold"/>
+                                        <p:tgtEl>
+                                          <p:spTgt spid="5">
+                                            <p:graphicEl>
+                                              <a:dgm id="{8D39B5C2-A82F-438E-9691-729F26D85642}"/>
+                                            </p:graphicEl>
+                                          </p:spTgt>
+                                        </p:tgtEl>
+                                        <p:attrNameLst>
+                                          <p:attrName>ppt_x</p:attrName>
+                                          <p:attrName>ppt_y</p:attrName>
+                                        </p:attrNameLst>
+                                      </p:cBhvr>
+                                      <p:rCtr x="-14965" y="0"/>
+                                    </p:animMotion>
+                                  </p:childTnLst>
+                                </p:cTn>
+                              </p:par>
+                              <p:par>
+                                <p:cTn id="127" presetID="35" presetClass="path" presetSubtype="0" accel="50000" decel="50000" fill="hold" grpId="2" nodeType="withEffect">
+                                  <p:stCondLst>
+                                    <p:cond delay="0"/>
+                                  </p:stCondLst>
+                                  <p:childTnLst>
+                                    <p:animMotion origin="layout" path="M -0.68004 -0.00093 L -0.97917 -0.00093 " pathEditMode="relative" rAng="0" ptsTypes="AA">
+                                      <p:cBhvr>
+                                        <p:cTn id="128" dur="2000" fill="hold"/>
+                                        <p:tgtEl>
+                                          <p:spTgt spid="5">
+                                            <p:graphicEl>
+                                              <a:dgm id="{DFF2DE64-3912-48E6-96DE-FA8312BB934C}"/>
+                                            </p:graphicEl>
+                                          </p:spTgt>
+                                        </p:tgtEl>
+                                        <p:attrNameLst>
+                                          <p:attrName>ppt_x</p:attrName>
+                                          <p:attrName>ppt_y</p:attrName>
+                                        </p:attrNameLst>
+                                      </p:cBhvr>
+                                      <p:rCtr x="-14965" y="0"/>
+                                    </p:animMotion>
+                                  </p:childTnLst>
+                                </p:cTn>
+                              </p:par>
+                              <p:par>
+                                <p:cTn id="129" presetID="35" presetClass="path" presetSubtype="0" accel="50000" decel="50000" fill="hold" grpId="2" nodeType="withEffect">
+                                  <p:stCondLst>
+                                    <p:cond delay="0"/>
+                                  </p:stCondLst>
+                                  <p:childTnLst>
+                                    <p:animMotion origin="layout" path="M -0.68004 -0.00093 L -0.97917 -0.00093 " pathEditMode="relative" rAng="0" ptsTypes="AA">
+                                      <p:cBhvr>
+                                        <p:cTn id="130" dur="2000" fill="hold"/>
+                                        <p:tgtEl>
+                                          <p:spTgt spid="5">
+                                            <p:graphicEl>
+                                              <a:dgm id="{E6CD3A07-DC14-465C-9A62-15762B2DDB79}"/>
+                                            </p:graphicEl>
+                                          </p:spTgt>
+                                        </p:tgtEl>
+                                        <p:attrNameLst>
+                                          <p:attrName>ppt_x</p:attrName>
+                                          <p:attrName>ppt_y</p:attrName>
+                                        </p:attrNameLst>
+                                      </p:cBhvr>
+                                      <p:rCtr x="-14965" y="0"/>
+                                    </p:animMotion>
+                                  </p:childTnLst>
+                                </p:cTn>
+                              </p:par>
+                              <p:par>
+                                <p:cTn id="131" presetID="35" presetClass="path" presetSubtype="0" accel="50000" decel="50000" fill="hold" grpId="2" nodeType="withEffect">
+                                  <p:stCondLst>
+                                    <p:cond delay="0"/>
+                                  </p:stCondLst>
+                                  <p:childTnLst>
+                                    <p:animMotion origin="layout" path="M -0.68004 -0.00093 L -0.97917 -0.00093 " pathEditMode="relative" rAng="0" ptsTypes="AA">
+                                      <p:cBhvr>
+                                        <p:cTn id="132" dur="2000" fill="hold"/>
+                                        <p:tgtEl>
+                                          <p:spTgt spid="5">
+                                            <p:graphicEl>
+                                              <a:dgm id="{7CAAFA02-0B4B-4EB3-BEDE-AEB070C2F81F}"/>
+                                            </p:graphicEl>
+                                          </p:spTgt>
+                                        </p:tgtEl>
+                                        <p:attrNameLst>
+                                          <p:attrName>ppt_x</p:attrName>
+                                          <p:attrName>ppt_y</p:attrName>
+                                        </p:attrNameLst>
+                                      </p:cBhvr>
+                                      <p:rCtr x="-14965" y="0"/>
+                                    </p:animMotion>
+                                  </p:childTnLst>
+                                </p:cTn>
+                              </p:par>
+                              <p:par>
+                                <p:cTn id="133" presetID="35" presetClass="path" presetSubtype="0" accel="50000" decel="50000" fill="hold" grpId="2" nodeType="withEffect">
+                                  <p:stCondLst>
+                                    <p:cond delay="0"/>
+                                  </p:stCondLst>
+                                  <p:childTnLst>
+                                    <p:animMotion origin="layout" path="M -0.68004 -0.00093 L -0.97917 -0.00093 " pathEditMode="relative" rAng="0" ptsTypes="AA">
+                                      <p:cBhvr>
+                                        <p:cTn id="134" dur="2000" fill="hold"/>
+                                        <p:tgtEl>
+                                          <p:spTgt spid="5">
+                                            <p:graphicEl>
+                                              <a:dgm id="{076125C3-B8CA-4BEA-8672-649EA4C304ED}"/>
+                                            </p:graphicEl>
+                                          </p:spTgt>
+                                        </p:tgtEl>
+                                        <p:attrNameLst>
+                                          <p:attrName>ppt_x</p:attrName>
+                                          <p:attrName>ppt_y</p:attrName>
+                                        </p:attrNameLst>
+                                      </p:cBhvr>
+                                      <p:rCtr x="-14965" y="0"/>
+                                    </p:animMotion>
+                                  </p:childTnLst>
+                                </p:cTn>
+                              </p:par>
+                              <p:par>
+                                <p:cTn id="135" presetID="35" presetClass="path" presetSubtype="0" accel="50000" decel="50000" fill="hold" grpId="2" nodeType="withEffect">
+                                  <p:stCondLst>
+                                    <p:cond delay="0"/>
+                                  </p:stCondLst>
+                                  <p:childTnLst>
+                                    <p:animMotion origin="layout" path="M -0.68004 -0.00093 L -0.97917 -0.00093 " pathEditMode="relative" rAng="0" ptsTypes="AA">
+                                      <p:cBhvr>
+                                        <p:cTn id="136" dur="2000" fill="hold"/>
+                                        <p:tgtEl>
+                                          <p:spTgt spid="5">
+                                            <p:graphicEl>
+                                              <a:dgm id="{B11961AC-77AE-4A85-9FD1-22CD1F3AC7EE}"/>
+                                            </p:graphicEl>
+                                          </p:spTgt>
+                                        </p:tgtEl>
+                                        <p:attrNameLst>
+                                          <p:attrName>ppt_x</p:attrName>
+                                          <p:attrName>ppt_y</p:attrName>
+                                        </p:attrNameLst>
+                                      </p:cBhvr>
+                                      <p:rCtr x="-14965" y="0"/>
+                                    </p:animMotion>
+                                  </p:childTnLst>
+                                </p:cTn>
+                              </p:par>
+                              <p:par>
+                                <p:cTn id="137" presetID="35" presetClass="path" presetSubtype="0" accel="50000" decel="50000" fill="hold" grpId="2" nodeType="withEffect">
+                                  <p:stCondLst>
+                                    <p:cond delay="0"/>
+                                  </p:stCondLst>
+                                  <p:childTnLst>
+                                    <p:animMotion origin="layout" path="M -0.68004 -0.00093 L -0.97917 -0.00093 " pathEditMode="relative" rAng="0" ptsTypes="AA">
+                                      <p:cBhvr>
+                                        <p:cTn id="138" dur="2000" fill="hold"/>
+                                        <p:tgtEl>
+                                          <p:spTgt spid="5">
+                                            <p:graphicEl>
+                                              <a:dgm id="{6EEA1793-B06B-47DC-81F9-AFB8F6F895D9}"/>
+                                            </p:graphicEl>
+                                          </p:spTgt>
+                                        </p:tgtEl>
+                                        <p:attrNameLst>
+                                          <p:attrName>ppt_x</p:attrName>
+                                          <p:attrName>ppt_y</p:attrName>
+                                        </p:attrNameLst>
+                                      </p:cBhvr>
+                                      <p:rCtr x="-14965" y="0"/>
+                                    </p:animMotion>
+                                  </p:childTnLst>
+                                </p:cTn>
+                              </p:par>
+                              <p:par>
+                                <p:cTn id="139" presetID="35" presetClass="path" presetSubtype="0" accel="50000" decel="50000" fill="hold" grpId="2" nodeType="withEffect">
+                                  <p:stCondLst>
+                                    <p:cond delay="0"/>
+                                  </p:stCondLst>
+                                  <p:childTnLst>
+                                    <p:animMotion origin="layout" path="M -0.68004 -0.00093 L -0.97917 -0.00093 " pathEditMode="relative" rAng="0" ptsTypes="AA">
+                                      <p:cBhvr>
+                                        <p:cTn id="140" dur="2000" fill="hold"/>
+                                        <p:tgtEl>
+                                          <p:spTgt spid="5">
+                                            <p:graphicEl>
+                                              <a:dgm id="{347F2C06-6D53-480A-A19C-A66E010B43AA}"/>
+                                            </p:graphicEl>
+                                          </p:spTgt>
+                                        </p:tgtEl>
+                                        <p:attrNameLst>
+                                          <p:attrName>ppt_x</p:attrName>
+                                          <p:attrName>ppt_y</p:attrName>
+                                        </p:attrNameLst>
+                                      </p:cBhvr>
+                                      <p:rCtr x="-14965" y="0"/>
+                                    </p:animMotion>
+                                  </p:childTnLst>
+                                </p:cTn>
+                              </p:par>
+                              <p:par>
+                                <p:cTn id="141" presetID="35" presetClass="path" presetSubtype="0" accel="50000" decel="50000" fill="hold" grpId="2" nodeType="withEffect">
+                                  <p:stCondLst>
+                                    <p:cond delay="0"/>
+                                  </p:stCondLst>
+                                  <p:childTnLst>
+                                    <p:animMotion origin="layout" path="M -0.68004 -0.00093 L -0.97917 -0.00093 " pathEditMode="relative" rAng="0" ptsTypes="AA">
+                                      <p:cBhvr>
+                                        <p:cTn id="142" dur="2000" fill="hold"/>
+                                        <p:tgtEl>
+                                          <p:spTgt spid="5">
+                                            <p:graphicEl>
+                                              <a:dgm id="{0C7B1CE8-5F06-4882-875E-AEE5E1941952}"/>
+                                            </p:graphicEl>
+                                          </p:spTgt>
+                                        </p:tgtEl>
+                                        <p:attrNameLst>
+                                          <p:attrName>ppt_x</p:attrName>
+                                          <p:attrName>ppt_y</p:attrName>
+                                        </p:attrNameLst>
+                                      </p:cBhvr>
+                                      <p:rCtr x="-14965" y="0"/>
+                                    </p:animMotion>
+                                  </p:childTnLst>
+                                </p:cTn>
+                              </p:par>
+                              <p:par>
+                                <p:cTn id="143" presetID="35" presetClass="path" presetSubtype="0" accel="50000" decel="50000" fill="hold" grpId="2" nodeType="withEffect">
+                                  <p:stCondLst>
+                                    <p:cond delay="0"/>
+                                  </p:stCondLst>
+                                  <p:childTnLst>
+                                    <p:animMotion origin="layout" path="M -0.68004 -0.00093 L -0.97917 -0.00093 " pathEditMode="relative" rAng="0" ptsTypes="AA">
+                                      <p:cBhvr>
+                                        <p:cTn id="144" dur="2000" fill="hold"/>
+                                        <p:tgtEl>
+                                          <p:spTgt spid="5">
+                                            <p:graphicEl>
+                                              <a:dgm id="{86AE874A-27D4-4F28-A38A-54E29BBD68C1}"/>
+                                            </p:graphicEl>
+                                          </p:spTgt>
+                                        </p:tgtEl>
+                                        <p:attrNameLst>
+                                          <p:attrName>ppt_x</p:attrName>
+                                          <p:attrName>ppt_y</p:attrName>
+                                        </p:attrNameLst>
+                                      </p:cBhvr>
+                                      <p:rCtr x="-14965" y="0"/>
+                                    </p:animMotion>
+                                  </p:childTnLst>
+                                </p:cTn>
+                              </p:par>
+                              <p:par>
+                                <p:cTn id="145" presetID="35" presetClass="path" presetSubtype="0" accel="50000" decel="50000" fill="hold" grpId="2" nodeType="withEffect">
+                                  <p:stCondLst>
+                                    <p:cond delay="0"/>
+                                  </p:stCondLst>
+                                  <p:childTnLst>
+                                    <p:animMotion origin="layout" path="M -0.68004 -0.00093 L -0.97917 -0.00093 " pathEditMode="relative" rAng="0" ptsTypes="AA">
+                                      <p:cBhvr>
+                                        <p:cTn id="146" dur="2000" fill="hold"/>
+                                        <p:tgtEl>
+                                          <p:spTgt spid="5">
+                                            <p:graphicEl>
+                                              <a:dgm id="{08DE3A77-9538-497B-A3C9-4812928EFD89}"/>
+                                            </p:graphicEl>
+                                          </p:spTgt>
+                                        </p:tgtEl>
+                                        <p:attrNameLst>
+                                          <p:attrName>ppt_x</p:attrName>
+                                          <p:attrName>ppt_y</p:attrName>
+                                        </p:attrNameLst>
+                                      </p:cBhvr>
+                                      <p:rCtr x="-14965" y="0"/>
+                                    </p:animMotion>
+                                  </p:childTnLst>
+                                </p:cTn>
+                              </p:par>
+                              <p:par>
+                                <p:cTn id="147" presetID="35" presetClass="path" presetSubtype="0" accel="50000" decel="50000" fill="hold" grpId="2" nodeType="withEffect">
+                                  <p:stCondLst>
+                                    <p:cond delay="0"/>
+                                  </p:stCondLst>
+                                  <p:childTnLst>
+                                    <p:animMotion origin="layout" path="M -0.68004 -0.00093 L -0.97917 -0.00093 " pathEditMode="relative" rAng="0" ptsTypes="AA">
+                                      <p:cBhvr>
+                                        <p:cTn id="148" dur="2000" fill="hold"/>
+                                        <p:tgtEl>
+                                          <p:spTgt spid="5">
+                                            <p:graphicEl>
+                                              <a:dgm id="{8089853B-484A-4D8C-85EA-79DA3106583A}"/>
+                                            </p:graphicEl>
+                                          </p:spTgt>
+                                        </p:tgtEl>
+                                        <p:attrNameLst>
+                                          <p:attrName>ppt_x</p:attrName>
+                                          <p:attrName>ppt_y</p:attrName>
+                                        </p:attrNameLst>
+                                      </p:cBhvr>
+                                      <p:rCtr x="-14965" y="0"/>
+                                    </p:animMotion>
+                                  </p:childTnLst>
+                                </p:cTn>
+                              </p:par>
+                              <p:par>
+                                <p:cTn id="149" presetID="35" presetClass="path" presetSubtype="0" accel="50000" decel="50000" fill="hold" grpId="2" nodeType="withEffect">
+                                  <p:stCondLst>
+                                    <p:cond delay="0"/>
+                                  </p:stCondLst>
+                                  <p:childTnLst>
+                                    <p:animMotion origin="layout" path="M -0.68004 -0.00093 L -0.97917 -0.00093 " pathEditMode="relative" rAng="0" ptsTypes="AA">
+                                      <p:cBhvr>
+                                        <p:cTn id="150" dur="2000" fill="hold"/>
+                                        <p:tgtEl>
+                                          <p:spTgt spid="5">
+                                            <p:graphicEl>
+                                              <a:dgm id="{225F2E50-4592-479E-A5AE-632BABACAE01}"/>
+                                            </p:graphicEl>
+                                          </p:spTgt>
+                                        </p:tgtEl>
+                                        <p:attrNameLst>
+                                          <p:attrName>ppt_x</p:attrName>
+                                          <p:attrName>ppt_y</p:attrName>
+                                        </p:attrNameLst>
+                                      </p:cBhvr>
+                                      <p:rCtr x="-14965" y="0"/>
+                                    </p:animMotion>
+                                  </p:childTnLst>
+                                </p:cTn>
+                              </p:par>
+                              <p:par>
+                                <p:cTn id="151" presetID="35" presetClass="path" presetSubtype="0" accel="50000" decel="50000" fill="hold" grpId="2" nodeType="withEffect">
+                                  <p:stCondLst>
+                                    <p:cond delay="0"/>
+                                  </p:stCondLst>
+                                  <p:childTnLst>
+                                    <p:animMotion origin="layout" path="M -0.68004 -0.00093 L -0.97917 -0.00093 " pathEditMode="relative" rAng="0" ptsTypes="AA">
+                                      <p:cBhvr>
+                                        <p:cTn id="152" dur="2000" fill="hold"/>
+                                        <p:tgtEl>
+                                          <p:spTgt spid="5">
+                                            <p:graphicEl>
+                                              <a:dgm id="{954C94EF-64A3-4599-990A-05612BB23733}"/>
+                                            </p:graphicEl>
+                                          </p:spTgt>
+                                        </p:tgtEl>
+                                        <p:attrNameLst>
+                                          <p:attrName>ppt_x</p:attrName>
+                                          <p:attrName>ppt_y</p:attrName>
+                                        </p:attrNameLst>
+                                      </p:cBhvr>
+                                      <p:rCtr x="-14965" y="0"/>
+                                    </p:animMotion>
+                                  </p:childTnLst>
+                                </p:cTn>
+                              </p:par>
+                            </p:childTnLst>
+                          </p:cTn>
+                        </p:par>
+                      </p:childTnLst>
+                    </p:cTn>
+                  </p:par>
+                  <p:par>
+                    <p:cTn id="153" fill="hold">
+                      <p:stCondLst>
+                        <p:cond delay="indefinite"/>
+                      </p:stCondLst>
+                      <p:childTnLst>
+                        <p:par>
+                          <p:cTn id="154" fill="hold">
+                            <p:stCondLst>
+                              <p:cond delay="0"/>
+                            </p:stCondLst>
+                            <p:childTnLst>
+                              <p:par>
+                                <p:cTn id="155" presetID="35" presetClass="path" presetSubtype="0" accel="50000" decel="50000" fill="hold" grpId="3" nodeType="clickEffect">
+                                  <p:stCondLst>
+                                    <p:cond delay="0"/>
+                                  </p:stCondLst>
+                                  <p:childTnLst>
+                                    <p:animMotion origin="layout" path="M -0.97917 -0.00093 L -1.30209 -0.00093 " pathEditMode="relative" rAng="0" ptsTypes="AA">
+                                      <p:cBhvr>
+                                        <p:cTn id="156" dur="2000" fill="hold"/>
+                                        <p:tgtEl>
+                                          <p:spTgt spid="5">
+                                            <p:graphicEl>
+                                              <a:dgm id="{6867AD70-2794-4058-A007-0587FBFE0C1F}"/>
+                                            </p:graphicEl>
+                                          </p:spTgt>
+                                        </p:tgtEl>
+                                        <p:attrNameLst>
+                                          <p:attrName>ppt_x</p:attrName>
+                                          <p:attrName>ppt_y</p:attrName>
+                                        </p:attrNameLst>
+                                      </p:cBhvr>
+                                      <p:rCtr x="-16146" y="0"/>
+                                    </p:animMotion>
+                                  </p:childTnLst>
+                                </p:cTn>
+                              </p:par>
+                              <p:par>
+                                <p:cTn id="157" presetID="35" presetClass="path" presetSubtype="0" accel="50000" decel="50000" fill="hold" grpId="3" nodeType="withEffect">
+                                  <p:stCondLst>
+                                    <p:cond delay="0"/>
+                                  </p:stCondLst>
+                                  <p:childTnLst>
+                                    <p:animMotion origin="layout" path="M -0.97917 -0.00093 L -1.30209 -0.00093 " pathEditMode="relative" rAng="0" ptsTypes="AA">
+                                      <p:cBhvr>
+                                        <p:cTn id="158" dur="2000" fill="hold"/>
+                                        <p:tgtEl>
+                                          <p:spTgt spid="5">
+                                            <p:graphicEl>
+                                              <a:dgm id="{E49D5C6E-7CA5-44A0-A81F-E35908B0F6FE}"/>
+                                            </p:graphicEl>
+                                          </p:spTgt>
+                                        </p:tgtEl>
+                                        <p:attrNameLst>
+                                          <p:attrName>ppt_x</p:attrName>
+                                          <p:attrName>ppt_y</p:attrName>
+                                        </p:attrNameLst>
+                                      </p:cBhvr>
+                                      <p:rCtr x="-16146" y="0"/>
+                                    </p:animMotion>
+                                  </p:childTnLst>
+                                </p:cTn>
+                              </p:par>
+                              <p:par>
+                                <p:cTn id="159" presetID="35" presetClass="path" presetSubtype="0" accel="50000" decel="50000" fill="hold" grpId="3" nodeType="withEffect">
+                                  <p:stCondLst>
+                                    <p:cond delay="0"/>
+                                  </p:stCondLst>
+                                  <p:childTnLst>
+                                    <p:animMotion origin="layout" path="M -0.97917 -0.00093 L -1.30209 -0.00093 " pathEditMode="relative" rAng="0" ptsTypes="AA">
+                                      <p:cBhvr>
+                                        <p:cTn id="160" dur="2000" fill="hold"/>
+                                        <p:tgtEl>
+                                          <p:spTgt spid="5">
+                                            <p:graphicEl>
+                                              <a:dgm id="{D047C669-4AF5-46F8-8162-39BAE8123EDF}"/>
+                                            </p:graphicEl>
+                                          </p:spTgt>
+                                        </p:tgtEl>
+                                        <p:attrNameLst>
+                                          <p:attrName>ppt_x</p:attrName>
+                                          <p:attrName>ppt_y</p:attrName>
+                                        </p:attrNameLst>
+                                      </p:cBhvr>
+                                      <p:rCtr x="-16146" y="0"/>
+                                    </p:animMotion>
+                                  </p:childTnLst>
+                                </p:cTn>
+                              </p:par>
+                              <p:par>
+                                <p:cTn id="161" presetID="35" presetClass="path" presetSubtype="0" accel="50000" decel="50000" fill="hold" grpId="3" nodeType="withEffect">
+                                  <p:stCondLst>
+                                    <p:cond delay="0"/>
+                                  </p:stCondLst>
+                                  <p:childTnLst>
+                                    <p:animMotion origin="layout" path="M -0.97917 -0.00093 L -1.30209 -0.00093 " pathEditMode="relative" rAng="0" ptsTypes="AA">
+                                      <p:cBhvr>
+                                        <p:cTn id="162" dur="2000" fill="hold"/>
+                                        <p:tgtEl>
+                                          <p:spTgt spid="5">
+                                            <p:graphicEl>
+                                              <a:dgm id="{AF1C964E-4ACC-46DF-8A5F-0BF56A5BB1EB}"/>
+                                            </p:graphicEl>
+                                          </p:spTgt>
+                                        </p:tgtEl>
+                                        <p:attrNameLst>
+                                          <p:attrName>ppt_x</p:attrName>
+                                          <p:attrName>ppt_y</p:attrName>
+                                        </p:attrNameLst>
+                                      </p:cBhvr>
+                                      <p:rCtr x="-16146" y="0"/>
+                                    </p:animMotion>
+                                  </p:childTnLst>
+                                </p:cTn>
+                              </p:par>
+                              <p:par>
+                                <p:cTn id="163" presetID="35" presetClass="path" presetSubtype="0" accel="50000" decel="50000" fill="hold" grpId="3" nodeType="withEffect">
+                                  <p:stCondLst>
+                                    <p:cond delay="0"/>
+                                  </p:stCondLst>
+                                  <p:childTnLst>
+                                    <p:animMotion origin="layout" path="M -0.97917 -0.00093 L -1.30209 -0.00093 " pathEditMode="relative" rAng="0" ptsTypes="AA">
+                                      <p:cBhvr>
+                                        <p:cTn id="164" dur="2000" fill="hold"/>
+                                        <p:tgtEl>
+                                          <p:spTgt spid="5">
+                                            <p:graphicEl>
+                                              <a:dgm id="{6B596E65-42D1-4AF0-8AF9-168D45F63303}"/>
+                                            </p:graphicEl>
+                                          </p:spTgt>
+                                        </p:tgtEl>
+                                        <p:attrNameLst>
+                                          <p:attrName>ppt_x</p:attrName>
+                                          <p:attrName>ppt_y</p:attrName>
+                                        </p:attrNameLst>
+                                      </p:cBhvr>
+                                      <p:rCtr x="-16146" y="0"/>
+                                    </p:animMotion>
+                                  </p:childTnLst>
+                                </p:cTn>
+                              </p:par>
+                              <p:par>
+                                <p:cTn id="165" presetID="35" presetClass="path" presetSubtype="0" accel="50000" decel="50000" fill="hold" grpId="3" nodeType="withEffect">
+                                  <p:stCondLst>
+                                    <p:cond delay="0"/>
+                                  </p:stCondLst>
+                                  <p:childTnLst>
+                                    <p:animMotion origin="layout" path="M -0.97917 -0.00093 L -1.30209 -0.00093 " pathEditMode="relative" rAng="0" ptsTypes="AA">
+                                      <p:cBhvr>
+                                        <p:cTn id="166" dur="2000" fill="hold"/>
+                                        <p:tgtEl>
+                                          <p:spTgt spid="5">
+                                            <p:graphicEl>
+                                              <a:dgm id="{B7137BFD-DDB4-4690-AC9C-DDE283324D97}"/>
+                                            </p:graphicEl>
+                                          </p:spTgt>
+                                        </p:tgtEl>
+                                        <p:attrNameLst>
+                                          <p:attrName>ppt_x</p:attrName>
+                                          <p:attrName>ppt_y</p:attrName>
+                                        </p:attrNameLst>
+                                      </p:cBhvr>
+                                      <p:rCtr x="-16146" y="0"/>
+                                    </p:animMotion>
+                                  </p:childTnLst>
+                                </p:cTn>
+                              </p:par>
+                              <p:par>
+                                <p:cTn id="167" presetID="35" presetClass="path" presetSubtype="0" accel="50000" decel="50000" fill="hold" grpId="3" nodeType="withEffect">
+                                  <p:stCondLst>
+                                    <p:cond delay="0"/>
+                                  </p:stCondLst>
+                                  <p:childTnLst>
+                                    <p:animMotion origin="layout" path="M -0.97917 -0.00093 L -1.30209 -0.00093 " pathEditMode="relative" rAng="0" ptsTypes="AA">
+                                      <p:cBhvr>
+                                        <p:cTn id="168" dur="2000" fill="hold"/>
+                                        <p:tgtEl>
+                                          <p:spTgt spid="5">
+                                            <p:graphicEl>
+                                              <a:dgm id="{4BE6F441-80E9-42E2-8D94-2E7A8D6E36FB}"/>
+                                            </p:graphicEl>
+                                          </p:spTgt>
+                                        </p:tgtEl>
+                                        <p:attrNameLst>
+                                          <p:attrName>ppt_x</p:attrName>
+                                          <p:attrName>ppt_y</p:attrName>
+                                        </p:attrNameLst>
+                                      </p:cBhvr>
+                                      <p:rCtr x="-16146" y="0"/>
+                                    </p:animMotion>
+                                  </p:childTnLst>
+                                </p:cTn>
+                              </p:par>
+                              <p:par>
+                                <p:cTn id="169" presetID="35" presetClass="path" presetSubtype="0" accel="50000" decel="50000" fill="hold" grpId="3" nodeType="withEffect">
+                                  <p:stCondLst>
+                                    <p:cond delay="0"/>
+                                  </p:stCondLst>
+                                  <p:childTnLst>
+                                    <p:animMotion origin="layout" path="M -0.97917 -0.00093 L -1.30209 -0.00093 " pathEditMode="relative" rAng="0" ptsTypes="AA">
+                                      <p:cBhvr>
+                                        <p:cTn id="170" dur="2000" fill="hold"/>
+                                        <p:tgtEl>
+                                          <p:spTgt spid="5">
+                                            <p:graphicEl>
+                                              <a:dgm id="{42AB661C-ED15-49AE-9200-99B37517FAA7}"/>
+                                            </p:graphicEl>
+                                          </p:spTgt>
+                                        </p:tgtEl>
+                                        <p:attrNameLst>
+                                          <p:attrName>ppt_x</p:attrName>
+                                          <p:attrName>ppt_y</p:attrName>
+                                        </p:attrNameLst>
+                                      </p:cBhvr>
+                                      <p:rCtr x="-16146" y="0"/>
+                                    </p:animMotion>
+                                  </p:childTnLst>
+                                </p:cTn>
+                              </p:par>
+                              <p:par>
+                                <p:cTn id="171" presetID="35" presetClass="path" presetSubtype="0" accel="50000" decel="50000" fill="hold" grpId="3" nodeType="withEffect">
+                                  <p:stCondLst>
+                                    <p:cond delay="0"/>
+                                  </p:stCondLst>
+                                  <p:childTnLst>
+                                    <p:animMotion origin="layout" path="M -0.97917 -0.00093 L -1.30209 -0.00093 " pathEditMode="relative" rAng="0" ptsTypes="AA">
+                                      <p:cBhvr>
+                                        <p:cTn id="172" dur="2000" fill="hold"/>
+                                        <p:tgtEl>
+                                          <p:spTgt spid="5">
+                                            <p:graphicEl>
+                                              <a:dgm id="{601034A3-191F-41A6-9A53-DF734548D105}"/>
+                                            </p:graphicEl>
+                                          </p:spTgt>
+                                        </p:tgtEl>
+                                        <p:attrNameLst>
+                                          <p:attrName>ppt_x</p:attrName>
+                                          <p:attrName>ppt_y</p:attrName>
+                                        </p:attrNameLst>
+                                      </p:cBhvr>
+                                      <p:rCtr x="-16146" y="0"/>
+                                    </p:animMotion>
+                                  </p:childTnLst>
+                                </p:cTn>
+                              </p:par>
+                              <p:par>
+                                <p:cTn id="173" presetID="35" presetClass="path" presetSubtype="0" accel="50000" decel="50000" fill="hold" grpId="3" nodeType="withEffect">
+                                  <p:stCondLst>
+                                    <p:cond delay="0"/>
+                                  </p:stCondLst>
+                                  <p:childTnLst>
+                                    <p:animMotion origin="layout" path="M -0.97917 -0.00093 L -1.30209 -0.00093 " pathEditMode="relative" rAng="0" ptsTypes="AA">
+                                      <p:cBhvr>
+                                        <p:cTn id="174" dur="2000" fill="hold"/>
+                                        <p:tgtEl>
+                                          <p:spTgt spid="5">
+                                            <p:graphicEl>
+                                              <a:dgm id="{EE39D523-AC73-4392-AC77-77C7220763B6}"/>
+                                            </p:graphicEl>
+                                          </p:spTgt>
+                                        </p:tgtEl>
+                                        <p:attrNameLst>
+                                          <p:attrName>ppt_x</p:attrName>
+                                          <p:attrName>ppt_y</p:attrName>
+                                        </p:attrNameLst>
+                                      </p:cBhvr>
+                                      <p:rCtr x="-16146" y="0"/>
+                                    </p:animMotion>
+                                  </p:childTnLst>
+                                </p:cTn>
+                              </p:par>
+                              <p:par>
+                                <p:cTn id="175" presetID="35" presetClass="path" presetSubtype="0" accel="50000" decel="50000" fill="hold" grpId="3" nodeType="withEffect">
+                                  <p:stCondLst>
+                                    <p:cond delay="0"/>
+                                  </p:stCondLst>
+                                  <p:childTnLst>
+                                    <p:animMotion origin="layout" path="M -0.97917 -0.00093 L -1.30209 -0.00093 " pathEditMode="relative" rAng="0" ptsTypes="AA">
+                                      <p:cBhvr>
+                                        <p:cTn id="176" dur="2000" fill="hold"/>
+                                        <p:tgtEl>
+                                          <p:spTgt spid="5">
+                                            <p:graphicEl>
+                                              <a:dgm id="{8D39B5C2-A82F-438E-9691-729F26D85642}"/>
+                                            </p:graphicEl>
+                                          </p:spTgt>
+                                        </p:tgtEl>
+                                        <p:attrNameLst>
+                                          <p:attrName>ppt_x</p:attrName>
+                                          <p:attrName>ppt_y</p:attrName>
+                                        </p:attrNameLst>
+                                      </p:cBhvr>
+                                      <p:rCtr x="-16146" y="0"/>
+                                    </p:animMotion>
+                                  </p:childTnLst>
+                                </p:cTn>
+                              </p:par>
+                              <p:par>
+                                <p:cTn id="177" presetID="35" presetClass="path" presetSubtype="0" accel="50000" decel="50000" fill="hold" grpId="3" nodeType="withEffect">
+                                  <p:stCondLst>
+                                    <p:cond delay="0"/>
+                                  </p:stCondLst>
+                                  <p:childTnLst>
+                                    <p:animMotion origin="layout" path="M -0.97917 -0.00093 L -1.30209 -0.00093 " pathEditMode="relative" rAng="0" ptsTypes="AA">
+                                      <p:cBhvr>
+                                        <p:cTn id="178" dur="2000" fill="hold"/>
+                                        <p:tgtEl>
+                                          <p:spTgt spid="5">
+                                            <p:graphicEl>
+                                              <a:dgm id="{DFF2DE64-3912-48E6-96DE-FA8312BB934C}"/>
+                                            </p:graphicEl>
+                                          </p:spTgt>
+                                        </p:tgtEl>
+                                        <p:attrNameLst>
+                                          <p:attrName>ppt_x</p:attrName>
+                                          <p:attrName>ppt_y</p:attrName>
+                                        </p:attrNameLst>
+                                      </p:cBhvr>
+                                      <p:rCtr x="-16146" y="0"/>
+                                    </p:animMotion>
+                                  </p:childTnLst>
+                                </p:cTn>
+                              </p:par>
+                              <p:par>
+                                <p:cTn id="179" presetID="35" presetClass="path" presetSubtype="0" accel="50000" decel="50000" fill="hold" grpId="3" nodeType="withEffect">
+                                  <p:stCondLst>
+                                    <p:cond delay="0"/>
+                                  </p:stCondLst>
+                                  <p:childTnLst>
+                                    <p:animMotion origin="layout" path="M -0.97917 -0.00093 L -1.30209 -0.00093 " pathEditMode="relative" rAng="0" ptsTypes="AA">
+                                      <p:cBhvr>
+                                        <p:cTn id="180" dur="2000" fill="hold"/>
+                                        <p:tgtEl>
+                                          <p:spTgt spid="5">
+                                            <p:graphicEl>
+                                              <a:dgm id="{E6CD3A07-DC14-465C-9A62-15762B2DDB79}"/>
+                                            </p:graphicEl>
+                                          </p:spTgt>
+                                        </p:tgtEl>
+                                        <p:attrNameLst>
+                                          <p:attrName>ppt_x</p:attrName>
+                                          <p:attrName>ppt_y</p:attrName>
+                                        </p:attrNameLst>
+                                      </p:cBhvr>
+                                      <p:rCtr x="-16146" y="0"/>
+                                    </p:animMotion>
+                                  </p:childTnLst>
+                                </p:cTn>
+                              </p:par>
+                              <p:par>
+                                <p:cTn id="181" presetID="35" presetClass="path" presetSubtype="0" accel="50000" decel="50000" fill="hold" grpId="3" nodeType="withEffect">
+                                  <p:stCondLst>
+                                    <p:cond delay="0"/>
+                                  </p:stCondLst>
+                                  <p:childTnLst>
+                                    <p:animMotion origin="layout" path="M -0.97917 -0.00093 L -1.30209 -0.00093 " pathEditMode="relative" rAng="0" ptsTypes="AA">
+                                      <p:cBhvr>
+                                        <p:cTn id="182" dur="2000" fill="hold"/>
+                                        <p:tgtEl>
+                                          <p:spTgt spid="5">
+                                            <p:graphicEl>
+                                              <a:dgm id="{7CAAFA02-0B4B-4EB3-BEDE-AEB070C2F81F}"/>
+                                            </p:graphicEl>
+                                          </p:spTgt>
+                                        </p:tgtEl>
+                                        <p:attrNameLst>
+                                          <p:attrName>ppt_x</p:attrName>
+                                          <p:attrName>ppt_y</p:attrName>
+                                        </p:attrNameLst>
+                                      </p:cBhvr>
+                                      <p:rCtr x="-16146" y="0"/>
+                                    </p:animMotion>
+                                  </p:childTnLst>
+                                </p:cTn>
+                              </p:par>
+                              <p:par>
+                                <p:cTn id="183" presetID="35" presetClass="path" presetSubtype="0" accel="50000" decel="50000" fill="hold" grpId="3" nodeType="withEffect">
+                                  <p:stCondLst>
+                                    <p:cond delay="0"/>
+                                  </p:stCondLst>
+                                  <p:childTnLst>
+                                    <p:animMotion origin="layout" path="M -0.97917 -0.00093 L -1.30209 -0.00093 " pathEditMode="relative" rAng="0" ptsTypes="AA">
+                                      <p:cBhvr>
+                                        <p:cTn id="184" dur="2000" fill="hold"/>
+                                        <p:tgtEl>
+                                          <p:spTgt spid="5">
+                                            <p:graphicEl>
+                                              <a:dgm id="{076125C3-B8CA-4BEA-8672-649EA4C304ED}"/>
+                                            </p:graphicEl>
+                                          </p:spTgt>
+                                        </p:tgtEl>
+                                        <p:attrNameLst>
+                                          <p:attrName>ppt_x</p:attrName>
+                                          <p:attrName>ppt_y</p:attrName>
+                                        </p:attrNameLst>
+                                      </p:cBhvr>
+                                      <p:rCtr x="-16146" y="0"/>
+                                    </p:animMotion>
+                                  </p:childTnLst>
+                                </p:cTn>
+                              </p:par>
+                              <p:par>
+                                <p:cTn id="185" presetID="35" presetClass="path" presetSubtype="0" accel="50000" decel="50000" fill="hold" grpId="3" nodeType="withEffect">
+                                  <p:stCondLst>
+                                    <p:cond delay="0"/>
+                                  </p:stCondLst>
+                                  <p:childTnLst>
+                                    <p:animMotion origin="layout" path="M -0.97917 -0.00093 L -1.30209 -0.00093 " pathEditMode="relative" rAng="0" ptsTypes="AA">
+                                      <p:cBhvr>
+                                        <p:cTn id="186" dur="2000" fill="hold"/>
+                                        <p:tgtEl>
+                                          <p:spTgt spid="5">
+                                            <p:graphicEl>
+                                              <a:dgm id="{B11961AC-77AE-4A85-9FD1-22CD1F3AC7EE}"/>
+                                            </p:graphicEl>
+                                          </p:spTgt>
+                                        </p:tgtEl>
+                                        <p:attrNameLst>
+                                          <p:attrName>ppt_x</p:attrName>
+                                          <p:attrName>ppt_y</p:attrName>
+                                        </p:attrNameLst>
+                                      </p:cBhvr>
+                                      <p:rCtr x="-16146" y="0"/>
+                                    </p:animMotion>
+                                  </p:childTnLst>
+                                </p:cTn>
+                              </p:par>
+                              <p:par>
+                                <p:cTn id="187" presetID="35" presetClass="path" presetSubtype="0" accel="50000" decel="50000" fill="hold" grpId="3" nodeType="withEffect">
+                                  <p:stCondLst>
+                                    <p:cond delay="0"/>
+                                  </p:stCondLst>
+                                  <p:childTnLst>
+                                    <p:animMotion origin="layout" path="M -0.97917 -0.00093 L -1.30209 -0.00093 " pathEditMode="relative" rAng="0" ptsTypes="AA">
+                                      <p:cBhvr>
+                                        <p:cTn id="188" dur="2000" fill="hold"/>
+                                        <p:tgtEl>
+                                          <p:spTgt spid="5">
+                                            <p:graphicEl>
+                                              <a:dgm id="{6EEA1793-B06B-47DC-81F9-AFB8F6F895D9}"/>
+                                            </p:graphicEl>
+                                          </p:spTgt>
+                                        </p:tgtEl>
+                                        <p:attrNameLst>
+                                          <p:attrName>ppt_x</p:attrName>
+                                          <p:attrName>ppt_y</p:attrName>
+                                        </p:attrNameLst>
+                                      </p:cBhvr>
+                                      <p:rCtr x="-16146" y="0"/>
+                                    </p:animMotion>
+                                  </p:childTnLst>
+                                </p:cTn>
+                              </p:par>
+                              <p:par>
+                                <p:cTn id="189" presetID="35" presetClass="path" presetSubtype="0" accel="50000" decel="50000" fill="hold" grpId="3" nodeType="withEffect">
+                                  <p:stCondLst>
+                                    <p:cond delay="0"/>
+                                  </p:stCondLst>
+                                  <p:childTnLst>
+                                    <p:animMotion origin="layout" path="M -0.97917 -0.00093 L -1.30209 -0.00093 " pathEditMode="relative" rAng="0" ptsTypes="AA">
+                                      <p:cBhvr>
+                                        <p:cTn id="190" dur="2000" fill="hold"/>
+                                        <p:tgtEl>
+                                          <p:spTgt spid="5">
+                                            <p:graphicEl>
+                                              <a:dgm id="{347F2C06-6D53-480A-A19C-A66E010B43AA}"/>
+                                            </p:graphicEl>
+                                          </p:spTgt>
+                                        </p:tgtEl>
+                                        <p:attrNameLst>
+                                          <p:attrName>ppt_x</p:attrName>
+                                          <p:attrName>ppt_y</p:attrName>
+                                        </p:attrNameLst>
+                                      </p:cBhvr>
+                                      <p:rCtr x="-16146" y="0"/>
+                                    </p:animMotion>
+                                  </p:childTnLst>
+                                </p:cTn>
+                              </p:par>
+                              <p:par>
+                                <p:cTn id="191" presetID="35" presetClass="path" presetSubtype="0" accel="50000" decel="50000" fill="hold" grpId="3" nodeType="withEffect">
+                                  <p:stCondLst>
+                                    <p:cond delay="0"/>
+                                  </p:stCondLst>
+                                  <p:childTnLst>
+                                    <p:animMotion origin="layout" path="M -0.97917 -0.00093 L -1.30209 -0.00093 " pathEditMode="relative" rAng="0" ptsTypes="AA">
+                                      <p:cBhvr>
+                                        <p:cTn id="192" dur="2000" fill="hold"/>
+                                        <p:tgtEl>
+                                          <p:spTgt spid="5">
+                                            <p:graphicEl>
+                                              <a:dgm id="{0C7B1CE8-5F06-4882-875E-AEE5E1941952}"/>
+                                            </p:graphicEl>
+                                          </p:spTgt>
+                                        </p:tgtEl>
+                                        <p:attrNameLst>
+                                          <p:attrName>ppt_x</p:attrName>
+                                          <p:attrName>ppt_y</p:attrName>
+                                        </p:attrNameLst>
+                                      </p:cBhvr>
+                                      <p:rCtr x="-16146" y="0"/>
+                                    </p:animMotion>
+                                  </p:childTnLst>
+                                </p:cTn>
+                              </p:par>
+                              <p:par>
+                                <p:cTn id="193" presetID="35" presetClass="path" presetSubtype="0" accel="50000" decel="50000" fill="hold" grpId="3" nodeType="withEffect">
+                                  <p:stCondLst>
+                                    <p:cond delay="0"/>
+                                  </p:stCondLst>
+                                  <p:childTnLst>
+                                    <p:animMotion origin="layout" path="M -0.97917 -0.00093 L -1.30209 -0.00093 " pathEditMode="relative" rAng="0" ptsTypes="AA">
+                                      <p:cBhvr>
+                                        <p:cTn id="194" dur="2000" fill="hold"/>
+                                        <p:tgtEl>
+                                          <p:spTgt spid="5">
+                                            <p:graphicEl>
+                                              <a:dgm id="{86AE874A-27D4-4F28-A38A-54E29BBD68C1}"/>
+                                            </p:graphicEl>
+                                          </p:spTgt>
+                                        </p:tgtEl>
+                                        <p:attrNameLst>
+                                          <p:attrName>ppt_x</p:attrName>
+                                          <p:attrName>ppt_y</p:attrName>
+                                        </p:attrNameLst>
+                                      </p:cBhvr>
+                                      <p:rCtr x="-16146" y="0"/>
+                                    </p:animMotion>
+                                  </p:childTnLst>
+                                </p:cTn>
+                              </p:par>
+                              <p:par>
+                                <p:cTn id="195" presetID="35" presetClass="path" presetSubtype="0" accel="50000" decel="50000" fill="hold" grpId="3" nodeType="withEffect">
+                                  <p:stCondLst>
+                                    <p:cond delay="0"/>
+                                  </p:stCondLst>
+                                  <p:childTnLst>
+                                    <p:animMotion origin="layout" path="M -0.97917 -0.00093 L -1.30209 -0.00093 " pathEditMode="relative" rAng="0" ptsTypes="AA">
+                                      <p:cBhvr>
+                                        <p:cTn id="196" dur="2000" fill="hold"/>
+                                        <p:tgtEl>
+                                          <p:spTgt spid="5">
+                                            <p:graphicEl>
+                                              <a:dgm id="{08DE3A77-9538-497B-A3C9-4812928EFD89}"/>
+                                            </p:graphicEl>
+                                          </p:spTgt>
+                                        </p:tgtEl>
+                                        <p:attrNameLst>
+                                          <p:attrName>ppt_x</p:attrName>
+                                          <p:attrName>ppt_y</p:attrName>
+                                        </p:attrNameLst>
+                                      </p:cBhvr>
+                                      <p:rCtr x="-16146" y="0"/>
+                                    </p:animMotion>
+                                  </p:childTnLst>
+                                </p:cTn>
+                              </p:par>
+                              <p:par>
+                                <p:cTn id="197" presetID="35" presetClass="path" presetSubtype="0" accel="50000" decel="50000" fill="hold" grpId="3" nodeType="withEffect">
+                                  <p:stCondLst>
+                                    <p:cond delay="0"/>
+                                  </p:stCondLst>
+                                  <p:childTnLst>
+                                    <p:animMotion origin="layout" path="M -0.97917 -0.00093 L -1.30209 -0.00093 " pathEditMode="relative" rAng="0" ptsTypes="AA">
+                                      <p:cBhvr>
+                                        <p:cTn id="198" dur="2000" fill="hold"/>
+                                        <p:tgtEl>
+                                          <p:spTgt spid="5">
+                                            <p:graphicEl>
+                                              <a:dgm id="{8089853B-484A-4D8C-85EA-79DA3106583A}"/>
+                                            </p:graphicEl>
+                                          </p:spTgt>
+                                        </p:tgtEl>
+                                        <p:attrNameLst>
+                                          <p:attrName>ppt_x</p:attrName>
+                                          <p:attrName>ppt_y</p:attrName>
+                                        </p:attrNameLst>
+                                      </p:cBhvr>
+                                      <p:rCtr x="-16146" y="0"/>
+                                    </p:animMotion>
+                                  </p:childTnLst>
+                                </p:cTn>
+                              </p:par>
+                              <p:par>
+                                <p:cTn id="199" presetID="35" presetClass="path" presetSubtype="0" accel="50000" decel="50000" fill="hold" grpId="3" nodeType="withEffect">
+                                  <p:stCondLst>
+                                    <p:cond delay="0"/>
+                                  </p:stCondLst>
+                                  <p:childTnLst>
+                                    <p:animMotion origin="layout" path="M -0.97917 -0.00093 L -1.30209 -0.00093 " pathEditMode="relative" rAng="0" ptsTypes="AA">
+                                      <p:cBhvr>
+                                        <p:cTn id="200" dur="2000" fill="hold"/>
+                                        <p:tgtEl>
+                                          <p:spTgt spid="5">
+                                            <p:graphicEl>
+                                              <a:dgm id="{225F2E50-4592-479E-A5AE-632BABACAE01}"/>
+                                            </p:graphicEl>
+                                          </p:spTgt>
+                                        </p:tgtEl>
+                                        <p:attrNameLst>
+                                          <p:attrName>ppt_x</p:attrName>
+                                          <p:attrName>ppt_y</p:attrName>
+                                        </p:attrNameLst>
+                                      </p:cBhvr>
+                                      <p:rCtr x="-16146" y="0"/>
+                                    </p:animMotion>
+                                  </p:childTnLst>
+                                </p:cTn>
+                              </p:par>
+                              <p:par>
+                                <p:cTn id="201" presetID="35" presetClass="path" presetSubtype="0" accel="50000" decel="50000" fill="hold" grpId="3" nodeType="withEffect">
+                                  <p:stCondLst>
+                                    <p:cond delay="0"/>
+                                  </p:stCondLst>
+                                  <p:childTnLst>
+                                    <p:animMotion origin="layout" path="M -0.97917 -0.00093 L -1.30209 -0.00093 " pathEditMode="relative" rAng="0" ptsTypes="AA">
+                                      <p:cBhvr>
+                                        <p:cTn id="202" dur="2000" fill="hold"/>
+                                        <p:tgtEl>
+                                          <p:spTgt spid="5">
+                                            <p:graphicEl>
+                                              <a:dgm id="{954C94EF-64A3-4599-990A-05612BB23733}"/>
+                                            </p:graphicEl>
+                                          </p:spTgt>
+                                        </p:tgtEl>
+                                        <p:attrNameLst>
+                                          <p:attrName>ppt_x</p:attrName>
+                                          <p:attrName>ppt_y</p:attrName>
+                                        </p:attrNameLst>
+                                      </p:cBhvr>
+                                      <p:rCtr x="-16146" y="0"/>
                                     </p:animMotion>
                                   </p:childTnLst>
                                 </p:cTn>
@@ -15705,10 +18293,24 @@
     </p:tnLst>
     <p:bldLst>
       <p:bldGraphic spid="5" grpId="0">
-        <p:bldAsOne/>
+        <p:bldSub>
+          <a:bldDgm/>
+        </p:bldSub>
       </p:bldGraphic>
       <p:bldGraphic spid="5" grpId="1">
-        <p:bldAsOne/>
+        <p:bldSub>
+          <a:bldDgm/>
+        </p:bldSub>
+      </p:bldGraphic>
+      <p:bldGraphic spid="5" grpId="2">
+        <p:bldSub>
+          <a:bldDgm/>
+        </p:bldSub>
+      </p:bldGraphic>
+      <p:bldGraphic spid="5" grpId="3">
+        <p:bldSub>
+          <a:bldDgm/>
+        </p:bldSub>
       </p:bldGraphic>
     </p:bldLst>
   </p:timing>
@@ -15813,20 +18415,96 @@
         </p:nvSpPr>
         <p:spPr/>
         <p:txBody>
-          <a:bodyPr/>
+          <a:bodyPr>
+            <a:normAutofit/>
+          </a:bodyPr>
           <a:lstStyle/>
           <a:p>
             <a:r>
-              <a:rPr lang="nl-BE" smtClean="0"/>
-              <a:t>Info over de GoogleMapsAdapter</a:t>
-            </a:r>
-          </a:p>
-          <a:p>
-            <a:r>
-              <a:rPr lang="nl-BE" smtClean="0"/>
-              <a:t>Aantal calls etc…</a:t>
-            </a:r>
-            <a:endParaRPr lang="en-US" dirty="0"/>
+              <a:rPr lang="nl-NL" sz="1400" smtClean="0"/>
+              <a:t>Google Maps Distance Matrix API</a:t>
+            </a:r>
+          </a:p>
+          <a:p>
+            <a:r>
+              <a:rPr lang="nl-NL" sz="1400" smtClean="0"/>
+              <a:t>Voor elke combinatie van start- en eindpunt wordt een reistijd opgenomen in het antwoord</a:t>
+            </a:r>
+          </a:p>
+          <a:p>
+            <a:pPr lvl="1"/>
+            <a:r>
+              <a:rPr lang="nl-NL" sz="1400" smtClean="0"/>
+              <a:t>2X2-matrix zijn = 4 aanvragen</a:t>
+            </a:r>
+          </a:p>
+          <a:p>
+            <a:r>
+              <a:rPr lang="nl-NL" sz="1400" smtClean="0"/>
+              <a:t>2500 gratis aanvragen per dag</a:t>
+            </a:r>
+          </a:p>
+          <a:p>
+            <a:pPr lvl="1"/>
+            <a:r>
+              <a:rPr lang="nl-NL" sz="1400" smtClean="0"/>
+              <a:t>0,5 dollar (= 0,4548 euro) / 1000 extra aanvragen</a:t>
+            </a:r>
+          </a:p>
+          <a:p>
+            <a:r>
+              <a:rPr lang="nl-NL" sz="1400" smtClean="0"/>
+              <a:t>34 routes, elke 5 minuten, 18h/dag </a:t>
+            </a:r>
+            <a:br>
+              <a:rPr lang="nl-NL" sz="1400" smtClean="0"/>
+            </a:br>
+            <a:r>
+              <a:rPr lang="nl-NL" sz="1400" smtClean="0">
+                <a:sym typeface="Wingdings" panose="05000000000000000000" pitchFamily="2" charset="2"/>
+              </a:rPr>
+              <a:t>= </a:t>
+            </a:r>
+            <a:r>
+              <a:rPr lang="nl-NL" sz="1400" smtClean="0"/>
+              <a:t>7 300 aanvragen/dag</a:t>
+            </a:r>
+          </a:p>
+          <a:p>
+            <a:pPr lvl="1"/>
+            <a:r>
+              <a:rPr lang="nl-NL" sz="1400" smtClean="0"/>
+              <a:t>tussenpunten niet inbegrepen</a:t>
+            </a:r>
+          </a:p>
+          <a:p>
+            <a:pPr marL="411480" lvl="1" indent="0">
+              <a:buNone/>
+            </a:pPr>
+            <a:endParaRPr lang="nl-NL" sz="1400" smtClean="0"/>
+          </a:p>
+          <a:p>
+            <a:pPr marL="109728" indent="0">
+              <a:buNone/>
+            </a:pPr>
+            <a:r>
+              <a:rPr lang="nl-NL" sz="1400" smtClean="0">
+                <a:sym typeface="Wingdings" panose="05000000000000000000" pitchFamily="2" charset="2"/>
+              </a:rPr>
+              <a:t> </a:t>
+            </a:r>
+            <a:r>
+              <a:rPr lang="nl-NL" sz="1400" smtClean="0"/>
+              <a:t>Google Maps API's Premium Plan</a:t>
+            </a:r>
+          </a:p>
+          <a:p>
+            <a:pPr lvl="1"/>
+            <a:r>
+              <a:rPr lang="nl-NL" sz="1400" smtClean="0"/>
+              <a:t>100 000 aanvragen/dag</a:t>
+            </a:r>
+            <a:endParaRPr lang="en-US" sz="1400" dirty="0"/>
           </a:p>
         </p:txBody>
       </p:sp>
@@ -15842,23 +18520,100 @@
         </p:nvSpPr>
         <p:spPr/>
         <p:txBody>
-          <a:bodyPr/>
+          <a:bodyPr>
+            <a:noAutofit/>
+          </a:bodyPr>
           <a:lstStyle/>
           <a:p>
             <a:r>
-              <a:rPr lang="nl-BE" smtClean="0"/>
-              <a:t>Info over de HereAdapter</a:t>
-            </a:r>
-          </a:p>
-          <a:p>
-            <a:r>
-              <a:rPr lang="nl-BE" smtClean="0"/>
-              <a:t>Aantal calls etc…</a:t>
-            </a:r>
-            <a:endParaRPr lang="en-US" smtClean="0"/>
-          </a:p>
-          <a:p>
-            <a:endParaRPr lang="en-US" dirty="0"/>
+              <a:rPr lang="nl-NL" sz="1400" smtClean="0"/>
+              <a:t>Routing API</a:t>
+            </a:r>
+          </a:p>
+          <a:p>
+            <a:r>
+              <a:rPr lang="nl-NL" sz="1400" smtClean="0"/>
+              <a:t>Geocoördinaten instellen om traject na te bootsen</a:t>
+            </a:r>
+          </a:p>
+          <a:p>
+            <a:r>
+              <a:rPr lang="nl-NL" sz="1400" smtClean="0"/>
+              <a:t>90 dagen gratis</a:t>
+            </a:r>
+          </a:p>
+          <a:p>
+            <a:pPr lvl="1"/>
+            <a:r>
+              <a:rPr lang="nl-NL" sz="1400" smtClean="0"/>
+              <a:t>100 000 aanvragen/maand</a:t>
+            </a:r>
+          </a:p>
+          <a:p>
+            <a:pPr lvl="1"/>
+            <a:r>
+              <a:rPr lang="nl-NL" sz="1400" smtClean="0"/>
+              <a:t>3 300 aanvragen/dag </a:t>
+            </a:r>
+          </a:p>
+          <a:p>
+            <a:r>
+              <a:rPr lang="nl-NL" sz="1400" smtClean="0"/>
+              <a:t>34 routes, elke 5 minuten, 18h/dag </a:t>
+            </a:r>
+            <a:br>
+              <a:rPr lang="nl-NL" sz="1400" smtClean="0"/>
+            </a:br>
+            <a:r>
+              <a:rPr lang="nl-NL" sz="1400" smtClean="0">
+                <a:sym typeface="Wingdings" panose="05000000000000000000" pitchFamily="2" charset="2"/>
+              </a:rPr>
+              <a:t>= </a:t>
+            </a:r>
+            <a:r>
+              <a:rPr lang="nl-NL" sz="1400" smtClean="0"/>
+              <a:t>220 000 aanvragen/maand</a:t>
+            </a:r>
+          </a:p>
+          <a:p>
+            <a:endParaRPr lang="nl-NL" sz="1400" smtClean="0"/>
+          </a:p>
+          <a:p>
+            <a:pPr marL="109728" indent="0">
+              <a:buNone/>
+            </a:pPr>
+            <a:r>
+              <a:rPr lang="nl-NL" sz="1400" smtClean="0">
+                <a:sym typeface="Wingdings" panose="05000000000000000000" pitchFamily="2" charset="2"/>
+              </a:rPr>
+              <a:t> </a:t>
+            </a:r>
+            <a:r>
+              <a:rPr lang="nl-NL" sz="1400" smtClean="0"/>
+              <a:t>Betalende formule nodig</a:t>
+            </a:r>
+          </a:p>
+          <a:p>
+            <a:pPr lvl="1"/>
+            <a:r>
+              <a:rPr lang="nl-NL" sz="1400" smtClean="0"/>
+              <a:t>275 000 aanvragen/maand</a:t>
+            </a:r>
+          </a:p>
+          <a:p>
+            <a:pPr lvl="1"/>
+            <a:r>
+              <a:rPr lang="nl-NL" sz="1400" smtClean="0"/>
+              <a:t>Standaardplan</a:t>
+            </a:r>
+          </a:p>
+          <a:p>
+            <a:pPr lvl="1"/>
+            <a:r>
+              <a:rPr lang="nl-NL" sz="1400" smtClean="0"/>
+              <a:t>99 euro/maand</a:t>
+            </a:r>
+            <a:endParaRPr lang="en-US" sz="1400" dirty="0"/>
           </a:p>
         </p:txBody>
       </p:sp>
@@ -15883,6 +18638,213 @@
               <a:t>15</a:t>
             </a:fld>
             <a:endParaRPr lang="en-US"/>
+          </a:p>
+        </p:txBody>
+      </p:sp>
+      <p:sp>
+        <p:nvSpPr>
+          <p:cNvPr id="14" name="Tijdelijke aanduiding voor tekst 7"/>
+          <p:cNvSpPr txBox="1">
+            <a:spLocks/>
+          </p:cNvSpPr>
+          <p:nvPr/>
+        </p:nvSpPr>
+        <p:spPr>
+          <a:xfrm>
+            <a:off x="0" y="6453336"/>
+            <a:ext cx="3924300" cy="404242"/>
+          </a:xfrm>
+          <a:prstGeom prst="rect">
+            <a:avLst/>
+          </a:prstGeom>
+        </p:spPr>
+        <p:txBody>
+          <a:bodyPr/>
+          <a:lstStyle>
+            <a:lvl1pPr marL="365760" indent="-256032" algn="l" rtl="0" eaLnBrk="1" latinLnBrk="0" hangingPunct="1">
+              <a:spcBef>
+                <a:spcPts val="300"/>
+              </a:spcBef>
+              <a:buClr>
+                <a:schemeClr val="accent3"/>
+              </a:buClr>
+              <a:buFont typeface="Georgia"/>
+              <a:buChar char="•"/>
+              <a:defRPr kumimoji="0" sz="2800" kern="1200">
+                <a:solidFill>
+                  <a:schemeClr val="tx1"/>
+                </a:solidFill>
+                <a:latin typeface="+mj-lt"/>
+                <a:ea typeface="+mn-ea"/>
+                <a:cs typeface="+mn-cs"/>
+              </a:defRPr>
+            </a:lvl1pPr>
+            <a:lvl2pPr marL="658368" indent="-246888" algn="l" rtl="0" eaLnBrk="1" latinLnBrk="0" hangingPunct="1">
+              <a:spcBef>
+                <a:spcPts val="300"/>
+              </a:spcBef>
+              <a:buClr>
+                <a:schemeClr val="accent2"/>
+              </a:buClr>
+              <a:buFont typeface="Georgia"/>
+              <a:buChar char="▫"/>
+              <a:defRPr kumimoji="0" sz="2600" kern="1200">
+                <a:solidFill>
+                  <a:schemeClr val="accent2"/>
+                </a:solidFill>
+                <a:latin typeface="+mj-lt"/>
+                <a:ea typeface="+mn-ea"/>
+                <a:cs typeface="+mn-cs"/>
+              </a:defRPr>
+            </a:lvl2pPr>
+            <a:lvl3pPr marL="923544" indent="-219456" algn="l" rtl="0" eaLnBrk="1" latinLnBrk="0" hangingPunct="1">
+              <a:spcBef>
+                <a:spcPts val="300"/>
+              </a:spcBef>
+              <a:buClr>
+                <a:schemeClr val="accent1"/>
+              </a:buClr>
+              <a:buFont typeface="Wingdings 2"/>
+              <a:buChar char=""/>
+              <a:defRPr kumimoji="0" sz="2400" kern="1200">
+                <a:solidFill>
+                  <a:schemeClr val="accent1"/>
+                </a:solidFill>
+                <a:latin typeface="+mj-lt"/>
+                <a:ea typeface="+mn-ea"/>
+                <a:cs typeface="+mn-cs"/>
+              </a:defRPr>
+            </a:lvl3pPr>
+            <a:lvl4pPr marL="1179576" indent="-201168" algn="l" rtl="0" eaLnBrk="1" latinLnBrk="0" hangingPunct="1">
+              <a:spcBef>
+                <a:spcPts val="300"/>
+              </a:spcBef>
+              <a:buClr>
+                <a:schemeClr val="accent1"/>
+              </a:buClr>
+              <a:buFont typeface="Wingdings 2"/>
+              <a:buChar char=""/>
+              <a:defRPr kumimoji="0" sz="2200" kern="1200">
+                <a:solidFill>
+                  <a:schemeClr val="accent1"/>
+                </a:solidFill>
+                <a:latin typeface="+mj-lt"/>
+                <a:ea typeface="+mn-ea"/>
+                <a:cs typeface="+mn-cs"/>
+              </a:defRPr>
+            </a:lvl4pPr>
+            <a:lvl5pPr marL="1389888" indent="-182880" algn="l" rtl="0" eaLnBrk="1" latinLnBrk="0" hangingPunct="1">
+              <a:spcBef>
+                <a:spcPts val="300"/>
+              </a:spcBef>
+              <a:buClr>
+                <a:schemeClr val="accent3"/>
+              </a:buClr>
+              <a:buFont typeface="Georgia"/>
+              <a:buChar char="▫"/>
+              <a:defRPr kumimoji="0" sz="2000" kern="1200">
+                <a:solidFill>
+                  <a:schemeClr val="accent3"/>
+                </a:solidFill>
+                <a:latin typeface="+mj-lt"/>
+                <a:ea typeface="+mn-ea"/>
+                <a:cs typeface="+mn-cs"/>
+              </a:defRPr>
+            </a:lvl5pPr>
+            <a:lvl6pPr marL="1609344" indent="-182880" algn="l" rtl="0" eaLnBrk="1" latinLnBrk="0" hangingPunct="1">
+              <a:spcBef>
+                <a:spcPts val="300"/>
+              </a:spcBef>
+              <a:buClr>
+                <a:schemeClr val="accent3"/>
+              </a:buClr>
+              <a:buFont typeface="Georgia"/>
+              <a:buChar char="▫"/>
+              <a:defRPr kumimoji="0" sz="1800" kern="1200">
+                <a:solidFill>
+                  <a:schemeClr val="accent3"/>
+                </a:solidFill>
+                <a:latin typeface="+mn-lt"/>
+                <a:ea typeface="+mn-ea"/>
+                <a:cs typeface="+mn-cs"/>
+              </a:defRPr>
+            </a:lvl6pPr>
+            <a:lvl7pPr marL="1828800" indent="-182880" algn="l" rtl="0" eaLnBrk="1" latinLnBrk="0" hangingPunct="1">
+              <a:spcBef>
+                <a:spcPts val="300"/>
+              </a:spcBef>
+              <a:buClr>
+                <a:schemeClr val="accent3"/>
+              </a:buClr>
+              <a:buFont typeface="Georgia"/>
+              <a:buChar char="▫"/>
+              <a:defRPr kumimoji="0" sz="1600" kern="1200">
+                <a:solidFill>
+                  <a:schemeClr val="accent3"/>
+                </a:solidFill>
+                <a:latin typeface="+mn-lt"/>
+                <a:ea typeface="+mn-ea"/>
+                <a:cs typeface="+mn-cs"/>
+              </a:defRPr>
+            </a:lvl7pPr>
+            <a:lvl8pPr marL="2029968" indent="-182880" algn="l" rtl="0" eaLnBrk="1" latinLnBrk="0" hangingPunct="1">
+              <a:spcBef>
+                <a:spcPts val="300"/>
+              </a:spcBef>
+              <a:buClr>
+                <a:schemeClr val="accent3"/>
+              </a:buClr>
+              <a:buFont typeface="Georgia"/>
+              <a:buChar char="◦"/>
+              <a:defRPr kumimoji="0" sz="1500" kern="1200">
+                <a:solidFill>
+                  <a:schemeClr val="accent3"/>
+                </a:solidFill>
+                <a:latin typeface="+mn-lt"/>
+                <a:ea typeface="+mn-ea"/>
+                <a:cs typeface="+mn-cs"/>
+              </a:defRPr>
+            </a:lvl8pPr>
+            <a:lvl9pPr marL="2240280" indent="-182880" algn="l" rtl="0" eaLnBrk="1" latinLnBrk="0" hangingPunct="1">
+              <a:spcBef>
+                <a:spcPts val="300"/>
+              </a:spcBef>
+              <a:buClr>
+                <a:schemeClr val="accent3"/>
+              </a:buClr>
+              <a:buFont typeface="Georgia"/>
+              <a:buChar char="◦"/>
+              <a:defRPr kumimoji="0" sz="1400" kern="1200" baseline="0">
+                <a:solidFill>
+                  <a:schemeClr val="accent3"/>
+                </a:solidFill>
+                <a:latin typeface="+mn-lt"/>
+                <a:ea typeface="+mn-ea"/>
+                <a:cs typeface="+mn-cs"/>
+              </a:defRPr>
+            </a:lvl9pPr>
+          </a:lstStyle>
+          <a:p>
+            <a:pPr marL="109728" indent="0">
+              <a:buNone/>
+            </a:pPr>
+            <a:r>
+              <a:rPr lang="en-GB" sz="1600" dirty="0" smtClean="0">
+                <a:solidFill>
+                  <a:schemeClr val="bg1">
+                    <a:lumMod val="65000"/>
+                  </a:schemeClr>
+                </a:solidFill>
+              </a:rPr>
+              <a:t>Mike Brants</a:t>
+            </a:r>
+            <a:endParaRPr lang="en-GB" sz="1600" dirty="0">
+              <a:solidFill>
+                <a:schemeClr val="bg1">
+                  <a:lumMod val="65000"/>
+                </a:schemeClr>
+              </a:solidFill>
+            </a:endParaRPr>
           </a:p>
         </p:txBody>
       </p:sp>
@@ -15989,25 +18951,6 @@
           </a:p>
         </p:txBody>
       </p:sp>
-      <p:sp>
-        <p:nvSpPr>
-          <p:cNvPr id="8" name="Tijdelijke aanduiding voor tekst 7"/>
-          <p:cNvSpPr>
-            <a:spLocks noGrp="1"/>
-          </p:cNvSpPr>
-          <p:nvPr>
-            <p:ph type="body" sz="quarter" idx="13"/>
-          </p:nvPr>
-        </p:nvSpPr>
-        <p:spPr/>
-        <p:txBody>
-          <a:bodyPr/>
-          <a:lstStyle/>
-          <a:p>
-            <a:endParaRPr lang="en-GB"/>
-          </a:p>
-        </p:txBody>
-      </p:sp>
       <p:graphicFrame>
         <p:nvGraphicFramePr>
           <p:cNvPr id="5" name="Diagram 4"/>
@@ -16015,14 +18958,14 @@
           <p:nvPr>
             <p:extLst>
               <p:ext uri="{D42A27DB-BD31-4B8C-83A1-F6EECF244321}">
-                <p14:modId xmlns:p14="http://schemas.microsoft.com/office/powerpoint/2010/main" val="1439385549"/>
+                <p14:modId xmlns:p14="http://schemas.microsoft.com/office/powerpoint/2010/main" val="185212363"/>
               </p:ext>
             </p:extLst>
           </p:nvPr>
         </p:nvGraphicFramePr>
         <p:xfrm>
-          <a:off x="420412" y="1628800"/>
-          <a:ext cx="15672868" cy="5056336"/>
+          <a:off x="323528" y="1628800"/>
+          <a:ext cx="15481720" cy="4990653"/>
         </p:xfrm>
         <a:graphic>
           <a:graphicData uri="http://schemas.openxmlformats.org/drawingml/2006/diagram">
@@ -16066,7 +19009,7 @@
                                     <p:cond delay="0"/>
                                   </p:stCondLst>
                                   <p:childTnLst>
-                                    <p:animMotion origin="layout" path="M -1.38889E-6 1.48148E-6 L -0.84392 -0.00093 " pathEditMode="relative" rAng="0" ptsTypes="AA">
+                                    <p:animMotion origin="layout" path="M -4.44444E-6 1.11111E-6 L -0.44496 0.0037 " pathEditMode="relative" rAng="0" ptsTypes="AA">
                                       <p:cBhvr>
                                         <p:cTn id="6" dur="2000" fill="hold"/>
                                         <p:tgtEl>
@@ -16077,7 +19020,47 @@
                                           <p:attrName>ppt_y</p:attrName>
                                         </p:attrNameLst>
                                       </p:cBhvr>
-                                      <p:rCtr x="-42205" y="-46"/>
+                                      <p:rCtr x="-22257" y="185"/>
+                                    </p:animMotion>
+                                  </p:childTnLst>
+                                </p:cTn>
+                              </p:par>
+                            </p:childTnLst>
+                          </p:cTn>
+                        </p:par>
+                      </p:childTnLst>
+                    </p:cTn>
+                  </p:par>
+                  <p:par>
+                    <p:cTn id="7" fill="hold">
+                      <p:stCondLst>
+                        <p:cond delay="indefinite"/>
+                      </p:stCondLst>
+                      <p:childTnLst>
+                        <p:par>
+                          <p:cTn id="8" fill="hold">
+                            <p:stCondLst>
+                              <p:cond delay="0"/>
+                            </p:stCondLst>
+                            <p:childTnLst>
+                              <p:par>
+                                <p:cTn id="9" presetID="35" presetClass="path" presetSubtype="0" accel="50000" decel="50000" fill="hold" grpId="1" nodeType="clickEffect">
+                                  <p:stCondLst>
+                                    <p:cond delay="0"/>
+                                  </p:stCondLst>
+                                  <p:childTnLst>
+                                    <p:animMotion origin="layout" path="M -0.44496 0.0037 L -0.88194 0.0037 " pathEditMode="relative" rAng="0" ptsTypes="AA">
+                                      <p:cBhvr>
+                                        <p:cTn id="10" dur="2000" fill="hold"/>
+                                        <p:tgtEl>
+                                          <p:spTgt spid="5"/>
+                                        </p:tgtEl>
+                                        <p:attrNameLst>
+                                          <p:attrName>ppt_x</p:attrName>
+                                          <p:attrName>ppt_y</p:attrName>
+                                        </p:attrNameLst>
+                                      </p:cBhvr>
+                                      <p:rCtr x="-21858" y="0"/>
                                     </p:animMotion>
                                   </p:childTnLst>
                                 </p:cTn>
@@ -16111,6 +19094,9 @@
     </p:tnLst>
     <p:bldLst>
       <p:bldGraphic spid="5" grpId="0">
+        <p:bldAsOne/>
+      </p:bldGraphic>
+      <p:bldGraphic spid="5" grpId="1">
         <p:bldAsOne/>
       </p:bldGraphic>
     </p:bldLst>
@@ -16358,25 +19344,6 @@
           <a:chExt cx="0" cy="0"/>
         </a:xfrm>
       </p:grpSpPr>
-      <p:sp>
-        <p:nvSpPr>
-          <p:cNvPr id="6" name="Titel 5"/>
-          <p:cNvSpPr>
-            <a:spLocks noGrp="1"/>
-          </p:cNvSpPr>
-          <p:nvPr>
-            <p:ph type="title"/>
-          </p:nvPr>
-        </p:nvSpPr>
-        <p:spPr/>
-        <p:txBody>
-          <a:bodyPr/>
-          <a:lstStyle/>
-          <a:p>
-            <a:endParaRPr lang="en-GB"/>
-          </a:p>
-        </p:txBody>
-      </p:sp>
       <p:pic>
         <p:nvPicPr>
           <p:cNvPr id="5" name="Tijdelijke aanduiding voor inhoud 4"/>
@@ -16606,21 +19573,21 @@
                 <a:gridCol w="1307243">
                   <a:extLst>
                     <a:ext uri="{9D8B030D-6E8A-4147-A177-3AD203B41FA5}">
-                      <a16:colId xmlns:a16="http://schemas.microsoft.com/office/drawing/2014/main" xmlns="" val="4081832578"/>
+                      <a16:colId xmlns:a16="http://schemas.microsoft.com/office/drawing/2014/main" val="4081832578"/>
                     </a:ext>
                   </a:extLst>
                 </a:gridCol>
                 <a:gridCol w="5167576">
                   <a:extLst>
                     <a:ext uri="{9D8B030D-6E8A-4147-A177-3AD203B41FA5}">
-                      <a16:colId xmlns:a16="http://schemas.microsoft.com/office/drawing/2014/main" xmlns="" val="329324619"/>
+                      <a16:colId xmlns:a16="http://schemas.microsoft.com/office/drawing/2014/main" val="329324619"/>
                     </a:ext>
                   </a:extLst>
                 </a:gridCol>
                 <a:gridCol w="1697917">
                   <a:extLst>
                     <a:ext uri="{9D8B030D-6E8A-4147-A177-3AD203B41FA5}">
-                      <a16:colId xmlns:a16="http://schemas.microsoft.com/office/drawing/2014/main" xmlns="" val="1040785388"/>
+                      <a16:colId xmlns:a16="http://schemas.microsoft.com/office/drawing/2014/main" val="1040785388"/>
                     </a:ext>
                   </a:extLst>
                 </a:gridCol>
@@ -16689,7 +19656,7 @@
                 </a:tc>
                 <a:extLst>
                   <a:ext uri="{0D108BD9-81ED-4DB2-BD59-A6C34878D82A}">
-                    <a16:rowId xmlns:a16="http://schemas.microsoft.com/office/drawing/2014/main" xmlns="" val="4141534174"/>
+                    <a16:rowId xmlns:a16="http://schemas.microsoft.com/office/drawing/2014/main" val="4141534174"/>
                   </a:ext>
                 </a:extLst>
               </a:tr>
@@ -17928,7 +20895,7 @@
                 <a:gridCol w="6923112">
                   <a:extLst>
                     <a:ext uri="{9D8B030D-6E8A-4147-A177-3AD203B41FA5}">
-                      <a16:colId xmlns:a16="http://schemas.microsoft.com/office/drawing/2014/main" xmlns="" val="3351076381"/>
+                      <a16:colId xmlns:a16="http://schemas.microsoft.com/office/drawing/2014/main" val="3351076381"/>
                     </a:ext>
                   </a:extLst>
                 </a:gridCol>
@@ -17966,7 +20933,7 @@
                 </a:tc>
                 <a:extLst>
                   <a:ext uri="{0D108BD9-81ED-4DB2-BD59-A6C34878D82A}">
-                    <a16:rowId xmlns:a16="http://schemas.microsoft.com/office/drawing/2014/main" xmlns="" val="2154178514"/>
+                    <a16:rowId xmlns:a16="http://schemas.microsoft.com/office/drawing/2014/main" val="2154178514"/>
                   </a:ext>
                 </a:extLst>
               </a:tr>
@@ -18002,7 +20969,7 @@
                 <a:gridCol w="936104">
                   <a:extLst>
                     <a:ext uri="{9D8B030D-6E8A-4147-A177-3AD203B41FA5}">
-                      <a16:colId xmlns:a16="http://schemas.microsoft.com/office/drawing/2014/main" xmlns="" val="1356750853"/>
+                      <a16:colId xmlns:a16="http://schemas.microsoft.com/office/drawing/2014/main" val="1356750853"/>
                     </a:ext>
                   </a:extLst>
                 </a:gridCol>
@@ -18035,7 +21002,7 @@
                 </a:tc>
                 <a:extLst>
                   <a:ext uri="{0D108BD9-81ED-4DB2-BD59-A6C34878D82A}">
-                    <a16:rowId xmlns:a16="http://schemas.microsoft.com/office/drawing/2014/main" xmlns="" val="3432421666"/>
+                    <a16:rowId xmlns:a16="http://schemas.microsoft.com/office/drawing/2014/main" val="3432421666"/>
                   </a:ext>
                 </a:extLst>
               </a:tr>
@@ -18146,7 +21113,6 @@
               <a:rPr lang="nl-BE" dirty="0" smtClean="0"/>
               <a:t>Live presentatie REST</a:t>
             </a:r>
-            <a:endParaRPr lang="nl-BE" dirty="0" smtClean="0"/>
           </a:p>
         </p:txBody>
       </p:sp>
@@ -18373,7 +21339,7 @@
                 <a:gridCol w="6792048">
                   <a:extLst>
                     <a:ext uri="{9D8B030D-6E8A-4147-A177-3AD203B41FA5}">
-                      <a16:colId xmlns:a16="http://schemas.microsoft.com/office/drawing/2014/main" xmlns="" val="802802082"/>
+                      <a16:colId xmlns:a16="http://schemas.microsoft.com/office/drawing/2014/main" val="802802082"/>
                     </a:ext>
                   </a:extLst>
                 </a:gridCol>
@@ -18472,7 +21438,7 @@
                 </a:tc>
                 <a:extLst>
                   <a:ext uri="{0D108BD9-81ED-4DB2-BD59-A6C34878D82A}">
-                    <a16:rowId xmlns:a16="http://schemas.microsoft.com/office/drawing/2014/main" xmlns="" val="2114696959"/>
+                    <a16:rowId xmlns:a16="http://schemas.microsoft.com/office/drawing/2014/main" val="2114696959"/>
                   </a:ext>
                 </a:extLst>
               </a:tr>
@@ -18508,21 +21474,21 @@
                 <a:gridCol w="1294071">
                   <a:extLst>
                     <a:ext uri="{9D8B030D-6E8A-4147-A177-3AD203B41FA5}">
-                      <a16:colId xmlns:a16="http://schemas.microsoft.com/office/drawing/2014/main" xmlns="" val="4081832578"/>
+                      <a16:colId xmlns:a16="http://schemas.microsoft.com/office/drawing/2014/main" val="4081832578"/>
                     </a:ext>
                   </a:extLst>
                 </a:gridCol>
                 <a:gridCol w="5115505">
                   <a:extLst>
                     <a:ext uri="{9D8B030D-6E8A-4147-A177-3AD203B41FA5}">
-                      <a16:colId xmlns:a16="http://schemas.microsoft.com/office/drawing/2014/main" xmlns="" val="329324619"/>
+                      <a16:colId xmlns:a16="http://schemas.microsoft.com/office/drawing/2014/main" val="329324619"/>
                     </a:ext>
                   </a:extLst>
                 </a:gridCol>
                 <a:gridCol w="1680808">
                   <a:extLst>
                     <a:ext uri="{9D8B030D-6E8A-4147-A177-3AD203B41FA5}">
-                      <a16:colId xmlns:a16="http://schemas.microsoft.com/office/drawing/2014/main" xmlns="" val="1040785388"/>
+                      <a16:colId xmlns:a16="http://schemas.microsoft.com/office/drawing/2014/main" val="1040785388"/>
                     </a:ext>
                   </a:extLst>
                 </a:gridCol>
@@ -18673,7 +21639,7 @@
                 </a:tc>
                 <a:extLst>
                   <a:ext uri="{0D108BD9-81ED-4DB2-BD59-A6C34878D82A}">
-                    <a16:rowId xmlns:a16="http://schemas.microsoft.com/office/drawing/2014/main" xmlns="" val="4141534174"/>
+                    <a16:rowId xmlns:a16="http://schemas.microsoft.com/office/drawing/2014/main" val="4141534174"/>
                   </a:ext>
                 </a:extLst>
               </a:tr>
@@ -18843,7 +21809,7 @@
                 </a:tc>
                 <a:extLst>
                   <a:ext uri="{0D108BD9-81ED-4DB2-BD59-A6C34878D82A}">
-                    <a16:rowId xmlns:a16="http://schemas.microsoft.com/office/drawing/2014/main" xmlns="" val="79572122"/>
+                    <a16:rowId xmlns:a16="http://schemas.microsoft.com/office/drawing/2014/main" val="79572122"/>
                   </a:ext>
                 </a:extLst>
               </a:tr>
@@ -19063,7 +22029,7 @@
                 </a:tc>
                 <a:extLst>
                   <a:ext uri="{0D108BD9-81ED-4DB2-BD59-A6C34878D82A}">
-                    <a16:rowId xmlns:a16="http://schemas.microsoft.com/office/drawing/2014/main" xmlns="" val="3632828194"/>
+                    <a16:rowId xmlns:a16="http://schemas.microsoft.com/office/drawing/2014/main" val="3632828194"/>
                   </a:ext>
                 </a:extLst>
               </a:tr>
@@ -19184,7 +22150,7 @@
                 <a:gridCol w="936104">
                   <a:extLst>
                     <a:ext uri="{9D8B030D-6E8A-4147-A177-3AD203B41FA5}">
-                      <a16:colId xmlns:a16="http://schemas.microsoft.com/office/drawing/2014/main" xmlns="" val="1356750853"/>
+                      <a16:colId xmlns:a16="http://schemas.microsoft.com/office/drawing/2014/main" val="1356750853"/>
                     </a:ext>
                   </a:extLst>
                 </a:gridCol>
@@ -19217,7 +22183,7 @@
                 </a:tc>
                 <a:extLst>
                   <a:ext uri="{0D108BD9-81ED-4DB2-BD59-A6C34878D82A}">
-                    <a16:rowId xmlns:a16="http://schemas.microsoft.com/office/drawing/2014/main" xmlns="" val="3432421666"/>
+                    <a16:rowId xmlns:a16="http://schemas.microsoft.com/office/drawing/2014/main" val="3432421666"/>
                   </a:ext>
                 </a:extLst>
               </a:tr>
@@ -19438,21 +22404,8 @@
                   <a:schemeClr val="accent1"/>
                 </a:solidFill>
               </a:rPr>
-              <a:t>Ophalen </a:t>
-            </a:r>
-            <a:r>
-              <a:rPr lang="nl-BE" dirty="0" smtClean="0">
-                <a:solidFill>
-                  <a:schemeClr val="accent1"/>
-                </a:solidFill>
-              </a:rPr>
-              <a:t>verkeersdata</a:t>
-            </a:r>
-            <a:endParaRPr lang="nl-BE" dirty="0" smtClean="0">
-              <a:solidFill>
-                <a:schemeClr val="accent1"/>
-              </a:solidFill>
-            </a:endParaRPr>
+              <a:t>Ophalen verkeersdata</a:t>
+            </a:r>
           </a:p>
         </p:txBody>
       </p:sp>
@@ -19518,25 +22471,6 @@
       </p:sp>
       <p:sp>
         <p:nvSpPr>
-          <p:cNvPr id="6" name="Tijdelijke aanduiding voor inhoud 5"/>
-          <p:cNvSpPr>
-            <a:spLocks noGrp="1"/>
-          </p:cNvSpPr>
-          <p:nvPr>
-            <p:ph idx="1"/>
-          </p:nvPr>
-        </p:nvSpPr>
-        <p:spPr/>
-        <p:txBody>
-          <a:bodyPr/>
-          <a:lstStyle/>
-          <a:p>
-            <a:endParaRPr lang="en-GB"/>
-          </a:p>
-        </p:txBody>
-      </p:sp>
-      <p:sp>
-        <p:nvSpPr>
           <p:cNvPr id="4" name="Tijdelijke aanduiding voor dianummer 3"/>
           <p:cNvSpPr>
             <a:spLocks noGrp="1"/>
@@ -19628,574 +22562,6 @@
                   <a:lumMod val="75000"/>
                 </a:schemeClr>
               </a:solidFill>
-              <a:latin typeface="+mj-lt"/>
-            </a:endParaRPr>
-          </a:p>
-        </p:txBody>
-      </p:sp>
-      <p:sp>
-        <p:nvSpPr>
-          <p:cNvPr id="9" name="Rectangle 1"/>
-          <p:cNvSpPr>
-            <a:spLocks noChangeArrowheads="1"/>
-          </p:cNvSpPr>
-          <p:nvPr/>
-        </p:nvSpPr>
-        <p:spPr bwMode="auto">
-          <a:xfrm>
-            <a:off x="1962150" y="3610107"/>
-            <a:ext cx="5328592" cy="2646878"/>
-          </a:xfrm>
-          <a:prstGeom prst="rect">
-            <a:avLst/>
-          </a:prstGeom>
-          <a:noFill/>
-          <a:ln>
-            <a:noFill/>
-          </a:ln>
-          <a:effectLst/>
-          <a:extLst>
-            <a:ext uri="{909E8E84-426E-40DD-AFC4-6F175D3DCCD1}">
-              <a14:hiddenFill xmlns:a14="http://schemas.microsoft.com/office/drawing/2010/main">
-                <a:solidFill>
-                  <a:schemeClr val="accent1"/>
-                </a:solidFill>
-              </a14:hiddenFill>
-            </a:ext>
-            <a:ext uri="{91240B29-F687-4F45-9708-019B960494DF}">
-              <a14:hiddenLine xmlns:a14="http://schemas.microsoft.com/office/drawing/2010/main" w="9525">
-                <a:solidFill>
-                  <a:schemeClr val="tx1"/>
-                </a:solidFill>
-                <a:miter lim="800000"/>
-                <a:headEnd/>
-                <a:tailEnd/>
-              </a14:hiddenLine>
-            </a:ext>
-            <a:ext uri="{AF507438-7753-43E0-B8FC-AC1667EBCBE1}">
-              <a14:hiddenEffects xmlns:a14="http://schemas.microsoft.com/office/drawing/2010/main">
-                <a:effectLst>
-                  <a:outerShdw dist="35921" dir="2700000" algn="ctr" rotWithShape="0">
-                    <a:schemeClr val="bg2"/>
-                  </a:outerShdw>
-                </a:effectLst>
-              </a14:hiddenEffects>
-            </a:ext>
-          </a:extLst>
-        </p:spPr>
-        <p:txBody>
-          <a:bodyPr vert="horz" wrap="square" lIns="91440" tIns="45720" rIns="91440" bIns="45720" numCol="1" anchor="ctr" anchorCtr="0" compatLnSpc="1">
-            <a:prstTxWarp prst="textNoShape">
-              <a:avLst/>
-            </a:prstTxWarp>
-            <a:spAutoFit/>
-          </a:bodyPr>
-          <a:lstStyle/>
-          <a:p>
-            <a:pPr marL="0" marR="0" lvl="0" indent="0" algn="l" defTabSz="914400" rtl="0" eaLnBrk="0" fontAlgn="base" latinLnBrk="0" hangingPunct="0">
-              <a:lnSpc>
-                <a:spcPct val="100000"/>
-              </a:lnSpc>
-              <a:spcBef>
-                <a:spcPct val="0"/>
-              </a:spcBef>
-              <a:spcAft>
-                <a:spcPct val="0"/>
-              </a:spcAft>
-              <a:buClrTx/>
-              <a:buSzTx/>
-              <a:buFontTx/>
-              <a:buNone/>
-              <a:tabLst/>
-            </a:pPr>
-            <a:r>
-              <a:rPr kumimoji="0" lang="en-US" altLang="en-US" sz="1400" b="0" i="0" u="none" strike="noStrike" cap="none" normalizeH="0" baseline="0" dirty="0" smtClean="0">
-                <a:ln>
-                  <a:noFill/>
-                </a:ln>
-                <a:solidFill>
-                  <a:srgbClr val="000000"/>
-                </a:solidFill>
-                <a:effectLst/>
-                <a:latin typeface="+mj-lt"/>
-              </a:rPr>
-              <a:t>[</a:t>
-            </a:r>
-            <a:r>
-              <a:rPr lang="en-US" altLang="en-US" sz="1400" dirty="0" smtClean="0">
-                <a:solidFill>
-                  <a:srgbClr val="000000"/>
-                </a:solidFill>
-                <a:latin typeface="+mj-lt"/>
-              </a:rPr>
-              <a:t>  </a:t>
-            </a:r>
-            <a:r>
-              <a:rPr kumimoji="0" lang="en-US" altLang="en-US" sz="1400" b="0" i="0" u="none" strike="noStrike" cap="none" normalizeH="0" baseline="0" dirty="0" smtClean="0">
-                <a:ln>
-                  <a:noFill/>
-                </a:ln>
-                <a:solidFill>
-                  <a:srgbClr val="000000"/>
-                </a:solidFill>
-                <a:effectLst/>
-                <a:latin typeface="+mj-lt"/>
-              </a:rPr>
-              <a:t> {</a:t>
-            </a:r>
-          </a:p>
-          <a:p>
-            <a:pPr marL="0" marR="0" lvl="0" indent="0" algn="l" defTabSz="914400" rtl="0" eaLnBrk="0" fontAlgn="base" latinLnBrk="0" hangingPunct="0">
-              <a:lnSpc>
-                <a:spcPct val="100000"/>
-              </a:lnSpc>
-              <a:spcBef>
-                <a:spcPct val="0"/>
-              </a:spcBef>
-              <a:spcAft>
-                <a:spcPct val="0"/>
-              </a:spcAft>
-              <a:buClrTx/>
-              <a:buSzTx/>
-              <a:buFontTx/>
-              <a:buNone/>
-              <a:tabLst/>
-            </a:pPr>
-            <a:r>
-              <a:rPr lang="en-US" altLang="en-US" sz="1400" dirty="0">
-                <a:solidFill>
-                  <a:srgbClr val="000000"/>
-                </a:solidFill>
-                <a:latin typeface="+mj-lt"/>
-              </a:rPr>
-              <a:t> </a:t>
-            </a:r>
-            <a:r>
-              <a:rPr lang="en-US" altLang="en-US" sz="1400" dirty="0" smtClean="0">
-                <a:solidFill>
-                  <a:srgbClr val="000000"/>
-                </a:solidFill>
-                <a:latin typeface="+mj-lt"/>
-              </a:rPr>
-              <a:t>     </a:t>
-            </a:r>
-            <a:r>
-              <a:rPr kumimoji="0" lang="en-US" altLang="en-US" sz="1400" b="0" i="0" u="none" strike="noStrike" cap="none" normalizeH="0" baseline="0" dirty="0" smtClean="0">
-                <a:ln>
-                  <a:noFill/>
-                </a:ln>
-                <a:solidFill>
-                  <a:srgbClr val="000000"/>
-                </a:solidFill>
-                <a:effectLst/>
-                <a:latin typeface="+mj-lt"/>
-              </a:rPr>
-              <a:t> "data": [ </a:t>
-            </a:r>
-          </a:p>
-          <a:p>
-            <a:pPr marL="0" marR="0" lvl="0" indent="0" algn="l" defTabSz="914400" rtl="0" eaLnBrk="0" fontAlgn="base" latinLnBrk="0" hangingPunct="0">
-              <a:lnSpc>
-                <a:spcPct val="100000"/>
-              </a:lnSpc>
-              <a:spcBef>
-                <a:spcPct val="0"/>
-              </a:spcBef>
-              <a:spcAft>
-                <a:spcPct val="0"/>
-              </a:spcAft>
-              <a:buClrTx/>
-              <a:buSzTx/>
-              <a:buFontTx/>
-              <a:buNone/>
-              <a:tabLst/>
-            </a:pPr>
-            <a:r>
-              <a:rPr lang="en-US" altLang="en-US" sz="1400" dirty="0">
-                <a:solidFill>
-                  <a:srgbClr val="000000"/>
-                </a:solidFill>
-                <a:latin typeface="+mj-lt"/>
-              </a:rPr>
-              <a:t> </a:t>
-            </a:r>
-            <a:r>
-              <a:rPr lang="en-US" altLang="en-US" sz="1400" dirty="0" smtClean="0">
-                <a:solidFill>
-                  <a:srgbClr val="000000"/>
-                </a:solidFill>
-                <a:latin typeface="+mj-lt"/>
-              </a:rPr>
-              <a:t>          </a:t>
-            </a:r>
-            <a:r>
-              <a:rPr kumimoji="0" lang="en-US" altLang="en-US" sz="1400" b="0" i="0" u="none" strike="noStrike" cap="none" normalizeH="0" baseline="0" dirty="0" smtClean="0">
-                <a:ln>
-                  <a:noFill/>
-                </a:ln>
-                <a:solidFill>
-                  <a:srgbClr val="000000"/>
-                </a:solidFill>
-                <a:effectLst/>
-                <a:latin typeface="+mj-lt"/>
-              </a:rPr>
-              <a:t>{ "duration": 691, </a:t>
-            </a:r>
-          </a:p>
-          <a:p>
-            <a:pPr marL="0" marR="0" lvl="0" indent="0" algn="l" defTabSz="914400" rtl="0" eaLnBrk="0" fontAlgn="base" latinLnBrk="0" hangingPunct="0">
-              <a:lnSpc>
-                <a:spcPct val="100000"/>
-              </a:lnSpc>
-              <a:spcBef>
-                <a:spcPct val="0"/>
-              </a:spcBef>
-              <a:spcAft>
-                <a:spcPct val="0"/>
-              </a:spcAft>
-              <a:buClrTx/>
-              <a:buSzTx/>
-              <a:buFontTx/>
-              <a:buNone/>
-              <a:tabLst/>
-            </a:pPr>
-            <a:r>
-              <a:rPr lang="en-US" altLang="en-US" sz="1400" dirty="0">
-                <a:solidFill>
-                  <a:srgbClr val="000000"/>
-                </a:solidFill>
-                <a:latin typeface="+mj-lt"/>
-              </a:rPr>
-              <a:t> </a:t>
-            </a:r>
-            <a:r>
-              <a:rPr lang="en-US" altLang="en-US" sz="1400" dirty="0" smtClean="0">
-                <a:solidFill>
-                  <a:srgbClr val="000000"/>
-                </a:solidFill>
-                <a:latin typeface="+mj-lt"/>
-              </a:rPr>
-              <a:t>            </a:t>
-            </a:r>
-            <a:r>
-              <a:rPr kumimoji="0" lang="en-US" altLang="en-US" sz="1400" b="0" i="0" u="none" strike="noStrike" cap="none" normalizeH="0" baseline="0" dirty="0" smtClean="0">
-                <a:ln>
-                  <a:noFill/>
-                </a:ln>
-                <a:solidFill>
-                  <a:srgbClr val="000000"/>
-                </a:solidFill>
-                <a:effectLst/>
-                <a:latin typeface="+mj-lt"/>
-              </a:rPr>
-              <a:t>"distance": 14685, </a:t>
-            </a:r>
-          </a:p>
-          <a:p>
-            <a:pPr marL="0" marR="0" lvl="0" indent="0" algn="l" defTabSz="914400" rtl="0" eaLnBrk="0" fontAlgn="base" latinLnBrk="0" hangingPunct="0">
-              <a:lnSpc>
-                <a:spcPct val="100000"/>
-              </a:lnSpc>
-              <a:spcBef>
-                <a:spcPct val="0"/>
-              </a:spcBef>
-              <a:spcAft>
-                <a:spcPct val="0"/>
-              </a:spcAft>
-              <a:buClrTx/>
-              <a:buSzTx/>
-              <a:buFontTx/>
-              <a:buNone/>
-              <a:tabLst/>
-            </a:pPr>
-            <a:r>
-              <a:rPr lang="en-US" altLang="en-US" sz="1400" dirty="0">
-                <a:solidFill>
-                  <a:srgbClr val="000000"/>
-                </a:solidFill>
-                <a:latin typeface="+mj-lt"/>
-              </a:rPr>
-              <a:t> </a:t>
-            </a:r>
-            <a:r>
-              <a:rPr lang="en-US" altLang="en-US" sz="1400" dirty="0" smtClean="0">
-                <a:solidFill>
-                  <a:srgbClr val="000000"/>
-                </a:solidFill>
-                <a:latin typeface="+mj-lt"/>
-              </a:rPr>
-              <a:t>            </a:t>
-            </a:r>
-            <a:r>
-              <a:rPr kumimoji="0" lang="en-US" altLang="en-US" sz="1400" b="0" i="0" u="none" strike="noStrike" cap="none" normalizeH="0" baseline="0" dirty="0" smtClean="0">
-                <a:ln>
-                  <a:noFill/>
-                </a:ln>
-                <a:solidFill>
-                  <a:srgbClr val="000000"/>
-                </a:solidFill>
-                <a:effectLst/>
-                <a:latin typeface="+mj-lt"/>
-              </a:rPr>
-              <a:t>"provider": "Here", </a:t>
-            </a:r>
-          </a:p>
-          <a:p>
-            <a:pPr marL="0" marR="0" lvl="0" indent="0" algn="l" defTabSz="914400" rtl="0" eaLnBrk="0" fontAlgn="base" latinLnBrk="0" hangingPunct="0">
-              <a:lnSpc>
-                <a:spcPct val="100000"/>
-              </a:lnSpc>
-              <a:spcBef>
-                <a:spcPct val="0"/>
-              </a:spcBef>
-              <a:spcAft>
-                <a:spcPct val="0"/>
-              </a:spcAft>
-              <a:buClrTx/>
-              <a:buSzTx/>
-              <a:buFontTx/>
-              <a:buNone/>
-              <a:tabLst/>
-            </a:pPr>
-            <a:r>
-              <a:rPr lang="en-US" altLang="en-US" sz="1400" dirty="0">
-                <a:solidFill>
-                  <a:srgbClr val="000000"/>
-                </a:solidFill>
-                <a:latin typeface="+mj-lt"/>
-              </a:rPr>
-              <a:t> </a:t>
-            </a:r>
-            <a:r>
-              <a:rPr lang="en-US" altLang="en-US" sz="1400" dirty="0" smtClean="0">
-                <a:solidFill>
-                  <a:srgbClr val="000000"/>
-                </a:solidFill>
-                <a:latin typeface="+mj-lt"/>
-              </a:rPr>
-              <a:t>            </a:t>
-            </a:r>
-            <a:r>
-              <a:rPr kumimoji="0" lang="en-US" altLang="en-US" sz="1400" b="0" i="0" u="none" strike="noStrike" cap="none" normalizeH="0" baseline="0" dirty="0" smtClean="0">
-                <a:ln>
-                  <a:noFill/>
-                </a:ln>
-                <a:solidFill>
-                  <a:srgbClr val="000000"/>
-                </a:solidFill>
-                <a:effectLst/>
-                <a:latin typeface="+mj-lt"/>
-              </a:rPr>
-              <a:t>"timestamp": 1457176052000 </a:t>
-            </a:r>
-          </a:p>
-          <a:p>
-            <a:pPr marL="0" marR="0" lvl="0" indent="0" algn="l" defTabSz="914400" rtl="0" eaLnBrk="0" fontAlgn="base" latinLnBrk="0" hangingPunct="0">
-              <a:lnSpc>
-                <a:spcPct val="100000"/>
-              </a:lnSpc>
-              <a:spcBef>
-                <a:spcPct val="0"/>
-              </a:spcBef>
-              <a:spcAft>
-                <a:spcPct val="0"/>
-              </a:spcAft>
-              <a:buClrTx/>
-              <a:buSzTx/>
-              <a:buFontTx/>
-              <a:buNone/>
-              <a:tabLst/>
-            </a:pPr>
-            <a:r>
-              <a:rPr lang="en-US" altLang="en-US" sz="1400" dirty="0">
-                <a:solidFill>
-                  <a:srgbClr val="000000"/>
-                </a:solidFill>
-                <a:latin typeface="+mj-lt"/>
-              </a:rPr>
-              <a:t> </a:t>
-            </a:r>
-            <a:r>
-              <a:rPr lang="en-US" altLang="en-US" sz="1400" dirty="0" smtClean="0">
-                <a:solidFill>
-                  <a:srgbClr val="000000"/>
-                </a:solidFill>
-                <a:latin typeface="+mj-lt"/>
-              </a:rPr>
-              <a:t>          }</a:t>
-            </a:r>
-          </a:p>
-          <a:p>
-            <a:pPr marL="0" marR="0" lvl="0" indent="0" algn="l" defTabSz="914400" rtl="0" eaLnBrk="0" fontAlgn="base" latinLnBrk="0" hangingPunct="0">
-              <a:lnSpc>
-                <a:spcPct val="100000"/>
-              </a:lnSpc>
-              <a:spcBef>
-                <a:spcPct val="0"/>
-              </a:spcBef>
-              <a:spcAft>
-                <a:spcPct val="0"/>
-              </a:spcAft>
-              <a:buClrTx/>
-              <a:buSzTx/>
-              <a:buFontTx/>
-              <a:buNone/>
-              <a:tabLst/>
-            </a:pPr>
-            <a:r>
-              <a:rPr kumimoji="0" lang="nl-BE" altLang="en-US" sz="1400" b="0" i="0" u="none" strike="noStrike" cap="none" normalizeH="0" baseline="0" dirty="0">
-                <a:ln>
-                  <a:noFill/>
-                </a:ln>
-                <a:solidFill>
-                  <a:srgbClr val="000000"/>
-                </a:solidFill>
-                <a:effectLst/>
-                <a:latin typeface="+mj-lt"/>
-              </a:rPr>
-              <a:t> </a:t>
-            </a:r>
-            <a:r>
-              <a:rPr kumimoji="0" lang="nl-BE" altLang="en-US" sz="1400" b="0" i="0" u="none" strike="noStrike" cap="none" normalizeH="0" baseline="0" dirty="0" smtClean="0">
-                <a:ln>
-                  <a:noFill/>
-                </a:ln>
-                <a:solidFill>
-                  <a:srgbClr val="000000"/>
-                </a:solidFill>
-                <a:effectLst/>
-                <a:latin typeface="+mj-lt"/>
-              </a:rPr>
-              <a:t>      ],</a:t>
-            </a:r>
-          </a:p>
-          <a:p>
-            <a:pPr lvl="0" eaLnBrk="0" fontAlgn="base" hangingPunct="0">
-              <a:spcBef>
-                <a:spcPct val="0"/>
-              </a:spcBef>
-              <a:spcAft>
-                <a:spcPct val="0"/>
-              </a:spcAft>
-            </a:pPr>
-            <a:r>
-              <a:rPr lang="nl-BE" altLang="en-US" sz="900" dirty="0" smtClean="0">
-                <a:solidFill>
-                  <a:srgbClr val="000000"/>
-                </a:solidFill>
-                <a:latin typeface="+mj-lt"/>
-              </a:rPr>
-              <a:t>          </a:t>
-            </a:r>
-            <a:r>
-              <a:rPr lang="en-US" altLang="en-US" sz="1600" dirty="0" smtClean="0">
-                <a:solidFill>
-                  <a:srgbClr val="000000"/>
-                </a:solidFill>
-                <a:latin typeface="+mj-lt"/>
-              </a:rPr>
-              <a:t>"</a:t>
-            </a:r>
-            <a:r>
-              <a:rPr lang="en-US" altLang="en-US" sz="1600" dirty="0">
-                <a:solidFill>
-                  <a:srgbClr val="000000"/>
-                </a:solidFill>
-                <a:latin typeface="+mj-lt"/>
-              </a:rPr>
-              <a:t>name": "R4 </a:t>
-            </a:r>
-            <a:r>
-              <a:rPr lang="en-US" altLang="en-US" sz="1600" dirty="0" err="1">
-                <a:solidFill>
-                  <a:srgbClr val="000000"/>
-                </a:solidFill>
-                <a:latin typeface="+mj-lt"/>
-              </a:rPr>
-              <a:t>Zelzate</a:t>
-            </a:r>
-            <a:r>
-              <a:rPr lang="en-US" altLang="en-US" sz="1600" dirty="0">
-                <a:solidFill>
-                  <a:srgbClr val="000000"/>
-                </a:solidFill>
-                <a:latin typeface="+mj-lt"/>
-              </a:rPr>
-              <a:t>", </a:t>
-            </a:r>
-          </a:p>
-          <a:p>
-            <a:pPr lvl="0" eaLnBrk="0" fontAlgn="base" hangingPunct="0">
-              <a:spcBef>
-                <a:spcPct val="0"/>
-              </a:spcBef>
-              <a:spcAft>
-                <a:spcPct val="0"/>
-              </a:spcAft>
-            </a:pPr>
-            <a:r>
-              <a:rPr lang="en-US" altLang="en-US" sz="1600" dirty="0">
-                <a:solidFill>
-                  <a:srgbClr val="000000"/>
-                </a:solidFill>
-                <a:latin typeface="+mj-lt"/>
-              </a:rPr>
-              <a:t>    </a:t>
-            </a:r>
-            <a:r>
-              <a:rPr lang="en-US" altLang="en-US" sz="1600" dirty="0" smtClean="0">
-                <a:solidFill>
-                  <a:srgbClr val="000000"/>
-                </a:solidFill>
-                <a:latin typeface="+mj-lt"/>
-              </a:rPr>
-              <a:t>  "</a:t>
-            </a:r>
-            <a:r>
-              <a:rPr lang="en-US" altLang="en-US" sz="1600" dirty="0">
-                <a:solidFill>
-                  <a:srgbClr val="000000"/>
-                </a:solidFill>
-                <a:latin typeface="+mj-lt"/>
-              </a:rPr>
-              <a:t>id": </a:t>
-            </a:r>
-            <a:r>
-              <a:rPr lang="en-US" altLang="en-US" sz="1600" dirty="0" smtClean="0">
-                <a:solidFill>
-                  <a:srgbClr val="000000"/>
-                </a:solidFill>
-                <a:latin typeface="+mj-lt"/>
-              </a:rPr>
-              <a:t>1</a:t>
-            </a:r>
-          </a:p>
-          <a:p>
-            <a:pPr lvl="0" eaLnBrk="0" fontAlgn="base" hangingPunct="0">
-              <a:spcBef>
-                <a:spcPct val="0"/>
-              </a:spcBef>
-              <a:spcAft>
-                <a:spcPct val="0"/>
-              </a:spcAft>
-            </a:pPr>
-            <a:r>
-              <a:rPr lang="nl-BE" altLang="en-US" sz="1600" dirty="0" smtClean="0">
-                <a:solidFill>
-                  <a:srgbClr val="000000"/>
-                </a:solidFill>
-                <a:latin typeface="+mj-lt"/>
-              </a:rPr>
-              <a:t>}  ]</a:t>
-            </a:r>
-            <a:endParaRPr kumimoji="0" lang="en-US" altLang="en-US" sz="3200" b="0" i="0" u="none" strike="noStrike" cap="none" normalizeH="0" baseline="0" dirty="0" smtClean="0">
-              <a:ln>
-                <a:noFill/>
-              </a:ln>
-              <a:solidFill>
-                <a:schemeClr val="tx1"/>
-              </a:solidFill>
-              <a:effectLst/>
               <a:latin typeface="+mj-lt"/>
             </a:endParaRPr>
           </a:p>
@@ -20409,18 +22775,13 @@
               <a:buNone/>
             </a:pPr>
             <a:r>
-              <a:rPr lang="nl-BE" smtClean="0">
+              <a:rPr lang="nl-BE" dirty="0" smtClean="0">
                 <a:solidFill>
                   <a:schemeClr val="accent1"/>
                 </a:solidFill>
               </a:rPr>
-              <a:t>Ophalen verkeerdata</a:t>
-            </a:r>
-            <a:endParaRPr lang="nl-BE" dirty="0" smtClean="0">
-              <a:solidFill>
-                <a:schemeClr val="accent1"/>
-              </a:solidFill>
-            </a:endParaRPr>
+              <a:t>Ophalen verkeersdata</a:t>
+            </a:r>
           </a:p>
         </p:txBody>
       </p:sp>
@@ -20493,7 +22854,7 @@
                 <a:gridCol w="936104">
                   <a:extLst>
                     <a:ext uri="{9D8B030D-6E8A-4147-A177-3AD203B41FA5}">
-                      <a16:colId xmlns:a16="http://schemas.microsoft.com/office/drawing/2014/main" xmlns="" val="1356750853"/>
+                      <a16:colId xmlns:a16="http://schemas.microsoft.com/office/drawing/2014/main" val="1356750853"/>
                     </a:ext>
                   </a:extLst>
                 </a:gridCol>
@@ -20526,7 +22887,7 @@
                 </a:tc>
                 <a:extLst>
                   <a:ext uri="{0D108BD9-81ED-4DB2-BD59-A6C34878D82A}">
-                    <a16:rowId xmlns:a16="http://schemas.microsoft.com/office/drawing/2014/main" xmlns="" val="3432421666"/>
+                    <a16:rowId xmlns:a16="http://schemas.microsoft.com/office/drawing/2014/main" val="3432421666"/>
                   </a:ext>
                 </a:extLst>
               </a:tr>
@@ -20562,7 +22923,7 @@
                 <a:gridCol w="6792048">
                   <a:extLst>
                     <a:ext uri="{9D8B030D-6E8A-4147-A177-3AD203B41FA5}">
-                      <a16:colId xmlns:a16="http://schemas.microsoft.com/office/drawing/2014/main" xmlns="" val="802802082"/>
+                      <a16:colId xmlns:a16="http://schemas.microsoft.com/office/drawing/2014/main" val="802802082"/>
                     </a:ext>
                   </a:extLst>
                 </a:gridCol>
@@ -20661,7 +23022,7 @@
                 </a:tc>
                 <a:extLst>
                   <a:ext uri="{0D108BD9-81ED-4DB2-BD59-A6C34878D82A}">
-                    <a16:rowId xmlns:a16="http://schemas.microsoft.com/office/drawing/2014/main" xmlns="" val="2114696959"/>
+                    <a16:rowId xmlns:a16="http://schemas.microsoft.com/office/drawing/2014/main" val="2114696959"/>
                   </a:ext>
                 </a:extLst>
               </a:tr>
@@ -20669,6 +23030,574 @@
           </a:graphicData>
         </a:graphic>
       </p:graphicFrame>
+      <p:sp>
+        <p:nvSpPr>
+          <p:cNvPr id="15" name="Rectangle 1"/>
+          <p:cNvSpPr>
+            <a:spLocks noChangeArrowheads="1"/>
+          </p:cNvSpPr>
+          <p:nvPr/>
+        </p:nvSpPr>
+        <p:spPr bwMode="auto">
+          <a:xfrm>
+            <a:off x="1968683" y="3564925"/>
+            <a:ext cx="5328592" cy="2646878"/>
+          </a:xfrm>
+          <a:prstGeom prst="rect">
+            <a:avLst/>
+          </a:prstGeom>
+          <a:noFill/>
+          <a:ln>
+            <a:noFill/>
+          </a:ln>
+          <a:effectLst/>
+          <a:extLst>
+            <a:ext uri="{909E8E84-426E-40DD-AFC4-6F175D3DCCD1}">
+              <a14:hiddenFill xmlns:a14="http://schemas.microsoft.com/office/drawing/2010/main">
+                <a:solidFill>
+                  <a:schemeClr val="accent1"/>
+                </a:solidFill>
+              </a14:hiddenFill>
+            </a:ext>
+            <a:ext uri="{91240B29-F687-4F45-9708-019B960494DF}">
+              <a14:hiddenLine xmlns:a14="http://schemas.microsoft.com/office/drawing/2010/main" w="9525">
+                <a:solidFill>
+                  <a:schemeClr val="tx1"/>
+                </a:solidFill>
+                <a:miter lim="800000"/>
+                <a:headEnd/>
+                <a:tailEnd/>
+              </a14:hiddenLine>
+            </a:ext>
+            <a:ext uri="{AF507438-7753-43E0-B8FC-AC1667EBCBE1}">
+              <a14:hiddenEffects xmlns:a14="http://schemas.microsoft.com/office/drawing/2010/main">
+                <a:effectLst>
+                  <a:outerShdw dist="35921" dir="2700000" algn="ctr" rotWithShape="0">
+                    <a:schemeClr val="bg2"/>
+                  </a:outerShdw>
+                </a:effectLst>
+              </a14:hiddenEffects>
+            </a:ext>
+          </a:extLst>
+        </p:spPr>
+        <p:txBody>
+          <a:bodyPr vert="horz" wrap="square" lIns="91440" tIns="45720" rIns="91440" bIns="45720" numCol="1" anchor="ctr" anchorCtr="0" compatLnSpc="1">
+            <a:prstTxWarp prst="textNoShape">
+              <a:avLst/>
+            </a:prstTxWarp>
+            <a:spAutoFit/>
+          </a:bodyPr>
+          <a:lstStyle/>
+          <a:p>
+            <a:pPr marL="0" marR="0" lvl="0" indent="0" algn="l" defTabSz="914400" rtl="0" eaLnBrk="0" fontAlgn="base" latinLnBrk="0" hangingPunct="0">
+              <a:lnSpc>
+                <a:spcPct val="100000"/>
+              </a:lnSpc>
+              <a:spcBef>
+                <a:spcPct val="0"/>
+              </a:spcBef>
+              <a:spcAft>
+                <a:spcPct val="0"/>
+              </a:spcAft>
+              <a:buClrTx/>
+              <a:buSzTx/>
+              <a:buFontTx/>
+              <a:buNone/>
+              <a:tabLst/>
+            </a:pPr>
+            <a:r>
+              <a:rPr kumimoji="0" lang="en-US" altLang="en-US" sz="1400" b="0" i="0" u="none" strike="noStrike" cap="none" normalizeH="0" baseline="0" dirty="0" smtClean="0">
+                <a:ln>
+                  <a:noFill/>
+                </a:ln>
+                <a:solidFill>
+                  <a:srgbClr val="000000"/>
+                </a:solidFill>
+                <a:effectLst/>
+                <a:latin typeface="+mj-lt"/>
+              </a:rPr>
+              <a:t>[</a:t>
+            </a:r>
+            <a:r>
+              <a:rPr lang="en-US" altLang="en-US" sz="1400" dirty="0" smtClean="0">
+                <a:solidFill>
+                  <a:srgbClr val="000000"/>
+                </a:solidFill>
+                <a:latin typeface="+mj-lt"/>
+              </a:rPr>
+              <a:t>  </a:t>
+            </a:r>
+            <a:r>
+              <a:rPr kumimoji="0" lang="en-US" altLang="en-US" sz="1400" b="0" i="0" u="none" strike="noStrike" cap="none" normalizeH="0" baseline="0" dirty="0" smtClean="0">
+                <a:ln>
+                  <a:noFill/>
+                </a:ln>
+                <a:solidFill>
+                  <a:srgbClr val="000000"/>
+                </a:solidFill>
+                <a:effectLst/>
+                <a:latin typeface="+mj-lt"/>
+              </a:rPr>
+              <a:t> {</a:t>
+            </a:r>
+          </a:p>
+          <a:p>
+            <a:pPr marL="0" marR="0" lvl="0" indent="0" algn="l" defTabSz="914400" rtl="0" eaLnBrk="0" fontAlgn="base" latinLnBrk="0" hangingPunct="0">
+              <a:lnSpc>
+                <a:spcPct val="100000"/>
+              </a:lnSpc>
+              <a:spcBef>
+                <a:spcPct val="0"/>
+              </a:spcBef>
+              <a:spcAft>
+                <a:spcPct val="0"/>
+              </a:spcAft>
+              <a:buClrTx/>
+              <a:buSzTx/>
+              <a:buFontTx/>
+              <a:buNone/>
+              <a:tabLst/>
+            </a:pPr>
+            <a:r>
+              <a:rPr lang="en-US" altLang="en-US" sz="1400" dirty="0">
+                <a:solidFill>
+                  <a:srgbClr val="000000"/>
+                </a:solidFill>
+                <a:latin typeface="+mj-lt"/>
+              </a:rPr>
+              <a:t> </a:t>
+            </a:r>
+            <a:r>
+              <a:rPr lang="en-US" altLang="en-US" sz="1400" dirty="0" smtClean="0">
+                <a:solidFill>
+                  <a:srgbClr val="000000"/>
+                </a:solidFill>
+                <a:latin typeface="+mj-lt"/>
+              </a:rPr>
+              <a:t>     </a:t>
+            </a:r>
+            <a:r>
+              <a:rPr kumimoji="0" lang="en-US" altLang="en-US" sz="1400" b="0" i="0" u="none" strike="noStrike" cap="none" normalizeH="0" baseline="0" dirty="0" smtClean="0">
+                <a:ln>
+                  <a:noFill/>
+                </a:ln>
+                <a:solidFill>
+                  <a:srgbClr val="000000"/>
+                </a:solidFill>
+                <a:effectLst/>
+                <a:latin typeface="+mj-lt"/>
+              </a:rPr>
+              <a:t> "data": [ </a:t>
+            </a:r>
+          </a:p>
+          <a:p>
+            <a:pPr marL="0" marR="0" lvl="0" indent="0" algn="l" defTabSz="914400" rtl="0" eaLnBrk="0" fontAlgn="base" latinLnBrk="0" hangingPunct="0">
+              <a:lnSpc>
+                <a:spcPct val="100000"/>
+              </a:lnSpc>
+              <a:spcBef>
+                <a:spcPct val="0"/>
+              </a:spcBef>
+              <a:spcAft>
+                <a:spcPct val="0"/>
+              </a:spcAft>
+              <a:buClrTx/>
+              <a:buSzTx/>
+              <a:buFontTx/>
+              <a:buNone/>
+              <a:tabLst/>
+            </a:pPr>
+            <a:r>
+              <a:rPr lang="en-US" altLang="en-US" sz="1400" dirty="0">
+                <a:solidFill>
+                  <a:srgbClr val="000000"/>
+                </a:solidFill>
+                <a:latin typeface="+mj-lt"/>
+              </a:rPr>
+              <a:t> </a:t>
+            </a:r>
+            <a:r>
+              <a:rPr lang="en-US" altLang="en-US" sz="1400" dirty="0" smtClean="0">
+                <a:solidFill>
+                  <a:srgbClr val="000000"/>
+                </a:solidFill>
+                <a:latin typeface="+mj-lt"/>
+              </a:rPr>
+              <a:t>          </a:t>
+            </a:r>
+            <a:r>
+              <a:rPr kumimoji="0" lang="en-US" altLang="en-US" sz="1400" b="0" i="0" u="none" strike="noStrike" cap="none" normalizeH="0" baseline="0" dirty="0" smtClean="0">
+                <a:ln>
+                  <a:noFill/>
+                </a:ln>
+                <a:solidFill>
+                  <a:srgbClr val="000000"/>
+                </a:solidFill>
+                <a:effectLst/>
+                <a:latin typeface="+mj-lt"/>
+              </a:rPr>
+              <a:t>{ "duration": 691, </a:t>
+            </a:r>
+          </a:p>
+          <a:p>
+            <a:pPr marL="0" marR="0" lvl="0" indent="0" algn="l" defTabSz="914400" rtl="0" eaLnBrk="0" fontAlgn="base" latinLnBrk="0" hangingPunct="0">
+              <a:lnSpc>
+                <a:spcPct val="100000"/>
+              </a:lnSpc>
+              <a:spcBef>
+                <a:spcPct val="0"/>
+              </a:spcBef>
+              <a:spcAft>
+                <a:spcPct val="0"/>
+              </a:spcAft>
+              <a:buClrTx/>
+              <a:buSzTx/>
+              <a:buFontTx/>
+              <a:buNone/>
+              <a:tabLst/>
+            </a:pPr>
+            <a:r>
+              <a:rPr lang="en-US" altLang="en-US" sz="1400" dirty="0">
+                <a:solidFill>
+                  <a:srgbClr val="000000"/>
+                </a:solidFill>
+                <a:latin typeface="+mj-lt"/>
+              </a:rPr>
+              <a:t> </a:t>
+            </a:r>
+            <a:r>
+              <a:rPr lang="en-US" altLang="en-US" sz="1400" dirty="0" smtClean="0">
+                <a:solidFill>
+                  <a:srgbClr val="000000"/>
+                </a:solidFill>
+                <a:latin typeface="+mj-lt"/>
+              </a:rPr>
+              <a:t>            </a:t>
+            </a:r>
+            <a:r>
+              <a:rPr kumimoji="0" lang="en-US" altLang="en-US" sz="1400" b="0" i="0" u="none" strike="noStrike" cap="none" normalizeH="0" baseline="0" dirty="0" smtClean="0">
+                <a:ln>
+                  <a:noFill/>
+                </a:ln>
+                <a:solidFill>
+                  <a:srgbClr val="000000"/>
+                </a:solidFill>
+                <a:effectLst/>
+                <a:latin typeface="+mj-lt"/>
+              </a:rPr>
+              <a:t>"distance": 14685, </a:t>
+            </a:r>
+          </a:p>
+          <a:p>
+            <a:pPr marL="0" marR="0" lvl="0" indent="0" algn="l" defTabSz="914400" rtl="0" eaLnBrk="0" fontAlgn="base" latinLnBrk="0" hangingPunct="0">
+              <a:lnSpc>
+                <a:spcPct val="100000"/>
+              </a:lnSpc>
+              <a:spcBef>
+                <a:spcPct val="0"/>
+              </a:spcBef>
+              <a:spcAft>
+                <a:spcPct val="0"/>
+              </a:spcAft>
+              <a:buClrTx/>
+              <a:buSzTx/>
+              <a:buFontTx/>
+              <a:buNone/>
+              <a:tabLst/>
+            </a:pPr>
+            <a:r>
+              <a:rPr lang="en-US" altLang="en-US" sz="1400" dirty="0">
+                <a:solidFill>
+                  <a:srgbClr val="000000"/>
+                </a:solidFill>
+                <a:latin typeface="+mj-lt"/>
+              </a:rPr>
+              <a:t> </a:t>
+            </a:r>
+            <a:r>
+              <a:rPr lang="en-US" altLang="en-US" sz="1400" dirty="0" smtClean="0">
+                <a:solidFill>
+                  <a:srgbClr val="000000"/>
+                </a:solidFill>
+                <a:latin typeface="+mj-lt"/>
+              </a:rPr>
+              <a:t>            </a:t>
+            </a:r>
+            <a:r>
+              <a:rPr kumimoji="0" lang="en-US" altLang="en-US" sz="1400" b="0" i="0" u="none" strike="noStrike" cap="none" normalizeH="0" baseline="0" dirty="0" smtClean="0">
+                <a:ln>
+                  <a:noFill/>
+                </a:ln>
+                <a:solidFill>
+                  <a:srgbClr val="000000"/>
+                </a:solidFill>
+                <a:effectLst/>
+                <a:latin typeface="+mj-lt"/>
+              </a:rPr>
+              <a:t>"provider": "Here", </a:t>
+            </a:r>
+          </a:p>
+          <a:p>
+            <a:pPr marL="0" marR="0" lvl="0" indent="0" algn="l" defTabSz="914400" rtl="0" eaLnBrk="0" fontAlgn="base" latinLnBrk="0" hangingPunct="0">
+              <a:lnSpc>
+                <a:spcPct val="100000"/>
+              </a:lnSpc>
+              <a:spcBef>
+                <a:spcPct val="0"/>
+              </a:spcBef>
+              <a:spcAft>
+                <a:spcPct val="0"/>
+              </a:spcAft>
+              <a:buClrTx/>
+              <a:buSzTx/>
+              <a:buFontTx/>
+              <a:buNone/>
+              <a:tabLst/>
+            </a:pPr>
+            <a:r>
+              <a:rPr lang="en-US" altLang="en-US" sz="1400" dirty="0">
+                <a:solidFill>
+                  <a:srgbClr val="000000"/>
+                </a:solidFill>
+                <a:latin typeface="+mj-lt"/>
+              </a:rPr>
+              <a:t> </a:t>
+            </a:r>
+            <a:r>
+              <a:rPr lang="en-US" altLang="en-US" sz="1400" dirty="0" smtClean="0">
+                <a:solidFill>
+                  <a:srgbClr val="000000"/>
+                </a:solidFill>
+                <a:latin typeface="+mj-lt"/>
+              </a:rPr>
+              <a:t>            </a:t>
+            </a:r>
+            <a:r>
+              <a:rPr kumimoji="0" lang="en-US" altLang="en-US" sz="1400" b="0" i="0" u="none" strike="noStrike" cap="none" normalizeH="0" baseline="0" dirty="0" smtClean="0">
+                <a:ln>
+                  <a:noFill/>
+                </a:ln>
+                <a:solidFill>
+                  <a:srgbClr val="000000"/>
+                </a:solidFill>
+                <a:effectLst/>
+                <a:latin typeface="+mj-lt"/>
+              </a:rPr>
+              <a:t>"timestamp": 1457176052000 </a:t>
+            </a:r>
+          </a:p>
+          <a:p>
+            <a:pPr marL="0" marR="0" lvl="0" indent="0" algn="l" defTabSz="914400" rtl="0" eaLnBrk="0" fontAlgn="base" latinLnBrk="0" hangingPunct="0">
+              <a:lnSpc>
+                <a:spcPct val="100000"/>
+              </a:lnSpc>
+              <a:spcBef>
+                <a:spcPct val="0"/>
+              </a:spcBef>
+              <a:spcAft>
+                <a:spcPct val="0"/>
+              </a:spcAft>
+              <a:buClrTx/>
+              <a:buSzTx/>
+              <a:buFontTx/>
+              <a:buNone/>
+              <a:tabLst/>
+            </a:pPr>
+            <a:r>
+              <a:rPr lang="en-US" altLang="en-US" sz="1400" dirty="0">
+                <a:solidFill>
+                  <a:srgbClr val="000000"/>
+                </a:solidFill>
+                <a:latin typeface="+mj-lt"/>
+              </a:rPr>
+              <a:t> </a:t>
+            </a:r>
+            <a:r>
+              <a:rPr lang="en-US" altLang="en-US" sz="1400" dirty="0" smtClean="0">
+                <a:solidFill>
+                  <a:srgbClr val="000000"/>
+                </a:solidFill>
+                <a:latin typeface="+mj-lt"/>
+              </a:rPr>
+              <a:t>          }</a:t>
+            </a:r>
+          </a:p>
+          <a:p>
+            <a:pPr marL="0" marR="0" lvl="0" indent="0" algn="l" defTabSz="914400" rtl="0" eaLnBrk="0" fontAlgn="base" latinLnBrk="0" hangingPunct="0">
+              <a:lnSpc>
+                <a:spcPct val="100000"/>
+              </a:lnSpc>
+              <a:spcBef>
+                <a:spcPct val="0"/>
+              </a:spcBef>
+              <a:spcAft>
+                <a:spcPct val="0"/>
+              </a:spcAft>
+              <a:buClrTx/>
+              <a:buSzTx/>
+              <a:buFontTx/>
+              <a:buNone/>
+              <a:tabLst/>
+            </a:pPr>
+            <a:r>
+              <a:rPr kumimoji="0" lang="nl-BE" altLang="en-US" sz="1400" b="0" i="0" u="none" strike="noStrike" cap="none" normalizeH="0" baseline="0" dirty="0">
+                <a:ln>
+                  <a:noFill/>
+                </a:ln>
+                <a:solidFill>
+                  <a:srgbClr val="000000"/>
+                </a:solidFill>
+                <a:effectLst/>
+                <a:latin typeface="+mj-lt"/>
+              </a:rPr>
+              <a:t> </a:t>
+            </a:r>
+            <a:r>
+              <a:rPr kumimoji="0" lang="nl-BE" altLang="en-US" sz="1400" b="0" i="0" u="none" strike="noStrike" cap="none" normalizeH="0" baseline="0" dirty="0" smtClean="0">
+                <a:ln>
+                  <a:noFill/>
+                </a:ln>
+                <a:solidFill>
+                  <a:srgbClr val="000000"/>
+                </a:solidFill>
+                <a:effectLst/>
+                <a:latin typeface="+mj-lt"/>
+              </a:rPr>
+              <a:t>      ],</a:t>
+            </a:r>
+          </a:p>
+          <a:p>
+            <a:pPr lvl="0" eaLnBrk="0" fontAlgn="base" hangingPunct="0">
+              <a:spcBef>
+                <a:spcPct val="0"/>
+              </a:spcBef>
+              <a:spcAft>
+                <a:spcPct val="0"/>
+              </a:spcAft>
+            </a:pPr>
+            <a:r>
+              <a:rPr lang="nl-BE" altLang="en-US" sz="900" dirty="0" smtClean="0">
+                <a:solidFill>
+                  <a:srgbClr val="000000"/>
+                </a:solidFill>
+                <a:latin typeface="+mj-lt"/>
+              </a:rPr>
+              <a:t>          </a:t>
+            </a:r>
+            <a:r>
+              <a:rPr lang="en-US" altLang="en-US" sz="1600" dirty="0" smtClean="0">
+                <a:solidFill>
+                  <a:srgbClr val="000000"/>
+                </a:solidFill>
+                <a:latin typeface="+mj-lt"/>
+              </a:rPr>
+              <a:t>"</a:t>
+            </a:r>
+            <a:r>
+              <a:rPr lang="en-US" altLang="en-US" sz="1600" dirty="0">
+                <a:solidFill>
+                  <a:srgbClr val="000000"/>
+                </a:solidFill>
+                <a:latin typeface="+mj-lt"/>
+              </a:rPr>
+              <a:t>name": "R4 </a:t>
+            </a:r>
+            <a:r>
+              <a:rPr lang="en-US" altLang="en-US" sz="1600" dirty="0" err="1">
+                <a:solidFill>
+                  <a:srgbClr val="000000"/>
+                </a:solidFill>
+                <a:latin typeface="+mj-lt"/>
+              </a:rPr>
+              <a:t>Zelzate</a:t>
+            </a:r>
+            <a:r>
+              <a:rPr lang="en-US" altLang="en-US" sz="1600" dirty="0">
+                <a:solidFill>
+                  <a:srgbClr val="000000"/>
+                </a:solidFill>
+                <a:latin typeface="+mj-lt"/>
+              </a:rPr>
+              <a:t>", </a:t>
+            </a:r>
+          </a:p>
+          <a:p>
+            <a:pPr lvl="0" eaLnBrk="0" fontAlgn="base" hangingPunct="0">
+              <a:spcBef>
+                <a:spcPct val="0"/>
+              </a:spcBef>
+              <a:spcAft>
+                <a:spcPct val="0"/>
+              </a:spcAft>
+            </a:pPr>
+            <a:r>
+              <a:rPr lang="en-US" altLang="en-US" sz="1600" dirty="0">
+                <a:solidFill>
+                  <a:srgbClr val="000000"/>
+                </a:solidFill>
+                <a:latin typeface="+mj-lt"/>
+              </a:rPr>
+              <a:t>    </a:t>
+            </a:r>
+            <a:r>
+              <a:rPr lang="en-US" altLang="en-US" sz="1600" dirty="0" smtClean="0">
+                <a:solidFill>
+                  <a:srgbClr val="000000"/>
+                </a:solidFill>
+                <a:latin typeface="+mj-lt"/>
+              </a:rPr>
+              <a:t>  "</a:t>
+            </a:r>
+            <a:r>
+              <a:rPr lang="en-US" altLang="en-US" sz="1600" dirty="0">
+                <a:solidFill>
+                  <a:srgbClr val="000000"/>
+                </a:solidFill>
+                <a:latin typeface="+mj-lt"/>
+              </a:rPr>
+              <a:t>id": </a:t>
+            </a:r>
+            <a:r>
+              <a:rPr lang="en-US" altLang="en-US" sz="1600" dirty="0" smtClean="0">
+                <a:solidFill>
+                  <a:srgbClr val="000000"/>
+                </a:solidFill>
+                <a:latin typeface="+mj-lt"/>
+              </a:rPr>
+              <a:t>1</a:t>
+            </a:r>
+          </a:p>
+          <a:p>
+            <a:pPr lvl="0" eaLnBrk="0" fontAlgn="base" hangingPunct="0">
+              <a:spcBef>
+                <a:spcPct val="0"/>
+              </a:spcBef>
+              <a:spcAft>
+                <a:spcPct val="0"/>
+              </a:spcAft>
+            </a:pPr>
+            <a:r>
+              <a:rPr lang="nl-BE" altLang="en-US" sz="1600" dirty="0" smtClean="0">
+                <a:solidFill>
+                  <a:srgbClr val="000000"/>
+                </a:solidFill>
+                <a:latin typeface="+mj-lt"/>
+              </a:rPr>
+              <a:t>}  ]</a:t>
+            </a:r>
+            <a:endParaRPr kumimoji="0" lang="en-US" altLang="en-US" sz="3200" b="0" i="0" u="none" strike="noStrike" cap="none" normalizeH="0" baseline="0" dirty="0" smtClean="0">
+              <a:ln>
+                <a:noFill/>
+              </a:ln>
+              <a:solidFill>
+                <a:schemeClr val="tx1"/>
+              </a:solidFill>
+              <a:effectLst/>
+              <a:latin typeface="+mj-lt"/>
+            </a:endParaRPr>
+          </a:p>
+        </p:txBody>
+      </p:sp>
     </p:spTree>
     <p:extLst>
       <p:ext uri="{BB962C8B-B14F-4D97-AF65-F5344CB8AC3E}">
@@ -20811,7 +23740,7 @@
                 <a:gridCol w="6923112">
                   <a:extLst>
                     <a:ext uri="{9D8B030D-6E8A-4147-A177-3AD203B41FA5}">
-                      <a16:colId xmlns:a16="http://schemas.microsoft.com/office/drawing/2014/main" xmlns="" val="802802082"/>
+                      <a16:colId xmlns:a16="http://schemas.microsoft.com/office/drawing/2014/main" val="802802082"/>
                     </a:ext>
                   </a:extLst>
                 </a:gridCol>
@@ -20835,16 +23764,7 @@
                           </a:solidFill>
                           <a:latin typeface="+mj-lt"/>
                         </a:rPr>
-                        <a:t>{id</a:t>
-                      </a:r>
-                      <a:r>
-                        <a:rPr lang="en-US" dirty="0" smtClean="0">
-                          <a:solidFill>
-                            <a:srgbClr val="FF0000"/>
-                          </a:solidFill>
-                          <a:latin typeface="+mj-lt"/>
-                        </a:rPr>
-                        <a:t>}</a:t>
+                        <a:t>{id}</a:t>
                       </a:r>
                       <a:r>
                         <a:rPr lang="en-US" dirty="0" smtClean="0">
@@ -20892,7 +23812,7 @@
                 </a:tc>
                 <a:extLst>
                   <a:ext uri="{0D108BD9-81ED-4DB2-BD59-A6C34878D82A}">
-                    <a16:rowId xmlns:a16="http://schemas.microsoft.com/office/drawing/2014/main" xmlns="" val="2114696959"/>
+                    <a16:rowId xmlns:a16="http://schemas.microsoft.com/office/drawing/2014/main" val="2114696959"/>
                   </a:ext>
                 </a:extLst>
               </a:tr>
@@ -21799,7 +24719,7 @@
                 <a:gridCol w="936104">
                   <a:extLst>
                     <a:ext uri="{9D8B030D-6E8A-4147-A177-3AD203B41FA5}">
-                      <a16:colId xmlns:a16="http://schemas.microsoft.com/office/drawing/2014/main" xmlns="" val="1356750853"/>
+                      <a16:colId xmlns:a16="http://schemas.microsoft.com/office/drawing/2014/main" val="1356750853"/>
                     </a:ext>
                   </a:extLst>
                 </a:gridCol>
@@ -21832,7 +24752,7 @@
                 </a:tc>
                 <a:extLst>
                   <a:ext uri="{0D108BD9-81ED-4DB2-BD59-A6C34878D82A}">
-                    <a16:rowId xmlns:a16="http://schemas.microsoft.com/office/drawing/2014/main" xmlns="" val="3432421666"/>
+                    <a16:rowId xmlns:a16="http://schemas.microsoft.com/office/drawing/2014/main" val="3432421666"/>
                   </a:ext>
                 </a:extLst>
               </a:tr>
@@ -22046,7 +24966,7 @@
                 <a:gridCol w="1882552">
                   <a:extLst>
                     <a:ext uri="{9D8B030D-6E8A-4147-A177-3AD203B41FA5}">
-                      <a16:colId xmlns:a16="http://schemas.microsoft.com/office/drawing/2014/main" xmlns="" val="1356750853"/>
+                      <a16:colId xmlns:a16="http://schemas.microsoft.com/office/drawing/2014/main" val="1356750853"/>
                     </a:ext>
                   </a:extLst>
                 </a:gridCol>
@@ -22079,7 +24999,7 @@
                 </a:tc>
                 <a:extLst>
                   <a:ext uri="{0D108BD9-81ED-4DB2-BD59-A6C34878D82A}">
-                    <a16:rowId xmlns:a16="http://schemas.microsoft.com/office/drawing/2014/main" xmlns="" val="3432421666"/>
+                    <a16:rowId xmlns:a16="http://schemas.microsoft.com/office/drawing/2014/main" val="3432421666"/>
                   </a:ext>
                 </a:extLst>
               </a:tr>
@@ -22115,14 +25035,14 @@
                 <a:gridCol w="2927972">
                   <a:extLst>
                     <a:ext uri="{9D8B030D-6E8A-4147-A177-3AD203B41FA5}">
-                      <a16:colId xmlns:a16="http://schemas.microsoft.com/office/drawing/2014/main" xmlns="" val="2053316191"/>
+                      <a16:colId xmlns:a16="http://schemas.microsoft.com/office/drawing/2014/main" val="2053316191"/>
                     </a:ext>
                   </a:extLst>
                 </a:gridCol>
                 <a:gridCol w="2927972">
                   <a:extLst>
                     <a:ext uri="{9D8B030D-6E8A-4147-A177-3AD203B41FA5}">
-                      <a16:colId xmlns:a16="http://schemas.microsoft.com/office/drawing/2014/main" xmlns="" val="461439728"/>
+                      <a16:colId xmlns:a16="http://schemas.microsoft.com/office/drawing/2014/main" val="461439728"/>
                     </a:ext>
                   </a:extLst>
                 </a:gridCol>
@@ -22303,7 +25223,7 @@
                 </a:tc>
                 <a:extLst>
                   <a:ext uri="{0D108BD9-81ED-4DB2-BD59-A6C34878D82A}">
-                    <a16:rowId xmlns:a16="http://schemas.microsoft.com/office/drawing/2014/main" xmlns="" val="3859774109"/>
+                    <a16:rowId xmlns:a16="http://schemas.microsoft.com/office/drawing/2014/main" val="3859774109"/>
                   </a:ext>
                 </a:extLst>
               </a:tr>
@@ -22380,7 +25300,7 @@
                 <a:gridCol w="1882552">
                   <a:extLst>
                     <a:ext uri="{9D8B030D-6E8A-4147-A177-3AD203B41FA5}">
-                      <a16:colId xmlns:a16="http://schemas.microsoft.com/office/drawing/2014/main" xmlns="" val="1356750853"/>
+                      <a16:colId xmlns:a16="http://schemas.microsoft.com/office/drawing/2014/main" val="1356750853"/>
                     </a:ext>
                   </a:extLst>
                 </a:gridCol>
@@ -22399,16 +25319,7 @@
                           </a:solidFill>
                           <a:latin typeface="+mj-lt"/>
                         </a:rPr>
-                        <a:t>?</a:t>
-                      </a:r>
-                      <a:r>
-                        <a:rPr lang="nl-BE" dirty="0" smtClean="0">
-                          <a:solidFill>
-                            <a:schemeClr val="bg1"/>
-                          </a:solidFill>
-                          <a:latin typeface="+mj-lt"/>
-                        </a:rPr>
-                        <a:t>provider=</a:t>
+                        <a:t>?provider=</a:t>
                       </a:r>
                       <a:endParaRPr lang="en-US" dirty="0">
                         <a:solidFill>
@@ -22422,7 +25333,7 @@
                 </a:tc>
                 <a:extLst>
                   <a:ext uri="{0D108BD9-81ED-4DB2-BD59-A6C34878D82A}">
-                    <a16:rowId xmlns:a16="http://schemas.microsoft.com/office/drawing/2014/main" xmlns="" val="3432421666"/>
+                    <a16:rowId xmlns:a16="http://schemas.microsoft.com/office/drawing/2014/main" val="3432421666"/>
                   </a:ext>
                 </a:extLst>
               </a:tr>
@@ -22458,14 +25369,14 @@
                 <a:gridCol w="2927972">
                   <a:extLst>
                     <a:ext uri="{9D8B030D-6E8A-4147-A177-3AD203B41FA5}">
-                      <a16:colId xmlns:a16="http://schemas.microsoft.com/office/drawing/2014/main" xmlns="" val="2053316191"/>
+                      <a16:colId xmlns:a16="http://schemas.microsoft.com/office/drawing/2014/main" val="2053316191"/>
                     </a:ext>
                   </a:extLst>
                 </a:gridCol>
                 <a:gridCol w="2927972">
                   <a:extLst>
                     <a:ext uri="{9D8B030D-6E8A-4147-A177-3AD203B41FA5}">
-                      <a16:colId xmlns:a16="http://schemas.microsoft.com/office/drawing/2014/main" xmlns="" val="461439728"/>
+                      <a16:colId xmlns:a16="http://schemas.microsoft.com/office/drawing/2014/main" val="461439728"/>
                     </a:ext>
                   </a:extLst>
                 </a:gridCol>
@@ -22534,7 +25445,7 @@
                 </a:tc>
                 <a:extLst>
                   <a:ext uri="{0D108BD9-81ED-4DB2-BD59-A6C34878D82A}">
-                    <a16:rowId xmlns:a16="http://schemas.microsoft.com/office/drawing/2014/main" xmlns="" val="3859774109"/>
+                    <a16:rowId xmlns:a16="http://schemas.microsoft.com/office/drawing/2014/main" val="3859774109"/>
                   </a:ext>
                 </a:extLst>
               </a:tr>
@@ -22550,8 +25461,8 @@
         </p:nvSpPr>
         <p:spPr>
           <a:xfrm>
-            <a:off x="716163" y="1927319"/>
-            <a:ext cx="8220573" cy="369332"/>
+            <a:off x="899592" y="1989453"/>
+            <a:ext cx="6840442" cy="338554"/>
           </a:xfrm>
           <a:prstGeom prst="rect">
             <a:avLst/>
@@ -22566,21 +25477,23 @@
           <a:p>
             <a:pPr algn="r"/>
             <a:r>
-              <a:rPr lang="nl-BE" dirty="0" smtClean="0">
+              <a:rPr lang="nl-BE" sz="1600" dirty="0" smtClean="0">
                 <a:solidFill>
                   <a:schemeClr val="bg1">
-                    <a:lumMod val="50000"/>
+                    <a:lumMod val="65000"/>
                   </a:schemeClr>
                 </a:solidFill>
+                <a:latin typeface="+mj-lt"/>
               </a:rPr>
               <a:t>Meerdere opties mogelijk, scheiden door een komma</a:t>
             </a:r>
-            <a:endParaRPr lang="en-US" dirty="0">
+            <a:endParaRPr lang="en-US" sz="1600" dirty="0">
               <a:solidFill>
                 <a:schemeClr val="bg1">
-                  <a:lumMod val="50000"/>
+                  <a:lumMod val="65000"/>
                 </a:schemeClr>
               </a:solidFill>
+              <a:latin typeface="+mj-lt"/>
             </a:endParaRPr>
           </a:p>
         </p:txBody>
@@ -22704,6 +25617,49 @@
           </a:p>
         </p:txBody>
       </p:sp>
+      <p:pic>
+        <p:nvPicPr>
+          <p:cNvPr id="20" name="Picture 2" descr="https://help.apiary.io/images/logotype-apiary.png">
+            <a:hlinkClick r:id="rId2"/>
+          </p:cNvPr>
+          <p:cNvPicPr>
+            <a:picLocks noChangeAspect="1" noChangeArrowheads="1"/>
+          </p:cNvPicPr>
+          <p:nvPr/>
+        </p:nvPicPr>
+        <p:blipFill>
+          <a:blip r:embed="rId3">
+            <a:extLst>
+              <a:ext uri="{28A0092B-C50C-407E-A947-70E740481C1C}">
+                <a14:useLocalDpi xmlns:a14="http://schemas.microsoft.com/office/drawing/2010/main" val="0"/>
+              </a:ext>
+            </a:extLst>
+          </a:blip>
+          <a:srcRect/>
+          <a:stretch>
+            <a:fillRect/>
+          </a:stretch>
+        </p:blipFill>
+        <p:spPr bwMode="auto">
+          <a:xfrm>
+            <a:off x="6998634" y="1127991"/>
+            <a:ext cx="1566129" cy="486041"/>
+          </a:xfrm>
+          <a:prstGeom prst="rect">
+            <a:avLst/>
+          </a:prstGeom>
+          <a:noFill/>
+          <a:extLst>
+            <a:ext uri="{909E8E84-426E-40DD-AFC4-6F175D3DCCD1}">
+              <a14:hiddenFill xmlns:a14="http://schemas.microsoft.com/office/drawing/2010/main">
+                <a:solidFill>
+                  <a:srgbClr val="FFFFFF"/>
+                </a:solidFill>
+              </a14:hiddenFill>
+            </a:ext>
+          </a:extLst>
+        </p:spPr>
+      </p:pic>
     </p:spTree>
     <p:extLst>
       <p:ext uri="{BB962C8B-B14F-4D97-AF65-F5344CB8AC3E}">
@@ -22741,6 +25697,115 @@
           <a:chExt cx="0" cy="0"/>
         </a:xfrm>
       </p:grpSpPr>
+      <p:pic>
+        <p:nvPicPr>
+          <p:cNvPr id="6" name="Tijdelijke aanduiding voor inhoud 5"/>
+          <p:cNvPicPr>
+            <a:picLocks noGrp="1" noChangeAspect="1"/>
+          </p:cNvPicPr>
+          <p:nvPr>
+            <p:ph idx="1"/>
+          </p:nvPr>
+        </p:nvPicPr>
+        <p:blipFill>
+          <a:blip r:embed="rId2"/>
+          <a:stretch>
+            <a:fillRect/>
+          </a:stretch>
+        </p:blipFill>
+        <p:spPr>
+          <a:xfrm>
+            <a:off x="179512" y="1196752"/>
+            <a:ext cx="8858977" cy="4680520"/>
+          </a:xfrm>
+          <a:prstGeom prst="rect">
+            <a:avLst/>
+          </a:prstGeom>
+        </p:spPr>
+      </p:pic>
+      <p:sp>
+        <p:nvSpPr>
+          <p:cNvPr id="4" name="Tijdelijke aanduiding voor dianummer 3"/>
+          <p:cNvSpPr>
+            <a:spLocks noGrp="1"/>
+          </p:cNvSpPr>
+          <p:nvPr>
+            <p:ph type="sldNum" sz="quarter" idx="12"/>
+          </p:nvPr>
+        </p:nvSpPr>
+        <p:spPr/>
+        <p:txBody>
+          <a:bodyPr/>
+          <a:lstStyle/>
+          <a:p>
+            <a:fld id="{F10CE7ED-5E9C-4CC7-BC1B-43BAADFFB2A5}" type="slidenum">
+              <a:rPr lang="en-US" smtClean="0"/>
+              <a:t>24</a:t>
+            </a:fld>
+            <a:endParaRPr lang="en-US"/>
+          </a:p>
+        </p:txBody>
+      </p:sp>
+      <p:sp>
+        <p:nvSpPr>
+          <p:cNvPr id="5" name="Tijdelijke aanduiding voor tekst 4"/>
+          <p:cNvSpPr>
+            <a:spLocks noGrp="1"/>
+          </p:cNvSpPr>
+          <p:nvPr>
+            <p:ph type="body" sz="quarter" idx="13"/>
+          </p:nvPr>
+        </p:nvSpPr>
+        <p:spPr/>
+        <p:txBody>
+          <a:bodyPr/>
+          <a:lstStyle/>
+          <a:p>
+            <a:r>
+              <a:rPr lang="nl-BE" dirty="0" smtClean="0"/>
+              <a:t>Mike Brants</a:t>
+            </a:r>
+            <a:endParaRPr lang="en-US" dirty="0"/>
+          </a:p>
+        </p:txBody>
+      </p:sp>
+    </p:spTree>
+    <p:extLst>
+      <p:ext uri="{BB962C8B-B14F-4D97-AF65-F5344CB8AC3E}">
+        <p14:creationId xmlns:p14="http://schemas.microsoft.com/office/powerpoint/2010/main" val="3848073122"/>
+      </p:ext>
+    </p:extLst>
+  </p:cSld>
+  <p:clrMapOvr>
+    <a:masterClrMapping/>
+  </p:clrMapOvr>
+  <p:timing>
+    <p:tnLst>
+      <p:par>
+        <p:cTn id="1" dur="indefinite" restart="never" nodeType="tmRoot"/>
+      </p:par>
+    </p:tnLst>
+  </p:timing>
+</p:sld>
+</file>
+
+<file path=ppt/slides/slide25.xml><?xml version="1.0" encoding="utf-8"?>
+<p:sld xmlns:a="http://schemas.openxmlformats.org/drawingml/2006/main" xmlns:r="http://schemas.openxmlformats.org/officeDocument/2006/relationships" xmlns:p="http://schemas.openxmlformats.org/presentationml/2006/main">
+  <p:cSld>
+    <p:spTree>
+      <p:nvGrpSpPr>
+        <p:cNvPr id="1" name=""/>
+        <p:cNvGrpSpPr/>
+        <p:nvPr/>
+      </p:nvGrpSpPr>
+      <p:grpSpPr>
+        <a:xfrm>
+          <a:off x="0" y="0"/>
+          <a:ext cx="0" cy="0"/>
+          <a:chOff x="0" y="0"/>
+          <a:chExt cx="0" cy="0"/>
+        </a:xfrm>
+      </p:grpSpPr>
       <p:sp>
         <p:nvSpPr>
           <p:cNvPr id="6" name="Rechthoek 5"/>
@@ -22755,6 +25820,11 @@
           <a:prstGeom prst="rect">
             <a:avLst/>
           </a:prstGeom>
+          <a:ln>
+            <a:solidFill>
+              <a:schemeClr val="tx2"/>
+            </a:solidFill>
+          </a:ln>
         </p:spPr>
         <p:style>
           <a:lnRef idx="2">
@@ -22793,6 +25863,11 @@
           <a:prstGeom prst="rect">
             <a:avLst/>
           </a:prstGeom>
+          <a:ln>
+            <a:solidFill>
+              <a:schemeClr val="tx2"/>
+            </a:solidFill>
+          </a:ln>
         </p:spPr>
         <p:style>
           <a:lnRef idx="2">
@@ -22833,7 +25908,7 @@
           <a:lstStyle/>
           <a:p>
             <a:r>
-              <a:rPr lang="nl-BE" smtClean="0"/>
+              <a:rPr lang="nl-BE" dirty="0" smtClean="0"/>
               <a:t>Kort samengevat</a:t>
             </a:r>
             <a:endParaRPr lang="en-US" dirty="0"/>
@@ -22850,7 +25925,12 @@
             <p:ph idx="1"/>
           </p:nvPr>
         </p:nvSpPr>
-        <p:spPr/>
+        <p:spPr>
+          <a:xfrm>
+            <a:off x="457200" y="1871128"/>
+            <a:ext cx="7643192" cy="4325112"/>
+          </a:xfrm>
+        </p:spPr>
         <p:txBody>
           <a:bodyPr>
             <a:normAutofit fontScale="92500" lnSpcReduction="20000"/>
@@ -22858,76 +25938,84 @@
           <a:lstStyle/>
           <a:p>
             <a:r>
-              <a:rPr lang="nl-BE" smtClean="0"/>
+              <a:rPr lang="nl-BE" dirty="0" smtClean="0">
+                <a:solidFill>
+                  <a:schemeClr val="tx2"/>
+                </a:solidFill>
+              </a:rPr>
               <a:t>Reeds verwezenlijkt</a:t>
             </a:r>
           </a:p>
           <a:p>
-            <a:endParaRPr lang="nl-BE" smtClean="0"/>
+            <a:endParaRPr lang="nl-BE" dirty="0" smtClean="0"/>
           </a:p>
           <a:p>
             <a:pPr lvl="1"/>
             <a:r>
-              <a:rPr lang="nl-BE" smtClean="0"/>
+              <a:rPr lang="nl-BE" dirty="0" smtClean="0"/>
               <a:t>Ophalen data</a:t>
             </a:r>
           </a:p>
           <a:p>
             <a:pPr lvl="2"/>
             <a:r>
-              <a:rPr lang="nl-BE" smtClean="0"/>
+              <a:rPr lang="nl-BE" dirty="0" err="1" smtClean="0"/>
               <a:t>GoogleMaps</a:t>
             </a:r>
+            <a:endParaRPr lang="nl-BE" dirty="0" smtClean="0"/>
           </a:p>
           <a:p>
             <a:pPr lvl="2"/>
             <a:r>
-              <a:rPr lang="nl-BE" smtClean="0"/>
+              <a:rPr lang="nl-BE" dirty="0" smtClean="0"/>
               <a:t>Here</a:t>
             </a:r>
-            <a:endParaRPr lang="en-US" smtClean="0"/>
+            <a:endParaRPr lang="en-US" dirty="0" smtClean="0"/>
           </a:p>
           <a:p>
             <a:pPr lvl="1"/>
             <a:r>
-              <a:rPr lang="nl-BE" smtClean="0"/>
+              <a:rPr lang="nl-BE" dirty="0" smtClean="0"/>
               <a:t>Representeren data via REST (basis)</a:t>
             </a:r>
           </a:p>
           <a:p>
             <a:pPr lvl="1"/>
-            <a:endParaRPr lang="nl-BE" smtClean="0"/>
-          </a:p>
-          <a:p>
-            <a:r>
-              <a:rPr lang="nl-BE" smtClean="0"/>
+            <a:endParaRPr lang="nl-BE" dirty="0" smtClean="0"/>
+          </a:p>
+          <a:p>
+            <a:r>
+              <a:rPr lang="nl-BE" dirty="0" smtClean="0">
+                <a:solidFill>
+                  <a:schemeClr val="tx2"/>
+                </a:solidFill>
+              </a:rPr>
               <a:t>Volgende sprint</a:t>
             </a:r>
           </a:p>
           <a:p>
-            <a:endParaRPr lang="nl-BE" smtClean="0"/>
+            <a:endParaRPr lang="nl-BE" dirty="0" smtClean="0"/>
           </a:p>
           <a:p>
             <a:pPr lvl="1"/>
             <a:r>
-              <a:rPr lang="nl-BE" smtClean="0"/>
+              <a:rPr lang="nl-BE" dirty="0" smtClean="0"/>
               <a:t>Andere adapters implementeren</a:t>
             </a:r>
           </a:p>
           <a:p>
             <a:pPr lvl="1"/>
             <a:r>
-              <a:rPr lang="nl-BE" smtClean="0"/>
+              <a:rPr lang="nl-BE" dirty="0" smtClean="0"/>
               <a:t>Dashboard</a:t>
             </a:r>
           </a:p>
           <a:p>
             <a:pPr lvl="1"/>
             <a:r>
-              <a:rPr lang="nl-BE" smtClean="0"/>
+              <a:rPr lang="nl-BE" dirty="0" smtClean="0"/>
               <a:t>Uitbreiden REST</a:t>
             </a:r>
-            <a:endParaRPr lang="nl-BE" dirty="0" smtClean="0"/>
           </a:p>
         </p:txBody>
       </p:sp>
@@ -22949,7 +26037,7 @@
             <a:fld id="{F10CE7ED-5E9C-4CC7-BC1B-43BAADFFB2A5}" type="slidenum">
               <a:rPr lang="en-US" smtClean="0"/>
               <a:pPr/>
-              <a:t>24</a:t>
+              <a:t>25</a:t>
             </a:fld>
             <a:endParaRPr lang="en-US"/>
           </a:p>
@@ -23005,7 +26093,7 @@
 </p:sld>
 </file>
 
-<file path=ppt/slides/slide25.xml><?xml version="1.0" encoding="utf-8"?>
+<file path=ppt/slides/slide26.xml><?xml version="1.0" encoding="utf-8"?>
 <p:sld xmlns:a="http://schemas.openxmlformats.org/drawingml/2006/main" xmlns:r="http://schemas.openxmlformats.org/officeDocument/2006/relationships" xmlns:p="http://schemas.openxmlformats.org/presentationml/2006/main">
   <p:cSld>
     <p:spTree>
@@ -23064,7 +26152,7 @@
         </p:nvSpPr>
         <p:spPr>
           <a:xfrm>
-            <a:off x="457200" y="2463031"/>
+            <a:off x="457200" y="2996952"/>
             <a:ext cx="8458200" cy="1470025"/>
           </a:xfrm>
         </p:spPr>
@@ -23149,7 +26237,7 @@
             <a:fld id="{F10CE7ED-5E9C-4CC7-BC1B-43BAADFFB2A5}" type="slidenum">
               <a:rPr lang="en-US" smtClean="0"/>
               <a:pPr/>
-              <a:t>25</a:t>
+              <a:t>26</a:t>
             </a:fld>
             <a:endParaRPr lang="en-US"/>
           </a:p>
@@ -23335,16 +26423,16 @@
               </a:lnSpc>
             </a:pPr>
             <a:r>
+              <a:rPr lang="nl-BE" dirty="0" smtClean="0"/>
+              <a:t>Here, Google </a:t>
+            </a:r>
+            <a:r>
+              <a:rPr lang="nl-BE" dirty="0" err="1"/>
+              <a:t>M</a:t>
+            </a:r>
+            <a:r>
               <a:rPr lang="nl-BE" dirty="0" err="1" smtClean="0"/>
-              <a:t>Here</a:t>
-            </a:r>
-            <a:r>
-              <a:rPr lang="nl-BE" dirty="0" smtClean="0"/>
-              <a:t>, Google </a:t>
-            </a:r>
-            <a:r>
-              <a:rPr lang="nl-BE" dirty="0" err="1" smtClean="0"/>
-              <a:t>maps</a:t>
+              <a:t>aps</a:t>
             </a:r>
             <a:r>
               <a:rPr lang="nl-BE" dirty="0" smtClean="0"/>
@@ -23446,7 +26534,7 @@
         <p:spPr>
           <a:xfrm>
             <a:off x="7346533" y="6018000"/>
-            <a:ext cx="1800000" cy="840000"/>
+            <a:ext cx="1799999" cy="840000"/>
           </a:xfrm>
           <a:prstGeom prst="rect">
             <a:avLst/>
@@ -23565,7 +26653,6 @@
               <a:rPr lang="nl-BE" dirty="0" smtClean="0"/>
               <a:t>vertraging</a:t>
             </a:r>
-            <a:endParaRPr lang="nl-BE" dirty="0" smtClean="0"/>
           </a:p>
           <a:p>
             <a:pPr lvl="1">

--- a/Analyse/Presentatie/Sprint1.pptx
+++ b/Analyse/Presentatie/Sprint1.pptx
@@ -2190,7 +2190,13 @@
             <a:rPr lang="nl-NL" sz="1800" dirty="0" smtClean="0">
               <a:latin typeface="+mj-lt"/>
             </a:rPr>
-            <a:t>5 min</a:t>
+            <a:t>Interval = 5 </a:t>
+          </a:r>
+          <a:r>
+            <a:rPr lang="nl-NL" sz="1800" dirty="0" smtClean="0">
+              <a:latin typeface="+mj-lt"/>
+            </a:rPr>
+            <a:t>min</a:t>
           </a:r>
           <a:endParaRPr lang="nl-NL" sz="1800" dirty="0">
             <a:latin typeface="+mj-lt"/>
@@ -2830,13 +2836,13 @@
             <a:rPr lang="nl-NL" sz="1600" dirty="0" smtClean="0">
               <a:latin typeface="+mj-lt"/>
             </a:rPr>
-            <a:t>Geeft data door aan Data access objecten en </a:t>
+            <a:t>Geeft data </a:t>
           </a:r>
           <a:r>
-            <a:rPr lang="nl-NL" sz="1600" dirty="0" err="1" smtClean="0">
+            <a:rPr lang="nl-NL" sz="1600" dirty="0" smtClean="0">
               <a:latin typeface="+mj-lt"/>
             </a:rPr>
-            <a:t>analyser</a:t>
+            <a:t>door richting databank</a:t>
           </a:r>
           <a:endParaRPr lang="nl-NL" sz="1600" dirty="0">
             <a:latin typeface="+mj-lt"/>
@@ -2863,6 +2869,48 @@
         <a:lstStyle/>
         <a:p>
           <a:endParaRPr lang="en-GB"/>
+        </a:p>
+      </dgm:t>
+    </dgm:pt>
+    <dgm:pt modelId="{1224546D-247C-40A4-93A3-C1C7BEB23E45}">
+      <dgm:prSet phldrT="[Tekst]" custT="1"/>
+      <dgm:spPr/>
+      <dgm:t>
+        <a:bodyPr/>
+        <a:lstStyle/>
+        <a:p>
+          <a:pPr algn="ctr"/>
+          <a:r>
+            <a:rPr lang="nl-NL" sz="1800" dirty="0" smtClean="0">
+              <a:latin typeface="+mj-lt"/>
+            </a:rPr>
+            <a:t>6h – 23h</a:t>
+          </a:r>
+          <a:endParaRPr lang="nl-NL" sz="1800" dirty="0">
+            <a:latin typeface="+mj-lt"/>
+          </a:endParaRPr>
+        </a:p>
+      </dgm:t>
+    </dgm:pt>
+    <dgm:pt modelId="{648C33BA-898B-4250-978A-2A10FCFCCEF1}" type="parTrans" cxnId="{FCB8E879-04D8-4337-A64F-15919AE2E035}">
+      <dgm:prSet/>
+      <dgm:spPr/>
+      <dgm:t>
+        <a:bodyPr/>
+        <a:lstStyle/>
+        <a:p>
+          <a:endParaRPr lang="nl-NL"/>
+        </a:p>
+      </dgm:t>
+    </dgm:pt>
+    <dgm:pt modelId="{3DB61B68-9280-4069-8CBD-90EE22DDB799}" type="sibTrans" cxnId="{FCB8E879-04D8-4337-A64F-15919AE2E035}">
+      <dgm:prSet/>
+      <dgm:spPr/>
+      <dgm:t>
+        <a:bodyPr/>
+        <a:lstStyle/>
+        <a:p>
+          <a:endParaRPr lang="nl-NL"/>
         </a:p>
       </dgm:t>
     </dgm:pt>
@@ -2918,7 +2966,7 @@
       <dgm:spPr/>
     </dgm:pt>
     <dgm:pt modelId="{E49D5C6E-7CA5-44A0-A81F-E35908B0F6FE}" type="pres">
-      <dgm:prSet presAssocID="{3D2FA192-62EE-47A4-AEF4-940A0453C58D}" presName="childNode" presStyleLbl="node1" presStyleIdx="0" presStyleCnt="17">
+      <dgm:prSet presAssocID="{3D2FA192-62EE-47A4-AEF4-940A0453C58D}" presName="childNode" presStyleLbl="node1" presStyleIdx="0" presStyleCnt="18">
         <dgm:presLayoutVars>
           <dgm:bulletEnabled val="1"/>
         </dgm:presLayoutVars>
@@ -2936,8 +2984,27 @@
       <dgm:prSet presAssocID="{3D2FA192-62EE-47A4-AEF4-940A0453C58D}" presName="aSpace2" presStyleCnt="0"/>
       <dgm:spPr/>
     </dgm:pt>
+    <dgm:pt modelId="{73168CEF-AB9C-494D-B2A2-CA87A8B306DD}" type="pres">
+      <dgm:prSet presAssocID="{1224546D-247C-40A4-93A3-C1C7BEB23E45}" presName="childNode" presStyleLbl="node1" presStyleIdx="1" presStyleCnt="18">
+        <dgm:presLayoutVars>
+          <dgm:bulletEnabled val="1"/>
+        </dgm:presLayoutVars>
+      </dgm:prSet>
+      <dgm:spPr/>
+      <dgm:t>
+        <a:bodyPr/>
+        <a:lstStyle/>
+        <a:p>
+          <a:endParaRPr lang="nl-NL"/>
+        </a:p>
+      </dgm:t>
+    </dgm:pt>
+    <dgm:pt modelId="{8FD6CB9B-06E6-4769-87FE-AC2BD68C84AC}" type="pres">
+      <dgm:prSet presAssocID="{1224546D-247C-40A4-93A3-C1C7BEB23E45}" presName="aSpace2" presStyleCnt="0"/>
+      <dgm:spPr/>
+    </dgm:pt>
     <dgm:pt modelId="{D047C669-4AF5-46F8-8162-39BAE8123EDF}" type="pres">
-      <dgm:prSet presAssocID="{37E1623F-4D27-4B76-A9B7-CF95C6E1C88B}" presName="childNode" presStyleLbl="node1" presStyleIdx="1" presStyleCnt="17">
+      <dgm:prSet presAssocID="{37E1623F-4D27-4B76-A9B7-CF95C6E1C88B}" presName="childNode" presStyleLbl="node1" presStyleIdx="2" presStyleCnt="18">
         <dgm:presLayoutVars>
           <dgm:bulletEnabled val="1"/>
         </dgm:presLayoutVars>
@@ -2990,7 +3057,7 @@
       <dgm:spPr/>
     </dgm:pt>
     <dgm:pt modelId="{6B596E65-42D1-4AF0-8AF9-168D45F63303}" type="pres">
-      <dgm:prSet presAssocID="{3F619908-D279-4DB2-905E-D6178B0C5FC2}" presName="childNode" presStyleLbl="node1" presStyleIdx="2" presStyleCnt="17" custScaleY="44340">
+      <dgm:prSet presAssocID="{3F619908-D279-4DB2-905E-D6178B0C5FC2}" presName="childNode" presStyleLbl="node1" presStyleIdx="3" presStyleCnt="18" custScaleY="44340">
         <dgm:presLayoutVars>
           <dgm:bulletEnabled val="1"/>
         </dgm:presLayoutVars>
@@ -3009,7 +3076,7 @@
       <dgm:spPr/>
     </dgm:pt>
     <dgm:pt modelId="{B7137BFD-DDB4-4690-AC9C-DDE283324D97}" type="pres">
-      <dgm:prSet presAssocID="{C4464355-E835-46C0-A971-DD9E8DC0F96B}" presName="childNode" presStyleLbl="node1" presStyleIdx="3" presStyleCnt="17" custScaleY="51021">
+      <dgm:prSet presAssocID="{C4464355-E835-46C0-A971-DD9E8DC0F96B}" presName="childNode" presStyleLbl="node1" presStyleIdx="4" presStyleCnt="18" custScaleY="51021">
         <dgm:presLayoutVars>
           <dgm:bulletEnabled val="1"/>
         </dgm:presLayoutVars>
@@ -3028,7 +3095,7 @@
       <dgm:spPr/>
     </dgm:pt>
     <dgm:pt modelId="{4BE6F441-80E9-42E2-8D94-2E7A8D6E36FB}" type="pres">
-      <dgm:prSet presAssocID="{66690709-B972-4BE5-B53F-042C7CCD116C}" presName="childNode" presStyleLbl="node1" presStyleIdx="4" presStyleCnt="17" custScaleY="50252">
+      <dgm:prSet presAssocID="{66690709-B972-4BE5-B53F-042C7CCD116C}" presName="childNode" presStyleLbl="node1" presStyleIdx="5" presStyleCnt="18" custScaleY="50252">
         <dgm:presLayoutVars>
           <dgm:bulletEnabled val="1"/>
         </dgm:presLayoutVars>
@@ -3081,7 +3148,7 @@
       <dgm:spPr/>
     </dgm:pt>
     <dgm:pt modelId="{601034A3-191F-41A6-9A53-DF734548D105}" type="pres">
-      <dgm:prSet presAssocID="{4458EBA4-155C-4BBE-B750-C852E9FE83F7}" presName="childNode" presStyleLbl="node1" presStyleIdx="5" presStyleCnt="17">
+      <dgm:prSet presAssocID="{4458EBA4-155C-4BBE-B750-C852E9FE83F7}" presName="childNode" presStyleLbl="node1" presStyleIdx="6" presStyleCnt="18">
         <dgm:presLayoutVars>
           <dgm:bulletEnabled val="1"/>
         </dgm:presLayoutVars>
@@ -3100,7 +3167,7 @@
       <dgm:spPr/>
     </dgm:pt>
     <dgm:pt modelId="{EE39D523-AC73-4392-AC77-77C7220763B6}" type="pres">
-      <dgm:prSet presAssocID="{AD24980B-FC83-455C-8400-24E5345BFF8E}" presName="childNode" presStyleLbl="node1" presStyleIdx="6" presStyleCnt="17">
+      <dgm:prSet presAssocID="{AD24980B-FC83-455C-8400-24E5345BFF8E}" presName="childNode" presStyleLbl="node1" presStyleIdx="7" presStyleCnt="18">
         <dgm:presLayoutVars>
           <dgm:bulletEnabled val="1"/>
         </dgm:presLayoutVars>
@@ -3153,7 +3220,7 @@
       <dgm:spPr/>
     </dgm:pt>
     <dgm:pt modelId="{DFF2DE64-3912-48E6-96DE-FA8312BB934C}" type="pres">
-      <dgm:prSet presAssocID="{7E2F40E9-CD39-43D0-845B-34F9F2398A0C}" presName="childNode" presStyleLbl="node1" presStyleIdx="7" presStyleCnt="17">
+      <dgm:prSet presAssocID="{7E2F40E9-CD39-43D0-845B-34F9F2398A0C}" presName="childNode" presStyleLbl="node1" presStyleIdx="8" presStyleCnt="18">
         <dgm:presLayoutVars>
           <dgm:bulletEnabled val="1"/>
         </dgm:presLayoutVars>
@@ -3172,7 +3239,7 @@
       <dgm:spPr/>
     </dgm:pt>
     <dgm:pt modelId="{E6CD3A07-DC14-465C-9A62-15762B2DDB79}" type="pres">
-      <dgm:prSet presAssocID="{C0BA6DEE-A725-42FF-A9D0-875401A073CE}" presName="childNode" presStyleLbl="node1" presStyleIdx="8" presStyleCnt="17">
+      <dgm:prSet presAssocID="{C0BA6DEE-A725-42FF-A9D0-875401A073CE}" presName="childNode" presStyleLbl="node1" presStyleIdx="9" presStyleCnt="18">
         <dgm:presLayoutVars>
           <dgm:bulletEnabled val="1"/>
         </dgm:presLayoutVars>
@@ -3191,7 +3258,7 @@
       <dgm:spPr/>
     </dgm:pt>
     <dgm:pt modelId="{7CAAFA02-0B4B-4EB3-BEDE-AEB070C2F81F}" type="pres">
-      <dgm:prSet presAssocID="{3A333370-E84C-4ABB-BA0C-CC838F2EF877}" presName="childNode" presStyleLbl="node1" presStyleIdx="9" presStyleCnt="17">
+      <dgm:prSet presAssocID="{3A333370-E84C-4ABB-BA0C-CC838F2EF877}" presName="childNode" presStyleLbl="node1" presStyleIdx="10" presStyleCnt="18">
         <dgm:presLayoutVars>
           <dgm:bulletEnabled val="1"/>
         </dgm:presLayoutVars>
@@ -3210,7 +3277,7 @@
       <dgm:spPr/>
     </dgm:pt>
     <dgm:pt modelId="{076125C3-B8CA-4BEA-8672-649EA4C304ED}" type="pres">
-      <dgm:prSet presAssocID="{F1D9E846-68C2-4E2C-A9F0-1BF84364FC51}" presName="childNode" presStyleLbl="node1" presStyleIdx="10" presStyleCnt="17">
+      <dgm:prSet presAssocID="{F1D9E846-68C2-4E2C-A9F0-1BF84364FC51}" presName="childNode" presStyleLbl="node1" presStyleIdx="11" presStyleCnt="18">
         <dgm:presLayoutVars>
           <dgm:bulletEnabled val="1"/>
         </dgm:presLayoutVars>
@@ -3263,7 +3330,7 @@
       <dgm:spPr/>
     </dgm:pt>
     <dgm:pt modelId="{6EEA1793-B06B-47DC-81F9-AFB8F6F895D9}" type="pres">
-      <dgm:prSet presAssocID="{DF55847D-C249-468E-AF44-464ADDC3F5E2}" presName="childNode" presStyleLbl="node1" presStyleIdx="11" presStyleCnt="17">
+      <dgm:prSet presAssocID="{DF55847D-C249-468E-AF44-464ADDC3F5E2}" presName="childNode" presStyleLbl="node1" presStyleIdx="12" presStyleCnt="18">
         <dgm:presLayoutVars>
           <dgm:bulletEnabled val="1"/>
         </dgm:presLayoutVars>
@@ -3282,7 +3349,7 @@
       <dgm:spPr/>
     </dgm:pt>
     <dgm:pt modelId="{347F2C06-6D53-480A-A19C-A66E010B43AA}" type="pres">
-      <dgm:prSet presAssocID="{5740C181-98FD-4AA3-8192-C85E2545D7F0}" presName="childNode" presStyleLbl="node1" presStyleIdx="12" presStyleCnt="17">
+      <dgm:prSet presAssocID="{5740C181-98FD-4AA3-8192-C85E2545D7F0}" presName="childNode" presStyleLbl="node1" presStyleIdx="13" presStyleCnt="18">
         <dgm:presLayoutVars>
           <dgm:bulletEnabled val="1"/>
         </dgm:presLayoutVars>
@@ -3335,7 +3402,7 @@
       <dgm:spPr/>
     </dgm:pt>
     <dgm:pt modelId="{86AE874A-27D4-4F28-A38A-54E29BBD68C1}" type="pres">
-      <dgm:prSet presAssocID="{FA35120F-EF04-4E9E-AFB9-5D38087059A8}" presName="childNode" presStyleLbl="node1" presStyleIdx="13" presStyleCnt="17">
+      <dgm:prSet presAssocID="{FA35120F-EF04-4E9E-AFB9-5D38087059A8}" presName="childNode" presStyleLbl="node1" presStyleIdx="14" presStyleCnt="18">
         <dgm:presLayoutVars>
           <dgm:bulletEnabled val="1"/>
         </dgm:presLayoutVars>
@@ -3354,7 +3421,7 @@
       <dgm:spPr/>
     </dgm:pt>
     <dgm:pt modelId="{08DE3A77-9538-497B-A3C9-4812928EFD89}" type="pres">
-      <dgm:prSet presAssocID="{D0FC6C89-9FE8-45D5-AC9F-671B221C828B}" presName="childNode" presStyleLbl="node1" presStyleIdx="14" presStyleCnt="17">
+      <dgm:prSet presAssocID="{D0FC6C89-9FE8-45D5-AC9F-671B221C828B}" presName="childNode" presStyleLbl="node1" presStyleIdx="15" presStyleCnt="18">
         <dgm:presLayoutVars>
           <dgm:bulletEnabled val="1"/>
         </dgm:presLayoutVars>
@@ -3407,7 +3474,7 @@
       <dgm:spPr/>
     </dgm:pt>
     <dgm:pt modelId="{225F2E50-4592-479E-A5AE-632BABACAE01}" type="pres">
-      <dgm:prSet presAssocID="{9BB5E418-3DFB-44DA-817B-07F7855D1A4C}" presName="childNode" presStyleLbl="node1" presStyleIdx="15" presStyleCnt="17">
+      <dgm:prSet presAssocID="{9BB5E418-3DFB-44DA-817B-07F7855D1A4C}" presName="childNode" presStyleLbl="node1" presStyleIdx="16" presStyleCnt="18">
         <dgm:presLayoutVars>
           <dgm:bulletEnabled val="1"/>
         </dgm:presLayoutVars>
@@ -3426,7 +3493,7 @@
       <dgm:spPr/>
     </dgm:pt>
     <dgm:pt modelId="{954C94EF-64A3-4599-990A-05612BB23733}" type="pres">
-      <dgm:prSet presAssocID="{039C69E1-B3F5-4F51-9D63-CD7316D5B1B5}" presName="childNode" presStyleLbl="node1" presStyleIdx="16" presStyleCnt="17">
+      <dgm:prSet presAssocID="{039C69E1-B3F5-4F51-9D63-CD7316D5B1B5}" presName="childNode" presStyleLbl="node1" presStyleIdx="17" presStyleCnt="18">
         <dgm:presLayoutVars>
           <dgm:bulletEnabled val="1"/>
         </dgm:presLayoutVars>
@@ -3442,6 +3509,7 @@
     </dgm:pt>
   </dgm:ptLst>
   <dgm:cxnLst>
+    <dgm:cxn modelId="{FCB8E879-04D8-4337-A64F-15919AE2E035}" srcId="{8159326B-7C44-4343-8DC4-78CD3342CF01}" destId="{1224546D-247C-40A4-93A3-C1C7BEB23E45}" srcOrd="1" destOrd="0" parTransId="{648C33BA-898B-4250-978A-2A10FCFCCEF1}" sibTransId="{3DB61B68-9280-4069-8CBD-90EE22DDB799}"/>
     <dgm:cxn modelId="{CD8BA4A3-A1AA-4A42-BC77-582CAD8E05E1}" srcId="{C5835642-290B-45D5-BDAF-12E1996008F1}" destId="{7E2F40E9-CD39-43D0-845B-34F9F2398A0C}" srcOrd="0" destOrd="0" parTransId="{433BAEF8-0E6B-4788-9E01-85999D14EA20}" sibTransId="{BB99904C-C30B-4620-AA49-65447A177BA2}"/>
     <dgm:cxn modelId="{5185D681-FD3B-47F7-89C7-4C278748AC1E}" type="presOf" srcId="{7CCB5F4D-B4C9-41A2-AD53-4C1FE22D9A6F}" destId="{808CB376-51F9-4193-89D8-5213045F1343}" srcOrd="0" destOrd="0" presId="urn:microsoft.com/office/officeart/2005/8/layout/lProcess2"/>
     <dgm:cxn modelId="{AE1DEE22-3F73-401B-ABEF-2982B334326E}" type="presOf" srcId="{66690709-B972-4BE5-B53F-042C7CCD116C}" destId="{4BE6F441-80E9-42E2-8D94-2E7A8D6E36FB}" srcOrd="0" destOrd="0" presId="urn:microsoft.com/office/officeart/2005/8/layout/lProcess2"/>
@@ -3467,7 +3535,7 @@
     <dgm:cxn modelId="{D5B857C0-62DE-40A8-AF12-831397DC181E}" type="presOf" srcId="{1DF7CAB2-CDAC-4671-85CD-C26C1C35BE1C}" destId="{382F052F-E9E6-4FD2-8451-924DE623608B}" srcOrd="1" destOrd="0" presId="urn:microsoft.com/office/officeart/2005/8/layout/lProcess2"/>
     <dgm:cxn modelId="{33C2E56D-3B63-4CE0-9C31-40ACB1754A24}" type="presOf" srcId="{9BB5E418-3DFB-44DA-817B-07F7855D1A4C}" destId="{225F2E50-4592-479E-A5AE-632BABACAE01}" srcOrd="0" destOrd="0" presId="urn:microsoft.com/office/officeart/2005/8/layout/lProcess2"/>
     <dgm:cxn modelId="{A53369C4-D3DE-47F7-BAA1-E5CC3A8FE756}" type="presOf" srcId="{6D60AAC9-6C21-4BE8-9CF1-5A1FD79E2C6E}" destId="{28D53672-862C-4827-8827-E65E052F72F4}" srcOrd="1" destOrd="0" presId="urn:microsoft.com/office/officeart/2005/8/layout/lProcess2"/>
-    <dgm:cxn modelId="{0CE0642C-5E59-4FC9-9A54-43BA7B586EBB}" srcId="{8159326B-7C44-4343-8DC4-78CD3342CF01}" destId="{37E1623F-4D27-4B76-A9B7-CF95C6E1C88B}" srcOrd="1" destOrd="0" parTransId="{F26C30EC-849B-4DC3-ADE1-B15C7F6FB395}" sibTransId="{97E5422B-45D9-421D-926B-7684ACDF5DC3}"/>
+    <dgm:cxn modelId="{0CE0642C-5E59-4FC9-9A54-43BA7B586EBB}" srcId="{8159326B-7C44-4343-8DC4-78CD3342CF01}" destId="{37E1623F-4D27-4B76-A9B7-CF95C6E1C88B}" srcOrd="2" destOrd="0" parTransId="{F26C30EC-849B-4DC3-ADE1-B15C7F6FB395}" sibTransId="{97E5422B-45D9-421D-926B-7684ACDF5DC3}"/>
     <dgm:cxn modelId="{4DB15919-0CE9-41C9-8B4F-8092A5638767}" srcId="{C5835642-290B-45D5-BDAF-12E1996008F1}" destId="{3A333370-E84C-4ABB-BA0C-CC838F2EF877}" srcOrd="2" destOrd="0" parTransId="{08BDD32B-130A-4374-9991-0F1D6C999CCB}" sibTransId="{5EAF20F0-CEDD-4512-A227-EBE20FF43D09}"/>
     <dgm:cxn modelId="{A4818DFC-90C7-4098-841F-407236645782}" type="presOf" srcId="{37E1623F-4D27-4B76-A9B7-CF95C6E1C88B}" destId="{D047C669-4AF5-46F8-8162-39BAE8123EDF}" srcOrd="0" destOrd="0" presId="urn:microsoft.com/office/officeart/2005/8/layout/lProcess2"/>
     <dgm:cxn modelId="{45A559E0-FFD5-4FB3-B12D-C1D9BCD008BB}" srcId="{BB86D206-1A59-4859-9A86-773FF700B735}" destId="{3F619908-D279-4DB2-905E-D6178B0C5FC2}" srcOrd="0" destOrd="0" parTransId="{5939C48E-6ACB-4411-968B-9166747CD92F}" sibTransId="{7693BF3A-53B8-48A4-ACBE-E262DA6729BD}"/>
@@ -3498,6 +3566,7 @@
     <dgm:cxn modelId="{D07D7E3E-6482-4CA5-A38A-4102B742B8C1}" type="presOf" srcId="{3D2FA192-62EE-47A4-AEF4-940A0453C58D}" destId="{E49D5C6E-7CA5-44A0-A81F-E35908B0F6FE}" srcOrd="0" destOrd="0" presId="urn:microsoft.com/office/officeart/2005/8/layout/lProcess2"/>
     <dgm:cxn modelId="{18A5BB38-0225-4FC0-9655-5F9B0718C5FB}" srcId="{09DC072C-5037-4922-AEC1-5073ACE7541D}" destId="{FA35120F-EF04-4E9E-AFB9-5D38087059A8}" srcOrd="0" destOrd="0" parTransId="{C5FDAAED-0F4B-4F13-B1E7-77D00FDDAA90}" sibTransId="{0531A4A7-EC6B-49A2-B5EF-9995E56506CF}"/>
     <dgm:cxn modelId="{EE0E33C8-C518-451D-A3A4-B68A1719B6A2}" type="presOf" srcId="{C0BA6DEE-A725-42FF-A9D0-875401A073CE}" destId="{E6CD3A07-DC14-465C-9A62-15762B2DDB79}" srcOrd="0" destOrd="0" presId="urn:microsoft.com/office/officeart/2005/8/layout/lProcess2"/>
+    <dgm:cxn modelId="{8159E80A-C3C2-4493-9EF7-267F73617952}" type="presOf" srcId="{1224546D-247C-40A4-93A3-C1C7BEB23E45}" destId="{73168CEF-AB9C-494D-B2A2-CA87A8B306DD}" srcOrd="0" destOrd="0" presId="urn:microsoft.com/office/officeart/2005/8/layout/lProcess2"/>
     <dgm:cxn modelId="{F6A2349D-D0AE-42AF-980F-6A13134C6462}" type="presParOf" srcId="{808CB376-51F9-4193-89D8-5213045F1343}" destId="{BE298F5B-48F7-4497-AB07-6FF9DACEC22E}" srcOrd="0" destOrd="0" presId="urn:microsoft.com/office/officeart/2005/8/layout/lProcess2"/>
     <dgm:cxn modelId="{C54B1FBA-AED4-400C-8B18-612B32C6E7E9}" type="presParOf" srcId="{BE298F5B-48F7-4497-AB07-6FF9DACEC22E}" destId="{6867AD70-2794-4058-A007-0587FBFE0C1F}" srcOrd="0" destOrd="0" presId="urn:microsoft.com/office/officeart/2005/8/layout/lProcess2"/>
     <dgm:cxn modelId="{E00FC73E-F0CB-4838-968E-A9E4ED74C1D1}" type="presParOf" srcId="{BE298F5B-48F7-4497-AB07-6FF9DACEC22E}" destId="{D8AB085B-9EAF-40E6-8E0C-9992FAEF9CF0}" srcOrd="1" destOrd="0" presId="urn:microsoft.com/office/officeart/2005/8/layout/lProcess2"/>
@@ -3505,7 +3574,9 @@
     <dgm:cxn modelId="{9E39F5AC-4F4D-4B0A-9316-E54D38F9C9AA}" type="presParOf" srcId="{497CB261-09D2-4B26-877B-9F8CD124CA5D}" destId="{5CD70C4D-78C7-4046-A6CB-EC5F9306A145}" srcOrd="0" destOrd="0" presId="urn:microsoft.com/office/officeart/2005/8/layout/lProcess2"/>
     <dgm:cxn modelId="{9C4893CD-F93D-4024-85ED-01C518EA7F1D}" type="presParOf" srcId="{5CD70C4D-78C7-4046-A6CB-EC5F9306A145}" destId="{E49D5C6E-7CA5-44A0-A81F-E35908B0F6FE}" srcOrd="0" destOrd="0" presId="urn:microsoft.com/office/officeart/2005/8/layout/lProcess2"/>
     <dgm:cxn modelId="{496FB180-FD5A-42D2-8671-61DE28336DAD}" type="presParOf" srcId="{5CD70C4D-78C7-4046-A6CB-EC5F9306A145}" destId="{3850254A-57F6-416D-BFF7-C58BBA7F78EA}" srcOrd="1" destOrd="0" presId="urn:microsoft.com/office/officeart/2005/8/layout/lProcess2"/>
-    <dgm:cxn modelId="{4B498B9E-E51A-4C29-91FE-16177CF78595}" type="presParOf" srcId="{5CD70C4D-78C7-4046-A6CB-EC5F9306A145}" destId="{D047C669-4AF5-46F8-8162-39BAE8123EDF}" srcOrd="2" destOrd="0" presId="urn:microsoft.com/office/officeart/2005/8/layout/lProcess2"/>
+    <dgm:cxn modelId="{22EE3788-88C5-4B00-A3A7-E180D5070EA5}" type="presParOf" srcId="{5CD70C4D-78C7-4046-A6CB-EC5F9306A145}" destId="{73168CEF-AB9C-494D-B2A2-CA87A8B306DD}" srcOrd="2" destOrd="0" presId="urn:microsoft.com/office/officeart/2005/8/layout/lProcess2"/>
+    <dgm:cxn modelId="{4EB8C9C4-729A-4C0B-98CD-C0570FEE7E06}" type="presParOf" srcId="{5CD70C4D-78C7-4046-A6CB-EC5F9306A145}" destId="{8FD6CB9B-06E6-4769-87FE-AC2BD68C84AC}" srcOrd="3" destOrd="0" presId="urn:microsoft.com/office/officeart/2005/8/layout/lProcess2"/>
+    <dgm:cxn modelId="{4B498B9E-E51A-4C29-91FE-16177CF78595}" type="presParOf" srcId="{5CD70C4D-78C7-4046-A6CB-EC5F9306A145}" destId="{D047C669-4AF5-46F8-8162-39BAE8123EDF}" srcOrd="4" destOrd="0" presId="urn:microsoft.com/office/officeart/2005/8/layout/lProcess2"/>
     <dgm:cxn modelId="{B21C6951-804C-4F38-BDB0-8AD68D2703F0}" type="presParOf" srcId="{808CB376-51F9-4193-89D8-5213045F1343}" destId="{ABD40561-4D7C-4BAF-9CE6-1E794A3F4D24}" srcOrd="1" destOrd="0" presId="urn:microsoft.com/office/officeart/2005/8/layout/lProcess2"/>
     <dgm:cxn modelId="{0179F634-2606-4C9A-87F3-0939906B5356}" type="presParOf" srcId="{808CB376-51F9-4193-89D8-5213045F1343}" destId="{B863D18B-D611-448D-80F5-1015610EE1FF}" srcOrd="2" destOrd="0" presId="urn:microsoft.com/office/officeart/2005/8/layout/lProcess2"/>
     <dgm:cxn modelId="{F2ED7057-57D2-4B80-86FD-8161E76786CD}" type="presParOf" srcId="{B863D18B-D611-448D-80F5-1015610EE1FF}" destId="{AF1C964E-4ACC-46DF-8A5F-0BF56A5BB1EB}" srcOrd="0" destOrd="0" presId="urn:microsoft.com/office/officeart/2005/8/layout/lProcess2"/>
@@ -4556,8 +4627,8 @@
       </dsp:nvSpPr>
       <dsp:spPr>
         <a:xfrm>
-          <a:off x="288954" y="1518382"/>
-          <a:ext cx="2192812" cy="1524554"/>
+          <a:off x="288954" y="1517332"/>
+          <a:ext cx="2192812" cy="993367"/>
         </a:xfrm>
         <a:prstGeom prst="roundRect">
           <a:avLst>
@@ -4620,7 +4691,13 @@
             <a:rPr lang="nl-NL" sz="1800" kern="1200" dirty="0" smtClean="0">
               <a:latin typeface="+mj-lt"/>
             </a:rPr>
-            <a:t>5 min</a:t>
+            <a:t>Interval = 5 </a:t>
+          </a:r>
+          <a:r>
+            <a:rPr lang="nl-NL" sz="1800" kern="1200" dirty="0" smtClean="0">
+              <a:latin typeface="+mj-lt"/>
+            </a:rPr>
+            <a:t>min</a:t>
           </a:r>
           <a:endParaRPr lang="nl-NL" sz="1800" kern="1200" dirty="0">
             <a:latin typeface="+mj-lt"/>
@@ -4628,8 +4705,91 @@
         </a:p>
       </dsp:txBody>
       <dsp:txXfrm>
-        <a:off x="333607" y="1563035"/>
-        <a:ext cx="2103506" cy="1435248"/>
+        <a:off x="318049" y="1546427"/>
+        <a:ext cx="2134622" cy="935177"/>
+      </dsp:txXfrm>
+    </dsp:sp>
+    <dsp:sp modelId="{73168CEF-AB9C-494D-B2A2-CA87A8B306DD}">
+      <dsp:nvSpPr>
+        <dsp:cNvPr id="0" name=""/>
+        <dsp:cNvSpPr/>
+      </dsp:nvSpPr>
+      <dsp:spPr>
+        <a:xfrm>
+          <a:off x="288954" y="2663526"/>
+          <a:ext cx="2192812" cy="993367"/>
+        </a:xfrm>
+        <a:prstGeom prst="roundRect">
+          <a:avLst>
+            <a:gd name="adj" fmla="val 10000"/>
+          </a:avLst>
+        </a:prstGeom>
+        <a:solidFill>
+          <a:schemeClr val="accent1">
+            <a:hueOff val="0"/>
+            <a:satOff val="0"/>
+            <a:lumOff val="0"/>
+            <a:alphaOff val="0"/>
+          </a:schemeClr>
+        </a:solidFill>
+        <a:ln w="19050" cap="flat" cmpd="sng" algn="ctr">
+          <a:solidFill>
+            <a:schemeClr val="lt1">
+              <a:hueOff val="0"/>
+              <a:satOff val="0"/>
+              <a:lumOff val="0"/>
+              <a:alphaOff val="0"/>
+            </a:schemeClr>
+          </a:solidFill>
+          <a:prstDash val="solid"/>
+        </a:ln>
+        <a:effectLst/>
+      </dsp:spPr>
+      <dsp:style>
+        <a:lnRef idx="2">
+          <a:scrgbClr r="0" g="0" b="0"/>
+        </a:lnRef>
+        <a:fillRef idx="1">
+          <a:scrgbClr r="0" g="0" b="0"/>
+        </a:fillRef>
+        <a:effectRef idx="0">
+          <a:scrgbClr r="0" g="0" b="0"/>
+        </a:effectRef>
+        <a:fontRef idx="minor">
+          <a:schemeClr val="lt1"/>
+        </a:fontRef>
+      </dsp:style>
+      <dsp:txBody>
+        <a:bodyPr spcFirstLastPara="0" vert="horz" wrap="square" lIns="45720" tIns="34290" rIns="45720" bIns="34290" numCol="1" spcCol="1270" anchor="ctr" anchorCtr="0">
+          <a:noAutofit/>
+        </a:bodyPr>
+        <a:lstStyle/>
+        <a:p>
+          <a:pPr lvl="0" algn="ctr" defTabSz="800100">
+            <a:lnSpc>
+              <a:spcPct val="90000"/>
+            </a:lnSpc>
+            <a:spcBef>
+              <a:spcPct val="0"/>
+            </a:spcBef>
+            <a:spcAft>
+              <a:spcPct val="35000"/>
+            </a:spcAft>
+          </a:pPr>
+          <a:r>
+            <a:rPr lang="nl-NL" sz="1800" kern="1200" dirty="0" smtClean="0">
+              <a:latin typeface="+mj-lt"/>
+            </a:rPr>
+            <a:t>6h – 23h</a:t>
+          </a:r>
+          <a:endParaRPr lang="nl-NL" sz="1800" kern="1200" dirty="0">
+            <a:latin typeface="+mj-lt"/>
+          </a:endParaRPr>
+        </a:p>
+      </dsp:txBody>
+      <dsp:txXfrm>
+        <a:off x="318049" y="2692621"/>
+        <a:ext cx="2134622" cy="935177"/>
       </dsp:txXfrm>
     </dsp:sp>
     <dsp:sp modelId="{D047C669-4AF5-46F8-8162-39BAE8123EDF}">
@@ -4639,8 +4799,8 @@
       </dsp:nvSpPr>
       <dsp:spPr>
         <a:xfrm>
-          <a:off x="288954" y="3277483"/>
-          <a:ext cx="2192812" cy="1524554"/>
+          <a:off x="288954" y="3809719"/>
+          <a:ext cx="2192812" cy="993367"/>
         </a:xfrm>
         <a:prstGeom prst="roundRect">
           <a:avLst>
@@ -4711,8 +4871,8 @@
         </a:p>
       </dsp:txBody>
       <dsp:txXfrm>
-        <a:off x="333607" y="3322136"/>
-        <a:ext cx="2103506" cy="1435248"/>
+        <a:off x="318049" y="3838814"/>
+        <a:ext cx="2134622" cy="935177"/>
       </dsp:txXfrm>
     </dsp:sp>
     <dsp:sp modelId="{AF1C964E-4ACC-46DF-8A5F-0BF56A5BB1EB}">
@@ -5054,13 +5214,13 @@
             <a:rPr lang="nl-NL" sz="1600" kern="1200" dirty="0" smtClean="0">
               <a:latin typeface="+mj-lt"/>
             </a:rPr>
-            <a:t>Geeft data door aan Data access objecten en </a:t>
+            <a:t>Geeft data </a:t>
           </a:r>
           <a:r>
-            <a:rPr lang="nl-NL" sz="1600" kern="1200" dirty="0" err="1" smtClean="0">
+            <a:rPr lang="nl-NL" sz="1600" kern="1200" dirty="0" smtClean="0">
               <a:latin typeface="+mj-lt"/>
             </a:rPr>
-            <a:t>analyser</a:t>
+            <a:t>door richting databank</a:t>
           </a:r>
           <a:endParaRPr lang="nl-NL" sz="1600" kern="1200" dirty="0">
             <a:latin typeface="+mj-lt"/>
@@ -15669,7 +15829,7 @@
           <p:nvPr>
             <p:extLst>
               <p:ext uri="{D42A27DB-BD31-4B8C-83A1-F6EECF244321}">
-                <p14:modId xmlns:p14="http://schemas.microsoft.com/office/powerpoint/2010/main" val="3017395985"/>
+                <p14:modId xmlns:p14="http://schemas.microsoft.com/office/powerpoint/2010/main" val="3714420235"/>
               </p:ext>
             </p:extLst>
           </p:nvPr>
@@ -15778,7 +15938,7 @@
                                         <p:tgtEl>
                                           <p:spTgt spid="5">
                                             <p:graphicEl>
-                                              <a:dgm id="{D047C669-4AF5-46F8-8162-39BAE8123EDF}"/>
+                                              <a:dgm id="{73168CEF-AB9C-494D-B2A2-CA87A8B306DD}"/>
                                             </p:graphicEl>
                                           </p:spTgt>
                                         </p:tgtEl>
@@ -15804,7 +15964,7 @@
                                         <p:tgtEl>
                                           <p:spTgt spid="5">
                                             <p:graphicEl>
-                                              <a:dgm id="{AF1C964E-4ACC-46DF-8A5F-0BF56A5BB1EB}"/>
+                                              <a:dgm id="{D047C669-4AF5-46F8-8162-39BAE8123EDF}"/>
                                             </p:graphicEl>
                                           </p:spTgt>
                                         </p:tgtEl>
@@ -15830,7 +15990,7 @@
                                         <p:tgtEl>
                                           <p:spTgt spid="5">
                                             <p:graphicEl>
-                                              <a:dgm id="{6B596E65-42D1-4AF0-8AF9-168D45F63303}"/>
+                                              <a:dgm id="{AF1C964E-4ACC-46DF-8A5F-0BF56A5BB1EB}"/>
                                             </p:graphicEl>
                                           </p:spTgt>
                                         </p:tgtEl>
@@ -15856,7 +16016,7 @@
                                         <p:tgtEl>
                                           <p:spTgt spid="5">
                                             <p:graphicEl>
-                                              <a:dgm id="{B7137BFD-DDB4-4690-AC9C-DDE283324D97}"/>
+                                              <a:dgm id="{6B596E65-42D1-4AF0-8AF9-168D45F63303}"/>
                                             </p:graphicEl>
                                           </p:spTgt>
                                         </p:tgtEl>
@@ -15882,7 +16042,7 @@
                                         <p:tgtEl>
                                           <p:spTgt spid="5">
                                             <p:graphicEl>
-                                              <a:dgm id="{4BE6F441-80E9-42E2-8D94-2E7A8D6E36FB}"/>
+                                              <a:dgm id="{B7137BFD-DDB4-4690-AC9C-DDE283324D97}"/>
                                             </p:graphicEl>
                                           </p:spTgt>
                                         </p:tgtEl>
@@ -15908,7 +16068,7 @@
                                         <p:tgtEl>
                                           <p:spTgt spid="5">
                                             <p:graphicEl>
-                                              <a:dgm id="{42AB661C-ED15-49AE-9200-99B37517FAA7}"/>
+                                              <a:dgm id="{4BE6F441-80E9-42E2-8D94-2E7A8D6E36FB}"/>
                                             </p:graphicEl>
                                           </p:spTgt>
                                         </p:tgtEl>
@@ -15934,7 +16094,7 @@
                                         <p:tgtEl>
                                           <p:spTgt spid="5">
                                             <p:graphicEl>
-                                              <a:dgm id="{601034A3-191F-41A6-9A53-DF734548D105}"/>
+                                              <a:dgm id="{42AB661C-ED15-49AE-9200-99B37517FAA7}"/>
                                             </p:graphicEl>
                                           </p:spTgt>
                                         </p:tgtEl>
@@ -15960,7 +16120,7 @@
                                         <p:tgtEl>
                                           <p:spTgt spid="5">
                                             <p:graphicEl>
-                                              <a:dgm id="{EE39D523-AC73-4392-AC77-77C7220763B6}"/>
+                                              <a:dgm id="{601034A3-191F-41A6-9A53-DF734548D105}"/>
                                             </p:graphicEl>
                                           </p:spTgt>
                                         </p:tgtEl>
@@ -15986,7 +16146,7 @@
                                         <p:tgtEl>
                                           <p:spTgt spid="5">
                                             <p:graphicEl>
-                                              <a:dgm id="{8D39B5C2-A82F-438E-9691-729F26D85642}"/>
+                                              <a:dgm id="{EE39D523-AC73-4392-AC77-77C7220763B6}"/>
                                             </p:graphicEl>
                                           </p:spTgt>
                                         </p:tgtEl>
@@ -16012,7 +16172,7 @@
                                         <p:tgtEl>
                                           <p:spTgt spid="5">
                                             <p:graphicEl>
-                                              <a:dgm id="{DFF2DE64-3912-48E6-96DE-FA8312BB934C}"/>
+                                              <a:dgm id="{8D39B5C2-A82F-438E-9691-729F26D85642}"/>
                                             </p:graphicEl>
                                           </p:spTgt>
                                         </p:tgtEl>
@@ -16038,7 +16198,7 @@
                                         <p:tgtEl>
                                           <p:spTgt spid="5">
                                             <p:graphicEl>
-                                              <a:dgm id="{E6CD3A07-DC14-465C-9A62-15762B2DDB79}"/>
+                                              <a:dgm id="{DFF2DE64-3912-48E6-96DE-FA8312BB934C}"/>
                                             </p:graphicEl>
                                           </p:spTgt>
                                         </p:tgtEl>
@@ -16064,7 +16224,7 @@
                                         <p:tgtEl>
                                           <p:spTgt spid="5">
                                             <p:graphicEl>
-                                              <a:dgm id="{7CAAFA02-0B4B-4EB3-BEDE-AEB070C2F81F}"/>
+                                              <a:dgm id="{E6CD3A07-DC14-465C-9A62-15762B2DDB79}"/>
                                             </p:graphicEl>
                                           </p:spTgt>
                                         </p:tgtEl>
@@ -16090,7 +16250,7 @@
                                         <p:tgtEl>
                                           <p:spTgt spid="5">
                                             <p:graphicEl>
-                                              <a:dgm id="{076125C3-B8CA-4BEA-8672-649EA4C304ED}"/>
+                                              <a:dgm id="{7CAAFA02-0B4B-4EB3-BEDE-AEB070C2F81F}"/>
                                             </p:graphicEl>
                                           </p:spTgt>
                                         </p:tgtEl>
@@ -16116,7 +16276,7 @@
                                         <p:tgtEl>
                                           <p:spTgt spid="5">
                                             <p:graphicEl>
-                                              <a:dgm id="{B11961AC-77AE-4A85-9FD1-22CD1F3AC7EE}"/>
+                                              <a:dgm id="{076125C3-B8CA-4BEA-8672-649EA4C304ED}"/>
                                             </p:graphicEl>
                                           </p:spTgt>
                                         </p:tgtEl>
@@ -16142,7 +16302,7 @@
                                         <p:tgtEl>
                                           <p:spTgt spid="5">
                                             <p:graphicEl>
-                                              <a:dgm id="{6EEA1793-B06B-47DC-81F9-AFB8F6F895D9}"/>
+                                              <a:dgm id="{B11961AC-77AE-4A85-9FD1-22CD1F3AC7EE}"/>
                                             </p:graphicEl>
                                           </p:spTgt>
                                         </p:tgtEl>
@@ -16168,7 +16328,7 @@
                                         <p:tgtEl>
                                           <p:spTgt spid="5">
                                             <p:graphicEl>
-                                              <a:dgm id="{347F2C06-6D53-480A-A19C-A66E010B43AA}"/>
+                                              <a:dgm id="{6EEA1793-B06B-47DC-81F9-AFB8F6F895D9}"/>
                                             </p:graphicEl>
                                           </p:spTgt>
                                         </p:tgtEl>
@@ -16194,7 +16354,7 @@
                                         <p:tgtEl>
                                           <p:spTgt spid="5">
                                             <p:graphicEl>
-                                              <a:dgm id="{0C7B1CE8-5F06-4882-875E-AEE5E1941952}"/>
+                                              <a:dgm id="{347F2C06-6D53-480A-A19C-A66E010B43AA}"/>
                                             </p:graphicEl>
                                           </p:spTgt>
                                         </p:tgtEl>
@@ -16220,7 +16380,7 @@
                                         <p:tgtEl>
                                           <p:spTgt spid="5">
                                             <p:graphicEl>
-                                              <a:dgm id="{86AE874A-27D4-4F28-A38A-54E29BBD68C1}"/>
+                                              <a:dgm id="{0C7B1CE8-5F06-4882-875E-AEE5E1941952}"/>
                                             </p:graphicEl>
                                           </p:spTgt>
                                         </p:tgtEl>
@@ -16246,7 +16406,7 @@
                                         <p:tgtEl>
                                           <p:spTgt spid="5">
                                             <p:graphicEl>
-                                              <a:dgm id="{08DE3A77-9538-497B-A3C9-4812928EFD89}"/>
+                                              <a:dgm id="{86AE874A-27D4-4F28-A38A-54E29BBD68C1}"/>
                                             </p:graphicEl>
                                           </p:spTgt>
                                         </p:tgtEl>
@@ -16272,7 +16432,7 @@
                                         <p:tgtEl>
                                           <p:spTgt spid="5">
                                             <p:graphicEl>
-                                              <a:dgm id="{8089853B-484A-4D8C-85EA-79DA3106583A}"/>
+                                              <a:dgm id="{08DE3A77-9538-497B-A3C9-4812928EFD89}"/>
                                             </p:graphicEl>
                                           </p:spTgt>
                                         </p:tgtEl>
@@ -16298,7 +16458,7 @@
                                         <p:tgtEl>
                                           <p:spTgt spid="5">
                                             <p:graphicEl>
-                                              <a:dgm id="{225F2E50-4592-479E-A5AE-632BABACAE01}"/>
+                                              <a:dgm id="{8089853B-484A-4D8C-85EA-79DA3106583A}"/>
                                             </p:graphicEl>
                                           </p:spTgt>
                                         </p:tgtEl>
@@ -16324,6 +16484,32 @@
                                         <p:tgtEl>
                                           <p:spTgt spid="5">
                                             <p:graphicEl>
+                                              <a:dgm id="{225F2E50-4592-479E-A5AE-632BABACAE01}"/>
+                                            </p:graphicEl>
+                                          </p:spTgt>
+                                        </p:tgtEl>
+                                        <p:attrNameLst>
+                                          <p:attrName>ppt_x</p:attrName>
+                                          <p:attrName>ppt_y</p:attrName>
+                                        </p:attrNameLst>
+                                      </p:cBhvr>
+                                      <p:rCtr x="-17465" y="-46"/>
+                                    </p:animMotion>
+                                  </p:childTnLst>
+                                </p:cTn>
+                              </p:par>
+                              <p:par>
+                                <p:cTn id="53" presetID="35" presetClass="path" presetSubtype="0" accel="50000" decel="50000" fill="hold" grpId="0" nodeType="withEffect">
+                                  <p:stCondLst>
+                                    <p:cond delay="0"/>
+                                  </p:stCondLst>
+                                  <p:childTnLst>
+                                    <p:animMotion origin="layout" path="M 3.88889E-6 1.48148E-6 L -0.34931 -0.00093 " pathEditMode="relative" rAng="0" ptsTypes="AA">
+                                      <p:cBhvr>
+                                        <p:cTn id="54" dur="2000" fill="hold"/>
+                                        <p:tgtEl>
+                                          <p:spTgt spid="5">
+                                            <p:graphicEl>
                                               <a:dgm id="{954C94EF-64A3-4599-990A-05612BB23733}"/>
                                             </p:graphicEl>
                                           </p:spTgt>
@@ -16345,45 +16531,19 @@
                     </p:cTn>
                   </p:par>
                   <p:par>
-                    <p:cTn id="53" fill="hold">
+                    <p:cTn id="55" fill="hold">
                       <p:stCondLst>
                         <p:cond delay="indefinite"/>
                       </p:stCondLst>
                       <p:childTnLst>
                         <p:par>
-                          <p:cTn id="54" fill="hold">
+                          <p:cTn id="56" fill="hold">
                             <p:stCondLst>
                               <p:cond delay="0"/>
                             </p:stCondLst>
                             <p:childTnLst>
                               <p:par>
-                                <p:cTn id="55" presetID="35" presetClass="path" presetSubtype="0" accel="50000" decel="50000" fill="hold" grpId="1" nodeType="clickEffect">
-                                  <p:stCondLst>
-                                    <p:cond delay="0"/>
-                                  </p:stCondLst>
-                                  <p:childTnLst>
-                                    <p:animMotion origin="layout" path="M -0.34931 -0.00093 L -0.68004 -0.00093 " pathEditMode="relative" rAng="0" ptsTypes="AA">
-                                      <p:cBhvr>
-                                        <p:cTn id="56" dur="2000" fill="hold"/>
-                                        <p:tgtEl>
-                                          <p:spTgt spid="5">
-                                            <p:graphicEl>
-                                              <a:dgm id="{6867AD70-2794-4058-A007-0587FBFE0C1F}"/>
-                                            </p:graphicEl>
-                                          </p:spTgt>
-                                        </p:tgtEl>
-                                        <p:attrNameLst>
-                                          <p:attrName>ppt_x</p:attrName>
-                                          <p:attrName>ppt_y</p:attrName>
-                                        </p:attrNameLst>
-                                      </p:cBhvr>
-                                      <p:rCtr x="-16545" y="0"/>
-                                    </p:animMotion>
-                                  </p:childTnLst>
-                                </p:cTn>
-                              </p:par>
-                              <p:par>
-                                <p:cTn id="57" presetID="35" presetClass="path" presetSubtype="0" accel="50000" decel="50000" fill="hold" grpId="1" nodeType="withEffect">
+                                <p:cTn id="57" presetID="35" presetClass="path" presetSubtype="0" accel="50000" decel="50000" fill="hold" grpId="1" nodeType="clickEffect">
                                   <p:stCondLst>
                                     <p:cond delay="0"/>
                                   </p:stCondLst>
@@ -16394,7 +16554,7 @@
                                         <p:tgtEl>
                                           <p:spTgt spid="5">
                                             <p:graphicEl>
-                                              <a:dgm id="{E49D5C6E-7CA5-44A0-A81F-E35908B0F6FE}"/>
+                                              <a:dgm id="{6867AD70-2794-4058-A007-0587FBFE0C1F}"/>
                                             </p:graphicEl>
                                           </p:spTgt>
                                         </p:tgtEl>
@@ -16420,7 +16580,7 @@
                                         <p:tgtEl>
                                           <p:spTgt spid="5">
                                             <p:graphicEl>
-                                              <a:dgm id="{D047C669-4AF5-46F8-8162-39BAE8123EDF}"/>
+                                              <a:dgm id="{E49D5C6E-7CA5-44A0-A81F-E35908B0F6FE}"/>
                                             </p:graphicEl>
                                           </p:spTgt>
                                         </p:tgtEl>
@@ -16446,7 +16606,7 @@
                                         <p:tgtEl>
                                           <p:spTgt spid="5">
                                             <p:graphicEl>
-                                              <a:dgm id="{AF1C964E-4ACC-46DF-8A5F-0BF56A5BB1EB}"/>
+                                              <a:dgm id="{73168CEF-AB9C-494D-B2A2-CA87A8B306DD}"/>
                                             </p:graphicEl>
                                           </p:spTgt>
                                         </p:tgtEl>
@@ -16472,7 +16632,7 @@
                                         <p:tgtEl>
                                           <p:spTgt spid="5">
                                             <p:graphicEl>
-                                              <a:dgm id="{6B596E65-42D1-4AF0-8AF9-168D45F63303}"/>
+                                              <a:dgm id="{D047C669-4AF5-46F8-8162-39BAE8123EDF}"/>
                                             </p:graphicEl>
                                           </p:spTgt>
                                         </p:tgtEl>
@@ -16498,7 +16658,7 @@
                                         <p:tgtEl>
                                           <p:spTgt spid="5">
                                             <p:graphicEl>
-                                              <a:dgm id="{B7137BFD-DDB4-4690-AC9C-DDE283324D97}"/>
+                                              <a:dgm id="{AF1C964E-4ACC-46DF-8A5F-0BF56A5BB1EB}"/>
                                             </p:graphicEl>
                                           </p:spTgt>
                                         </p:tgtEl>
@@ -16524,7 +16684,7 @@
                                         <p:tgtEl>
                                           <p:spTgt spid="5">
                                             <p:graphicEl>
-                                              <a:dgm id="{4BE6F441-80E9-42E2-8D94-2E7A8D6E36FB}"/>
+                                              <a:dgm id="{6B596E65-42D1-4AF0-8AF9-168D45F63303}"/>
                                             </p:graphicEl>
                                           </p:spTgt>
                                         </p:tgtEl>
@@ -16550,7 +16710,7 @@
                                         <p:tgtEl>
                                           <p:spTgt spid="5">
                                             <p:graphicEl>
-                                              <a:dgm id="{42AB661C-ED15-49AE-9200-99B37517FAA7}"/>
+                                              <a:dgm id="{B7137BFD-DDB4-4690-AC9C-DDE283324D97}"/>
                                             </p:graphicEl>
                                           </p:spTgt>
                                         </p:tgtEl>
@@ -16576,7 +16736,7 @@
                                         <p:tgtEl>
                                           <p:spTgt spid="5">
                                             <p:graphicEl>
-                                              <a:dgm id="{601034A3-191F-41A6-9A53-DF734548D105}"/>
+                                              <a:dgm id="{4BE6F441-80E9-42E2-8D94-2E7A8D6E36FB}"/>
                                             </p:graphicEl>
                                           </p:spTgt>
                                         </p:tgtEl>
@@ -16602,7 +16762,7 @@
                                         <p:tgtEl>
                                           <p:spTgt spid="5">
                                             <p:graphicEl>
-                                              <a:dgm id="{EE39D523-AC73-4392-AC77-77C7220763B6}"/>
+                                              <a:dgm id="{42AB661C-ED15-49AE-9200-99B37517FAA7}"/>
                                             </p:graphicEl>
                                           </p:spTgt>
                                         </p:tgtEl>
@@ -16628,7 +16788,7 @@
                                         <p:tgtEl>
                                           <p:spTgt spid="5">
                                             <p:graphicEl>
-                                              <a:dgm id="{8D39B5C2-A82F-438E-9691-729F26D85642}"/>
+                                              <a:dgm id="{601034A3-191F-41A6-9A53-DF734548D105}"/>
                                             </p:graphicEl>
                                           </p:spTgt>
                                         </p:tgtEl>
@@ -16654,7 +16814,7 @@
                                         <p:tgtEl>
                                           <p:spTgt spid="5">
                                             <p:graphicEl>
-                                              <a:dgm id="{DFF2DE64-3912-48E6-96DE-FA8312BB934C}"/>
+                                              <a:dgm id="{EE39D523-AC73-4392-AC77-77C7220763B6}"/>
                                             </p:graphicEl>
                                           </p:spTgt>
                                         </p:tgtEl>
@@ -16680,7 +16840,7 @@
                                         <p:tgtEl>
                                           <p:spTgt spid="5">
                                             <p:graphicEl>
-                                              <a:dgm id="{E6CD3A07-DC14-465C-9A62-15762B2DDB79}"/>
+                                              <a:dgm id="{8D39B5C2-A82F-438E-9691-729F26D85642}"/>
                                             </p:graphicEl>
                                           </p:spTgt>
                                         </p:tgtEl>
@@ -16706,7 +16866,7 @@
                                         <p:tgtEl>
                                           <p:spTgt spid="5">
                                             <p:graphicEl>
-                                              <a:dgm id="{7CAAFA02-0B4B-4EB3-BEDE-AEB070C2F81F}"/>
+                                              <a:dgm id="{DFF2DE64-3912-48E6-96DE-FA8312BB934C}"/>
                                             </p:graphicEl>
                                           </p:spTgt>
                                         </p:tgtEl>
@@ -16732,7 +16892,7 @@
                                         <p:tgtEl>
                                           <p:spTgt spid="5">
                                             <p:graphicEl>
-                                              <a:dgm id="{076125C3-B8CA-4BEA-8672-649EA4C304ED}"/>
+                                              <a:dgm id="{E6CD3A07-DC14-465C-9A62-15762B2DDB79}"/>
                                             </p:graphicEl>
                                           </p:spTgt>
                                         </p:tgtEl>
@@ -16758,7 +16918,7 @@
                                         <p:tgtEl>
                                           <p:spTgt spid="5">
                                             <p:graphicEl>
-                                              <a:dgm id="{B11961AC-77AE-4A85-9FD1-22CD1F3AC7EE}"/>
+                                              <a:dgm id="{7CAAFA02-0B4B-4EB3-BEDE-AEB070C2F81F}"/>
                                             </p:graphicEl>
                                           </p:spTgt>
                                         </p:tgtEl>
@@ -16784,7 +16944,7 @@
                                         <p:tgtEl>
                                           <p:spTgt spid="5">
                                             <p:graphicEl>
-                                              <a:dgm id="{6EEA1793-B06B-47DC-81F9-AFB8F6F895D9}"/>
+                                              <a:dgm id="{076125C3-B8CA-4BEA-8672-649EA4C304ED}"/>
                                             </p:graphicEl>
                                           </p:spTgt>
                                         </p:tgtEl>
@@ -16810,7 +16970,7 @@
                                         <p:tgtEl>
                                           <p:spTgt spid="5">
                                             <p:graphicEl>
-                                              <a:dgm id="{347F2C06-6D53-480A-A19C-A66E010B43AA}"/>
+                                              <a:dgm id="{B11961AC-77AE-4A85-9FD1-22CD1F3AC7EE}"/>
                                             </p:graphicEl>
                                           </p:spTgt>
                                         </p:tgtEl>
@@ -16836,7 +16996,7 @@
                                         <p:tgtEl>
                                           <p:spTgt spid="5">
                                             <p:graphicEl>
-                                              <a:dgm id="{0C7B1CE8-5F06-4882-875E-AEE5E1941952}"/>
+                                              <a:dgm id="{6EEA1793-B06B-47DC-81F9-AFB8F6F895D9}"/>
                                             </p:graphicEl>
                                           </p:spTgt>
                                         </p:tgtEl>
@@ -16862,7 +17022,7 @@
                                         <p:tgtEl>
                                           <p:spTgt spid="5">
                                             <p:graphicEl>
-                                              <a:dgm id="{86AE874A-27D4-4F28-A38A-54E29BBD68C1}"/>
+                                              <a:dgm id="{347F2C06-6D53-480A-A19C-A66E010B43AA}"/>
                                             </p:graphicEl>
                                           </p:spTgt>
                                         </p:tgtEl>
@@ -16888,7 +17048,7 @@
                                         <p:tgtEl>
                                           <p:spTgt spid="5">
                                             <p:graphicEl>
-                                              <a:dgm id="{08DE3A77-9538-497B-A3C9-4812928EFD89}"/>
+                                              <a:dgm id="{0C7B1CE8-5F06-4882-875E-AEE5E1941952}"/>
                                             </p:graphicEl>
                                           </p:spTgt>
                                         </p:tgtEl>
@@ -16914,7 +17074,7 @@
                                         <p:tgtEl>
                                           <p:spTgt spid="5">
                                             <p:graphicEl>
-                                              <a:dgm id="{8089853B-484A-4D8C-85EA-79DA3106583A}"/>
+                                              <a:dgm id="{86AE874A-27D4-4F28-A38A-54E29BBD68C1}"/>
                                             </p:graphicEl>
                                           </p:spTgt>
                                         </p:tgtEl>
@@ -16940,7 +17100,7 @@
                                         <p:tgtEl>
                                           <p:spTgt spid="5">
                                             <p:graphicEl>
-                                              <a:dgm id="{225F2E50-4592-479E-A5AE-632BABACAE01}"/>
+                                              <a:dgm id="{08DE3A77-9538-497B-A3C9-4812928EFD89}"/>
                                             </p:graphicEl>
                                           </p:spTgt>
                                         </p:tgtEl>
@@ -16966,6 +17126,58 @@
                                         <p:tgtEl>
                                           <p:spTgt spid="5">
                                             <p:graphicEl>
+                                              <a:dgm id="{8089853B-484A-4D8C-85EA-79DA3106583A}"/>
+                                            </p:graphicEl>
+                                          </p:spTgt>
+                                        </p:tgtEl>
+                                        <p:attrNameLst>
+                                          <p:attrName>ppt_x</p:attrName>
+                                          <p:attrName>ppt_y</p:attrName>
+                                        </p:attrNameLst>
+                                      </p:cBhvr>
+                                      <p:rCtr x="-16545" y="0"/>
+                                    </p:animMotion>
+                                  </p:childTnLst>
+                                </p:cTn>
+                              </p:par>
+                              <p:par>
+                                <p:cTn id="103" presetID="35" presetClass="path" presetSubtype="0" accel="50000" decel="50000" fill="hold" grpId="1" nodeType="withEffect">
+                                  <p:stCondLst>
+                                    <p:cond delay="0"/>
+                                  </p:stCondLst>
+                                  <p:childTnLst>
+                                    <p:animMotion origin="layout" path="M -0.34931 -0.00093 L -0.68004 -0.00093 " pathEditMode="relative" rAng="0" ptsTypes="AA">
+                                      <p:cBhvr>
+                                        <p:cTn id="104" dur="2000" fill="hold"/>
+                                        <p:tgtEl>
+                                          <p:spTgt spid="5">
+                                            <p:graphicEl>
+                                              <a:dgm id="{225F2E50-4592-479E-A5AE-632BABACAE01}"/>
+                                            </p:graphicEl>
+                                          </p:spTgt>
+                                        </p:tgtEl>
+                                        <p:attrNameLst>
+                                          <p:attrName>ppt_x</p:attrName>
+                                          <p:attrName>ppt_y</p:attrName>
+                                        </p:attrNameLst>
+                                      </p:cBhvr>
+                                      <p:rCtr x="-16545" y="0"/>
+                                    </p:animMotion>
+                                  </p:childTnLst>
+                                </p:cTn>
+                              </p:par>
+                              <p:par>
+                                <p:cTn id="105" presetID="35" presetClass="path" presetSubtype="0" accel="50000" decel="50000" fill="hold" grpId="1" nodeType="withEffect">
+                                  <p:stCondLst>
+                                    <p:cond delay="0"/>
+                                  </p:stCondLst>
+                                  <p:childTnLst>
+                                    <p:animMotion origin="layout" path="M -0.34931 -0.00093 L -0.68004 -0.00093 " pathEditMode="relative" rAng="0" ptsTypes="AA">
+                                      <p:cBhvr>
+                                        <p:cTn id="106" dur="2000" fill="hold"/>
+                                        <p:tgtEl>
+                                          <p:spTgt spid="5">
+                                            <p:graphicEl>
                                               <a:dgm id="{954C94EF-64A3-4599-990A-05612BB23733}"/>
                                             </p:graphicEl>
                                           </p:spTgt>
@@ -16987,71 +17199,19 @@
                     </p:cTn>
                   </p:par>
                   <p:par>
-                    <p:cTn id="103" fill="hold">
+                    <p:cTn id="107" fill="hold">
                       <p:stCondLst>
                         <p:cond delay="indefinite"/>
                       </p:stCondLst>
                       <p:childTnLst>
                         <p:par>
-                          <p:cTn id="104" fill="hold">
+                          <p:cTn id="108" fill="hold">
                             <p:stCondLst>
                               <p:cond delay="0"/>
                             </p:stCondLst>
                             <p:childTnLst>
                               <p:par>
-                                <p:cTn id="105" presetID="35" presetClass="path" presetSubtype="0" accel="50000" decel="50000" fill="hold" grpId="2" nodeType="clickEffect">
-                                  <p:stCondLst>
-                                    <p:cond delay="0"/>
-                                  </p:stCondLst>
-                                  <p:childTnLst>
-                                    <p:animMotion origin="layout" path="M -0.68004 -0.00093 L -0.97917 -0.00093 " pathEditMode="relative" rAng="0" ptsTypes="AA">
-                                      <p:cBhvr>
-                                        <p:cTn id="106" dur="2000" fill="hold"/>
-                                        <p:tgtEl>
-                                          <p:spTgt spid="5">
-                                            <p:graphicEl>
-                                              <a:dgm id="{6867AD70-2794-4058-A007-0587FBFE0C1F}"/>
-                                            </p:graphicEl>
-                                          </p:spTgt>
-                                        </p:tgtEl>
-                                        <p:attrNameLst>
-                                          <p:attrName>ppt_x</p:attrName>
-                                          <p:attrName>ppt_y</p:attrName>
-                                        </p:attrNameLst>
-                                      </p:cBhvr>
-                                      <p:rCtr x="-14965" y="0"/>
-                                    </p:animMotion>
-                                  </p:childTnLst>
-                                </p:cTn>
-                              </p:par>
-                              <p:par>
-                                <p:cTn id="107" presetID="35" presetClass="path" presetSubtype="0" accel="50000" decel="50000" fill="hold" grpId="2" nodeType="withEffect">
-                                  <p:stCondLst>
-                                    <p:cond delay="0"/>
-                                  </p:stCondLst>
-                                  <p:childTnLst>
-                                    <p:animMotion origin="layout" path="M -0.68004 -0.00093 L -0.97917 -0.00093 " pathEditMode="relative" rAng="0" ptsTypes="AA">
-                                      <p:cBhvr>
-                                        <p:cTn id="108" dur="2000" fill="hold"/>
-                                        <p:tgtEl>
-                                          <p:spTgt spid="5">
-                                            <p:graphicEl>
-                                              <a:dgm id="{E49D5C6E-7CA5-44A0-A81F-E35908B0F6FE}"/>
-                                            </p:graphicEl>
-                                          </p:spTgt>
-                                        </p:tgtEl>
-                                        <p:attrNameLst>
-                                          <p:attrName>ppt_x</p:attrName>
-                                          <p:attrName>ppt_y</p:attrName>
-                                        </p:attrNameLst>
-                                      </p:cBhvr>
-                                      <p:rCtr x="-14965" y="0"/>
-                                    </p:animMotion>
-                                  </p:childTnLst>
-                                </p:cTn>
-                              </p:par>
-                              <p:par>
-                                <p:cTn id="109" presetID="35" presetClass="path" presetSubtype="0" accel="50000" decel="50000" fill="hold" grpId="2" nodeType="withEffect">
+                                <p:cTn id="109" presetID="35" presetClass="path" presetSubtype="0" accel="50000" decel="50000" fill="hold" grpId="2" nodeType="clickEffect">
                                   <p:stCondLst>
                                     <p:cond delay="0"/>
                                   </p:stCondLst>
@@ -17062,7 +17222,7 @@
                                         <p:tgtEl>
                                           <p:spTgt spid="5">
                                             <p:graphicEl>
-                                              <a:dgm id="{D047C669-4AF5-46F8-8162-39BAE8123EDF}"/>
+                                              <a:dgm id="{6867AD70-2794-4058-A007-0587FBFE0C1F}"/>
                                             </p:graphicEl>
                                           </p:spTgt>
                                         </p:tgtEl>
@@ -17088,7 +17248,7 @@
                                         <p:tgtEl>
                                           <p:spTgt spid="5">
                                             <p:graphicEl>
-                                              <a:dgm id="{AF1C964E-4ACC-46DF-8A5F-0BF56A5BB1EB}"/>
+                                              <a:dgm id="{E49D5C6E-7CA5-44A0-A81F-E35908B0F6FE}"/>
                                             </p:graphicEl>
                                           </p:spTgt>
                                         </p:tgtEl>
@@ -17114,7 +17274,7 @@
                                         <p:tgtEl>
                                           <p:spTgt spid="5">
                                             <p:graphicEl>
-                                              <a:dgm id="{6B596E65-42D1-4AF0-8AF9-168D45F63303}"/>
+                                              <a:dgm id="{73168CEF-AB9C-494D-B2A2-CA87A8B306DD}"/>
                                             </p:graphicEl>
                                           </p:spTgt>
                                         </p:tgtEl>
@@ -17140,7 +17300,7 @@
                                         <p:tgtEl>
                                           <p:spTgt spid="5">
                                             <p:graphicEl>
-                                              <a:dgm id="{B7137BFD-DDB4-4690-AC9C-DDE283324D97}"/>
+                                              <a:dgm id="{D047C669-4AF5-46F8-8162-39BAE8123EDF}"/>
                                             </p:graphicEl>
                                           </p:spTgt>
                                         </p:tgtEl>
@@ -17166,7 +17326,7 @@
                                         <p:tgtEl>
                                           <p:spTgt spid="5">
                                             <p:graphicEl>
-                                              <a:dgm id="{4BE6F441-80E9-42E2-8D94-2E7A8D6E36FB}"/>
+                                              <a:dgm id="{AF1C964E-4ACC-46DF-8A5F-0BF56A5BB1EB}"/>
                                             </p:graphicEl>
                                           </p:spTgt>
                                         </p:tgtEl>
@@ -17192,7 +17352,7 @@
                                         <p:tgtEl>
                                           <p:spTgt spid="5">
                                             <p:graphicEl>
-                                              <a:dgm id="{42AB661C-ED15-49AE-9200-99B37517FAA7}"/>
+                                              <a:dgm id="{6B596E65-42D1-4AF0-8AF9-168D45F63303}"/>
                                             </p:graphicEl>
                                           </p:spTgt>
                                         </p:tgtEl>
@@ -17218,7 +17378,7 @@
                                         <p:tgtEl>
                                           <p:spTgt spid="5">
                                             <p:graphicEl>
-                                              <a:dgm id="{601034A3-191F-41A6-9A53-DF734548D105}"/>
+                                              <a:dgm id="{B7137BFD-DDB4-4690-AC9C-DDE283324D97}"/>
                                             </p:graphicEl>
                                           </p:spTgt>
                                         </p:tgtEl>
@@ -17244,7 +17404,7 @@
                                         <p:tgtEl>
                                           <p:spTgt spid="5">
                                             <p:graphicEl>
-                                              <a:dgm id="{EE39D523-AC73-4392-AC77-77C7220763B6}"/>
+                                              <a:dgm id="{4BE6F441-80E9-42E2-8D94-2E7A8D6E36FB}"/>
                                             </p:graphicEl>
                                           </p:spTgt>
                                         </p:tgtEl>
@@ -17270,7 +17430,7 @@
                                         <p:tgtEl>
                                           <p:spTgt spid="5">
                                             <p:graphicEl>
-                                              <a:dgm id="{8D39B5C2-A82F-438E-9691-729F26D85642}"/>
+                                              <a:dgm id="{42AB661C-ED15-49AE-9200-99B37517FAA7}"/>
                                             </p:graphicEl>
                                           </p:spTgt>
                                         </p:tgtEl>
@@ -17296,7 +17456,7 @@
                                         <p:tgtEl>
                                           <p:spTgt spid="5">
                                             <p:graphicEl>
-                                              <a:dgm id="{DFF2DE64-3912-48E6-96DE-FA8312BB934C}"/>
+                                              <a:dgm id="{601034A3-191F-41A6-9A53-DF734548D105}"/>
                                             </p:graphicEl>
                                           </p:spTgt>
                                         </p:tgtEl>
@@ -17322,7 +17482,7 @@
                                         <p:tgtEl>
                                           <p:spTgt spid="5">
                                             <p:graphicEl>
-                                              <a:dgm id="{E6CD3A07-DC14-465C-9A62-15762B2DDB79}"/>
+                                              <a:dgm id="{EE39D523-AC73-4392-AC77-77C7220763B6}"/>
                                             </p:graphicEl>
                                           </p:spTgt>
                                         </p:tgtEl>
@@ -17348,7 +17508,7 @@
                                         <p:tgtEl>
                                           <p:spTgt spid="5">
                                             <p:graphicEl>
-                                              <a:dgm id="{7CAAFA02-0B4B-4EB3-BEDE-AEB070C2F81F}"/>
+                                              <a:dgm id="{8D39B5C2-A82F-438E-9691-729F26D85642}"/>
                                             </p:graphicEl>
                                           </p:spTgt>
                                         </p:tgtEl>
@@ -17374,7 +17534,7 @@
                                         <p:tgtEl>
                                           <p:spTgt spid="5">
                                             <p:graphicEl>
-                                              <a:dgm id="{076125C3-B8CA-4BEA-8672-649EA4C304ED}"/>
+                                              <a:dgm id="{DFF2DE64-3912-48E6-96DE-FA8312BB934C}"/>
                                             </p:graphicEl>
                                           </p:spTgt>
                                         </p:tgtEl>
@@ -17400,7 +17560,7 @@
                                         <p:tgtEl>
                                           <p:spTgt spid="5">
                                             <p:graphicEl>
-                                              <a:dgm id="{B11961AC-77AE-4A85-9FD1-22CD1F3AC7EE}"/>
+                                              <a:dgm id="{E6CD3A07-DC14-465C-9A62-15762B2DDB79}"/>
                                             </p:graphicEl>
                                           </p:spTgt>
                                         </p:tgtEl>
@@ -17426,7 +17586,7 @@
                                         <p:tgtEl>
                                           <p:spTgt spid="5">
                                             <p:graphicEl>
-                                              <a:dgm id="{6EEA1793-B06B-47DC-81F9-AFB8F6F895D9}"/>
+                                              <a:dgm id="{7CAAFA02-0B4B-4EB3-BEDE-AEB070C2F81F}"/>
                                             </p:graphicEl>
                                           </p:spTgt>
                                         </p:tgtEl>
@@ -17452,7 +17612,7 @@
                                         <p:tgtEl>
                                           <p:spTgt spid="5">
                                             <p:graphicEl>
-                                              <a:dgm id="{347F2C06-6D53-480A-A19C-A66E010B43AA}"/>
+                                              <a:dgm id="{076125C3-B8CA-4BEA-8672-649EA4C304ED}"/>
                                             </p:graphicEl>
                                           </p:spTgt>
                                         </p:tgtEl>
@@ -17478,7 +17638,7 @@
                                         <p:tgtEl>
                                           <p:spTgt spid="5">
                                             <p:graphicEl>
-                                              <a:dgm id="{0C7B1CE8-5F06-4882-875E-AEE5E1941952}"/>
+                                              <a:dgm id="{B11961AC-77AE-4A85-9FD1-22CD1F3AC7EE}"/>
                                             </p:graphicEl>
                                           </p:spTgt>
                                         </p:tgtEl>
@@ -17504,7 +17664,7 @@
                                         <p:tgtEl>
                                           <p:spTgt spid="5">
                                             <p:graphicEl>
-                                              <a:dgm id="{86AE874A-27D4-4F28-A38A-54E29BBD68C1}"/>
+                                              <a:dgm id="{6EEA1793-B06B-47DC-81F9-AFB8F6F895D9}"/>
                                             </p:graphicEl>
                                           </p:spTgt>
                                         </p:tgtEl>
@@ -17530,7 +17690,7 @@
                                         <p:tgtEl>
                                           <p:spTgt spid="5">
                                             <p:graphicEl>
-                                              <a:dgm id="{08DE3A77-9538-497B-A3C9-4812928EFD89}"/>
+                                              <a:dgm id="{347F2C06-6D53-480A-A19C-A66E010B43AA}"/>
                                             </p:graphicEl>
                                           </p:spTgt>
                                         </p:tgtEl>
@@ -17556,7 +17716,7 @@
                                         <p:tgtEl>
                                           <p:spTgt spid="5">
                                             <p:graphicEl>
-                                              <a:dgm id="{8089853B-484A-4D8C-85EA-79DA3106583A}"/>
+                                              <a:dgm id="{0C7B1CE8-5F06-4882-875E-AEE5E1941952}"/>
                                             </p:graphicEl>
                                           </p:spTgt>
                                         </p:tgtEl>
@@ -17582,7 +17742,7 @@
                                         <p:tgtEl>
                                           <p:spTgt spid="5">
                                             <p:graphicEl>
-                                              <a:dgm id="{225F2E50-4592-479E-A5AE-632BABACAE01}"/>
+                                              <a:dgm id="{86AE874A-27D4-4F28-A38A-54E29BBD68C1}"/>
                                             </p:graphicEl>
                                           </p:spTgt>
                                         </p:tgtEl>
@@ -17608,6 +17768,84 @@
                                         <p:tgtEl>
                                           <p:spTgt spid="5">
                                             <p:graphicEl>
+                                              <a:dgm id="{08DE3A77-9538-497B-A3C9-4812928EFD89}"/>
+                                            </p:graphicEl>
+                                          </p:spTgt>
+                                        </p:tgtEl>
+                                        <p:attrNameLst>
+                                          <p:attrName>ppt_x</p:attrName>
+                                          <p:attrName>ppt_y</p:attrName>
+                                        </p:attrNameLst>
+                                      </p:cBhvr>
+                                      <p:rCtr x="-14965" y="0"/>
+                                    </p:animMotion>
+                                  </p:childTnLst>
+                                </p:cTn>
+                              </p:par>
+                              <p:par>
+                                <p:cTn id="153" presetID="35" presetClass="path" presetSubtype="0" accel="50000" decel="50000" fill="hold" grpId="2" nodeType="withEffect">
+                                  <p:stCondLst>
+                                    <p:cond delay="0"/>
+                                  </p:stCondLst>
+                                  <p:childTnLst>
+                                    <p:animMotion origin="layout" path="M -0.68004 -0.00093 L -0.97917 -0.00093 " pathEditMode="relative" rAng="0" ptsTypes="AA">
+                                      <p:cBhvr>
+                                        <p:cTn id="154" dur="2000" fill="hold"/>
+                                        <p:tgtEl>
+                                          <p:spTgt spid="5">
+                                            <p:graphicEl>
+                                              <a:dgm id="{8089853B-484A-4D8C-85EA-79DA3106583A}"/>
+                                            </p:graphicEl>
+                                          </p:spTgt>
+                                        </p:tgtEl>
+                                        <p:attrNameLst>
+                                          <p:attrName>ppt_x</p:attrName>
+                                          <p:attrName>ppt_y</p:attrName>
+                                        </p:attrNameLst>
+                                      </p:cBhvr>
+                                      <p:rCtr x="-14965" y="0"/>
+                                    </p:animMotion>
+                                  </p:childTnLst>
+                                </p:cTn>
+                              </p:par>
+                              <p:par>
+                                <p:cTn id="155" presetID="35" presetClass="path" presetSubtype="0" accel="50000" decel="50000" fill="hold" grpId="2" nodeType="withEffect">
+                                  <p:stCondLst>
+                                    <p:cond delay="0"/>
+                                  </p:stCondLst>
+                                  <p:childTnLst>
+                                    <p:animMotion origin="layout" path="M -0.68004 -0.00093 L -0.97917 -0.00093 " pathEditMode="relative" rAng="0" ptsTypes="AA">
+                                      <p:cBhvr>
+                                        <p:cTn id="156" dur="2000" fill="hold"/>
+                                        <p:tgtEl>
+                                          <p:spTgt spid="5">
+                                            <p:graphicEl>
+                                              <a:dgm id="{225F2E50-4592-479E-A5AE-632BABACAE01}"/>
+                                            </p:graphicEl>
+                                          </p:spTgt>
+                                        </p:tgtEl>
+                                        <p:attrNameLst>
+                                          <p:attrName>ppt_x</p:attrName>
+                                          <p:attrName>ppt_y</p:attrName>
+                                        </p:attrNameLst>
+                                      </p:cBhvr>
+                                      <p:rCtr x="-14965" y="0"/>
+                                    </p:animMotion>
+                                  </p:childTnLst>
+                                </p:cTn>
+                              </p:par>
+                              <p:par>
+                                <p:cTn id="157" presetID="35" presetClass="path" presetSubtype="0" accel="50000" decel="50000" fill="hold" grpId="2" nodeType="withEffect">
+                                  <p:stCondLst>
+                                    <p:cond delay="0"/>
+                                  </p:stCondLst>
+                                  <p:childTnLst>
+                                    <p:animMotion origin="layout" path="M -0.68004 -0.00093 L -0.97917 -0.00093 " pathEditMode="relative" rAng="0" ptsTypes="AA">
+                                      <p:cBhvr>
+                                        <p:cTn id="158" dur="2000" fill="hold"/>
+                                        <p:tgtEl>
+                                          <p:spTgt spid="5">
+                                            <p:graphicEl>
                                               <a:dgm id="{954C94EF-64A3-4599-990A-05612BB23733}"/>
                                             </p:graphicEl>
                                           </p:spTgt>
@@ -17629,97 +17867,19 @@
                     </p:cTn>
                   </p:par>
                   <p:par>
-                    <p:cTn id="153" fill="hold">
+                    <p:cTn id="159" fill="hold">
                       <p:stCondLst>
                         <p:cond delay="indefinite"/>
                       </p:stCondLst>
                       <p:childTnLst>
                         <p:par>
-                          <p:cTn id="154" fill="hold">
+                          <p:cTn id="160" fill="hold">
                             <p:stCondLst>
                               <p:cond delay="0"/>
                             </p:stCondLst>
                             <p:childTnLst>
                               <p:par>
-                                <p:cTn id="155" presetID="35" presetClass="path" presetSubtype="0" accel="50000" decel="50000" fill="hold" grpId="3" nodeType="clickEffect">
-                                  <p:stCondLst>
-                                    <p:cond delay="0"/>
-                                  </p:stCondLst>
-                                  <p:childTnLst>
-                                    <p:animMotion origin="layout" path="M -0.97917 -0.00093 L -1.30209 -0.00093 " pathEditMode="relative" rAng="0" ptsTypes="AA">
-                                      <p:cBhvr>
-                                        <p:cTn id="156" dur="2000" fill="hold"/>
-                                        <p:tgtEl>
-                                          <p:spTgt spid="5">
-                                            <p:graphicEl>
-                                              <a:dgm id="{6867AD70-2794-4058-A007-0587FBFE0C1F}"/>
-                                            </p:graphicEl>
-                                          </p:spTgt>
-                                        </p:tgtEl>
-                                        <p:attrNameLst>
-                                          <p:attrName>ppt_x</p:attrName>
-                                          <p:attrName>ppt_y</p:attrName>
-                                        </p:attrNameLst>
-                                      </p:cBhvr>
-                                      <p:rCtr x="-16146" y="0"/>
-                                    </p:animMotion>
-                                  </p:childTnLst>
-                                </p:cTn>
-                              </p:par>
-                              <p:par>
-                                <p:cTn id="157" presetID="35" presetClass="path" presetSubtype="0" accel="50000" decel="50000" fill="hold" grpId="3" nodeType="withEffect">
-                                  <p:stCondLst>
-                                    <p:cond delay="0"/>
-                                  </p:stCondLst>
-                                  <p:childTnLst>
-                                    <p:animMotion origin="layout" path="M -0.97917 -0.00093 L -1.30209 -0.00093 " pathEditMode="relative" rAng="0" ptsTypes="AA">
-                                      <p:cBhvr>
-                                        <p:cTn id="158" dur="2000" fill="hold"/>
-                                        <p:tgtEl>
-                                          <p:spTgt spid="5">
-                                            <p:graphicEl>
-                                              <a:dgm id="{E49D5C6E-7CA5-44A0-A81F-E35908B0F6FE}"/>
-                                            </p:graphicEl>
-                                          </p:spTgt>
-                                        </p:tgtEl>
-                                        <p:attrNameLst>
-                                          <p:attrName>ppt_x</p:attrName>
-                                          <p:attrName>ppt_y</p:attrName>
-                                        </p:attrNameLst>
-                                      </p:cBhvr>
-                                      <p:rCtr x="-16146" y="0"/>
-                                    </p:animMotion>
-                                  </p:childTnLst>
-                                </p:cTn>
-                              </p:par>
-                              <p:par>
-                                <p:cTn id="159" presetID="35" presetClass="path" presetSubtype="0" accel="50000" decel="50000" fill="hold" grpId="3" nodeType="withEffect">
-                                  <p:stCondLst>
-                                    <p:cond delay="0"/>
-                                  </p:stCondLst>
-                                  <p:childTnLst>
-                                    <p:animMotion origin="layout" path="M -0.97917 -0.00093 L -1.30209 -0.00093 " pathEditMode="relative" rAng="0" ptsTypes="AA">
-                                      <p:cBhvr>
-                                        <p:cTn id="160" dur="2000" fill="hold"/>
-                                        <p:tgtEl>
-                                          <p:spTgt spid="5">
-                                            <p:graphicEl>
-                                              <a:dgm id="{D047C669-4AF5-46F8-8162-39BAE8123EDF}"/>
-                                            </p:graphicEl>
-                                          </p:spTgt>
-                                        </p:tgtEl>
-                                        <p:attrNameLst>
-                                          <p:attrName>ppt_x</p:attrName>
-                                          <p:attrName>ppt_y</p:attrName>
-                                        </p:attrNameLst>
-                                      </p:cBhvr>
-                                      <p:rCtr x="-16146" y="0"/>
-                                    </p:animMotion>
-                                  </p:childTnLst>
-                                </p:cTn>
-                              </p:par>
-                              <p:par>
-                                <p:cTn id="161" presetID="35" presetClass="path" presetSubtype="0" accel="50000" decel="50000" fill="hold" grpId="3" nodeType="withEffect">
+                                <p:cTn id="161" presetID="35" presetClass="path" presetSubtype="0" accel="50000" decel="50000" fill="hold" grpId="3" nodeType="clickEffect">
                                   <p:stCondLst>
                                     <p:cond delay="0"/>
                                   </p:stCondLst>
@@ -17730,7 +17890,7 @@
                                         <p:tgtEl>
                                           <p:spTgt spid="5">
                                             <p:graphicEl>
-                                              <a:dgm id="{AF1C964E-4ACC-46DF-8A5F-0BF56A5BB1EB}"/>
+                                              <a:dgm id="{6867AD70-2794-4058-A007-0587FBFE0C1F}"/>
                                             </p:graphicEl>
                                           </p:spTgt>
                                         </p:tgtEl>
@@ -17756,7 +17916,7 @@
                                         <p:tgtEl>
                                           <p:spTgt spid="5">
                                             <p:graphicEl>
-                                              <a:dgm id="{6B596E65-42D1-4AF0-8AF9-168D45F63303}"/>
+                                              <a:dgm id="{E49D5C6E-7CA5-44A0-A81F-E35908B0F6FE}"/>
                                             </p:graphicEl>
                                           </p:spTgt>
                                         </p:tgtEl>
@@ -17782,7 +17942,7 @@
                                         <p:tgtEl>
                                           <p:spTgt spid="5">
                                             <p:graphicEl>
-                                              <a:dgm id="{B7137BFD-DDB4-4690-AC9C-DDE283324D97}"/>
+                                              <a:dgm id="{73168CEF-AB9C-494D-B2A2-CA87A8B306DD}"/>
                                             </p:graphicEl>
                                           </p:spTgt>
                                         </p:tgtEl>
@@ -17808,7 +17968,7 @@
                                         <p:tgtEl>
                                           <p:spTgt spid="5">
                                             <p:graphicEl>
-                                              <a:dgm id="{4BE6F441-80E9-42E2-8D94-2E7A8D6E36FB}"/>
+                                              <a:dgm id="{D047C669-4AF5-46F8-8162-39BAE8123EDF}"/>
                                             </p:graphicEl>
                                           </p:spTgt>
                                         </p:tgtEl>
@@ -17834,7 +17994,7 @@
                                         <p:tgtEl>
                                           <p:spTgt spid="5">
                                             <p:graphicEl>
-                                              <a:dgm id="{42AB661C-ED15-49AE-9200-99B37517FAA7}"/>
+                                              <a:dgm id="{AF1C964E-4ACC-46DF-8A5F-0BF56A5BB1EB}"/>
                                             </p:graphicEl>
                                           </p:spTgt>
                                         </p:tgtEl>
@@ -17860,7 +18020,7 @@
                                         <p:tgtEl>
                                           <p:spTgt spid="5">
                                             <p:graphicEl>
-                                              <a:dgm id="{601034A3-191F-41A6-9A53-DF734548D105}"/>
+                                              <a:dgm id="{6B596E65-42D1-4AF0-8AF9-168D45F63303}"/>
                                             </p:graphicEl>
                                           </p:spTgt>
                                         </p:tgtEl>
@@ -17886,7 +18046,7 @@
                                         <p:tgtEl>
                                           <p:spTgt spid="5">
                                             <p:graphicEl>
-                                              <a:dgm id="{EE39D523-AC73-4392-AC77-77C7220763B6}"/>
+                                              <a:dgm id="{B7137BFD-DDB4-4690-AC9C-DDE283324D97}"/>
                                             </p:graphicEl>
                                           </p:spTgt>
                                         </p:tgtEl>
@@ -17912,7 +18072,7 @@
                                         <p:tgtEl>
                                           <p:spTgt spid="5">
                                             <p:graphicEl>
-                                              <a:dgm id="{8D39B5C2-A82F-438E-9691-729F26D85642}"/>
+                                              <a:dgm id="{4BE6F441-80E9-42E2-8D94-2E7A8D6E36FB}"/>
                                             </p:graphicEl>
                                           </p:spTgt>
                                         </p:tgtEl>
@@ -17938,7 +18098,7 @@
                                         <p:tgtEl>
                                           <p:spTgt spid="5">
                                             <p:graphicEl>
-                                              <a:dgm id="{DFF2DE64-3912-48E6-96DE-FA8312BB934C}"/>
+                                              <a:dgm id="{42AB661C-ED15-49AE-9200-99B37517FAA7}"/>
                                             </p:graphicEl>
                                           </p:spTgt>
                                         </p:tgtEl>
@@ -17964,7 +18124,7 @@
                                         <p:tgtEl>
                                           <p:spTgt spid="5">
                                             <p:graphicEl>
-                                              <a:dgm id="{E6CD3A07-DC14-465C-9A62-15762B2DDB79}"/>
+                                              <a:dgm id="{601034A3-191F-41A6-9A53-DF734548D105}"/>
                                             </p:graphicEl>
                                           </p:spTgt>
                                         </p:tgtEl>
@@ -17990,7 +18150,7 @@
                                         <p:tgtEl>
                                           <p:spTgt spid="5">
                                             <p:graphicEl>
-                                              <a:dgm id="{7CAAFA02-0B4B-4EB3-BEDE-AEB070C2F81F}"/>
+                                              <a:dgm id="{EE39D523-AC73-4392-AC77-77C7220763B6}"/>
                                             </p:graphicEl>
                                           </p:spTgt>
                                         </p:tgtEl>
@@ -18016,7 +18176,7 @@
                                         <p:tgtEl>
                                           <p:spTgt spid="5">
                                             <p:graphicEl>
-                                              <a:dgm id="{076125C3-B8CA-4BEA-8672-649EA4C304ED}"/>
+                                              <a:dgm id="{8D39B5C2-A82F-438E-9691-729F26D85642}"/>
                                             </p:graphicEl>
                                           </p:spTgt>
                                         </p:tgtEl>
@@ -18042,7 +18202,7 @@
                                         <p:tgtEl>
                                           <p:spTgt spid="5">
                                             <p:graphicEl>
-                                              <a:dgm id="{B11961AC-77AE-4A85-9FD1-22CD1F3AC7EE}"/>
+                                              <a:dgm id="{DFF2DE64-3912-48E6-96DE-FA8312BB934C}"/>
                                             </p:graphicEl>
                                           </p:spTgt>
                                         </p:tgtEl>
@@ -18068,7 +18228,7 @@
                                         <p:tgtEl>
                                           <p:spTgt spid="5">
                                             <p:graphicEl>
-                                              <a:dgm id="{6EEA1793-B06B-47DC-81F9-AFB8F6F895D9}"/>
+                                              <a:dgm id="{E6CD3A07-DC14-465C-9A62-15762B2DDB79}"/>
                                             </p:graphicEl>
                                           </p:spTgt>
                                         </p:tgtEl>
@@ -18094,7 +18254,7 @@
                                         <p:tgtEl>
                                           <p:spTgt spid="5">
                                             <p:graphicEl>
-                                              <a:dgm id="{347F2C06-6D53-480A-A19C-A66E010B43AA}"/>
+                                              <a:dgm id="{7CAAFA02-0B4B-4EB3-BEDE-AEB070C2F81F}"/>
                                             </p:graphicEl>
                                           </p:spTgt>
                                         </p:tgtEl>
@@ -18120,7 +18280,7 @@
                                         <p:tgtEl>
                                           <p:spTgt spid="5">
                                             <p:graphicEl>
-                                              <a:dgm id="{0C7B1CE8-5F06-4882-875E-AEE5E1941952}"/>
+                                              <a:dgm id="{076125C3-B8CA-4BEA-8672-649EA4C304ED}"/>
                                             </p:graphicEl>
                                           </p:spTgt>
                                         </p:tgtEl>
@@ -18146,7 +18306,7 @@
                                         <p:tgtEl>
                                           <p:spTgt spid="5">
                                             <p:graphicEl>
-                                              <a:dgm id="{86AE874A-27D4-4F28-A38A-54E29BBD68C1}"/>
+                                              <a:dgm id="{B11961AC-77AE-4A85-9FD1-22CD1F3AC7EE}"/>
                                             </p:graphicEl>
                                           </p:spTgt>
                                         </p:tgtEl>
@@ -18172,7 +18332,7 @@
                                         <p:tgtEl>
                                           <p:spTgt spid="5">
                                             <p:graphicEl>
-                                              <a:dgm id="{08DE3A77-9538-497B-A3C9-4812928EFD89}"/>
+                                              <a:dgm id="{6EEA1793-B06B-47DC-81F9-AFB8F6F895D9}"/>
                                             </p:graphicEl>
                                           </p:spTgt>
                                         </p:tgtEl>
@@ -18198,7 +18358,7 @@
                                         <p:tgtEl>
                                           <p:spTgt spid="5">
                                             <p:graphicEl>
-                                              <a:dgm id="{8089853B-484A-4D8C-85EA-79DA3106583A}"/>
+                                              <a:dgm id="{347F2C06-6D53-480A-A19C-A66E010B43AA}"/>
                                             </p:graphicEl>
                                           </p:spTgt>
                                         </p:tgtEl>
@@ -18224,7 +18384,7 @@
                                         <p:tgtEl>
                                           <p:spTgt spid="5">
                                             <p:graphicEl>
-                                              <a:dgm id="{225F2E50-4592-479E-A5AE-632BABACAE01}"/>
+                                              <a:dgm id="{0C7B1CE8-5F06-4882-875E-AEE5E1941952}"/>
                                             </p:graphicEl>
                                           </p:spTgt>
                                         </p:tgtEl>
@@ -18247,6 +18407,110 @@
                                     <p:animMotion origin="layout" path="M -0.97917 -0.00093 L -1.30209 -0.00093 " pathEditMode="relative" rAng="0" ptsTypes="AA">
                                       <p:cBhvr>
                                         <p:cTn id="202" dur="2000" fill="hold"/>
+                                        <p:tgtEl>
+                                          <p:spTgt spid="5">
+                                            <p:graphicEl>
+                                              <a:dgm id="{86AE874A-27D4-4F28-A38A-54E29BBD68C1}"/>
+                                            </p:graphicEl>
+                                          </p:spTgt>
+                                        </p:tgtEl>
+                                        <p:attrNameLst>
+                                          <p:attrName>ppt_x</p:attrName>
+                                          <p:attrName>ppt_y</p:attrName>
+                                        </p:attrNameLst>
+                                      </p:cBhvr>
+                                      <p:rCtr x="-16146" y="0"/>
+                                    </p:animMotion>
+                                  </p:childTnLst>
+                                </p:cTn>
+                              </p:par>
+                              <p:par>
+                                <p:cTn id="203" presetID="35" presetClass="path" presetSubtype="0" accel="50000" decel="50000" fill="hold" grpId="3" nodeType="withEffect">
+                                  <p:stCondLst>
+                                    <p:cond delay="0"/>
+                                  </p:stCondLst>
+                                  <p:childTnLst>
+                                    <p:animMotion origin="layout" path="M -0.97917 -0.00093 L -1.30209 -0.00093 " pathEditMode="relative" rAng="0" ptsTypes="AA">
+                                      <p:cBhvr>
+                                        <p:cTn id="204" dur="2000" fill="hold"/>
+                                        <p:tgtEl>
+                                          <p:spTgt spid="5">
+                                            <p:graphicEl>
+                                              <a:dgm id="{08DE3A77-9538-497B-A3C9-4812928EFD89}"/>
+                                            </p:graphicEl>
+                                          </p:spTgt>
+                                        </p:tgtEl>
+                                        <p:attrNameLst>
+                                          <p:attrName>ppt_x</p:attrName>
+                                          <p:attrName>ppt_y</p:attrName>
+                                        </p:attrNameLst>
+                                      </p:cBhvr>
+                                      <p:rCtr x="-16146" y="0"/>
+                                    </p:animMotion>
+                                  </p:childTnLst>
+                                </p:cTn>
+                              </p:par>
+                              <p:par>
+                                <p:cTn id="205" presetID="35" presetClass="path" presetSubtype="0" accel="50000" decel="50000" fill="hold" grpId="3" nodeType="withEffect">
+                                  <p:stCondLst>
+                                    <p:cond delay="0"/>
+                                  </p:stCondLst>
+                                  <p:childTnLst>
+                                    <p:animMotion origin="layout" path="M -0.97917 -0.00093 L -1.30209 -0.00093 " pathEditMode="relative" rAng="0" ptsTypes="AA">
+                                      <p:cBhvr>
+                                        <p:cTn id="206" dur="2000" fill="hold"/>
+                                        <p:tgtEl>
+                                          <p:spTgt spid="5">
+                                            <p:graphicEl>
+                                              <a:dgm id="{8089853B-484A-4D8C-85EA-79DA3106583A}"/>
+                                            </p:graphicEl>
+                                          </p:spTgt>
+                                        </p:tgtEl>
+                                        <p:attrNameLst>
+                                          <p:attrName>ppt_x</p:attrName>
+                                          <p:attrName>ppt_y</p:attrName>
+                                        </p:attrNameLst>
+                                      </p:cBhvr>
+                                      <p:rCtr x="-16146" y="0"/>
+                                    </p:animMotion>
+                                  </p:childTnLst>
+                                </p:cTn>
+                              </p:par>
+                              <p:par>
+                                <p:cTn id="207" presetID="35" presetClass="path" presetSubtype="0" accel="50000" decel="50000" fill="hold" grpId="3" nodeType="withEffect">
+                                  <p:stCondLst>
+                                    <p:cond delay="0"/>
+                                  </p:stCondLst>
+                                  <p:childTnLst>
+                                    <p:animMotion origin="layout" path="M -0.97917 -0.00093 L -1.30209 -0.00093 " pathEditMode="relative" rAng="0" ptsTypes="AA">
+                                      <p:cBhvr>
+                                        <p:cTn id="208" dur="2000" fill="hold"/>
+                                        <p:tgtEl>
+                                          <p:spTgt spid="5">
+                                            <p:graphicEl>
+                                              <a:dgm id="{225F2E50-4592-479E-A5AE-632BABACAE01}"/>
+                                            </p:graphicEl>
+                                          </p:spTgt>
+                                        </p:tgtEl>
+                                        <p:attrNameLst>
+                                          <p:attrName>ppt_x</p:attrName>
+                                          <p:attrName>ppt_y</p:attrName>
+                                        </p:attrNameLst>
+                                      </p:cBhvr>
+                                      <p:rCtr x="-16146" y="0"/>
+                                    </p:animMotion>
+                                  </p:childTnLst>
+                                </p:cTn>
+                              </p:par>
+                              <p:par>
+                                <p:cTn id="209" presetID="35" presetClass="path" presetSubtype="0" accel="50000" decel="50000" fill="hold" grpId="3" nodeType="withEffect">
+                                  <p:stCondLst>
+                                    <p:cond delay="0"/>
+                                  </p:stCondLst>
+                                  <p:childTnLst>
+                                    <p:animMotion origin="layout" path="M -0.97917 -0.00093 L -1.30209 -0.00093 " pathEditMode="relative" rAng="0" ptsTypes="AA">
+                                      <p:cBhvr>
+                                        <p:cTn id="210" dur="2000" fill="hold"/>
                                         <p:tgtEl>
                                           <p:spTgt spid="5">
                                             <p:graphicEl>
@@ -18421,88 +18685,131 @@
           <a:lstStyle/>
           <a:p>
             <a:r>
-              <a:rPr lang="nl-NL" sz="1400" smtClean="0"/>
-              <a:t>Google Maps Distance Matrix API</a:t>
-            </a:r>
-          </a:p>
-          <a:p>
-            <a:r>
-              <a:rPr lang="nl-NL" sz="1400" smtClean="0"/>
+              <a:rPr lang="nl-NL" sz="1400" dirty="0" smtClean="0"/>
+              <a:t>Google </a:t>
+            </a:r>
+            <a:r>
+              <a:rPr lang="nl-NL" sz="1400" dirty="0" err="1" smtClean="0"/>
+              <a:t>Maps</a:t>
+            </a:r>
+            <a:r>
+              <a:rPr lang="nl-NL" sz="1400" dirty="0" smtClean="0"/>
+              <a:t> </a:t>
+            </a:r>
+            <a:r>
+              <a:rPr lang="nl-NL" sz="1400" dirty="0" err="1" smtClean="0"/>
+              <a:t>Distance</a:t>
+            </a:r>
+            <a:r>
+              <a:rPr lang="nl-NL" sz="1400" dirty="0" smtClean="0"/>
+              <a:t> Matrix API</a:t>
+            </a:r>
+          </a:p>
+          <a:p>
+            <a:r>
+              <a:rPr lang="nl-NL" sz="1400" dirty="0" smtClean="0"/>
               <a:t>Voor elke combinatie van start- en eindpunt wordt een reistijd opgenomen in het antwoord</a:t>
             </a:r>
           </a:p>
           <a:p>
             <a:pPr lvl="1"/>
             <a:r>
-              <a:rPr lang="nl-NL" sz="1400" smtClean="0"/>
+              <a:rPr lang="nl-NL" sz="1400" dirty="0" smtClean="0"/>
               <a:t>2X2-matrix zijn = 4 aanvragen</a:t>
             </a:r>
           </a:p>
           <a:p>
             <a:r>
-              <a:rPr lang="nl-NL" sz="1400" smtClean="0"/>
+              <a:rPr lang="nl-NL" sz="1400" dirty="0" smtClean="0"/>
               <a:t>2500 gratis aanvragen per dag</a:t>
             </a:r>
           </a:p>
           <a:p>
             <a:pPr lvl="1"/>
             <a:r>
-              <a:rPr lang="nl-NL" sz="1400" smtClean="0"/>
+              <a:rPr lang="nl-NL" sz="1400" dirty="0" smtClean="0"/>
               <a:t>0,5 dollar (= 0,4548 euro) / 1000 extra aanvragen</a:t>
             </a:r>
           </a:p>
           <a:p>
             <a:r>
-              <a:rPr lang="nl-NL" sz="1400" smtClean="0"/>
+              <a:rPr lang="nl-NL" sz="1400" dirty="0" smtClean="0"/>
               <a:t>34 routes, elke 5 minuten, 18h/dag </a:t>
             </a:r>
             <a:br>
-              <a:rPr lang="nl-NL" sz="1400" smtClean="0"/>
+              <a:rPr lang="nl-NL" sz="1400" dirty="0" smtClean="0"/>
             </a:br>
             <a:r>
-              <a:rPr lang="nl-NL" sz="1400" smtClean="0">
+              <a:rPr lang="nl-NL" sz="1400" dirty="0" smtClean="0">
                 <a:sym typeface="Wingdings" panose="05000000000000000000" pitchFamily="2" charset="2"/>
               </a:rPr>
               <a:t>= </a:t>
             </a:r>
             <a:r>
-              <a:rPr lang="nl-NL" sz="1400" smtClean="0"/>
+              <a:rPr lang="nl-NL" sz="1400" dirty="0" smtClean="0"/>
               <a:t>7 300 aanvragen/dag</a:t>
             </a:r>
           </a:p>
           <a:p>
             <a:pPr lvl="1"/>
             <a:r>
-              <a:rPr lang="nl-NL" sz="1400" smtClean="0"/>
-              <a:t>tussenpunten niet inbegrepen</a:t>
+              <a:rPr lang="nl-NL" sz="1400" dirty="0" smtClean="0"/>
+              <a:t>66 000 calls/dag (2 tussenpunten)</a:t>
             </a:r>
           </a:p>
           <a:p>
             <a:pPr marL="411480" lvl="1" indent="0">
               <a:buNone/>
             </a:pPr>
-            <a:endParaRPr lang="nl-NL" sz="1400" smtClean="0"/>
+            <a:endParaRPr lang="nl-NL" sz="1400" dirty="0" smtClean="0"/>
           </a:p>
           <a:p>
             <a:pPr marL="109728" indent="0">
               <a:buNone/>
             </a:pPr>
             <a:r>
-              <a:rPr lang="nl-NL" sz="1400" smtClean="0">
+              <a:rPr lang="nl-NL" sz="1400" dirty="0" smtClean="0">
                 <a:sym typeface="Wingdings" panose="05000000000000000000" pitchFamily="2" charset="2"/>
               </a:rPr>
               <a:t> </a:t>
             </a:r>
             <a:r>
-              <a:rPr lang="nl-NL" sz="1400" smtClean="0"/>
-              <a:t>Google Maps API's Premium Plan</a:t>
+              <a:rPr lang="nl-NL" sz="1400" dirty="0" smtClean="0"/>
+              <a:t>Google </a:t>
+            </a:r>
+            <a:r>
+              <a:rPr lang="nl-NL" sz="1400" dirty="0" err="1" smtClean="0"/>
+              <a:t>Maps</a:t>
+            </a:r>
+            <a:r>
+              <a:rPr lang="nl-NL" sz="1400" dirty="0" smtClean="0"/>
+              <a:t> </a:t>
+            </a:r>
+            <a:r>
+              <a:rPr lang="nl-NL" sz="1400" dirty="0" err="1" smtClean="0"/>
+              <a:t>API's</a:t>
+            </a:r>
+            <a:r>
+              <a:rPr lang="nl-NL" sz="1400" dirty="0" smtClean="0"/>
+              <a:t> Premium Plan</a:t>
             </a:r>
           </a:p>
           <a:p>
             <a:pPr lvl="1"/>
             <a:r>
-              <a:rPr lang="nl-NL" sz="1400" smtClean="0"/>
-              <a:t>100 000 aanvragen/dag</a:t>
+              <a:rPr lang="nl-NL" sz="1400" dirty="0" smtClean="0"/>
+              <a:t>100 000 </a:t>
+            </a:r>
+            <a:r>
+              <a:rPr lang="nl-NL" sz="1400" dirty="0" smtClean="0"/>
+              <a:t>aanvragen/dag</a:t>
+            </a:r>
+          </a:p>
+          <a:p>
+            <a:pPr lvl="1"/>
+            <a:r>
+              <a:rPr lang="nl-NL" sz="1400" dirty="0" smtClean="0"/>
+              <a:t>Nog geen tarief ontvangen</a:t>
             </a:r>
             <a:endParaRPr lang="en-US" sz="1400" dirty="0"/>
           </a:p>
@@ -21455,7 +21762,7 @@
           <p:nvPr>
             <p:extLst>
               <p:ext uri="{D42A27DB-BD31-4B8C-83A1-F6EECF244321}">
-                <p14:modId xmlns:p14="http://schemas.microsoft.com/office/powerpoint/2010/main" val="517045418"/>
+                <p14:modId xmlns:p14="http://schemas.microsoft.com/office/powerpoint/2010/main" val="2551788497"/>
               </p:ext>
             </p:extLst>
           </p:nvPr>
@@ -21708,7 +22015,7 @@
                             <a:schemeClr val="tx1"/>
                           </a:solidFill>
                           <a:effectLst/>
-                          <a:latin typeface="+mn-lt"/>
+                          <a:latin typeface="+mj-lt"/>
                           <a:ea typeface="+mn-ea"/>
                           <a:cs typeface="+mn-cs"/>
                         </a:rPr>
@@ -21878,24 +22185,12 @@
                             </a:schemeClr>
                           </a:solidFill>
                           <a:effectLst/>
-                          <a:latin typeface="+mn-lt"/>
+                          <a:latin typeface="+mj-lt"/>
                           <a:ea typeface="+mn-ea"/>
                           <a:cs typeface="+mn-cs"/>
                         </a:rPr>
                         <a:t>End of interval in which you want to receive data.</a:t>
                       </a:r>
-                      <a:endParaRPr kumimoji="0" lang="en-GB" b="0" i="0" kern="1200" dirty="0" smtClean="0">
-                        <a:solidFill>
-                          <a:schemeClr val="tx1">
-                            <a:lumMod val="50000"/>
-                            <a:lumOff val="50000"/>
-                          </a:schemeClr>
-                        </a:solidFill>
-                        <a:effectLst/>
-                        <a:latin typeface="+mj-lt"/>
-                        <a:ea typeface="+mn-ea"/>
-                        <a:cs typeface="+mn-cs"/>
-                      </a:endParaRPr>
                     </a:p>
                   </a:txBody>
                   <a:tcPr>
@@ -21970,7 +22265,7 @@
                             </a:schemeClr>
                           </a:solidFill>
                           <a:effectLst/>
-                          <a:latin typeface="+mn-lt"/>
+                          <a:latin typeface="+mj-lt"/>
                           <a:ea typeface="+mn-ea"/>
                           <a:cs typeface="+mn-cs"/>
                         </a:rPr>
@@ -21999,7 +22294,7 @@
                           </a:schemeClr>
                         </a:solidFill>
                         <a:effectLst/>
-                        <a:latin typeface="+mn-lt"/>
+                        <a:latin typeface="+mj-lt"/>
                         <a:ea typeface="+mn-ea"/>
                         <a:cs typeface="+mn-cs"/>
                       </a:endParaRPr>
@@ -23040,8 +23335,8 @@
         </p:nvSpPr>
         <p:spPr bwMode="auto">
           <a:xfrm>
-            <a:off x="1968683" y="3564925"/>
-            <a:ext cx="5328592" cy="2646878"/>
+            <a:off x="1968683" y="3657258"/>
+            <a:ext cx="5328592" cy="2462213"/>
           </a:xfrm>
           <a:prstGeom prst="rect">
             <a:avLst/>
@@ -23476,25 +23771,16 @@
               </a:spcAft>
             </a:pPr>
             <a:r>
-              <a:rPr lang="nl-BE" altLang="en-US" sz="900" dirty="0" smtClean="0">
+              <a:rPr lang="en-US" altLang="en-US" sz="1400" dirty="0" smtClean="0">
                 <a:solidFill>
                   <a:srgbClr val="000000"/>
                 </a:solidFill>
                 <a:latin typeface="+mj-lt"/>
               </a:rPr>
-              <a:t>          </a:t>
-            </a:r>
-            <a:r>
-              <a:rPr lang="en-US" altLang="en-US" sz="1600" dirty="0" smtClean="0">
-                <a:solidFill>
-                  <a:srgbClr val="000000"/>
-                </a:solidFill>
-                <a:latin typeface="+mj-lt"/>
-              </a:rPr>
-              <a:t>"</a:t>
-            </a:r>
-            <a:r>
-              <a:rPr lang="en-US" altLang="en-US" sz="1600" dirty="0">
+              <a:t>      "</a:t>
+            </a:r>
+            <a:r>
+              <a:rPr lang="en-US" altLang="en-US" sz="1400" dirty="0">
                 <a:solidFill>
                   <a:srgbClr val="000000"/>
                 </a:solidFill>
@@ -23503,7 +23789,7 @@
               <a:t>name": "R4 </a:t>
             </a:r>
             <a:r>
-              <a:rPr lang="en-US" altLang="en-US" sz="1600" dirty="0" err="1">
+              <a:rPr lang="en-US" altLang="en-US" sz="1400" dirty="0" err="1">
                 <a:solidFill>
                   <a:srgbClr val="000000"/>
                 </a:solidFill>
@@ -23512,7 +23798,7 @@
               <a:t>Zelzate</a:t>
             </a:r>
             <a:r>
-              <a:rPr lang="en-US" altLang="en-US" sz="1600" dirty="0">
+              <a:rPr lang="en-US" altLang="en-US" sz="1400" dirty="0">
                 <a:solidFill>
                   <a:srgbClr val="000000"/>
                 </a:solidFill>
@@ -23531,7 +23817,7 @@
               </a:spcAft>
             </a:pPr>
             <a:r>
-              <a:rPr lang="en-US" altLang="en-US" sz="1600" dirty="0">
+              <a:rPr lang="en-US" altLang="en-US" sz="1400" dirty="0">
                 <a:solidFill>
                   <a:srgbClr val="000000"/>
                 </a:solidFill>
@@ -23540,7 +23826,7 @@
               <a:t>    </a:t>
             </a:r>
             <a:r>
-              <a:rPr lang="en-US" altLang="en-US" sz="1600" dirty="0" smtClean="0">
+              <a:rPr lang="en-US" altLang="en-US" sz="1400" dirty="0" smtClean="0">
                 <a:solidFill>
                   <a:srgbClr val="000000"/>
                 </a:solidFill>
@@ -23549,7 +23835,7 @@
               <a:t>  "</a:t>
             </a:r>
             <a:r>
-              <a:rPr lang="en-US" altLang="en-US" sz="1600" dirty="0">
+              <a:rPr lang="en-US" altLang="en-US" sz="1400" dirty="0">
                 <a:solidFill>
                   <a:srgbClr val="000000"/>
                 </a:solidFill>
@@ -23558,7 +23844,7 @@
               <a:t>id": </a:t>
             </a:r>
             <a:r>
-              <a:rPr lang="en-US" altLang="en-US" sz="1600" dirty="0" smtClean="0">
+              <a:rPr lang="en-US" altLang="en-US" sz="1400" dirty="0" smtClean="0">
                 <a:solidFill>
                   <a:srgbClr val="000000"/>
                 </a:solidFill>
@@ -23577,7 +23863,7 @@
               </a:spcAft>
             </a:pPr>
             <a:r>
-              <a:rPr lang="nl-BE" altLang="en-US" sz="1600" dirty="0" smtClean="0">
+              <a:rPr lang="nl-BE" altLang="en-US" sz="1400" dirty="0" smtClean="0">
                 <a:solidFill>
                   <a:srgbClr val="000000"/>
                 </a:solidFill>
@@ -23585,7 +23871,7 @@
               </a:rPr>
               <a:t>}  ]</a:t>
             </a:r>
-            <a:endParaRPr kumimoji="0" lang="en-US" altLang="en-US" sz="3200" b="0" i="0" u="none" strike="noStrike" cap="none" normalizeH="0" baseline="0" dirty="0" smtClean="0">
+            <a:endParaRPr kumimoji="0" lang="en-US" altLang="en-US" sz="1400" b="0" i="0" u="none" strike="noStrike" cap="none" normalizeH="0" baseline="0" dirty="0" smtClean="0">
               <a:ln>
                 <a:noFill/>
               </a:ln>
@@ -23699,13 +23985,8 @@
           <a:p>
             <a:r>
               <a:rPr lang="en-GB" dirty="0"/>
-              <a:t>Mike </a:t>
-            </a:r>
-            <a:r>
-              <a:rPr lang="en-GB" dirty="0" err="1"/>
-              <a:t>Brants</a:t>
-            </a:r>
-            <a:endParaRPr lang="en-GB" dirty="0"/>
+              <a:t>Mike Brants</a:t>
+            </a:r>
           </a:p>
           <a:p>
             <a:endParaRPr lang="en-GB" dirty="0"/>
@@ -23859,574 +24140,6 @@
                   <a:lumMod val="75000"/>
                 </a:schemeClr>
               </a:solidFill>
-              <a:latin typeface="+mj-lt"/>
-            </a:endParaRPr>
-          </a:p>
-        </p:txBody>
-      </p:sp>
-      <p:sp>
-        <p:nvSpPr>
-          <p:cNvPr id="9" name="Rectangle 1"/>
-          <p:cNvSpPr>
-            <a:spLocks noChangeArrowheads="1"/>
-          </p:cNvSpPr>
-          <p:nvPr/>
-        </p:nvSpPr>
-        <p:spPr bwMode="auto">
-          <a:xfrm>
-            <a:off x="1968683" y="3564925"/>
-            <a:ext cx="5328592" cy="2646878"/>
-          </a:xfrm>
-          <a:prstGeom prst="rect">
-            <a:avLst/>
-          </a:prstGeom>
-          <a:noFill/>
-          <a:ln>
-            <a:noFill/>
-          </a:ln>
-          <a:effectLst/>
-          <a:extLst>
-            <a:ext uri="{909E8E84-426E-40DD-AFC4-6F175D3DCCD1}">
-              <a14:hiddenFill xmlns:a14="http://schemas.microsoft.com/office/drawing/2010/main">
-                <a:solidFill>
-                  <a:schemeClr val="accent1"/>
-                </a:solidFill>
-              </a14:hiddenFill>
-            </a:ext>
-            <a:ext uri="{91240B29-F687-4F45-9708-019B960494DF}">
-              <a14:hiddenLine xmlns:a14="http://schemas.microsoft.com/office/drawing/2010/main" w="9525">
-                <a:solidFill>
-                  <a:schemeClr val="tx1"/>
-                </a:solidFill>
-                <a:miter lim="800000"/>
-                <a:headEnd/>
-                <a:tailEnd/>
-              </a14:hiddenLine>
-            </a:ext>
-            <a:ext uri="{AF507438-7753-43E0-B8FC-AC1667EBCBE1}">
-              <a14:hiddenEffects xmlns:a14="http://schemas.microsoft.com/office/drawing/2010/main">
-                <a:effectLst>
-                  <a:outerShdw dist="35921" dir="2700000" algn="ctr" rotWithShape="0">
-                    <a:schemeClr val="bg2"/>
-                  </a:outerShdw>
-                </a:effectLst>
-              </a14:hiddenEffects>
-            </a:ext>
-          </a:extLst>
-        </p:spPr>
-        <p:txBody>
-          <a:bodyPr vert="horz" wrap="square" lIns="91440" tIns="45720" rIns="91440" bIns="45720" numCol="1" anchor="ctr" anchorCtr="0" compatLnSpc="1">
-            <a:prstTxWarp prst="textNoShape">
-              <a:avLst/>
-            </a:prstTxWarp>
-            <a:spAutoFit/>
-          </a:bodyPr>
-          <a:lstStyle/>
-          <a:p>
-            <a:pPr marL="0" marR="0" lvl="0" indent="0" algn="l" defTabSz="914400" rtl="0" eaLnBrk="0" fontAlgn="base" latinLnBrk="0" hangingPunct="0">
-              <a:lnSpc>
-                <a:spcPct val="100000"/>
-              </a:lnSpc>
-              <a:spcBef>
-                <a:spcPct val="0"/>
-              </a:spcBef>
-              <a:spcAft>
-                <a:spcPct val="0"/>
-              </a:spcAft>
-              <a:buClrTx/>
-              <a:buSzTx/>
-              <a:buFontTx/>
-              <a:buNone/>
-              <a:tabLst/>
-            </a:pPr>
-            <a:r>
-              <a:rPr kumimoji="0" lang="en-US" altLang="en-US" sz="1400" b="0" i="0" u="none" strike="noStrike" cap="none" normalizeH="0" baseline="0" dirty="0" smtClean="0">
-                <a:ln>
-                  <a:noFill/>
-                </a:ln>
-                <a:solidFill>
-                  <a:srgbClr val="000000"/>
-                </a:solidFill>
-                <a:effectLst/>
-                <a:latin typeface="+mj-lt"/>
-              </a:rPr>
-              <a:t>[</a:t>
-            </a:r>
-            <a:r>
-              <a:rPr lang="en-US" altLang="en-US" sz="1400" dirty="0" smtClean="0">
-                <a:solidFill>
-                  <a:srgbClr val="000000"/>
-                </a:solidFill>
-                <a:latin typeface="+mj-lt"/>
-              </a:rPr>
-              <a:t>  </a:t>
-            </a:r>
-            <a:r>
-              <a:rPr kumimoji="0" lang="en-US" altLang="en-US" sz="1400" b="0" i="0" u="none" strike="noStrike" cap="none" normalizeH="0" baseline="0" dirty="0" smtClean="0">
-                <a:ln>
-                  <a:noFill/>
-                </a:ln>
-                <a:solidFill>
-                  <a:srgbClr val="000000"/>
-                </a:solidFill>
-                <a:effectLst/>
-                <a:latin typeface="+mj-lt"/>
-              </a:rPr>
-              <a:t> {</a:t>
-            </a:r>
-          </a:p>
-          <a:p>
-            <a:pPr marL="0" marR="0" lvl="0" indent="0" algn="l" defTabSz="914400" rtl="0" eaLnBrk="0" fontAlgn="base" latinLnBrk="0" hangingPunct="0">
-              <a:lnSpc>
-                <a:spcPct val="100000"/>
-              </a:lnSpc>
-              <a:spcBef>
-                <a:spcPct val="0"/>
-              </a:spcBef>
-              <a:spcAft>
-                <a:spcPct val="0"/>
-              </a:spcAft>
-              <a:buClrTx/>
-              <a:buSzTx/>
-              <a:buFontTx/>
-              <a:buNone/>
-              <a:tabLst/>
-            </a:pPr>
-            <a:r>
-              <a:rPr lang="en-US" altLang="en-US" sz="1400" dirty="0">
-                <a:solidFill>
-                  <a:srgbClr val="000000"/>
-                </a:solidFill>
-                <a:latin typeface="+mj-lt"/>
-              </a:rPr>
-              <a:t> </a:t>
-            </a:r>
-            <a:r>
-              <a:rPr lang="en-US" altLang="en-US" sz="1400" dirty="0" smtClean="0">
-                <a:solidFill>
-                  <a:srgbClr val="000000"/>
-                </a:solidFill>
-                <a:latin typeface="+mj-lt"/>
-              </a:rPr>
-              <a:t>     </a:t>
-            </a:r>
-            <a:r>
-              <a:rPr kumimoji="0" lang="en-US" altLang="en-US" sz="1400" b="0" i="0" u="none" strike="noStrike" cap="none" normalizeH="0" baseline="0" dirty="0" smtClean="0">
-                <a:ln>
-                  <a:noFill/>
-                </a:ln>
-                <a:solidFill>
-                  <a:srgbClr val="000000"/>
-                </a:solidFill>
-                <a:effectLst/>
-                <a:latin typeface="+mj-lt"/>
-              </a:rPr>
-              <a:t> "data": [ </a:t>
-            </a:r>
-          </a:p>
-          <a:p>
-            <a:pPr marL="0" marR="0" lvl="0" indent="0" algn="l" defTabSz="914400" rtl="0" eaLnBrk="0" fontAlgn="base" latinLnBrk="0" hangingPunct="0">
-              <a:lnSpc>
-                <a:spcPct val="100000"/>
-              </a:lnSpc>
-              <a:spcBef>
-                <a:spcPct val="0"/>
-              </a:spcBef>
-              <a:spcAft>
-                <a:spcPct val="0"/>
-              </a:spcAft>
-              <a:buClrTx/>
-              <a:buSzTx/>
-              <a:buFontTx/>
-              <a:buNone/>
-              <a:tabLst/>
-            </a:pPr>
-            <a:r>
-              <a:rPr lang="en-US" altLang="en-US" sz="1400" dirty="0">
-                <a:solidFill>
-                  <a:srgbClr val="000000"/>
-                </a:solidFill>
-                <a:latin typeface="+mj-lt"/>
-              </a:rPr>
-              <a:t> </a:t>
-            </a:r>
-            <a:r>
-              <a:rPr lang="en-US" altLang="en-US" sz="1400" dirty="0" smtClean="0">
-                <a:solidFill>
-                  <a:srgbClr val="000000"/>
-                </a:solidFill>
-                <a:latin typeface="+mj-lt"/>
-              </a:rPr>
-              <a:t>          </a:t>
-            </a:r>
-            <a:r>
-              <a:rPr kumimoji="0" lang="en-US" altLang="en-US" sz="1400" b="0" i="0" u="none" strike="noStrike" cap="none" normalizeH="0" baseline="0" dirty="0" smtClean="0">
-                <a:ln>
-                  <a:noFill/>
-                </a:ln>
-                <a:solidFill>
-                  <a:srgbClr val="000000"/>
-                </a:solidFill>
-                <a:effectLst/>
-                <a:latin typeface="+mj-lt"/>
-              </a:rPr>
-              <a:t>{ "duration": 691, </a:t>
-            </a:r>
-          </a:p>
-          <a:p>
-            <a:pPr marL="0" marR="0" lvl="0" indent="0" algn="l" defTabSz="914400" rtl="0" eaLnBrk="0" fontAlgn="base" latinLnBrk="0" hangingPunct="0">
-              <a:lnSpc>
-                <a:spcPct val="100000"/>
-              </a:lnSpc>
-              <a:spcBef>
-                <a:spcPct val="0"/>
-              </a:spcBef>
-              <a:spcAft>
-                <a:spcPct val="0"/>
-              </a:spcAft>
-              <a:buClrTx/>
-              <a:buSzTx/>
-              <a:buFontTx/>
-              <a:buNone/>
-              <a:tabLst/>
-            </a:pPr>
-            <a:r>
-              <a:rPr lang="en-US" altLang="en-US" sz="1400" dirty="0">
-                <a:solidFill>
-                  <a:srgbClr val="000000"/>
-                </a:solidFill>
-                <a:latin typeface="+mj-lt"/>
-              </a:rPr>
-              <a:t> </a:t>
-            </a:r>
-            <a:r>
-              <a:rPr lang="en-US" altLang="en-US" sz="1400" dirty="0" smtClean="0">
-                <a:solidFill>
-                  <a:srgbClr val="000000"/>
-                </a:solidFill>
-                <a:latin typeface="+mj-lt"/>
-              </a:rPr>
-              <a:t>            </a:t>
-            </a:r>
-            <a:r>
-              <a:rPr kumimoji="0" lang="en-US" altLang="en-US" sz="1400" b="0" i="0" u="none" strike="noStrike" cap="none" normalizeH="0" baseline="0" dirty="0" smtClean="0">
-                <a:ln>
-                  <a:noFill/>
-                </a:ln>
-                <a:solidFill>
-                  <a:srgbClr val="000000"/>
-                </a:solidFill>
-                <a:effectLst/>
-                <a:latin typeface="+mj-lt"/>
-              </a:rPr>
-              <a:t>"distance": 14685, </a:t>
-            </a:r>
-          </a:p>
-          <a:p>
-            <a:pPr marL="0" marR="0" lvl="0" indent="0" algn="l" defTabSz="914400" rtl="0" eaLnBrk="0" fontAlgn="base" latinLnBrk="0" hangingPunct="0">
-              <a:lnSpc>
-                <a:spcPct val="100000"/>
-              </a:lnSpc>
-              <a:spcBef>
-                <a:spcPct val="0"/>
-              </a:spcBef>
-              <a:spcAft>
-                <a:spcPct val="0"/>
-              </a:spcAft>
-              <a:buClrTx/>
-              <a:buSzTx/>
-              <a:buFontTx/>
-              <a:buNone/>
-              <a:tabLst/>
-            </a:pPr>
-            <a:r>
-              <a:rPr lang="en-US" altLang="en-US" sz="1400" dirty="0">
-                <a:solidFill>
-                  <a:srgbClr val="000000"/>
-                </a:solidFill>
-                <a:latin typeface="+mj-lt"/>
-              </a:rPr>
-              <a:t> </a:t>
-            </a:r>
-            <a:r>
-              <a:rPr lang="en-US" altLang="en-US" sz="1400" dirty="0" smtClean="0">
-                <a:solidFill>
-                  <a:srgbClr val="000000"/>
-                </a:solidFill>
-                <a:latin typeface="+mj-lt"/>
-              </a:rPr>
-              <a:t>            </a:t>
-            </a:r>
-            <a:r>
-              <a:rPr kumimoji="0" lang="en-US" altLang="en-US" sz="1400" b="0" i="0" u="none" strike="noStrike" cap="none" normalizeH="0" baseline="0" dirty="0" smtClean="0">
-                <a:ln>
-                  <a:noFill/>
-                </a:ln>
-                <a:solidFill>
-                  <a:srgbClr val="000000"/>
-                </a:solidFill>
-                <a:effectLst/>
-                <a:latin typeface="+mj-lt"/>
-              </a:rPr>
-              <a:t>"provider": "Here", </a:t>
-            </a:r>
-          </a:p>
-          <a:p>
-            <a:pPr marL="0" marR="0" lvl="0" indent="0" algn="l" defTabSz="914400" rtl="0" eaLnBrk="0" fontAlgn="base" latinLnBrk="0" hangingPunct="0">
-              <a:lnSpc>
-                <a:spcPct val="100000"/>
-              </a:lnSpc>
-              <a:spcBef>
-                <a:spcPct val="0"/>
-              </a:spcBef>
-              <a:spcAft>
-                <a:spcPct val="0"/>
-              </a:spcAft>
-              <a:buClrTx/>
-              <a:buSzTx/>
-              <a:buFontTx/>
-              <a:buNone/>
-              <a:tabLst/>
-            </a:pPr>
-            <a:r>
-              <a:rPr lang="en-US" altLang="en-US" sz="1400" dirty="0">
-                <a:solidFill>
-                  <a:srgbClr val="000000"/>
-                </a:solidFill>
-                <a:latin typeface="+mj-lt"/>
-              </a:rPr>
-              <a:t> </a:t>
-            </a:r>
-            <a:r>
-              <a:rPr lang="en-US" altLang="en-US" sz="1400" dirty="0" smtClean="0">
-                <a:solidFill>
-                  <a:srgbClr val="000000"/>
-                </a:solidFill>
-                <a:latin typeface="+mj-lt"/>
-              </a:rPr>
-              <a:t>            </a:t>
-            </a:r>
-            <a:r>
-              <a:rPr kumimoji="0" lang="en-US" altLang="en-US" sz="1400" b="0" i="0" u="none" strike="noStrike" cap="none" normalizeH="0" baseline="0" dirty="0" smtClean="0">
-                <a:ln>
-                  <a:noFill/>
-                </a:ln>
-                <a:solidFill>
-                  <a:srgbClr val="000000"/>
-                </a:solidFill>
-                <a:effectLst/>
-                <a:latin typeface="+mj-lt"/>
-              </a:rPr>
-              <a:t>"timestamp": 1457176052000 </a:t>
-            </a:r>
-          </a:p>
-          <a:p>
-            <a:pPr marL="0" marR="0" lvl="0" indent="0" algn="l" defTabSz="914400" rtl="0" eaLnBrk="0" fontAlgn="base" latinLnBrk="0" hangingPunct="0">
-              <a:lnSpc>
-                <a:spcPct val="100000"/>
-              </a:lnSpc>
-              <a:spcBef>
-                <a:spcPct val="0"/>
-              </a:spcBef>
-              <a:spcAft>
-                <a:spcPct val="0"/>
-              </a:spcAft>
-              <a:buClrTx/>
-              <a:buSzTx/>
-              <a:buFontTx/>
-              <a:buNone/>
-              <a:tabLst/>
-            </a:pPr>
-            <a:r>
-              <a:rPr lang="en-US" altLang="en-US" sz="1400" dirty="0">
-                <a:solidFill>
-                  <a:srgbClr val="000000"/>
-                </a:solidFill>
-                <a:latin typeface="+mj-lt"/>
-              </a:rPr>
-              <a:t> </a:t>
-            </a:r>
-            <a:r>
-              <a:rPr lang="en-US" altLang="en-US" sz="1400" dirty="0" smtClean="0">
-                <a:solidFill>
-                  <a:srgbClr val="000000"/>
-                </a:solidFill>
-                <a:latin typeface="+mj-lt"/>
-              </a:rPr>
-              <a:t>          }</a:t>
-            </a:r>
-          </a:p>
-          <a:p>
-            <a:pPr marL="0" marR="0" lvl="0" indent="0" algn="l" defTabSz="914400" rtl="0" eaLnBrk="0" fontAlgn="base" latinLnBrk="0" hangingPunct="0">
-              <a:lnSpc>
-                <a:spcPct val="100000"/>
-              </a:lnSpc>
-              <a:spcBef>
-                <a:spcPct val="0"/>
-              </a:spcBef>
-              <a:spcAft>
-                <a:spcPct val="0"/>
-              </a:spcAft>
-              <a:buClrTx/>
-              <a:buSzTx/>
-              <a:buFontTx/>
-              <a:buNone/>
-              <a:tabLst/>
-            </a:pPr>
-            <a:r>
-              <a:rPr kumimoji="0" lang="nl-BE" altLang="en-US" sz="1400" b="0" i="0" u="none" strike="noStrike" cap="none" normalizeH="0" baseline="0" dirty="0">
-                <a:ln>
-                  <a:noFill/>
-                </a:ln>
-                <a:solidFill>
-                  <a:srgbClr val="000000"/>
-                </a:solidFill>
-                <a:effectLst/>
-                <a:latin typeface="+mj-lt"/>
-              </a:rPr>
-              <a:t> </a:t>
-            </a:r>
-            <a:r>
-              <a:rPr kumimoji="0" lang="nl-BE" altLang="en-US" sz="1400" b="0" i="0" u="none" strike="noStrike" cap="none" normalizeH="0" baseline="0" dirty="0" smtClean="0">
-                <a:ln>
-                  <a:noFill/>
-                </a:ln>
-                <a:solidFill>
-                  <a:srgbClr val="000000"/>
-                </a:solidFill>
-                <a:effectLst/>
-                <a:latin typeface="+mj-lt"/>
-              </a:rPr>
-              <a:t>      ],</a:t>
-            </a:r>
-          </a:p>
-          <a:p>
-            <a:pPr lvl="0" eaLnBrk="0" fontAlgn="base" hangingPunct="0">
-              <a:spcBef>
-                <a:spcPct val="0"/>
-              </a:spcBef>
-              <a:spcAft>
-                <a:spcPct val="0"/>
-              </a:spcAft>
-            </a:pPr>
-            <a:r>
-              <a:rPr lang="nl-BE" altLang="en-US" sz="900" dirty="0" smtClean="0">
-                <a:solidFill>
-                  <a:srgbClr val="000000"/>
-                </a:solidFill>
-                <a:latin typeface="+mj-lt"/>
-              </a:rPr>
-              <a:t>          </a:t>
-            </a:r>
-            <a:r>
-              <a:rPr lang="en-US" altLang="en-US" sz="1600" dirty="0" smtClean="0">
-                <a:solidFill>
-                  <a:srgbClr val="000000"/>
-                </a:solidFill>
-                <a:latin typeface="+mj-lt"/>
-              </a:rPr>
-              <a:t>"</a:t>
-            </a:r>
-            <a:r>
-              <a:rPr lang="en-US" altLang="en-US" sz="1600" dirty="0">
-                <a:solidFill>
-                  <a:srgbClr val="000000"/>
-                </a:solidFill>
-                <a:latin typeface="+mj-lt"/>
-              </a:rPr>
-              <a:t>name": "R4 </a:t>
-            </a:r>
-            <a:r>
-              <a:rPr lang="en-US" altLang="en-US" sz="1600" dirty="0" err="1">
-                <a:solidFill>
-                  <a:srgbClr val="000000"/>
-                </a:solidFill>
-                <a:latin typeface="+mj-lt"/>
-              </a:rPr>
-              <a:t>Zelzate</a:t>
-            </a:r>
-            <a:r>
-              <a:rPr lang="en-US" altLang="en-US" sz="1600" dirty="0">
-                <a:solidFill>
-                  <a:srgbClr val="000000"/>
-                </a:solidFill>
-                <a:latin typeface="+mj-lt"/>
-              </a:rPr>
-              <a:t>", </a:t>
-            </a:r>
-          </a:p>
-          <a:p>
-            <a:pPr lvl="0" eaLnBrk="0" fontAlgn="base" hangingPunct="0">
-              <a:spcBef>
-                <a:spcPct val="0"/>
-              </a:spcBef>
-              <a:spcAft>
-                <a:spcPct val="0"/>
-              </a:spcAft>
-            </a:pPr>
-            <a:r>
-              <a:rPr lang="en-US" altLang="en-US" sz="1600" dirty="0">
-                <a:solidFill>
-                  <a:srgbClr val="000000"/>
-                </a:solidFill>
-                <a:latin typeface="+mj-lt"/>
-              </a:rPr>
-              <a:t>    </a:t>
-            </a:r>
-            <a:r>
-              <a:rPr lang="en-US" altLang="en-US" sz="1600" dirty="0" smtClean="0">
-                <a:solidFill>
-                  <a:srgbClr val="000000"/>
-                </a:solidFill>
-                <a:latin typeface="+mj-lt"/>
-              </a:rPr>
-              <a:t>  "</a:t>
-            </a:r>
-            <a:r>
-              <a:rPr lang="en-US" altLang="en-US" sz="1600" dirty="0">
-                <a:solidFill>
-                  <a:srgbClr val="000000"/>
-                </a:solidFill>
-                <a:latin typeface="+mj-lt"/>
-              </a:rPr>
-              <a:t>id": </a:t>
-            </a:r>
-            <a:r>
-              <a:rPr lang="en-US" altLang="en-US" sz="1600" dirty="0" smtClean="0">
-                <a:solidFill>
-                  <a:srgbClr val="000000"/>
-                </a:solidFill>
-                <a:latin typeface="+mj-lt"/>
-              </a:rPr>
-              <a:t>1</a:t>
-            </a:r>
-          </a:p>
-          <a:p>
-            <a:pPr lvl="0" eaLnBrk="0" fontAlgn="base" hangingPunct="0">
-              <a:spcBef>
-                <a:spcPct val="0"/>
-              </a:spcBef>
-              <a:spcAft>
-                <a:spcPct val="0"/>
-              </a:spcAft>
-            </a:pPr>
-            <a:r>
-              <a:rPr lang="nl-BE" altLang="en-US" sz="1600" dirty="0" smtClean="0">
-                <a:solidFill>
-                  <a:srgbClr val="000000"/>
-                </a:solidFill>
-                <a:latin typeface="+mj-lt"/>
-              </a:rPr>
-              <a:t>}  ]</a:t>
-            </a:r>
-            <a:endParaRPr kumimoji="0" lang="en-US" altLang="en-US" sz="3200" b="0" i="0" u="none" strike="noStrike" cap="none" normalizeH="0" baseline="0" dirty="0" smtClean="0">
-              <a:ln>
-                <a:noFill/>
-              </a:ln>
-              <a:solidFill>
-                <a:schemeClr val="tx1"/>
-              </a:solidFill>
-              <a:effectLst/>
               <a:latin typeface="+mj-lt"/>
             </a:endParaRPr>
           </a:p>
@@ -24760,6 +24473,565 @@
           </a:graphicData>
         </a:graphic>
       </p:graphicFrame>
+      <p:sp>
+        <p:nvSpPr>
+          <p:cNvPr id="12" name="Rectangle 1"/>
+          <p:cNvSpPr>
+            <a:spLocks noChangeArrowheads="1"/>
+          </p:cNvSpPr>
+          <p:nvPr/>
+        </p:nvSpPr>
+        <p:spPr bwMode="auto">
+          <a:xfrm>
+            <a:off x="1968683" y="3657258"/>
+            <a:ext cx="5328592" cy="2462213"/>
+          </a:xfrm>
+          <a:prstGeom prst="rect">
+            <a:avLst/>
+          </a:prstGeom>
+          <a:noFill/>
+          <a:ln>
+            <a:noFill/>
+          </a:ln>
+          <a:effectLst/>
+          <a:extLst>
+            <a:ext uri="{909E8E84-426E-40DD-AFC4-6F175D3DCCD1}">
+              <a14:hiddenFill xmlns:a14="http://schemas.microsoft.com/office/drawing/2010/main">
+                <a:solidFill>
+                  <a:schemeClr val="accent1"/>
+                </a:solidFill>
+              </a14:hiddenFill>
+            </a:ext>
+            <a:ext uri="{91240B29-F687-4F45-9708-019B960494DF}">
+              <a14:hiddenLine xmlns:a14="http://schemas.microsoft.com/office/drawing/2010/main" w="9525">
+                <a:solidFill>
+                  <a:schemeClr val="tx1"/>
+                </a:solidFill>
+                <a:miter lim="800000"/>
+                <a:headEnd/>
+                <a:tailEnd/>
+              </a14:hiddenLine>
+            </a:ext>
+            <a:ext uri="{AF507438-7753-43E0-B8FC-AC1667EBCBE1}">
+              <a14:hiddenEffects xmlns:a14="http://schemas.microsoft.com/office/drawing/2010/main">
+                <a:effectLst>
+                  <a:outerShdw dist="35921" dir="2700000" algn="ctr" rotWithShape="0">
+                    <a:schemeClr val="bg2"/>
+                  </a:outerShdw>
+                </a:effectLst>
+              </a14:hiddenEffects>
+            </a:ext>
+          </a:extLst>
+        </p:spPr>
+        <p:txBody>
+          <a:bodyPr vert="horz" wrap="square" lIns="91440" tIns="45720" rIns="91440" bIns="45720" numCol="1" anchor="ctr" anchorCtr="0" compatLnSpc="1">
+            <a:prstTxWarp prst="textNoShape">
+              <a:avLst/>
+            </a:prstTxWarp>
+            <a:spAutoFit/>
+          </a:bodyPr>
+          <a:lstStyle/>
+          <a:p>
+            <a:pPr marL="0" marR="0" lvl="0" indent="0" algn="l" defTabSz="914400" rtl="0" eaLnBrk="0" fontAlgn="base" latinLnBrk="0" hangingPunct="0">
+              <a:lnSpc>
+                <a:spcPct val="100000"/>
+              </a:lnSpc>
+              <a:spcBef>
+                <a:spcPct val="0"/>
+              </a:spcBef>
+              <a:spcAft>
+                <a:spcPct val="0"/>
+              </a:spcAft>
+              <a:buClrTx/>
+              <a:buSzTx/>
+              <a:buFontTx/>
+              <a:buNone/>
+              <a:tabLst/>
+            </a:pPr>
+            <a:r>
+              <a:rPr kumimoji="0" lang="en-US" altLang="en-US" sz="1400" b="0" i="0" u="none" strike="noStrike" cap="none" normalizeH="0" baseline="0" dirty="0" smtClean="0">
+                <a:ln>
+                  <a:noFill/>
+                </a:ln>
+                <a:solidFill>
+                  <a:srgbClr val="000000"/>
+                </a:solidFill>
+                <a:effectLst/>
+                <a:latin typeface="+mj-lt"/>
+              </a:rPr>
+              <a:t>[</a:t>
+            </a:r>
+            <a:r>
+              <a:rPr lang="en-US" altLang="en-US" sz="1400" dirty="0" smtClean="0">
+                <a:solidFill>
+                  <a:srgbClr val="000000"/>
+                </a:solidFill>
+                <a:latin typeface="+mj-lt"/>
+              </a:rPr>
+              <a:t>  </a:t>
+            </a:r>
+            <a:r>
+              <a:rPr kumimoji="0" lang="en-US" altLang="en-US" sz="1400" b="0" i="0" u="none" strike="noStrike" cap="none" normalizeH="0" baseline="0" dirty="0" smtClean="0">
+                <a:ln>
+                  <a:noFill/>
+                </a:ln>
+                <a:solidFill>
+                  <a:srgbClr val="000000"/>
+                </a:solidFill>
+                <a:effectLst/>
+                <a:latin typeface="+mj-lt"/>
+              </a:rPr>
+              <a:t> {</a:t>
+            </a:r>
+          </a:p>
+          <a:p>
+            <a:pPr marL="0" marR="0" lvl="0" indent="0" algn="l" defTabSz="914400" rtl="0" eaLnBrk="0" fontAlgn="base" latinLnBrk="0" hangingPunct="0">
+              <a:lnSpc>
+                <a:spcPct val="100000"/>
+              </a:lnSpc>
+              <a:spcBef>
+                <a:spcPct val="0"/>
+              </a:spcBef>
+              <a:spcAft>
+                <a:spcPct val="0"/>
+              </a:spcAft>
+              <a:buClrTx/>
+              <a:buSzTx/>
+              <a:buFontTx/>
+              <a:buNone/>
+              <a:tabLst/>
+            </a:pPr>
+            <a:r>
+              <a:rPr lang="en-US" altLang="en-US" sz="1400" dirty="0">
+                <a:solidFill>
+                  <a:srgbClr val="000000"/>
+                </a:solidFill>
+                <a:latin typeface="+mj-lt"/>
+              </a:rPr>
+              <a:t> </a:t>
+            </a:r>
+            <a:r>
+              <a:rPr lang="en-US" altLang="en-US" sz="1400" dirty="0" smtClean="0">
+                <a:solidFill>
+                  <a:srgbClr val="000000"/>
+                </a:solidFill>
+                <a:latin typeface="+mj-lt"/>
+              </a:rPr>
+              <a:t>     </a:t>
+            </a:r>
+            <a:r>
+              <a:rPr kumimoji="0" lang="en-US" altLang="en-US" sz="1400" b="0" i="0" u="none" strike="noStrike" cap="none" normalizeH="0" baseline="0" dirty="0" smtClean="0">
+                <a:ln>
+                  <a:noFill/>
+                </a:ln>
+                <a:solidFill>
+                  <a:srgbClr val="000000"/>
+                </a:solidFill>
+                <a:effectLst/>
+                <a:latin typeface="+mj-lt"/>
+              </a:rPr>
+              <a:t> "data": [ </a:t>
+            </a:r>
+          </a:p>
+          <a:p>
+            <a:pPr marL="0" marR="0" lvl="0" indent="0" algn="l" defTabSz="914400" rtl="0" eaLnBrk="0" fontAlgn="base" latinLnBrk="0" hangingPunct="0">
+              <a:lnSpc>
+                <a:spcPct val="100000"/>
+              </a:lnSpc>
+              <a:spcBef>
+                <a:spcPct val="0"/>
+              </a:spcBef>
+              <a:spcAft>
+                <a:spcPct val="0"/>
+              </a:spcAft>
+              <a:buClrTx/>
+              <a:buSzTx/>
+              <a:buFontTx/>
+              <a:buNone/>
+              <a:tabLst/>
+            </a:pPr>
+            <a:r>
+              <a:rPr lang="en-US" altLang="en-US" sz="1400" dirty="0">
+                <a:solidFill>
+                  <a:srgbClr val="000000"/>
+                </a:solidFill>
+                <a:latin typeface="+mj-lt"/>
+              </a:rPr>
+              <a:t> </a:t>
+            </a:r>
+            <a:r>
+              <a:rPr lang="en-US" altLang="en-US" sz="1400" dirty="0" smtClean="0">
+                <a:solidFill>
+                  <a:srgbClr val="000000"/>
+                </a:solidFill>
+                <a:latin typeface="+mj-lt"/>
+              </a:rPr>
+              <a:t>          </a:t>
+            </a:r>
+            <a:r>
+              <a:rPr kumimoji="0" lang="en-US" altLang="en-US" sz="1400" b="0" i="0" u="none" strike="noStrike" cap="none" normalizeH="0" baseline="0" dirty="0" smtClean="0">
+                <a:ln>
+                  <a:noFill/>
+                </a:ln>
+                <a:solidFill>
+                  <a:srgbClr val="000000"/>
+                </a:solidFill>
+                <a:effectLst/>
+                <a:latin typeface="+mj-lt"/>
+              </a:rPr>
+              <a:t>{ "duration": 691, </a:t>
+            </a:r>
+          </a:p>
+          <a:p>
+            <a:pPr marL="0" marR="0" lvl="0" indent="0" algn="l" defTabSz="914400" rtl="0" eaLnBrk="0" fontAlgn="base" latinLnBrk="0" hangingPunct="0">
+              <a:lnSpc>
+                <a:spcPct val="100000"/>
+              </a:lnSpc>
+              <a:spcBef>
+                <a:spcPct val="0"/>
+              </a:spcBef>
+              <a:spcAft>
+                <a:spcPct val="0"/>
+              </a:spcAft>
+              <a:buClrTx/>
+              <a:buSzTx/>
+              <a:buFontTx/>
+              <a:buNone/>
+              <a:tabLst/>
+            </a:pPr>
+            <a:r>
+              <a:rPr lang="en-US" altLang="en-US" sz="1400" dirty="0">
+                <a:solidFill>
+                  <a:srgbClr val="000000"/>
+                </a:solidFill>
+                <a:latin typeface="+mj-lt"/>
+              </a:rPr>
+              <a:t> </a:t>
+            </a:r>
+            <a:r>
+              <a:rPr lang="en-US" altLang="en-US" sz="1400" dirty="0" smtClean="0">
+                <a:solidFill>
+                  <a:srgbClr val="000000"/>
+                </a:solidFill>
+                <a:latin typeface="+mj-lt"/>
+              </a:rPr>
+              <a:t>            </a:t>
+            </a:r>
+            <a:r>
+              <a:rPr kumimoji="0" lang="en-US" altLang="en-US" sz="1400" b="0" i="0" u="none" strike="noStrike" cap="none" normalizeH="0" baseline="0" dirty="0" smtClean="0">
+                <a:ln>
+                  <a:noFill/>
+                </a:ln>
+                <a:solidFill>
+                  <a:srgbClr val="000000"/>
+                </a:solidFill>
+                <a:effectLst/>
+                <a:latin typeface="+mj-lt"/>
+              </a:rPr>
+              <a:t>"distance": 14685, </a:t>
+            </a:r>
+          </a:p>
+          <a:p>
+            <a:pPr marL="0" marR="0" lvl="0" indent="0" algn="l" defTabSz="914400" rtl="0" eaLnBrk="0" fontAlgn="base" latinLnBrk="0" hangingPunct="0">
+              <a:lnSpc>
+                <a:spcPct val="100000"/>
+              </a:lnSpc>
+              <a:spcBef>
+                <a:spcPct val="0"/>
+              </a:spcBef>
+              <a:spcAft>
+                <a:spcPct val="0"/>
+              </a:spcAft>
+              <a:buClrTx/>
+              <a:buSzTx/>
+              <a:buFontTx/>
+              <a:buNone/>
+              <a:tabLst/>
+            </a:pPr>
+            <a:r>
+              <a:rPr lang="en-US" altLang="en-US" sz="1400" dirty="0">
+                <a:solidFill>
+                  <a:srgbClr val="000000"/>
+                </a:solidFill>
+                <a:latin typeface="+mj-lt"/>
+              </a:rPr>
+              <a:t> </a:t>
+            </a:r>
+            <a:r>
+              <a:rPr lang="en-US" altLang="en-US" sz="1400" dirty="0" smtClean="0">
+                <a:solidFill>
+                  <a:srgbClr val="000000"/>
+                </a:solidFill>
+                <a:latin typeface="+mj-lt"/>
+              </a:rPr>
+              <a:t>            </a:t>
+            </a:r>
+            <a:r>
+              <a:rPr kumimoji="0" lang="en-US" altLang="en-US" sz="1400" b="0" i="0" u="none" strike="noStrike" cap="none" normalizeH="0" baseline="0" dirty="0" smtClean="0">
+                <a:ln>
+                  <a:noFill/>
+                </a:ln>
+                <a:solidFill>
+                  <a:srgbClr val="000000"/>
+                </a:solidFill>
+                <a:effectLst/>
+                <a:latin typeface="+mj-lt"/>
+              </a:rPr>
+              <a:t>"provider": "Here", </a:t>
+            </a:r>
+          </a:p>
+          <a:p>
+            <a:pPr marL="0" marR="0" lvl="0" indent="0" algn="l" defTabSz="914400" rtl="0" eaLnBrk="0" fontAlgn="base" latinLnBrk="0" hangingPunct="0">
+              <a:lnSpc>
+                <a:spcPct val="100000"/>
+              </a:lnSpc>
+              <a:spcBef>
+                <a:spcPct val="0"/>
+              </a:spcBef>
+              <a:spcAft>
+                <a:spcPct val="0"/>
+              </a:spcAft>
+              <a:buClrTx/>
+              <a:buSzTx/>
+              <a:buFontTx/>
+              <a:buNone/>
+              <a:tabLst/>
+            </a:pPr>
+            <a:r>
+              <a:rPr lang="en-US" altLang="en-US" sz="1400" dirty="0">
+                <a:solidFill>
+                  <a:srgbClr val="000000"/>
+                </a:solidFill>
+                <a:latin typeface="+mj-lt"/>
+              </a:rPr>
+              <a:t> </a:t>
+            </a:r>
+            <a:r>
+              <a:rPr lang="en-US" altLang="en-US" sz="1400" dirty="0" smtClean="0">
+                <a:solidFill>
+                  <a:srgbClr val="000000"/>
+                </a:solidFill>
+                <a:latin typeface="+mj-lt"/>
+              </a:rPr>
+              <a:t>            </a:t>
+            </a:r>
+            <a:r>
+              <a:rPr kumimoji="0" lang="en-US" altLang="en-US" sz="1400" b="0" i="0" u="none" strike="noStrike" cap="none" normalizeH="0" baseline="0" dirty="0" smtClean="0">
+                <a:ln>
+                  <a:noFill/>
+                </a:ln>
+                <a:solidFill>
+                  <a:srgbClr val="000000"/>
+                </a:solidFill>
+                <a:effectLst/>
+                <a:latin typeface="+mj-lt"/>
+              </a:rPr>
+              <a:t>"timestamp": 1457176052000 </a:t>
+            </a:r>
+          </a:p>
+          <a:p>
+            <a:pPr marL="0" marR="0" lvl="0" indent="0" algn="l" defTabSz="914400" rtl="0" eaLnBrk="0" fontAlgn="base" latinLnBrk="0" hangingPunct="0">
+              <a:lnSpc>
+                <a:spcPct val="100000"/>
+              </a:lnSpc>
+              <a:spcBef>
+                <a:spcPct val="0"/>
+              </a:spcBef>
+              <a:spcAft>
+                <a:spcPct val="0"/>
+              </a:spcAft>
+              <a:buClrTx/>
+              <a:buSzTx/>
+              <a:buFontTx/>
+              <a:buNone/>
+              <a:tabLst/>
+            </a:pPr>
+            <a:r>
+              <a:rPr lang="en-US" altLang="en-US" sz="1400" dirty="0">
+                <a:solidFill>
+                  <a:srgbClr val="000000"/>
+                </a:solidFill>
+                <a:latin typeface="+mj-lt"/>
+              </a:rPr>
+              <a:t> </a:t>
+            </a:r>
+            <a:r>
+              <a:rPr lang="en-US" altLang="en-US" sz="1400" dirty="0" smtClean="0">
+                <a:solidFill>
+                  <a:srgbClr val="000000"/>
+                </a:solidFill>
+                <a:latin typeface="+mj-lt"/>
+              </a:rPr>
+              <a:t>          }</a:t>
+            </a:r>
+          </a:p>
+          <a:p>
+            <a:pPr marL="0" marR="0" lvl="0" indent="0" algn="l" defTabSz="914400" rtl="0" eaLnBrk="0" fontAlgn="base" latinLnBrk="0" hangingPunct="0">
+              <a:lnSpc>
+                <a:spcPct val="100000"/>
+              </a:lnSpc>
+              <a:spcBef>
+                <a:spcPct val="0"/>
+              </a:spcBef>
+              <a:spcAft>
+                <a:spcPct val="0"/>
+              </a:spcAft>
+              <a:buClrTx/>
+              <a:buSzTx/>
+              <a:buFontTx/>
+              <a:buNone/>
+              <a:tabLst/>
+            </a:pPr>
+            <a:r>
+              <a:rPr kumimoji="0" lang="nl-BE" altLang="en-US" sz="1400" b="0" i="0" u="none" strike="noStrike" cap="none" normalizeH="0" baseline="0" dirty="0">
+                <a:ln>
+                  <a:noFill/>
+                </a:ln>
+                <a:solidFill>
+                  <a:srgbClr val="000000"/>
+                </a:solidFill>
+                <a:effectLst/>
+                <a:latin typeface="+mj-lt"/>
+              </a:rPr>
+              <a:t> </a:t>
+            </a:r>
+            <a:r>
+              <a:rPr kumimoji="0" lang="nl-BE" altLang="en-US" sz="1400" b="0" i="0" u="none" strike="noStrike" cap="none" normalizeH="0" baseline="0" dirty="0" smtClean="0">
+                <a:ln>
+                  <a:noFill/>
+                </a:ln>
+                <a:solidFill>
+                  <a:srgbClr val="000000"/>
+                </a:solidFill>
+                <a:effectLst/>
+                <a:latin typeface="+mj-lt"/>
+              </a:rPr>
+              <a:t>      ],</a:t>
+            </a:r>
+          </a:p>
+          <a:p>
+            <a:pPr lvl="0" eaLnBrk="0" fontAlgn="base" hangingPunct="0">
+              <a:spcBef>
+                <a:spcPct val="0"/>
+              </a:spcBef>
+              <a:spcAft>
+                <a:spcPct val="0"/>
+              </a:spcAft>
+            </a:pPr>
+            <a:r>
+              <a:rPr lang="en-US" altLang="en-US" sz="1400" dirty="0" smtClean="0">
+                <a:solidFill>
+                  <a:srgbClr val="000000"/>
+                </a:solidFill>
+                <a:latin typeface="+mj-lt"/>
+              </a:rPr>
+              <a:t>      "</a:t>
+            </a:r>
+            <a:r>
+              <a:rPr lang="en-US" altLang="en-US" sz="1400" dirty="0">
+                <a:solidFill>
+                  <a:srgbClr val="000000"/>
+                </a:solidFill>
+                <a:latin typeface="+mj-lt"/>
+              </a:rPr>
+              <a:t>name": "R4 </a:t>
+            </a:r>
+            <a:r>
+              <a:rPr lang="en-US" altLang="en-US" sz="1400" dirty="0" err="1">
+                <a:solidFill>
+                  <a:srgbClr val="000000"/>
+                </a:solidFill>
+                <a:latin typeface="+mj-lt"/>
+              </a:rPr>
+              <a:t>Zelzate</a:t>
+            </a:r>
+            <a:r>
+              <a:rPr lang="en-US" altLang="en-US" sz="1400" dirty="0">
+                <a:solidFill>
+                  <a:srgbClr val="000000"/>
+                </a:solidFill>
+                <a:latin typeface="+mj-lt"/>
+              </a:rPr>
+              <a:t>", </a:t>
+            </a:r>
+          </a:p>
+          <a:p>
+            <a:pPr lvl="0" eaLnBrk="0" fontAlgn="base" hangingPunct="0">
+              <a:spcBef>
+                <a:spcPct val="0"/>
+              </a:spcBef>
+              <a:spcAft>
+                <a:spcPct val="0"/>
+              </a:spcAft>
+            </a:pPr>
+            <a:r>
+              <a:rPr lang="en-US" altLang="en-US" sz="1400" dirty="0">
+                <a:solidFill>
+                  <a:srgbClr val="000000"/>
+                </a:solidFill>
+                <a:latin typeface="+mj-lt"/>
+              </a:rPr>
+              <a:t>    </a:t>
+            </a:r>
+            <a:r>
+              <a:rPr lang="en-US" altLang="en-US" sz="1400" dirty="0" smtClean="0">
+                <a:solidFill>
+                  <a:srgbClr val="000000"/>
+                </a:solidFill>
+                <a:latin typeface="+mj-lt"/>
+              </a:rPr>
+              <a:t>  "</a:t>
+            </a:r>
+            <a:r>
+              <a:rPr lang="en-US" altLang="en-US" sz="1400" dirty="0">
+                <a:solidFill>
+                  <a:srgbClr val="000000"/>
+                </a:solidFill>
+                <a:latin typeface="+mj-lt"/>
+              </a:rPr>
+              <a:t>id": </a:t>
+            </a:r>
+            <a:r>
+              <a:rPr lang="en-US" altLang="en-US" sz="1400" dirty="0" smtClean="0">
+                <a:solidFill>
+                  <a:srgbClr val="000000"/>
+                </a:solidFill>
+                <a:latin typeface="+mj-lt"/>
+              </a:rPr>
+              <a:t>1</a:t>
+            </a:r>
+          </a:p>
+          <a:p>
+            <a:pPr lvl="0" eaLnBrk="0" fontAlgn="base" hangingPunct="0">
+              <a:spcBef>
+                <a:spcPct val="0"/>
+              </a:spcBef>
+              <a:spcAft>
+                <a:spcPct val="0"/>
+              </a:spcAft>
+            </a:pPr>
+            <a:r>
+              <a:rPr lang="nl-BE" altLang="en-US" sz="1400" dirty="0" smtClean="0">
+                <a:solidFill>
+                  <a:srgbClr val="000000"/>
+                </a:solidFill>
+                <a:latin typeface="+mj-lt"/>
+              </a:rPr>
+              <a:t>}  ]</a:t>
+            </a:r>
+            <a:endParaRPr kumimoji="0" lang="en-US" altLang="en-US" sz="1400" b="0" i="0" u="none" strike="noStrike" cap="none" normalizeH="0" baseline="0" dirty="0" smtClean="0">
+              <a:ln>
+                <a:noFill/>
+              </a:ln>
+              <a:solidFill>
+                <a:schemeClr val="tx1"/>
+              </a:solidFill>
+              <a:effectLst/>
+              <a:latin typeface="+mj-lt"/>
+            </a:endParaRPr>
+          </a:p>
+        </p:txBody>
+      </p:sp>
     </p:spTree>
     <p:extLst>
       <p:ext uri="{BB962C8B-B14F-4D97-AF65-F5344CB8AC3E}">

--- a/Analyse/Presentatie/Sprint1.pptx
+++ b/Analyse/Presentatie/Sprint1.pptx
@@ -2190,13 +2190,7 @@
             <a:rPr lang="nl-NL" sz="1800" dirty="0" smtClean="0">
               <a:latin typeface="+mj-lt"/>
             </a:rPr>
-            <a:t>Interval = 5 </a:t>
-          </a:r>
-          <a:r>
-            <a:rPr lang="nl-NL" sz="1800" dirty="0" smtClean="0">
-              <a:latin typeface="+mj-lt"/>
-            </a:rPr>
-            <a:t>min</a:t>
+            <a:t>Interval = 5 min</a:t>
           </a:r>
           <a:endParaRPr lang="nl-NL" sz="1800" dirty="0">
             <a:latin typeface="+mj-lt"/>
@@ -2836,13 +2830,7 @@
             <a:rPr lang="nl-NL" sz="1600" dirty="0" smtClean="0">
               <a:latin typeface="+mj-lt"/>
             </a:rPr>
-            <a:t>Geeft data </a:t>
-          </a:r>
-          <a:r>
-            <a:rPr lang="nl-NL" sz="1600" dirty="0" smtClean="0">
-              <a:latin typeface="+mj-lt"/>
-            </a:rPr>
-            <a:t>door richting databank</a:t>
+            <a:t>Geeft data door richting databank</a:t>
           </a:r>
           <a:endParaRPr lang="nl-NL" sz="1600" dirty="0">
             <a:latin typeface="+mj-lt"/>
@@ -4691,13 +4679,7 @@
             <a:rPr lang="nl-NL" sz="1800" kern="1200" dirty="0" smtClean="0">
               <a:latin typeface="+mj-lt"/>
             </a:rPr>
-            <a:t>Interval = 5 </a:t>
-          </a:r>
-          <a:r>
-            <a:rPr lang="nl-NL" sz="1800" kern="1200" dirty="0" smtClean="0">
-              <a:latin typeface="+mj-lt"/>
-            </a:rPr>
-            <a:t>min</a:t>
+            <a:t>Interval = 5 min</a:t>
           </a:r>
           <a:endParaRPr lang="nl-NL" sz="1800" kern="1200" dirty="0">
             <a:latin typeface="+mj-lt"/>
@@ -5214,13 +5196,7 @@
             <a:rPr lang="nl-NL" sz="1600" kern="1200" dirty="0" smtClean="0">
               <a:latin typeface="+mj-lt"/>
             </a:rPr>
-            <a:t>Geeft data </a:t>
-          </a:r>
-          <a:r>
-            <a:rPr lang="nl-NL" sz="1600" kern="1200" dirty="0" smtClean="0">
-              <a:latin typeface="+mj-lt"/>
-            </a:rPr>
-            <a:t>door richting databank</a:t>
+            <a:t>Geeft data door richting databank</a:t>
           </a:r>
           <a:endParaRPr lang="nl-NL" sz="1600" kern="1200" dirty="0">
             <a:latin typeface="+mj-lt"/>
@@ -10234,7 +10210,7 @@
           <a:p>
             <a:fld id="{57172956-6238-400D-9974-2016EE53E7AD}" type="datetimeFigureOut">
               <a:rPr lang="en-US" smtClean="0"/>
-              <a:t>3/7/2016</a:t>
+              <a:t>3/8/2016</a:t>
             </a:fld>
             <a:endParaRPr lang="en-US"/>
           </a:p>
@@ -11160,7 +11136,7 @@
           <a:p>
             <a:fld id="{7216033D-A50F-441E-B6E8-E8749D75AA34}" type="datetime1">
               <a:rPr lang="en-US" smtClean="0"/>
-              <a:t>3/7/2016</a:t>
+              <a:t>3/8/2016</a:t>
             </a:fld>
             <a:endParaRPr lang="en-US"/>
           </a:p>
@@ -11350,7 +11326,7 @@
           <a:p>
             <a:fld id="{5A718131-A238-4DF4-8946-89510EBFF6EE}" type="datetime1">
               <a:rPr lang="en-US" smtClean="0"/>
-              <a:t>3/7/2016</a:t>
+              <a:t>3/8/2016</a:t>
             </a:fld>
             <a:endParaRPr lang="en-US"/>
           </a:p>
@@ -11532,7 +11508,7 @@
           <a:p>
             <a:fld id="{408C53EC-3ADA-46A3-84A1-A6E696808619}" type="datetime1">
               <a:rPr lang="en-US" smtClean="0"/>
-              <a:t>3/7/2016</a:t>
+              <a:t>3/8/2016</a:t>
             </a:fld>
             <a:endParaRPr lang="en-US"/>
           </a:p>
@@ -11730,7 +11706,7 @@
           <a:p>
             <a:fld id="{155AD3F8-0CB2-4424-900C-3A9938219B82}" type="datetime1">
               <a:rPr lang="en-US" smtClean="0"/>
-              <a:t>3/7/2016</a:t>
+              <a:t>3/8/2016</a:t>
             </a:fld>
             <a:endParaRPr lang="en-US"/>
           </a:p>
@@ -12013,7 +11989,7 @@
           <a:p>
             <a:fld id="{55CD22CD-2874-4B82-88B6-9E6CE5B09A90}" type="datetime1">
               <a:rPr lang="en-US" smtClean="0"/>
-              <a:t>3/7/2016</a:t>
+              <a:t>3/8/2016</a:t>
             </a:fld>
             <a:endParaRPr lang="en-US"/>
           </a:p>
@@ -12279,7 +12255,7 @@
           <a:p>
             <a:fld id="{C2EBF0EE-308B-4261-8306-2186CC58AD56}" type="datetime1">
               <a:rPr lang="en-US" smtClean="0"/>
-              <a:t>3/7/2016</a:t>
+              <a:t>3/8/2016</a:t>
             </a:fld>
             <a:endParaRPr lang="en-US"/>
           </a:p>
@@ -12694,7 +12670,7 @@
           <a:p>
             <a:fld id="{5E56E209-1B83-4994-B637-085281926E54}" type="datetime1">
               <a:rPr lang="en-US" smtClean="0"/>
-              <a:t>3/7/2016</a:t>
+              <a:t>3/8/2016</a:t>
             </a:fld>
             <a:endParaRPr lang="en-US"/>
           </a:p>
@@ -12832,7 +12808,7 @@
           <a:p>
             <a:fld id="{F541C875-329B-4A70-8668-B6469EBE2DD5}" type="datetime1">
               <a:rPr lang="en-US" smtClean="0"/>
-              <a:t>3/7/2016</a:t>
+              <a:t>3/8/2016</a:t>
             </a:fld>
             <a:endParaRPr lang="en-US"/>
           </a:p>
@@ -12939,7 +12915,7 @@
           <a:p>
             <a:fld id="{EBAB312E-881B-4ECD-8FB7-2C1BFD20B6EB}" type="datetime1">
               <a:rPr lang="en-US" smtClean="0"/>
-              <a:t>3/7/2016</a:t>
+              <a:t>3/8/2016</a:t>
             </a:fld>
             <a:endParaRPr lang="en-US"/>
           </a:p>
@@ -13191,7 +13167,7 @@
           <a:p>
             <a:fld id="{7DFECBBB-CCAA-4C33-BD88-5804D3D60320}" type="datetime1">
               <a:rPr lang="en-US" smtClean="0"/>
-              <a:t>3/7/2016</a:t>
+              <a:t>3/8/2016</a:t>
             </a:fld>
             <a:endParaRPr lang="en-US"/>
           </a:p>
@@ -13442,7 +13418,7 @@
           <a:p>
             <a:fld id="{510A15E1-5C83-4B96-B803-688E2B3FA7CC}" type="datetime1">
               <a:rPr lang="en-US" smtClean="0"/>
-              <a:t>3/7/2016</a:t>
+              <a:t>3/8/2016</a:t>
             </a:fld>
             <a:endParaRPr lang="en-US"/>
           </a:p>
@@ -14273,7 +14249,7 @@
           <a:p>
             <a:fld id="{FFAA0A22-F2FE-4DAE-AFFF-153695AE9C8C}" type="datetime1">
               <a:rPr lang="en-US" smtClean="0"/>
-              <a:t>3/7/2016</a:t>
+              <a:t>3/8/2016</a:t>
             </a:fld>
             <a:endParaRPr lang="en-US"/>
           </a:p>
@@ -18714,8 +18690,12 @@
           <a:p>
             <a:pPr lvl="1"/>
             <a:r>
+              <a:rPr lang="nl-NL" sz="1400" smtClean="0"/>
+              <a:t>2X2-matrix </a:t>
+            </a:r>
+            <a:r>
               <a:rPr lang="nl-NL" sz="1400" dirty="0" smtClean="0"/>
-              <a:t>2X2-matrix zijn = 4 aanvragen</a:t>
+              <a:t>= 4 aanvragen</a:t>
             </a:r>
           </a:p>
           <a:p>
@@ -18798,11 +18778,7 @@
             <a:pPr lvl="1"/>
             <a:r>
               <a:rPr lang="nl-NL" sz="1400" dirty="0" smtClean="0"/>
-              <a:t>100 000 </a:t>
-            </a:r>
-            <a:r>
-              <a:rPr lang="nl-NL" sz="1400" dirty="0" smtClean="0"/>
-              <a:t>aanvragen/dag</a:t>
+              <a:t>100 000 aanvragen/dag</a:t>
             </a:r>
           </a:p>
           <a:p>
